--- a/doc/発表資料.pptx
+++ b/doc/発表資料.pptx
@@ -2,21 +2,20 @@
 <file path=ppt/presentation.xml><?xml version="1.0" encoding="utf-8"?>
 <p:presentation xmlns:a="http://schemas.openxmlformats.org/drawingml/2006/main" xmlns:r="http://schemas.openxmlformats.org/officeDocument/2006/relationships" xmlns:p="http://schemas.openxmlformats.org/presentationml/2006/main" saveSubsetFonts="1">
   <p:sldMasterIdLst>
-    <p:sldMasterId id="2147483707" r:id="rId1"/>
+    <p:sldMasterId id="2147483707" r:id="rId4"/>
   </p:sldMasterIdLst>
   <p:sldIdLst>
-    <p:sldId id="256" r:id="rId2"/>
-    <p:sldId id="265" r:id="rId3"/>
-    <p:sldId id="257" r:id="rId4"/>
-    <p:sldId id="259" r:id="rId5"/>
-    <p:sldId id="260" r:id="rId6"/>
-    <p:sldId id="261" r:id="rId7"/>
-    <p:sldId id="262" r:id="rId8"/>
-    <p:sldId id="263" r:id="rId9"/>
-    <p:sldId id="264" r:id="rId10"/>
-    <p:sldId id="266" r:id="rId11"/>
-    <p:sldId id="258" r:id="rId12"/>
-    <p:sldId id="267" r:id="rId13"/>
+    <p:sldId id="256" r:id="rId5"/>
+    <p:sldId id="265" r:id="rId6"/>
+    <p:sldId id="257" r:id="rId7"/>
+    <p:sldId id="260" r:id="rId8"/>
+    <p:sldId id="259" r:id="rId9"/>
+    <p:sldId id="261" r:id="rId10"/>
+    <p:sldId id="262" r:id="rId11"/>
+    <p:sldId id="264" r:id="rId12"/>
+    <p:sldId id="258" r:id="rId13"/>
+    <p:sldId id="267" r:id="rId14"/>
+    <p:sldId id="266" r:id="rId15"/>
   </p:sldIdLst>
   <p:sldSz cx="12192000" cy="6858000"/>
   <p:notesSz cx="6858000" cy="9144000"/>
@@ -123,6 +122,19 @@
 </p:presentation>
 </file>
 
+<file path=ppt/revisionInfo.xml><?xml version="1.0" encoding="utf-8"?>
+<p1510:revInfo xmlns:a="http://schemas.openxmlformats.org/drawingml/2006/main" xmlns:r="http://schemas.openxmlformats.org/officeDocument/2006/relationships" xmlns:p1510="http://schemas.microsoft.com/office/powerpoint/2015/10/main">
+  <p1510:revLst>
+    <p1510:client id="{0AF12C5E-3DD0-B315-F2E8-FD5507ED985D}" v="186" dt="2023-06-28T01:38:36.324"/>
+    <p1510:client id="{235121AE-768A-C0A2-4AF9-06BF43F891D6}" v="278" dt="2023-06-28T03:00:26.403"/>
+    <p1510:client id="{23F24220-E447-E6DF-B329-77885E8A9F60}" v="25" dt="2023-06-28T00:55:53.696"/>
+    <p1510:client id="{5DB896FD-709D-4E7E-9C98-401A637C50A8}" vWet="4" dt="2023-06-28T00:38:57.691"/>
+    <p1510:client id="{9C2E6A8F-0864-972B-0D3C-495052DCC399}" v="462" dt="2023-06-28T02:58:51.946"/>
+    <p1510:client id="{F2264CFE-A4C2-090B-2B69-AF6E34075DB1}" v="1" dt="2023-06-28T02:47:05.731"/>
+  </p1510:revLst>
+</p1510:revInfo>
+</file>
+
 <file path=ppt/slideLayouts/slideLayout1.xml><?xml version="1.0" encoding="utf-8"?>
 <p:sldLayout xmlns:a="http://schemas.openxmlformats.org/drawingml/2006/main" xmlns:r="http://schemas.openxmlformats.org/officeDocument/2006/relationships" xmlns:p="http://schemas.openxmlformats.org/presentationml/2006/main" showMasterSp="0" type="title" preserve="1">
   <p:cSld name="タイトル スライド">
@@ -211,7 +223,7 @@
               <a:rPr lang="ja-JP" altLang="en-US"/>
               <a:t>マスター タイトルの書式設定</a:t>
             </a:r>
-            <a:endParaRPr lang="en-US" dirty="0"/>
+            <a:endParaRPr lang="en-US"/>
           </a:p>
         </p:txBody>
       </p:sp>
@@ -278,7 +290,7 @@
               <a:rPr lang="ja-JP" altLang="en-US"/>
               <a:t>マスター サブタイトルの書式設定</a:t>
             </a:r>
-            <a:endParaRPr lang="en-US" dirty="0"/>
+            <a:endParaRPr lang="en-US"/>
           </a:p>
         </p:txBody>
       </p:sp>
@@ -396,7 +408,7 @@
               <a:rPr lang="ja-JP" altLang="en-US"/>
               <a:t>マスター タイトルの書式設定</a:t>
             </a:r>
-            <a:endParaRPr lang="en-US" dirty="0"/>
+            <a:endParaRPr lang="en-US"/>
           </a:p>
         </p:txBody>
       </p:sp>
@@ -480,7 +492,7 @@
               <a:rPr lang="ja-JP" altLang="en-US"/>
               <a:t>レベル</a:t>
             </a:r>
-            <a:endParaRPr lang="en-US" dirty="0"/>
+            <a:endParaRPr lang="en-US"/>
           </a:p>
         </p:txBody>
       </p:sp>
@@ -641,7 +653,7 @@
               <a:rPr lang="ja-JP" altLang="en-US"/>
               <a:t>マスター タイトルの書式設定</a:t>
             </a:r>
-            <a:endParaRPr lang="en-US" dirty="0"/>
+            <a:endParaRPr lang="en-US"/>
           </a:p>
         </p:txBody>
       </p:sp>
@@ -730,7 +742,7 @@
               <a:rPr lang="ja-JP" altLang="en-US"/>
               <a:t>レベル</a:t>
             </a:r>
-            <a:endParaRPr lang="en-US" dirty="0"/>
+            <a:endParaRPr lang="en-US"/>
           </a:p>
         </p:txBody>
       </p:sp>
@@ -863,7 +875,7 @@
               <a:rPr lang="ja-JP" altLang="en-US"/>
               <a:t>マスター タイトルの書式設定</a:t>
             </a:r>
-            <a:endParaRPr lang="en-US" dirty="0"/>
+            <a:endParaRPr lang="en-US"/>
           </a:p>
         </p:txBody>
       </p:sp>
@@ -947,7 +959,7 @@
               <a:rPr lang="ja-JP" altLang="en-US"/>
               <a:t>レベル</a:t>
             </a:r>
-            <a:endParaRPr lang="en-US" dirty="0"/>
+            <a:endParaRPr lang="en-US"/>
           </a:p>
         </p:txBody>
       </p:sp>
@@ -1126,7 +1138,7 @@
               <a:rPr lang="ja-JP" altLang="en-US"/>
               <a:t>マスター タイトルの書式設定</a:t>
             </a:r>
-            <a:endParaRPr lang="en-US" dirty="0"/>
+            <a:endParaRPr lang="en-US"/>
           </a:p>
         </p:txBody>
       </p:sp>
@@ -1387,7 +1399,7 @@
               <a:rPr lang="ja-JP" altLang="en-US"/>
               <a:t>マスター タイトルの書式設定</a:t>
             </a:r>
-            <a:endParaRPr lang="en-US" dirty="0"/>
+            <a:endParaRPr lang="en-US"/>
           </a:p>
         </p:txBody>
       </p:sp>
@@ -1504,7 +1516,7 @@
               <a:rPr lang="ja-JP" altLang="en-US"/>
               <a:t>レベル</a:t>
             </a:r>
-            <a:endParaRPr lang="en-US" dirty="0"/>
+            <a:endParaRPr lang="en-US"/>
           </a:p>
         </p:txBody>
       </p:sp>
@@ -1621,7 +1633,7 @@
               <a:rPr lang="ja-JP" altLang="en-US"/>
               <a:t>レベル</a:t>
             </a:r>
-            <a:endParaRPr lang="en-US" dirty="0"/>
+            <a:endParaRPr lang="en-US"/>
           </a:p>
         </p:txBody>
       </p:sp>
@@ -1739,7 +1751,7 @@
               <a:rPr lang="ja-JP" altLang="en-US"/>
               <a:t>マスター タイトルの書式設定</a:t>
             </a:r>
-            <a:endParaRPr lang="en-US" dirty="0"/>
+            <a:endParaRPr lang="en-US"/>
           </a:p>
         </p:txBody>
       </p:sp>
@@ -1923,7 +1935,7 @@
               <a:rPr lang="ja-JP" altLang="en-US"/>
               <a:t>レベル</a:t>
             </a:r>
-            <a:endParaRPr lang="en-US" dirty="0"/>
+            <a:endParaRPr lang="en-US"/>
           </a:p>
         </p:txBody>
       </p:sp>
@@ -2107,7 +2119,7 @@
               <a:rPr lang="ja-JP" altLang="en-US"/>
               <a:t>レベル</a:t>
             </a:r>
-            <a:endParaRPr lang="en-US" dirty="0"/>
+            <a:endParaRPr lang="en-US"/>
           </a:p>
         </p:txBody>
       </p:sp>
@@ -2225,7 +2237,7 @@
               <a:rPr lang="ja-JP" altLang="en-US"/>
               <a:t>マスター タイトルの書式設定</a:t>
             </a:r>
-            <a:endParaRPr lang="en-US" dirty="0"/>
+            <a:endParaRPr lang="en-US"/>
           </a:p>
         </p:txBody>
       </p:sp>
@@ -2438,7 +2450,7 @@
               <a:rPr lang="ja-JP" altLang="en-US"/>
               <a:t>マスター タイトルの書式設定</a:t>
             </a:r>
-            <a:endParaRPr lang="en-US" dirty="0"/>
+            <a:endParaRPr lang="en-US"/>
           </a:p>
         </p:txBody>
       </p:sp>
@@ -2555,7 +2567,7 @@
               <a:rPr lang="ja-JP" altLang="en-US"/>
               <a:t>レベル</a:t>
             </a:r>
-            <a:endParaRPr lang="en-US" dirty="0"/>
+            <a:endParaRPr lang="en-US"/>
           </a:p>
         </p:txBody>
       </p:sp>
@@ -2743,7 +2755,7 @@
               <a:rPr lang="ja-JP" altLang="en-US"/>
               <a:t>マスター タイトルの書式設定</a:t>
             </a:r>
-            <a:endParaRPr lang="en-US" dirty="0"/>
+            <a:endParaRPr lang="en-US"/>
           </a:p>
         </p:txBody>
       </p:sp>
@@ -2820,7 +2832,7 @@
               <a:rPr lang="ja-JP" altLang="en-US"/>
               <a:t>アイコンをクリックして図を追加</a:t>
             </a:r>
-            <a:endParaRPr lang="en-US" dirty="0"/>
+            <a:endParaRPr lang="en-US"/>
           </a:p>
         </p:txBody>
       </p:sp>
@@ -3061,7 +3073,7 @@
               <a:rPr lang="ja-JP" altLang="en-US"/>
               <a:t>マスター タイトルの書式設定</a:t>
             </a:r>
-            <a:endParaRPr lang="en-US" dirty="0"/>
+            <a:endParaRPr lang="en-US"/>
           </a:p>
         </p:txBody>
       </p:sp>
@@ -3155,7 +3167,7 @@
               <a:rPr lang="ja-JP" altLang="en-US"/>
               <a:t>レベル</a:t>
             </a:r>
-            <a:endParaRPr lang="en-US" dirty="0"/>
+            <a:endParaRPr lang="en-US"/>
           </a:p>
         </p:txBody>
       </p:sp>
@@ -3679,12 +3691,12 @@
           <a:lstStyle/>
           <a:p>
             <a:r>
-              <a:rPr kumimoji="1" lang="en-US" altLang="ja-JP" sz="4000" dirty="0">
+              <a:rPr kumimoji="1" lang="en-US" altLang="ja-JP" sz="4000">
                 <a:latin typeface="Amasis MT Pro" panose="020B0604020202020204" pitchFamily="18" charset="0"/>
               </a:rPr>
               <a:t>Eat well, Live well</a:t>
             </a:r>
-            <a:endParaRPr kumimoji="1" lang="ja-JP" altLang="en-US" sz="4000" dirty="0">
+            <a:endParaRPr kumimoji="1" lang="ja-JP" altLang="en-US" sz="4000">
               <a:latin typeface="Amasis MT Pro" panose="020B0604020202020204" pitchFamily="18" charset="0"/>
             </a:endParaRPr>
           </a:p>
@@ -3718,7 +3730,7 @@
         </p:blipFill>
         <p:spPr>
           <a:xfrm>
-            <a:off x="2200162" y="1851291"/>
+            <a:off x="2538829" y="1837180"/>
             <a:ext cx="7791676" cy="2020918"/>
           </a:xfrm>
           <a:prstGeom prst="rect">
@@ -3755,14 +3767,14 @@
           <a:lstStyle/>
           <a:p>
             <a:r>
-              <a:rPr kumimoji="1" lang="ja-JP" altLang="en-US" sz="2800" dirty="0">
+              <a:rPr kumimoji="1" lang="ja-JP" altLang="en-US" sz="2800">
                 <a:latin typeface="UD デジタル 教科書体 NP-R" panose="02020400000000000000" pitchFamily="18" charset="-128"/>
                 <a:ea typeface="UD デジタル 教科書体 NP-R" panose="02020400000000000000" pitchFamily="18" charset="-128"/>
               </a:rPr>
               <a:t>加藤龍　</a:t>
             </a:r>
             <a:r>
-              <a:rPr kumimoji="1" lang="ja-JP" altLang="en-US" sz="2800" b="1" dirty="0">
+              <a:rPr kumimoji="1" lang="ja-JP" altLang="en-US" sz="2800" b="1">
                 <a:solidFill>
                   <a:srgbClr val="008000"/>
                 </a:solidFill>
@@ -3772,7 +3784,7 @@
               <a:t>山本純</a:t>
             </a:r>
             <a:r>
-              <a:rPr kumimoji="1" lang="ja-JP" altLang="en-US" sz="2800" dirty="0">
+              <a:rPr kumimoji="1" lang="ja-JP" altLang="en-US" sz="2800">
                 <a:latin typeface="UD デジタル 教科書体 NP-R" panose="02020400000000000000" pitchFamily="18" charset="-128"/>
                 <a:ea typeface="UD デジタル 教科書体 NP-R" panose="02020400000000000000" pitchFamily="18" charset="-128"/>
               </a:rPr>
@@ -3871,96 +3883,6 @@
           </a:p>
         </p:txBody>
       </p:sp>
-    </p:spTree>
-    <p:extLst>
-      <p:ext uri="{BB962C8B-B14F-4D97-AF65-F5344CB8AC3E}">
-        <p14:creationId xmlns:p14="http://schemas.microsoft.com/office/powerpoint/2010/main" val="3925511992"/>
-      </p:ext>
-    </p:extLst>
-  </p:cSld>
-  <p:clrMapOvr>
-    <a:masterClrMapping/>
-  </p:clrMapOvr>
-</p:sld>
-</file>
-
-<file path=ppt/slides/slide11.xml><?xml version="1.0" encoding="utf-8"?>
-<p:sld xmlns:a="http://schemas.openxmlformats.org/drawingml/2006/main" xmlns:r="http://schemas.openxmlformats.org/officeDocument/2006/relationships" xmlns:p="http://schemas.openxmlformats.org/presentationml/2006/main">
-  <p:cSld>
-    <p:bg>
-      <p:bgPr>
-        <a:solidFill>
-          <a:srgbClr val="AEE2FF"/>
-        </a:solidFill>
-        <a:effectLst/>
-      </p:bgPr>
-    </p:bg>
-    <p:spTree>
-      <p:nvGrpSpPr>
-        <p:cNvPr id="1" name=""/>
-        <p:cNvGrpSpPr/>
-        <p:nvPr/>
-      </p:nvGrpSpPr>
-      <p:grpSpPr>
-        <a:xfrm>
-          <a:off x="0" y="0"/>
-          <a:ext cx="0" cy="0"/>
-          <a:chOff x="0" y="0"/>
-          <a:chExt cx="0" cy="0"/>
-        </a:xfrm>
-      </p:grpSpPr>
-      <p:sp>
-        <p:nvSpPr>
-          <p:cNvPr id="2" name="正方形/長方形 1">
-            <a:extLst>
-              <a:ext uri="{FF2B5EF4-FFF2-40B4-BE49-F238E27FC236}">
-                <a16:creationId xmlns:a16="http://schemas.microsoft.com/office/drawing/2014/main" id="{5B096CB1-87E5-4B06-B864-486CBCC10EE2}"/>
-              </a:ext>
-            </a:extLst>
-          </p:cNvPr>
-          <p:cNvSpPr/>
-          <p:nvPr/>
-        </p:nvSpPr>
-        <p:spPr>
-          <a:xfrm>
-            <a:off x="436880" y="406400"/>
-            <a:ext cx="11318240" cy="6045200"/>
-          </a:xfrm>
-          <a:prstGeom prst="rect">
-            <a:avLst/>
-          </a:prstGeom>
-          <a:solidFill>
-            <a:schemeClr val="tx1"/>
-          </a:solidFill>
-          <a:ln>
-            <a:noFill/>
-          </a:ln>
-        </p:spPr>
-        <p:style>
-          <a:lnRef idx="2">
-            <a:schemeClr val="accent1">
-              <a:shade val="50000"/>
-            </a:schemeClr>
-          </a:lnRef>
-          <a:fillRef idx="1">
-            <a:schemeClr val="accent1"/>
-          </a:fillRef>
-          <a:effectRef idx="0">
-            <a:schemeClr val="accent1"/>
-          </a:effectRef>
-          <a:fontRef idx="minor">
-            <a:schemeClr val="lt1"/>
-          </a:fontRef>
-        </p:style>
-        <p:txBody>
-          <a:bodyPr rtlCol="0" anchor="ctr"/>
-          <a:lstStyle/>
-          <a:p>
-            <a:pPr algn="ctr"/>
-            <a:endParaRPr kumimoji="1" lang="ja-JP" altLang="en-US"/>
-          </a:p>
-        </p:txBody>
-      </p:sp>
       <p:pic>
         <p:nvPicPr>
           <p:cNvPr id="4" name="図 3" descr="グラフ&#10;&#10;自動的に生成された説明">
@@ -4029,213 +3951,6 @@
       </p:pic>
       <p:sp>
         <p:nvSpPr>
-          <p:cNvPr id="9" name="テキスト ボックス 8">
-            <a:extLst>
-              <a:ext uri="{FF2B5EF4-FFF2-40B4-BE49-F238E27FC236}">
-                <a16:creationId xmlns:a16="http://schemas.microsoft.com/office/drawing/2014/main" id="{3F9AE884-8F8E-4C50-876C-8B99DDA5D075}"/>
-              </a:ext>
-            </a:extLst>
-          </p:cNvPr>
-          <p:cNvSpPr txBox="1"/>
-          <p:nvPr/>
-        </p:nvSpPr>
-        <p:spPr>
-          <a:xfrm>
-            <a:off x="8087360" y="4836160"/>
-            <a:ext cx="2712720" cy="369332"/>
-          </a:xfrm>
-          <a:prstGeom prst="rect">
-            <a:avLst/>
-          </a:prstGeom>
-          <a:noFill/>
-        </p:spPr>
-        <p:txBody>
-          <a:bodyPr wrap="square" rtlCol="0">
-            <a:spAutoFit/>
-          </a:bodyPr>
-          <a:lstStyle/>
-          <a:p>
-            <a:r>
-              <a:rPr kumimoji="1" lang="en-US" altLang="ja-JP" dirty="0">
-                <a:solidFill>
-                  <a:schemeClr val="bg1"/>
-                </a:solidFill>
-                <a:latin typeface="UD デジタル 教科書体 NP-R" panose="02020400000000000000" pitchFamily="18" charset="-128"/>
-                <a:ea typeface="UD デジタル 教科書体 NP-R" panose="02020400000000000000" pitchFamily="18" charset="-128"/>
-              </a:rPr>
-              <a:t>※</a:t>
-            </a:r>
-            <a:r>
-              <a:rPr kumimoji="1" lang="ja-JP" altLang="en-US" dirty="0">
-                <a:solidFill>
-                  <a:schemeClr val="bg1"/>
-                </a:solidFill>
-                <a:latin typeface="UD デジタル 教科書体 NP-R" panose="02020400000000000000" pitchFamily="18" charset="-128"/>
-                <a:ea typeface="UD デジタル 教科書体 NP-R" panose="02020400000000000000" pitchFamily="18" charset="-128"/>
-              </a:rPr>
-              <a:t>外部設計書</a:t>
-            </a:r>
-          </a:p>
-        </p:txBody>
-      </p:sp>
-    </p:spTree>
-    <p:extLst>
-      <p:ext uri="{BB962C8B-B14F-4D97-AF65-F5344CB8AC3E}">
-        <p14:creationId xmlns:p14="http://schemas.microsoft.com/office/powerpoint/2010/main" val="109115079"/>
-      </p:ext>
-    </p:extLst>
-  </p:cSld>
-  <p:clrMapOvr>
-    <a:masterClrMapping/>
-  </p:clrMapOvr>
-</p:sld>
-</file>
-
-<file path=ppt/slides/slide12.xml><?xml version="1.0" encoding="utf-8"?>
-<p:sld xmlns:a="http://schemas.openxmlformats.org/drawingml/2006/main" xmlns:r="http://schemas.openxmlformats.org/officeDocument/2006/relationships" xmlns:p="http://schemas.openxmlformats.org/presentationml/2006/main">
-  <p:cSld>
-    <p:bg>
-      <p:bgPr>
-        <a:solidFill>
-          <a:srgbClr val="AEE2FF"/>
-        </a:solidFill>
-        <a:effectLst/>
-      </p:bgPr>
-    </p:bg>
-    <p:spTree>
-      <p:nvGrpSpPr>
-        <p:cNvPr id="1" name=""/>
-        <p:cNvGrpSpPr/>
-        <p:nvPr/>
-      </p:nvGrpSpPr>
-      <p:grpSpPr>
-        <a:xfrm>
-          <a:off x="0" y="0"/>
-          <a:ext cx="0" cy="0"/>
-          <a:chOff x="0" y="0"/>
-          <a:chExt cx="0" cy="0"/>
-        </a:xfrm>
-      </p:grpSpPr>
-      <p:sp>
-        <p:nvSpPr>
-          <p:cNvPr id="2" name="正方形/長方形 1">
-            <a:extLst>
-              <a:ext uri="{FF2B5EF4-FFF2-40B4-BE49-F238E27FC236}">
-                <a16:creationId xmlns:a16="http://schemas.microsoft.com/office/drawing/2014/main" id="{5B096CB1-87E5-4B06-B864-486CBCC10EE2}"/>
-              </a:ext>
-            </a:extLst>
-          </p:cNvPr>
-          <p:cNvSpPr/>
-          <p:nvPr/>
-        </p:nvSpPr>
-        <p:spPr>
-          <a:xfrm>
-            <a:off x="436880" y="406400"/>
-            <a:ext cx="11318240" cy="6045200"/>
-          </a:xfrm>
-          <a:prstGeom prst="rect">
-            <a:avLst/>
-          </a:prstGeom>
-          <a:solidFill>
-            <a:schemeClr val="tx1"/>
-          </a:solidFill>
-          <a:ln>
-            <a:noFill/>
-          </a:ln>
-        </p:spPr>
-        <p:style>
-          <a:lnRef idx="2">
-            <a:schemeClr val="accent1">
-              <a:shade val="50000"/>
-            </a:schemeClr>
-          </a:lnRef>
-          <a:fillRef idx="1">
-            <a:schemeClr val="accent1"/>
-          </a:fillRef>
-          <a:effectRef idx="0">
-            <a:schemeClr val="accent1"/>
-          </a:effectRef>
-          <a:fontRef idx="minor">
-            <a:schemeClr val="lt1"/>
-          </a:fontRef>
-        </p:style>
-        <p:txBody>
-          <a:bodyPr rtlCol="0" anchor="ctr"/>
-          <a:lstStyle/>
-          <a:p>
-            <a:pPr algn="ctr"/>
-            <a:endParaRPr kumimoji="1" lang="ja-JP" altLang="en-US"/>
-          </a:p>
-        </p:txBody>
-      </p:sp>
-      <p:pic>
-        <p:nvPicPr>
-          <p:cNvPr id="4" name="図 3" descr="グラフ&#10;&#10;自動的に生成された説明">
-            <a:extLst>
-              <a:ext uri="{FF2B5EF4-FFF2-40B4-BE49-F238E27FC236}">
-                <a16:creationId xmlns:a16="http://schemas.microsoft.com/office/drawing/2014/main" id="{A2CEF732-C480-46AF-9E84-0BF9BD0B47D2}"/>
-              </a:ext>
-            </a:extLst>
-          </p:cNvPr>
-          <p:cNvPicPr>
-            <a:picLocks noChangeAspect="1"/>
-          </p:cNvPicPr>
-          <p:nvPr/>
-        </p:nvPicPr>
-        <p:blipFill>
-          <a:blip r:embed="rId2">
-            <a:extLst>
-              <a:ext uri="{28A0092B-C50C-407E-A947-70E740481C1C}">
-                <a14:useLocalDpi xmlns:a14="http://schemas.microsoft.com/office/drawing/2010/main" val="0"/>
-              </a:ext>
-            </a:extLst>
-          </a:blip>
-          <a:stretch>
-            <a:fillRect/>
-          </a:stretch>
-        </p:blipFill>
-        <p:spPr>
-          <a:xfrm>
-            <a:off x="11033760" y="5704840"/>
-            <a:ext cx="985520" cy="985520"/>
-          </a:xfrm>
-          <a:prstGeom prst="rect">
-            <a:avLst/>
-          </a:prstGeom>
-        </p:spPr>
-      </p:pic>
-      <p:pic>
-        <p:nvPicPr>
-          <p:cNvPr id="5" name="図 4">
-            <a:extLst>
-              <a:ext uri="{FF2B5EF4-FFF2-40B4-BE49-F238E27FC236}">
-                <a16:creationId xmlns:a16="http://schemas.microsoft.com/office/drawing/2014/main" id="{44DF5A4D-94B9-4ACC-A06B-74494C6401F3}"/>
-              </a:ext>
-            </a:extLst>
-          </p:cNvPr>
-          <p:cNvPicPr>
-            <a:picLocks noChangeAspect="1"/>
-          </p:cNvPicPr>
-          <p:nvPr/>
-        </p:nvPicPr>
-        <p:blipFill>
-          <a:blip r:embed="rId3"/>
-          <a:stretch>
-            <a:fillRect/>
-          </a:stretch>
-        </p:blipFill>
-        <p:spPr>
-          <a:xfrm>
-            <a:off x="2547499" y="2123678"/>
-            <a:ext cx="7097001" cy="2610644"/>
-          </a:xfrm>
-          <a:prstGeom prst="rect">
-            <a:avLst/>
-          </a:prstGeom>
-        </p:spPr>
-      </p:pic>
-      <p:sp>
-        <p:nvSpPr>
           <p:cNvPr id="6" name="テキスト ボックス 5">
             <a:extLst>
               <a:ext uri="{FF2B5EF4-FFF2-40B4-BE49-F238E27FC236}">
@@ -4266,7 +3981,7 @@
           </a:bodyPr>
           <a:lstStyle/>
           <a:p>
-            <a:endParaRPr kumimoji="1" lang="ja-JP" altLang="en-US" dirty="0"/>
+            <a:endParaRPr kumimoji="1" lang="ja-JP" altLang="en-US"/>
           </a:p>
         </p:txBody>
       </p:sp>
@@ -4443,6 +4158,96 @@
 </p:sld>
 </file>
 
+<file path=ppt/slides/slide11.xml><?xml version="1.0" encoding="utf-8"?>
+<p:sld xmlns:a="http://schemas.openxmlformats.org/drawingml/2006/main" xmlns:r="http://schemas.openxmlformats.org/officeDocument/2006/relationships" xmlns:p="http://schemas.openxmlformats.org/presentationml/2006/main">
+  <p:cSld>
+    <p:bg>
+      <p:bgPr>
+        <a:solidFill>
+          <a:srgbClr val="AEE2FF"/>
+        </a:solidFill>
+        <a:effectLst/>
+      </p:bgPr>
+    </p:bg>
+    <p:spTree>
+      <p:nvGrpSpPr>
+        <p:cNvPr id="1" name=""/>
+        <p:cNvGrpSpPr/>
+        <p:nvPr/>
+      </p:nvGrpSpPr>
+      <p:grpSpPr>
+        <a:xfrm>
+          <a:off x="0" y="0"/>
+          <a:ext cx="0" cy="0"/>
+          <a:chOff x="0" y="0"/>
+          <a:chExt cx="0" cy="0"/>
+        </a:xfrm>
+      </p:grpSpPr>
+      <p:sp>
+        <p:nvSpPr>
+          <p:cNvPr id="2" name="正方形/長方形 1">
+            <a:extLst>
+              <a:ext uri="{FF2B5EF4-FFF2-40B4-BE49-F238E27FC236}">
+                <a16:creationId xmlns:a16="http://schemas.microsoft.com/office/drawing/2014/main" id="{5B096CB1-87E5-4B06-B864-486CBCC10EE2}"/>
+              </a:ext>
+            </a:extLst>
+          </p:cNvPr>
+          <p:cNvSpPr/>
+          <p:nvPr/>
+        </p:nvSpPr>
+        <p:spPr>
+          <a:xfrm>
+            <a:off x="436880" y="406400"/>
+            <a:ext cx="11318240" cy="6045200"/>
+          </a:xfrm>
+          <a:prstGeom prst="rect">
+            <a:avLst/>
+          </a:prstGeom>
+          <a:solidFill>
+            <a:schemeClr val="tx1"/>
+          </a:solidFill>
+          <a:ln>
+            <a:noFill/>
+          </a:ln>
+        </p:spPr>
+        <p:style>
+          <a:lnRef idx="2">
+            <a:schemeClr val="accent1">
+              <a:shade val="50000"/>
+            </a:schemeClr>
+          </a:lnRef>
+          <a:fillRef idx="1">
+            <a:schemeClr val="accent1"/>
+          </a:fillRef>
+          <a:effectRef idx="0">
+            <a:schemeClr val="accent1"/>
+          </a:effectRef>
+          <a:fontRef idx="minor">
+            <a:schemeClr val="lt1"/>
+          </a:fontRef>
+        </p:style>
+        <p:txBody>
+          <a:bodyPr rtlCol="0" anchor="ctr"/>
+          <a:lstStyle/>
+          <a:p>
+            <a:pPr algn="ctr"/>
+            <a:endParaRPr kumimoji="1" lang="ja-JP" altLang="en-US"/>
+          </a:p>
+        </p:txBody>
+      </p:sp>
+    </p:spTree>
+    <p:extLst>
+      <p:ext uri="{BB962C8B-B14F-4D97-AF65-F5344CB8AC3E}">
+        <p14:creationId xmlns:p14="http://schemas.microsoft.com/office/powerpoint/2010/main" val="3925511992"/>
+      </p:ext>
+    </p:extLst>
+  </p:cSld>
+  <p:clrMapOvr>
+    <a:masterClrMapping/>
+  </p:clrMapOvr>
+</p:sld>
+</file>
+
 <file path=ppt/slides/slide2.xml><?xml version="1.0" encoding="utf-8"?>
 <p:sld xmlns:a="http://schemas.openxmlformats.org/drawingml/2006/main" xmlns:r="http://schemas.openxmlformats.org/officeDocument/2006/relationships" xmlns:p="http://schemas.openxmlformats.org/presentationml/2006/main">
   <p:cSld>
@@ -4516,7 +4321,7 @@
           <a:lstStyle/>
           <a:p>
             <a:pPr algn="ctr"/>
-            <a:endParaRPr kumimoji="1" lang="ja-JP" altLang="en-US" dirty="0">
+            <a:endParaRPr kumimoji="1" lang="ja-JP" altLang="en-US">
               <a:solidFill>
                 <a:srgbClr val="FF0000"/>
               </a:solidFill>
@@ -4538,7 +4343,7 @@
         </p:nvSpPr>
         <p:spPr>
           <a:xfrm>
-            <a:off x="4007645" y="3167390"/>
+            <a:off x="4073905" y="3167390"/>
             <a:ext cx="7936706" cy="523220"/>
           </a:xfrm>
           <a:prstGeom prst="rect">
@@ -4553,7 +4358,7 @@
           <a:lstStyle/>
           <a:p>
             <a:r>
-              <a:rPr kumimoji="1" lang="ja-JP" altLang="en-US" sz="2800" b="1" dirty="0">
+              <a:rPr kumimoji="1" lang="ja-JP" altLang="en-US" sz="2800" b="1">
                 <a:solidFill>
                   <a:srgbClr val="A50021"/>
                 </a:solidFill>
@@ -4776,7 +4581,7 @@
           <a:lstStyle/>
           <a:p>
             <a:pPr algn="ctr"/>
-            <a:endParaRPr kumimoji="1" lang="ja-JP" altLang="en-US" dirty="0"/>
+            <a:endParaRPr kumimoji="1" lang="ja-JP" altLang="en-US"/>
           </a:p>
         </p:txBody>
       </p:sp>
@@ -4809,7 +4614,7 @@
           <a:lstStyle/>
           <a:p>
             <a:r>
-              <a:rPr kumimoji="1" lang="ja-JP" altLang="en-US" sz="3200" dirty="0">
+              <a:rPr kumimoji="1" lang="ja-JP" altLang="en-US" sz="3200">
                 <a:solidFill>
                   <a:schemeClr val="bg1"/>
                 </a:solidFill>
@@ -4905,7 +4710,7 @@
           <a:lstStyle/>
           <a:p>
             <a:pPr algn="ctr"/>
-            <a:endParaRPr kumimoji="1" lang="ja-JP" altLang="en-US" dirty="0"/>
+            <a:endParaRPr kumimoji="1" lang="ja-JP" altLang="en-US"/>
           </a:p>
         </p:txBody>
       </p:sp>
@@ -4938,7 +4743,7 @@
           <a:lstStyle/>
           <a:p>
             <a:r>
-              <a:rPr kumimoji="1" lang="ja-JP" altLang="en-US" sz="3200" dirty="0">
+              <a:rPr kumimoji="1" lang="ja-JP" altLang="en-US" sz="3200">
                 <a:solidFill>
                   <a:schemeClr val="bg1"/>
                 </a:solidFill>
@@ -4979,7 +4784,7 @@
           <a:lstStyle/>
           <a:p>
             <a:r>
-              <a:rPr kumimoji="1" lang="ja-JP" altLang="en-US" sz="3200" dirty="0">
+              <a:rPr kumimoji="1" lang="ja-JP" altLang="en-US" sz="3200">
                 <a:solidFill>
                   <a:schemeClr val="bg1"/>
                 </a:solidFill>
@@ -4988,7 +4793,7 @@
               </a:rPr>
               <a:t>～健康管理アプリ～</a:t>
             </a:r>
-            <a:endParaRPr kumimoji="1" lang="en-US" altLang="ja-JP" sz="3200" dirty="0">
+            <a:endParaRPr kumimoji="1" lang="en-US" altLang="ja-JP" sz="3200">
               <a:solidFill>
                 <a:schemeClr val="bg1"/>
               </a:solidFill>
@@ -5027,7 +4832,7 @@
           <a:lstStyle/>
           <a:p>
             <a:r>
-              <a:rPr kumimoji="1" lang="ja-JP" altLang="en-US" sz="2400" dirty="0">
+              <a:rPr kumimoji="1" lang="ja-JP" altLang="en-US" sz="2400">
                 <a:solidFill>
                   <a:schemeClr val="bg1"/>
                 </a:solidFill>
@@ -5038,7 +4843,7 @@
             </a:r>
           </a:p>
           <a:p>
-            <a:endParaRPr kumimoji="1" lang="ja-JP" altLang="en-US" dirty="0"/>
+            <a:endParaRPr kumimoji="1" lang="ja-JP" altLang="en-US"/>
           </a:p>
         </p:txBody>
       </p:sp>
@@ -5134,10 +4939,10 @@
       </p:sp>
       <p:pic>
         <p:nvPicPr>
-          <p:cNvPr id="4" name="図 3" descr="ロゴ が含まれている画像&#10;&#10;自動的に生成された説明">
+          <p:cNvPr id="4" name="図 3" descr="ロゴ&#10;&#10;自動的に生成された説明">
             <a:extLst>
               <a:ext uri="{FF2B5EF4-FFF2-40B4-BE49-F238E27FC236}">
-                <a16:creationId xmlns:a16="http://schemas.microsoft.com/office/drawing/2014/main" id="{330EBDBD-0451-4BEA-9489-FD4B4548D6AA}"/>
+                <a16:creationId xmlns:a16="http://schemas.microsoft.com/office/drawing/2014/main" id="{EC29B7A0-D826-43C4-BD5F-053E9D1A51B3}"/>
               </a:ext>
             </a:extLst>
           </p:cNvPr>
@@ -5160,8 +4965,230 @@
         </p:blipFill>
         <p:spPr>
           <a:xfrm>
-            <a:off x="10911205" y="5379720"/>
-            <a:ext cx="1478280" cy="1478280"/>
+            <a:off x="10753725" y="5429250"/>
+            <a:ext cx="1285875" cy="1285875"/>
+          </a:xfrm>
+          <a:prstGeom prst="rect">
+            <a:avLst/>
+          </a:prstGeom>
+        </p:spPr>
+      </p:pic>
+      <p:sp>
+        <p:nvSpPr>
+          <p:cNvPr id="5" name="テキスト ボックス 5">
+            <a:extLst>
+              <a:ext uri="{FF2B5EF4-FFF2-40B4-BE49-F238E27FC236}">
+                <a16:creationId xmlns:a16="http://schemas.microsoft.com/office/drawing/2014/main" id="{E674C918-DD78-6814-6C62-5CC2AA743ED9}"/>
+              </a:ext>
+            </a:extLst>
+          </p:cNvPr>
+          <p:cNvSpPr txBox="1"/>
+          <p:nvPr/>
+        </p:nvSpPr>
+        <p:spPr>
+          <a:xfrm>
+            <a:off x="1590261" y="867146"/>
+            <a:ext cx="4333875" cy="584775"/>
+          </a:xfrm>
+          <a:prstGeom prst="rect">
+            <a:avLst/>
+          </a:prstGeom>
+          <a:noFill/>
+        </p:spPr>
+        <p:txBody>
+          <a:bodyPr wrap="square" lIns="91440" tIns="45720" rIns="91440" bIns="45720" rtlCol="0" anchor="t">
+            <a:spAutoFit/>
+          </a:bodyPr>
+          <a:lstStyle/>
+          <a:p>
+            <a:r>
+              <a:rPr kumimoji="1" lang="ja-JP" altLang="en-US" sz="3200">
+                <a:solidFill>
+                  <a:schemeClr val="bg1"/>
+                </a:solidFill>
+                <a:latin typeface="UD デジタル 教科書体 NP-R"/>
+                <a:ea typeface="UD デジタル 教科書体 NP-R"/>
+              </a:rPr>
+              <a:t>アプリの目的</a:t>
+            </a:r>
+          </a:p>
+        </p:txBody>
+      </p:sp>
+      <p:sp>
+        <p:nvSpPr>
+          <p:cNvPr id="7" name="二等辺三角形 4">
+            <a:extLst>
+              <a:ext uri="{FF2B5EF4-FFF2-40B4-BE49-F238E27FC236}">
+                <a16:creationId xmlns:a16="http://schemas.microsoft.com/office/drawing/2014/main" id="{24FDD9B0-C115-9498-8499-7DB052BC7C78}"/>
+              </a:ext>
+            </a:extLst>
+          </p:cNvPr>
+          <p:cNvSpPr/>
+          <p:nvPr/>
+        </p:nvSpPr>
+        <p:spPr>
+          <a:xfrm rot="5400000">
+            <a:off x="862426" y="893905"/>
+            <a:ext cx="481012" cy="442911"/>
+          </a:xfrm>
+          <a:prstGeom prst="triangle">
+            <a:avLst/>
+          </a:prstGeom>
+          <a:solidFill>
+            <a:srgbClr val="ACBCFF"/>
+          </a:solidFill>
+          <a:ln>
+            <a:noFill/>
+          </a:ln>
+        </p:spPr>
+        <p:style>
+          <a:lnRef idx="2">
+            <a:schemeClr val="accent1">
+              <a:shade val="50000"/>
+            </a:schemeClr>
+          </a:lnRef>
+          <a:fillRef idx="1">
+            <a:schemeClr val="accent1"/>
+          </a:fillRef>
+          <a:effectRef idx="0">
+            <a:schemeClr val="accent1"/>
+          </a:effectRef>
+          <a:fontRef idx="minor">
+            <a:schemeClr val="lt1"/>
+          </a:fontRef>
+        </p:style>
+        <p:txBody>
+          <a:bodyPr rtlCol="0" anchor="ctr"/>
+          <a:lstStyle/>
+          <a:p>
+            <a:pPr algn="ctr"/>
+            <a:endParaRPr kumimoji="1" lang="ja-JP" altLang="en-US"/>
+          </a:p>
+        </p:txBody>
+      </p:sp>
+      <p:sp>
+        <p:nvSpPr>
+          <p:cNvPr id="3" name="TextBox 2">
+            <a:extLst>
+              <a:ext uri="{FF2B5EF4-FFF2-40B4-BE49-F238E27FC236}">
+                <a16:creationId xmlns:a16="http://schemas.microsoft.com/office/drawing/2014/main" id="{AB4B34AC-3989-2F20-4A6C-00C0FD7F6E94}"/>
+              </a:ext>
+            </a:extLst>
+          </p:cNvPr>
+          <p:cNvSpPr txBox="1"/>
+          <p:nvPr/>
+        </p:nvSpPr>
+        <p:spPr>
+          <a:xfrm>
+            <a:off x="1176131" y="2639391"/>
+            <a:ext cx="9839738" cy="1569660"/>
+          </a:xfrm>
+          <a:prstGeom prst="rect">
+            <a:avLst/>
+          </a:prstGeom>
+          <a:noFill/>
+        </p:spPr>
+        <p:txBody>
+          <a:bodyPr rot="0" spcFirstLastPara="0" vertOverflow="overflow" horzOverflow="overflow" vert="horz" wrap="square" lIns="91440" tIns="45720" rIns="91440" bIns="45720" numCol="1" spcCol="0" rtlCol="0" fromWordArt="0" anchor="t" anchorCtr="0" forceAA="0" compatLnSpc="1">
+            <a:prstTxWarp prst="textNoShape">
+              <a:avLst/>
+            </a:prstTxWarp>
+            <a:spAutoFit/>
+          </a:bodyPr>
+          <a:lstStyle/>
+          <a:p>
+            <a:pPr algn="l"/>
+            <a:r>
+              <a:rPr lang="en-US" sz="3200">
+                <a:solidFill>
+                  <a:srgbClr val="1D1C1D"/>
+                </a:solidFill>
+                <a:latin typeface="UD デジタル 教科書体 NP-R"/>
+                <a:ea typeface="+mn-lt"/>
+                <a:cs typeface="+mn-lt"/>
+              </a:rPr>
+              <a:t>Web</a:t>
+            </a:r>
+            <a:r>
+              <a:rPr lang="ja-JP" altLang="en-US" sz="3200">
+                <a:solidFill>
+                  <a:srgbClr val="1D1C1D"/>
+                </a:solidFill>
+                <a:latin typeface="UD デジタル 教科書体 NP-R"/>
+                <a:ea typeface="UD デジタル 教科書体 NP-R"/>
+                <a:cs typeface="+mn-lt"/>
+              </a:rPr>
+              <a:t>での健康管理を目的としており、システムの想定利用者は健康を気にしている社会人がメインターゲット</a:t>
+            </a:r>
+            <a:r>
+              <a:rPr lang="ja-JP" altLang="en-US" sz="3200">
+                <a:solidFill>
+                  <a:srgbClr val="1D1C1D"/>
+                </a:solidFill>
+                <a:latin typeface="Corbel"/>
+                <a:ea typeface="UD デジタル 教科書体 NP-R"/>
+                <a:cs typeface="+mn-lt"/>
+              </a:rPr>
+              <a:t>。</a:t>
+            </a:r>
+            <a:endParaRPr lang="en-US"/>
+          </a:p>
+        </p:txBody>
+      </p:sp>
+      <p:pic>
+        <p:nvPicPr>
+          <p:cNvPr id="9" name="Picture 9">
+            <a:extLst>
+              <a:ext uri="{FF2B5EF4-FFF2-40B4-BE49-F238E27FC236}">
+                <a16:creationId xmlns:a16="http://schemas.microsoft.com/office/drawing/2014/main" id="{33D28521-785D-1648-ECF5-AB7C74DCF8FC}"/>
+              </a:ext>
+            </a:extLst>
+          </p:cNvPr>
+          <p:cNvPicPr>
+            <a:picLocks noChangeAspect="1"/>
+          </p:cNvPicPr>
+          <p:nvPr/>
+        </p:nvPicPr>
+        <p:blipFill>
+          <a:blip r:embed="rId3"/>
+          <a:stretch>
+            <a:fillRect/>
+          </a:stretch>
+        </p:blipFill>
+        <p:spPr>
+          <a:xfrm>
+            <a:off x="9505950" y="624416"/>
+            <a:ext cx="1799167" cy="1799167"/>
+          </a:xfrm>
+          <a:prstGeom prst="rect">
+            <a:avLst/>
+          </a:prstGeom>
+        </p:spPr>
+      </p:pic>
+      <p:pic>
+        <p:nvPicPr>
+          <p:cNvPr id="10" name="Picture 10">
+            <a:extLst>
+              <a:ext uri="{FF2B5EF4-FFF2-40B4-BE49-F238E27FC236}">
+                <a16:creationId xmlns:a16="http://schemas.microsoft.com/office/drawing/2014/main" id="{07E3DEB5-8DA8-15D3-6F0D-D4F86BDF544E}"/>
+              </a:ext>
+            </a:extLst>
+          </p:cNvPr>
+          <p:cNvPicPr>
+            <a:picLocks noChangeAspect="1"/>
+          </p:cNvPicPr>
+          <p:nvPr/>
+        </p:nvPicPr>
+        <p:blipFill>
+          <a:blip r:embed="rId4"/>
+          <a:stretch>
+            <a:fillRect/>
+          </a:stretch>
+        </p:blipFill>
+        <p:spPr>
+          <a:xfrm>
+            <a:off x="4459817" y="624417"/>
+            <a:ext cx="1714500" cy="1714500"/>
           </a:xfrm>
           <a:prstGeom prst="rect">
             <a:avLst/>
@@ -5171,7 +5198,7 @@
     </p:spTree>
     <p:extLst>
       <p:ext uri="{BB962C8B-B14F-4D97-AF65-F5344CB8AC3E}">
-        <p14:creationId xmlns:p14="http://schemas.microsoft.com/office/powerpoint/2010/main" val="4073078951"/>
+        <p14:creationId xmlns:p14="http://schemas.microsoft.com/office/powerpoint/2010/main" val="1413923070"/>
       </p:ext>
     </p:extLst>
   </p:cSld>
@@ -5260,10 +5287,10 @@
       </p:sp>
       <p:pic>
         <p:nvPicPr>
-          <p:cNvPr id="4" name="図 3" descr="ロゴ&#10;&#10;自動的に生成された説明">
+          <p:cNvPr id="4" name="図 3" descr="ロゴ が含まれている画像&#10;&#10;自動的に生成された説明">
             <a:extLst>
               <a:ext uri="{FF2B5EF4-FFF2-40B4-BE49-F238E27FC236}">
-                <a16:creationId xmlns:a16="http://schemas.microsoft.com/office/drawing/2014/main" id="{EC29B7A0-D826-43C4-BD5F-053E9D1A51B3}"/>
+                <a16:creationId xmlns:a16="http://schemas.microsoft.com/office/drawing/2014/main" id="{330EBDBD-0451-4BEA-9489-FD4B4548D6AA}"/>
               </a:ext>
             </a:extLst>
           </p:cNvPr>
@@ -5286,8 +5313,278 @@
         </p:blipFill>
         <p:spPr>
           <a:xfrm>
-            <a:off x="10753725" y="5429250"/>
-            <a:ext cx="1285875" cy="1285875"/>
+            <a:off x="10911205" y="5379720"/>
+            <a:ext cx="1478280" cy="1478280"/>
+          </a:xfrm>
+          <a:prstGeom prst="rect">
+            <a:avLst/>
+          </a:prstGeom>
+        </p:spPr>
+      </p:pic>
+      <p:sp>
+        <p:nvSpPr>
+          <p:cNvPr id="5" name="二等辺三角形 4">
+            <a:extLst>
+              <a:ext uri="{FF2B5EF4-FFF2-40B4-BE49-F238E27FC236}">
+                <a16:creationId xmlns:a16="http://schemas.microsoft.com/office/drawing/2014/main" id="{D9607411-9B7B-83A2-8914-4A8B7F0D514C}"/>
+              </a:ext>
+            </a:extLst>
+          </p:cNvPr>
+          <p:cNvSpPr/>
+          <p:nvPr/>
+        </p:nvSpPr>
+        <p:spPr>
+          <a:xfrm rot="5400000">
+            <a:off x="862426" y="893905"/>
+            <a:ext cx="481012" cy="442911"/>
+          </a:xfrm>
+          <a:prstGeom prst="triangle">
+            <a:avLst/>
+          </a:prstGeom>
+          <a:solidFill>
+            <a:srgbClr val="ACBCFF"/>
+          </a:solidFill>
+          <a:ln>
+            <a:noFill/>
+          </a:ln>
+        </p:spPr>
+        <p:style>
+          <a:lnRef idx="2">
+            <a:schemeClr val="accent1">
+              <a:shade val="50000"/>
+            </a:schemeClr>
+          </a:lnRef>
+          <a:fillRef idx="1">
+            <a:schemeClr val="accent1"/>
+          </a:fillRef>
+          <a:effectRef idx="0">
+            <a:schemeClr val="accent1"/>
+          </a:effectRef>
+          <a:fontRef idx="minor">
+            <a:schemeClr val="lt1"/>
+          </a:fontRef>
+        </p:style>
+        <p:txBody>
+          <a:bodyPr rtlCol="0" anchor="ctr"/>
+          <a:lstStyle/>
+          <a:p>
+            <a:pPr algn="ctr"/>
+            <a:endParaRPr kumimoji="1" lang="ja-JP" altLang="en-US"/>
+          </a:p>
+        </p:txBody>
+      </p:sp>
+      <p:sp>
+        <p:nvSpPr>
+          <p:cNvPr id="7" name="テキスト ボックス 5">
+            <a:extLst>
+              <a:ext uri="{FF2B5EF4-FFF2-40B4-BE49-F238E27FC236}">
+                <a16:creationId xmlns:a16="http://schemas.microsoft.com/office/drawing/2014/main" id="{113EFBB3-155C-43AE-97AD-D6FB1DD8C706}"/>
+              </a:ext>
+            </a:extLst>
+          </p:cNvPr>
+          <p:cNvSpPr txBox="1"/>
+          <p:nvPr/>
+        </p:nvSpPr>
+        <p:spPr>
+          <a:xfrm>
+            <a:off x="1590261" y="867146"/>
+            <a:ext cx="4333875" cy="584775"/>
+          </a:xfrm>
+          <a:prstGeom prst="rect">
+            <a:avLst/>
+          </a:prstGeom>
+          <a:noFill/>
+        </p:spPr>
+        <p:txBody>
+          <a:bodyPr wrap="square" lIns="91440" tIns="45720" rIns="91440" bIns="45720" rtlCol="0" anchor="t">
+            <a:spAutoFit/>
+          </a:bodyPr>
+          <a:lstStyle/>
+          <a:p>
+            <a:r>
+              <a:rPr kumimoji="1" lang="ja-JP" altLang="en-US" sz="3200">
+                <a:solidFill>
+                  <a:schemeClr val="bg1"/>
+                </a:solidFill>
+                <a:latin typeface="UD デジタル 教科書体 NP-R"/>
+                <a:ea typeface="UD デジタル 教科書体 NP-R"/>
+              </a:rPr>
+              <a:t>アプリの詳細</a:t>
+            </a:r>
+          </a:p>
+        </p:txBody>
+      </p:sp>
+      <p:sp>
+        <p:nvSpPr>
+          <p:cNvPr id="3" name="テキスト ボックス 5">
+            <a:extLst>
+              <a:ext uri="{FF2B5EF4-FFF2-40B4-BE49-F238E27FC236}">
+                <a16:creationId xmlns:a16="http://schemas.microsoft.com/office/drawing/2014/main" id="{3AF08025-2BA0-2C8E-AF37-DEA08D50A512}"/>
+              </a:ext>
+            </a:extLst>
+          </p:cNvPr>
+          <p:cNvSpPr txBox="1"/>
+          <p:nvPr/>
+        </p:nvSpPr>
+        <p:spPr>
+          <a:xfrm>
+            <a:off x="1590261" y="1717494"/>
+            <a:ext cx="4333875" cy="1077218"/>
+          </a:xfrm>
+          <a:prstGeom prst="rect">
+            <a:avLst/>
+          </a:prstGeom>
+          <a:noFill/>
+        </p:spPr>
+        <p:txBody>
+          <a:bodyPr wrap="square" lIns="91440" tIns="45720" rIns="91440" bIns="45720" rtlCol="0" anchor="t">
+            <a:spAutoFit/>
+          </a:bodyPr>
+          <a:lstStyle/>
+          <a:p>
+            <a:endParaRPr lang="ja-JP" altLang="en-US" sz="3200">
+              <a:solidFill>
+                <a:schemeClr val="bg1"/>
+              </a:solidFill>
+              <a:latin typeface="UD デジタル 教科書体 NP-R"/>
+              <a:ea typeface="UD デジタル 教科書体 NP-R"/>
+            </a:endParaRPr>
+          </a:p>
+          <a:p>
+            <a:endParaRPr lang="ja-JP" altLang="en-US" sz="3200">
+              <a:solidFill>
+                <a:schemeClr val="bg1"/>
+              </a:solidFill>
+              <a:latin typeface="UD デジタル 教科書体 NP-R"/>
+              <a:ea typeface="UD デジタル 教科書体 NP-R"/>
+            </a:endParaRPr>
+          </a:p>
+        </p:txBody>
+      </p:sp>
+      <p:sp>
+        <p:nvSpPr>
+          <p:cNvPr id="9" name="TextBox 8">
+            <a:extLst>
+              <a:ext uri="{FF2B5EF4-FFF2-40B4-BE49-F238E27FC236}">
+                <a16:creationId xmlns:a16="http://schemas.microsoft.com/office/drawing/2014/main" id="{8BFF2847-2F7E-2CA4-40E9-31CD998B317C}"/>
+              </a:ext>
+            </a:extLst>
+          </p:cNvPr>
+          <p:cNvSpPr txBox="1"/>
+          <p:nvPr/>
+        </p:nvSpPr>
+        <p:spPr>
+          <a:xfrm>
+            <a:off x="1557130" y="2451651"/>
+            <a:ext cx="9066695" cy="2062103"/>
+          </a:xfrm>
+          <a:prstGeom prst="rect">
+            <a:avLst/>
+          </a:prstGeom>
+          <a:noFill/>
+        </p:spPr>
+        <p:txBody>
+          <a:bodyPr rot="0" spcFirstLastPara="0" vertOverflow="overflow" horzOverflow="overflow" vert="horz" wrap="square" lIns="91440" tIns="45720" rIns="91440" bIns="45720" numCol="1" spcCol="0" rtlCol="0" fromWordArt="0" anchor="t" anchorCtr="0" forceAA="0" compatLnSpc="1">
+            <a:prstTxWarp prst="textNoShape">
+              <a:avLst/>
+            </a:prstTxWarp>
+            <a:spAutoFit/>
+          </a:bodyPr>
+          <a:lstStyle/>
+          <a:p>
+            <a:r>
+              <a:rPr lang="ja-JP" altLang="en-US" sz="3200">
+                <a:solidFill>
+                  <a:schemeClr val="bg1"/>
+                </a:solidFill>
+                <a:latin typeface="UD デジタル 教科書体 NP-R"/>
+                <a:ea typeface="UD デジタル 教科書体 NP-R"/>
+              </a:rPr>
+              <a:t>記録した食事の摂取カロリーを元にグラフを形成し、視覚的に分かりやすく日々の食事や体重を</a:t>
+            </a:r>
+            <a:r>
+              <a:rPr lang="en-US" altLang="ja-JP" sz="3200">
+                <a:solidFill>
+                  <a:schemeClr val="bg1"/>
+                </a:solidFill>
+                <a:latin typeface="UD デジタル 教科書体 NP-R"/>
+                <a:ea typeface="UD デジタル 教科書体 NP-R"/>
+              </a:rPr>
+              <a:t>Web</a:t>
+            </a:r>
+            <a:r>
+              <a:rPr lang="ja-JP" altLang="en-US" sz="3200">
+                <a:solidFill>
+                  <a:schemeClr val="bg1"/>
+                </a:solidFill>
+                <a:latin typeface="UD デジタル 教科書体 NP-R"/>
+                <a:ea typeface="UD デジタル 教科書体 NP-R"/>
+              </a:rPr>
+              <a:t>アプリ上で一括管理することで、ユーザーの健康管理を手助けする。</a:t>
+            </a:r>
+            <a:endParaRPr lang="ja-JP">
+              <a:solidFill>
+                <a:schemeClr val="bg1"/>
+              </a:solidFill>
+              <a:ea typeface="ＭＳ ゴシック"/>
+            </a:endParaRPr>
+          </a:p>
+        </p:txBody>
+      </p:sp>
+      <p:pic>
+        <p:nvPicPr>
+          <p:cNvPr id="10" name="Picture 10">
+            <a:extLst>
+              <a:ext uri="{FF2B5EF4-FFF2-40B4-BE49-F238E27FC236}">
+                <a16:creationId xmlns:a16="http://schemas.microsoft.com/office/drawing/2014/main" id="{3BE498FE-CFE6-D86E-9656-D93348B299D4}"/>
+              </a:ext>
+            </a:extLst>
+          </p:cNvPr>
+          <p:cNvPicPr>
+            <a:picLocks noChangeAspect="1"/>
+          </p:cNvPicPr>
+          <p:nvPr/>
+        </p:nvPicPr>
+        <p:blipFill>
+          <a:blip r:embed="rId3"/>
+          <a:stretch>
+            <a:fillRect/>
+          </a:stretch>
+        </p:blipFill>
+        <p:spPr>
+          <a:xfrm>
+            <a:off x="9201150" y="599017"/>
+            <a:ext cx="1714500" cy="1714500"/>
+          </a:xfrm>
+          <a:prstGeom prst="rect">
+            <a:avLst/>
+          </a:prstGeom>
+        </p:spPr>
+      </p:pic>
+      <p:pic>
+        <p:nvPicPr>
+          <p:cNvPr id="12" name="Picture 12">
+            <a:extLst>
+              <a:ext uri="{FF2B5EF4-FFF2-40B4-BE49-F238E27FC236}">
+                <a16:creationId xmlns:a16="http://schemas.microsoft.com/office/drawing/2014/main" id="{7CEF3D6F-4FD1-26AC-2D0A-E4C74E5F6CF2}"/>
+              </a:ext>
+            </a:extLst>
+          </p:cNvPr>
+          <p:cNvPicPr>
+            <a:picLocks noChangeAspect="1"/>
+          </p:cNvPicPr>
+          <p:nvPr/>
+        </p:nvPicPr>
+        <p:blipFill>
+          <a:blip r:embed="rId4"/>
+          <a:stretch>
+            <a:fillRect/>
+          </a:stretch>
+        </p:blipFill>
+        <p:spPr>
+          <a:xfrm>
+            <a:off x="209550" y="4409017"/>
+            <a:ext cx="1714500" cy="1714500"/>
           </a:xfrm>
           <a:prstGeom prst="rect">
             <a:avLst/>
@@ -5297,7 +5594,7 @@
     </p:spTree>
     <p:extLst>
       <p:ext uri="{BB962C8B-B14F-4D97-AF65-F5344CB8AC3E}">
-        <p14:creationId xmlns:p14="http://schemas.microsoft.com/office/powerpoint/2010/main" val="1413923070"/>
+        <p14:creationId xmlns:p14="http://schemas.microsoft.com/office/powerpoint/2010/main" val="4073078951"/>
       </p:ext>
     </p:extLst>
   </p:cSld>
@@ -5414,6 +5711,221 @@
           <a:xfrm>
             <a:off x="10582275" y="5219700"/>
             <a:ext cx="1885950" cy="1885950"/>
+          </a:xfrm>
+          <a:prstGeom prst="rect">
+            <a:avLst/>
+          </a:prstGeom>
+        </p:spPr>
+      </p:pic>
+      <p:sp>
+        <p:nvSpPr>
+          <p:cNvPr id="5" name="二等辺三角形 4">
+            <a:extLst>
+              <a:ext uri="{FF2B5EF4-FFF2-40B4-BE49-F238E27FC236}">
+                <a16:creationId xmlns:a16="http://schemas.microsoft.com/office/drawing/2014/main" id="{2D0FBA5F-8ECE-F504-16C0-8F0B3EF522FD}"/>
+              </a:ext>
+            </a:extLst>
+          </p:cNvPr>
+          <p:cNvSpPr/>
+          <p:nvPr/>
+        </p:nvSpPr>
+        <p:spPr>
+          <a:xfrm rot="5400000">
+            <a:off x="862426" y="893905"/>
+            <a:ext cx="481012" cy="442911"/>
+          </a:xfrm>
+          <a:prstGeom prst="triangle">
+            <a:avLst/>
+          </a:prstGeom>
+          <a:solidFill>
+            <a:srgbClr val="ACBCFF"/>
+          </a:solidFill>
+          <a:ln>
+            <a:noFill/>
+          </a:ln>
+        </p:spPr>
+        <p:style>
+          <a:lnRef idx="2">
+            <a:schemeClr val="accent1">
+              <a:shade val="50000"/>
+            </a:schemeClr>
+          </a:lnRef>
+          <a:fillRef idx="1">
+            <a:schemeClr val="accent1"/>
+          </a:fillRef>
+          <a:effectRef idx="0">
+            <a:schemeClr val="accent1"/>
+          </a:effectRef>
+          <a:fontRef idx="minor">
+            <a:schemeClr val="lt1"/>
+          </a:fontRef>
+        </p:style>
+        <p:txBody>
+          <a:bodyPr rtlCol="0" anchor="ctr"/>
+          <a:lstStyle/>
+          <a:p>
+            <a:pPr algn="ctr"/>
+            <a:endParaRPr kumimoji="1" lang="ja-JP" altLang="en-US"/>
+          </a:p>
+        </p:txBody>
+      </p:sp>
+      <p:sp>
+        <p:nvSpPr>
+          <p:cNvPr id="7" name="テキスト ボックス 5">
+            <a:extLst>
+              <a:ext uri="{FF2B5EF4-FFF2-40B4-BE49-F238E27FC236}">
+                <a16:creationId xmlns:a16="http://schemas.microsoft.com/office/drawing/2014/main" id="{6956503F-3FB0-F439-B3C1-C7FEF111C254}"/>
+              </a:ext>
+            </a:extLst>
+          </p:cNvPr>
+          <p:cNvSpPr txBox="1"/>
+          <p:nvPr/>
+        </p:nvSpPr>
+        <p:spPr>
+          <a:xfrm>
+            <a:off x="1590261" y="867146"/>
+            <a:ext cx="4333875" cy="584775"/>
+          </a:xfrm>
+          <a:prstGeom prst="rect">
+            <a:avLst/>
+          </a:prstGeom>
+          <a:noFill/>
+        </p:spPr>
+        <p:txBody>
+          <a:bodyPr wrap="square" lIns="91440" tIns="45720" rIns="91440" bIns="45720" rtlCol="0" anchor="t">
+            <a:spAutoFit/>
+          </a:bodyPr>
+          <a:lstStyle/>
+          <a:p>
+            <a:r>
+              <a:rPr lang="ja-JP" altLang="en-US" sz="3200">
+                <a:solidFill>
+                  <a:schemeClr val="bg1"/>
+                </a:solidFill>
+                <a:latin typeface="UD デジタル 教科書体 NP-R"/>
+                <a:ea typeface="UD デジタル 教科書体 NP-R"/>
+              </a:rPr>
+              <a:t>注力した点</a:t>
+            </a:r>
+          </a:p>
+        </p:txBody>
+      </p:sp>
+      <p:sp>
+        <p:nvSpPr>
+          <p:cNvPr id="8" name="テキスト ボックス 5">
+            <a:extLst>
+              <a:ext uri="{FF2B5EF4-FFF2-40B4-BE49-F238E27FC236}">
+                <a16:creationId xmlns:a16="http://schemas.microsoft.com/office/drawing/2014/main" id="{0345A461-8A88-061C-5BF6-DEEC574BB497}"/>
+              </a:ext>
+            </a:extLst>
+          </p:cNvPr>
+          <p:cNvSpPr txBox="1"/>
+          <p:nvPr/>
+        </p:nvSpPr>
+        <p:spPr>
+          <a:xfrm>
+            <a:off x="6289629" y="1936523"/>
+            <a:ext cx="5162135" cy="3754874"/>
+          </a:xfrm>
+          <a:prstGeom prst="rect">
+            <a:avLst/>
+          </a:prstGeom>
+          <a:noFill/>
+        </p:spPr>
+        <p:txBody>
+          <a:bodyPr wrap="square" lIns="91440" tIns="45720" rIns="91440" bIns="45720" rtlCol="0" anchor="t">
+            <a:spAutoFit/>
+          </a:bodyPr>
+          <a:lstStyle/>
+          <a:p>
+            <a:r>
+              <a:rPr lang="ja-JP" altLang="en-US" sz="2800">
+                <a:solidFill>
+                  <a:schemeClr val="bg1"/>
+                </a:solidFill>
+                <a:latin typeface="UD デジタル 教科書体 NP-R"/>
+                <a:ea typeface="UD デジタル 教科書体 NP-R"/>
+              </a:rPr>
+              <a:t>・データベースと紐づけて日にちごとの総カロリーが動的に表示</a:t>
+            </a:r>
+          </a:p>
+          <a:p>
+            <a:endParaRPr lang="ja-JP" altLang="en-US" sz="2800">
+              <a:solidFill>
+                <a:schemeClr val="bg1"/>
+              </a:solidFill>
+              <a:latin typeface="UD デジタル 教科書体 NP-R"/>
+              <a:ea typeface="UD デジタル 教科書体 NP-R"/>
+            </a:endParaRPr>
+          </a:p>
+          <a:p>
+            <a:r>
+              <a:rPr lang="ja-JP" altLang="en-US" sz="2800">
+                <a:solidFill>
+                  <a:schemeClr val="bg1"/>
+                </a:solidFill>
+                <a:latin typeface="UD デジタル 教科書体 NP-R"/>
+                <a:ea typeface="UD デジタル 教科書体 NP-R"/>
+              </a:rPr>
+              <a:t>・マスをクリックして食事記録ページに遷移</a:t>
+            </a:r>
+          </a:p>
+          <a:p>
+            <a:endParaRPr lang="ja-JP" altLang="en-US" sz="2800">
+              <a:solidFill>
+                <a:schemeClr val="bg1"/>
+              </a:solidFill>
+              <a:latin typeface="UD デジタル 教科書体 NP-R"/>
+              <a:ea typeface="UD デジタル 教科書体 NP-R"/>
+            </a:endParaRPr>
+          </a:p>
+          <a:p>
+            <a:r>
+              <a:rPr lang="ja-JP" altLang="en-US" sz="2800">
+                <a:solidFill>
+                  <a:schemeClr val="bg1"/>
+                </a:solidFill>
+                <a:latin typeface="UD デジタル 教科書体 NP-R"/>
+                <a:ea typeface="UD デジタル 教科書体 NP-R"/>
+              </a:rPr>
+              <a:t>・「今日」のマスの色が変わる</a:t>
+            </a:r>
+          </a:p>
+          <a:p>
+            <a:endParaRPr lang="ja-JP" altLang="en-US" sz="1400">
+              <a:solidFill>
+                <a:schemeClr val="bg1"/>
+              </a:solidFill>
+              <a:latin typeface="UD デジタル 教科書体 NP-R"/>
+              <a:ea typeface="UD デジタル 教科書体 NP-R"/>
+            </a:endParaRPr>
+          </a:p>
+        </p:txBody>
+      </p:sp>
+      <p:pic>
+        <p:nvPicPr>
+          <p:cNvPr id="3" name="Picture 5">
+            <a:extLst>
+              <a:ext uri="{FF2B5EF4-FFF2-40B4-BE49-F238E27FC236}">
+                <a16:creationId xmlns:a16="http://schemas.microsoft.com/office/drawing/2014/main" id="{51C1AFFE-885C-D38B-7229-9ED9350C74EB}"/>
+              </a:ext>
+            </a:extLst>
+          </p:cNvPr>
+          <p:cNvPicPr>
+            <a:picLocks noChangeAspect="1"/>
+          </p:cNvPicPr>
+          <p:nvPr/>
+        </p:nvPicPr>
+        <p:blipFill>
+          <a:blip r:embed="rId3"/>
+          <a:stretch>
+            <a:fillRect/>
+          </a:stretch>
+        </p:blipFill>
+        <p:spPr>
+          <a:xfrm>
+            <a:off x="881270" y="2032433"/>
+            <a:ext cx="5205895" cy="3566176"/>
           </a:xfrm>
           <a:prstGeom prst="rect">
             <a:avLst/>
@@ -5546,6 +6058,198 @@
           </a:prstGeom>
         </p:spPr>
       </p:pic>
+      <p:pic>
+        <p:nvPicPr>
+          <p:cNvPr id="9" name="Picture 9">
+            <a:extLst>
+              <a:ext uri="{FF2B5EF4-FFF2-40B4-BE49-F238E27FC236}">
+                <a16:creationId xmlns:a16="http://schemas.microsoft.com/office/drawing/2014/main" id="{28B6CCD4-AFD5-5582-9A39-CDCAB7049F90}"/>
+              </a:ext>
+            </a:extLst>
+          </p:cNvPr>
+          <p:cNvPicPr>
+            <a:picLocks noChangeAspect="1"/>
+          </p:cNvPicPr>
+          <p:nvPr/>
+        </p:nvPicPr>
+        <p:blipFill>
+          <a:blip r:embed="rId3"/>
+          <a:stretch>
+            <a:fillRect/>
+          </a:stretch>
+        </p:blipFill>
+        <p:spPr>
+          <a:xfrm>
+            <a:off x="1965002" y="878576"/>
+            <a:ext cx="3945466" cy="4923783"/>
+          </a:xfrm>
+          <a:prstGeom prst="rect">
+            <a:avLst/>
+          </a:prstGeom>
+        </p:spPr>
+      </p:pic>
+      <p:pic>
+        <p:nvPicPr>
+          <p:cNvPr id="8" name="Picture 8">
+            <a:extLst>
+              <a:ext uri="{FF2B5EF4-FFF2-40B4-BE49-F238E27FC236}">
+                <a16:creationId xmlns:a16="http://schemas.microsoft.com/office/drawing/2014/main" id="{9815A328-1EE9-D13B-A558-8E575FEA5786}"/>
+              </a:ext>
+            </a:extLst>
+          </p:cNvPr>
+          <p:cNvPicPr>
+            <a:picLocks noChangeAspect="1"/>
+          </p:cNvPicPr>
+          <p:nvPr/>
+        </p:nvPicPr>
+        <p:blipFill rotWithShape="1">
+          <a:blip r:embed="rId4"/>
+          <a:srcRect t="11966" r="-170"/>
+          <a:stretch/>
+        </p:blipFill>
+        <p:spPr>
+          <a:xfrm>
+            <a:off x="676965" y="1418899"/>
+            <a:ext cx="6513460" cy="3410497"/>
+          </a:xfrm>
+          <a:prstGeom prst="rect">
+            <a:avLst/>
+          </a:prstGeom>
+        </p:spPr>
+      </p:pic>
+      <p:sp>
+        <p:nvSpPr>
+          <p:cNvPr id="11" name="テキスト ボックス 5">
+            <a:extLst>
+              <a:ext uri="{FF2B5EF4-FFF2-40B4-BE49-F238E27FC236}">
+                <a16:creationId xmlns:a16="http://schemas.microsoft.com/office/drawing/2014/main" id="{E64590E9-F433-BE02-DCFA-08E2FA5E1C27}"/>
+              </a:ext>
+            </a:extLst>
+          </p:cNvPr>
+          <p:cNvSpPr txBox="1"/>
+          <p:nvPr/>
+        </p:nvSpPr>
+        <p:spPr>
+          <a:xfrm>
+            <a:off x="7371889" y="1505828"/>
+            <a:ext cx="4079874" cy="3323987"/>
+          </a:xfrm>
+          <a:prstGeom prst="rect">
+            <a:avLst/>
+          </a:prstGeom>
+          <a:noFill/>
+        </p:spPr>
+        <p:txBody>
+          <a:bodyPr wrap="square" lIns="91440" tIns="45720" rIns="91440" bIns="45720" rtlCol="0" anchor="t">
+            <a:spAutoFit/>
+          </a:bodyPr>
+          <a:lstStyle/>
+          <a:p>
+            <a:r>
+              <a:rPr lang="ja-JP" altLang="en-US" sz="2800">
+                <a:solidFill>
+                  <a:schemeClr val="bg1"/>
+                </a:solidFill>
+                <a:latin typeface="UD デジタル 教科書体 NP-R"/>
+                <a:ea typeface="UD デジタル 教科書体 NP-R"/>
+              </a:rPr>
+              <a:t>・その日食べたものを</a:t>
+            </a:r>
+          </a:p>
+          <a:p>
+            <a:r>
+              <a:rPr lang="ja-JP" altLang="en-US" sz="2800">
+                <a:solidFill>
+                  <a:schemeClr val="bg1"/>
+                </a:solidFill>
+                <a:latin typeface="UD デジタル 教科書体 NP-R"/>
+                <a:ea typeface="UD デジタル 教科書体 NP-R"/>
+              </a:rPr>
+              <a:t>カテゴリー、品目から選択</a:t>
+            </a:r>
+          </a:p>
+          <a:p>
+            <a:endParaRPr lang="ja-JP" altLang="en-US" sz="2800">
+              <a:solidFill>
+                <a:schemeClr val="bg1"/>
+              </a:solidFill>
+              <a:latin typeface="UD デジタル 教科書体 NP-R"/>
+              <a:ea typeface="UD デジタル 教科書体 NP-R"/>
+            </a:endParaRPr>
+          </a:p>
+          <a:p>
+            <a:r>
+              <a:rPr lang="ja-JP" altLang="en-US" sz="2800">
+                <a:solidFill>
+                  <a:schemeClr val="bg1"/>
+                </a:solidFill>
+                <a:latin typeface="UD デジタル 教科書体 NP-R"/>
+                <a:ea typeface="UD デジタル 教科書体 NP-R"/>
+              </a:rPr>
+              <a:t>・データベースにないものは品目登録が可能</a:t>
+            </a:r>
+          </a:p>
+          <a:p>
+            <a:endParaRPr lang="ja-JP" altLang="en-US" sz="2800">
+              <a:solidFill>
+                <a:schemeClr val="bg1"/>
+              </a:solidFill>
+              <a:latin typeface="UD デジタル 教科書体 NP-R"/>
+              <a:ea typeface="UD デジタル 教科書体 NP-R"/>
+            </a:endParaRPr>
+          </a:p>
+          <a:p>
+            <a:endParaRPr lang="ja-JP" altLang="en-US" sz="1400">
+              <a:solidFill>
+                <a:schemeClr val="bg1"/>
+              </a:solidFill>
+              <a:latin typeface="UD デジタル 教科書体 NP-R"/>
+              <a:ea typeface="UD デジタル 教科書体 NP-R"/>
+            </a:endParaRPr>
+          </a:p>
+        </p:txBody>
+      </p:sp>
+      <p:sp>
+        <p:nvSpPr>
+          <p:cNvPr id="15" name="テキスト ボックス 5">
+            <a:extLst>
+              <a:ext uri="{FF2B5EF4-FFF2-40B4-BE49-F238E27FC236}">
+                <a16:creationId xmlns:a16="http://schemas.microsoft.com/office/drawing/2014/main" id="{865897CC-8B54-6D61-8C2C-70A51FF1EE8C}"/>
+              </a:ext>
+            </a:extLst>
+          </p:cNvPr>
+          <p:cNvSpPr txBox="1"/>
+          <p:nvPr/>
+        </p:nvSpPr>
+        <p:spPr>
+          <a:xfrm>
+            <a:off x="7371889" y="1500552"/>
+            <a:ext cx="3870049" cy="954107"/>
+          </a:xfrm>
+          <a:prstGeom prst="rect">
+            <a:avLst/>
+          </a:prstGeom>
+          <a:noFill/>
+        </p:spPr>
+        <p:txBody>
+          <a:bodyPr wrap="square" lIns="91440" tIns="45720" rIns="91440" bIns="45720" rtlCol="0" anchor="t">
+            <a:spAutoFit/>
+          </a:bodyPr>
+          <a:lstStyle/>
+          <a:p>
+            <a:r>
+              <a:rPr lang="ja-JP" altLang="en-US" sz="2800">
+                <a:solidFill>
+                  <a:schemeClr val="bg1"/>
+                </a:solidFill>
+                <a:latin typeface="UD デジタル 教科書体 NP-R"/>
+                <a:ea typeface="UD デジタル 教科書体 NP-R"/>
+              </a:rPr>
+              <a:t>・食事の記録ができ、合計カロリーを算出</a:t>
+            </a:r>
+          </a:p>
+        </p:txBody>
+      </p:sp>
     </p:spTree>
     <p:extLst>
       <p:ext uri="{BB962C8B-B14F-4D97-AF65-F5344CB8AC3E}">
@@ -5556,6 +6260,292 @@
   <p:clrMapOvr>
     <a:masterClrMapping/>
   </p:clrMapOvr>
+  <p:timing>
+    <p:tnLst>
+      <p:par>
+        <p:cTn id="1" dur="indefinite" restart="never" nodeType="tmRoot">
+          <p:childTnLst>
+            <p:seq concurrent="1" nextAc="seek">
+              <p:cTn id="2" dur="indefinite" nodeType="mainSeq">
+                <p:childTnLst>
+                  <p:par>
+                    <p:cTn id="3" fill="hold">
+                      <p:stCondLst>
+                        <p:cond delay="indefinite"/>
+                      </p:stCondLst>
+                      <p:childTnLst>
+                        <p:par>
+                          <p:cTn id="4" fill="hold">
+                            <p:stCondLst>
+                              <p:cond delay="0"/>
+                            </p:stCondLst>
+                            <p:childTnLst>
+                              <p:par>
+                                <p:cTn id="5" presetID="2" presetClass="entr" presetSubtype="4" fill="hold" nodeType="clickEffect">
+                                  <p:stCondLst>
+                                    <p:cond delay="0"/>
+                                  </p:stCondLst>
+                                  <p:childTnLst>
+                                    <p:set>
+                                      <p:cBhvr>
+                                        <p:cTn id="6" dur="1" fill="hold">
+                                          <p:stCondLst>
+                                            <p:cond delay="0"/>
+                                          </p:stCondLst>
+                                        </p:cTn>
+                                        <p:tgtEl>
+                                          <p:spTgt spid="8"/>
+                                        </p:tgtEl>
+                                        <p:attrNameLst>
+                                          <p:attrName>style.visibility</p:attrName>
+                                        </p:attrNameLst>
+                                      </p:cBhvr>
+                                      <p:to>
+                                        <p:strVal val="visible"/>
+                                      </p:to>
+                                    </p:set>
+                                    <p:anim calcmode="lin" valueType="num">
+                                      <p:cBhvr additive="base">
+                                        <p:cTn id="7" dur="500" fill="hold"/>
+                                        <p:tgtEl>
+                                          <p:spTgt spid="8"/>
+                                        </p:tgtEl>
+                                        <p:attrNameLst>
+                                          <p:attrName>ppt_x</p:attrName>
+                                        </p:attrNameLst>
+                                      </p:cBhvr>
+                                      <p:tavLst>
+                                        <p:tav tm="0">
+                                          <p:val>
+                                            <p:strVal val="#ppt_x"/>
+                                          </p:val>
+                                        </p:tav>
+                                        <p:tav tm="100000">
+                                          <p:val>
+                                            <p:strVal val="#ppt_x"/>
+                                          </p:val>
+                                        </p:tav>
+                                      </p:tavLst>
+                                    </p:anim>
+                                    <p:anim calcmode="lin" valueType="num">
+                                      <p:cBhvr additive="base">
+                                        <p:cTn id="8" dur="500" fill="hold"/>
+                                        <p:tgtEl>
+                                          <p:spTgt spid="8"/>
+                                        </p:tgtEl>
+                                        <p:attrNameLst>
+                                          <p:attrName>ppt_y</p:attrName>
+                                        </p:attrNameLst>
+                                      </p:cBhvr>
+                                      <p:tavLst>
+                                        <p:tav tm="0">
+                                          <p:val>
+                                            <p:strVal val="1+#ppt_h/2"/>
+                                          </p:val>
+                                        </p:tav>
+                                        <p:tav tm="100000">
+                                          <p:val>
+                                            <p:strVal val="#ppt_y"/>
+                                          </p:val>
+                                        </p:tav>
+                                      </p:tavLst>
+                                    </p:anim>
+                                  </p:childTnLst>
+                                </p:cTn>
+                              </p:par>
+                              <p:par>
+                                <p:cTn id="9" presetID="10" presetClass="exit" presetSubtype="0" fill="hold" nodeType="withEffect">
+                                  <p:stCondLst>
+                                    <p:cond delay="0"/>
+                                  </p:stCondLst>
+                                  <p:childTnLst>
+                                    <p:animEffect transition="out" filter="fade">
+                                      <p:cBhvr>
+                                        <p:cTn id="10" dur="500"/>
+                                        <p:tgtEl>
+                                          <p:spTgt spid="9"/>
+                                        </p:tgtEl>
+                                      </p:cBhvr>
+                                    </p:animEffect>
+                                    <p:set>
+                                      <p:cBhvr>
+                                        <p:cTn id="11" dur="1" fill="hold">
+                                          <p:stCondLst>
+                                            <p:cond delay="499"/>
+                                          </p:stCondLst>
+                                        </p:cTn>
+                                        <p:tgtEl>
+                                          <p:spTgt spid="9"/>
+                                        </p:tgtEl>
+                                        <p:attrNameLst>
+                                          <p:attrName>style.visibility</p:attrName>
+                                        </p:attrNameLst>
+                                      </p:cBhvr>
+                                      <p:to>
+                                        <p:strVal val="hidden"/>
+                                      </p:to>
+                                    </p:set>
+                                  </p:childTnLst>
+                                </p:cTn>
+                              </p:par>
+                            </p:childTnLst>
+                          </p:cTn>
+                        </p:par>
+                        <p:par>
+                          <p:cTn id="12" fill="hold">
+                            <p:stCondLst>
+                              <p:cond delay="500"/>
+                            </p:stCondLst>
+                            <p:childTnLst>
+                              <p:par>
+                                <p:cTn id="13" presetID="10" presetClass="exit" presetSubtype="0" fill="hold" grpId="0" nodeType="afterEffect">
+                                  <p:stCondLst>
+                                    <p:cond delay="0"/>
+                                  </p:stCondLst>
+                                  <p:childTnLst>
+                                    <p:animEffect transition="out" filter="fade">
+                                      <p:cBhvr>
+                                        <p:cTn id="14" dur="500"/>
+                                        <p:tgtEl>
+                                          <p:spTgt spid="11"/>
+                                        </p:tgtEl>
+                                      </p:cBhvr>
+                                    </p:animEffect>
+                                    <p:set>
+                                      <p:cBhvr>
+                                        <p:cTn id="15" dur="1" fill="hold">
+                                          <p:stCondLst>
+                                            <p:cond delay="499"/>
+                                          </p:stCondLst>
+                                        </p:cTn>
+                                        <p:tgtEl>
+                                          <p:spTgt spid="11"/>
+                                        </p:tgtEl>
+                                        <p:attrNameLst>
+                                          <p:attrName>style.visibility</p:attrName>
+                                        </p:attrNameLst>
+                                      </p:cBhvr>
+                                      <p:to>
+                                        <p:strVal val="hidden"/>
+                                      </p:to>
+                                    </p:set>
+                                  </p:childTnLst>
+                                </p:cTn>
+                              </p:par>
+                            </p:childTnLst>
+                          </p:cTn>
+                        </p:par>
+                        <p:par>
+                          <p:cTn id="16" fill="hold">
+                            <p:stCondLst>
+                              <p:cond delay="1000"/>
+                            </p:stCondLst>
+                            <p:childTnLst>
+                              <p:par>
+                                <p:cTn id="17" presetID="2" presetClass="entr" presetSubtype="4" fill="hold" grpId="0" nodeType="afterEffect">
+                                  <p:stCondLst>
+                                    <p:cond delay="0"/>
+                                  </p:stCondLst>
+                                  <p:childTnLst>
+                                    <p:set>
+                                      <p:cBhvr>
+                                        <p:cTn id="18" dur="1" fill="hold">
+                                          <p:stCondLst>
+                                            <p:cond delay="0"/>
+                                          </p:stCondLst>
+                                        </p:cTn>
+                                        <p:tgtEl>
+                                          <p:spTgt spid="15"/>
+                                        </p:tgtEl>
+                                        <p:attrNameLst>
+                                          <p:attrName>style.visibility</p:attrName>
+                                        </p:attrNameLst>
+                                      </p:cBhvr>
+                                      <p:to>
+                                        <p:strVal val="visible"/>
+                                      </p:to>
+                                    </p:set>
+                                    <p:anim calcmode="lin" valueType="num">
+                                      <p:cBhvr additive="base">
+                                        <p:cTn id="19" dur="500" fill="hold"/>
+                                        <p:tgtEl>
+                                          <p:spTgt spid="15"/>
+                                        </p:tgtEl>
+                                        <p:attrNameLst>
+                                          <p:attrName>ppt_x</p:attrName>
+                                        </p:attrNameLst>
+                                      </p:cBhvr>
+                                      <p:tavLst>
+                                        <p:tav tm="0">
+                                          <p:val>
+                                            <p:strVal val="#ppt_x"/>
+                                          </p:val>
+                                        </p:tav>
+                                        <p:tav tm="100000">
+                                          <p:val>
+                                            <p:strVal val="#ppt_x"/>
+                                          </p:val>
+                                        </p:tav>
+                                      </p:tavLst>
+                                    </p:anim>
+                                    <p:anim calcmode="lin" valueType="num">
+                                      <p:cBhvr additive="base">
+                                        <p:cTn id="20" dur="500" fill="hold"/>
+                                        <p:tgtEl>
+                                          <p:spTgt spid="15"/>
+                                        </p:tgtEl>
+                                        <p:attrNameLst>
+                                          <p:attrName>ppt_y</p:attrName>
+                                        </p:attrNameLst>
+                                      </p:cBhvr>
+                                      <p:tavLst>
+                                        <p:tav tm="0">
+                                          <p:val>
+                                            <p:strVal val="1+#ppt_h/2"/>
+                                          </p:val>
+                                        </p:tav>
+                                        <p:tav tm="100000">
+                                          <p:val>
+                                            <p:strVal val="#ppt_y"/>
+                                          </p:val>
+                                        </p:tav>
+                                      </p:tavLst>
+                                    </p:anim>
+                                  </p:childTnLst>
+                                </p:cTn>
+                              </p:par>
+                            </p:childTnLst>
+                          </p:cTn>
+                        </p:par>
+                      </p:childTnLst>
+                    </p:cTn>
+                  </p:par>
+                </p:childTnLst>
+              </p:cTn>
+              <p:prevCondLst>
+                <p:cond evt="onPrev" delay="0">
+                  <p:tgtEl>
+                    <p:sldTgt/>
+                  </p:tgtEl>
+                </p:cond>
+              </p:prevCondLst>
+              <p:nextCondLst>
+                <p:cond evt="onNext" delay="0">
+                  <p:tgtEl>
+                    <p:sldTgt/>
+                  </p:tgtEl>
+                </p:cond>
+              </p:nextCondLst>
+            </p:seq>
+          </p:childTnLst>
+        </p:cTn>
+      </p:par>
+    </p:tnLst>
+    <p:bldLst>
+      <p:bldP spid="11" grpId="0"/>
+      <p:bldP spid="15" grpId="0"/>
+    </p:bldLst>
+  </p:timing>
 </p:sld>
 </file>
 
@@ -5638,10 +6628,10 @@
       </p:sp>
       <p:pic>
         <p:nvPicPr>
-          <p:cNvPr id="4" name="図 3" descr="QR コード が含まれている画像&#10;&#10;自動的に生成された説明">
+          <p:cNvPr id="4" name="図 3" descr="QR コード&#10;&#10;自動的に生成された説明">
             <a:extLst>
               <a:ext uri="{FF2B5EF4-FFF2-40B4-BE49-F238E27FC236}">
-                <a16:creationId xmlns:a16="http://schemas.microsoft.com/office/drawing/2014/main" id="{0BCC0981-A004-44CA-9259-9ED76EF77DBA}"/>
+                <a16:creationId xmlns:a16="http://schemas.microsoft.com/office/drawing/2014/main" id="{ABB3591B-5E19-4006-8ACC-6FC6F11F2A64}"/>
               </a:ext>
             </a:extLst>
           </p:cNvPr>
@@ -5664,18 +6654,179 @@
         </p:blipFill>
         <p:spPr>
           <a:xfrm>
-            <a:off x="10812145" y="5508625"/>
-            <a:ext cx="942975" cy="942975"/>
+            <a:off x="10715625" y="5267325"/>
+            <a:ext cx="1323975" cy="1323975"/>
           </a:xfrm>
           <a:prstGeom prst="rect">
             <a:avLst/>
           </a:prstGeom>
         </p:spPr>
       </p:pic>
+      <p:pic>
+        <p:nvPicPr>
+          <p:cNvPr id="6" name="Picture 6">
+            <a:extLst>
+              <a:ext uri="{FF2B5EF4-FFF2-40B4-BE49-F238E27FC236}">
+                <a16:creationId xmlns:a16="http://schemas.microsoft.com/office/drawing/2014/main" id="{BE48B18D-763B-8F33-DB0F-E252F1803D5C}"/>
+              </a:ext>
+            </a:extLst>
+          </p:cNvPr>
+          <p:cNvPicPr>
+            <a:picLocks noChangeAspect="1"/>
+          </p:cNvPicPr>
+          <p:nvPr/>
+        </p:nvPicPr>
+        <p:blipFill rotWithShape="1">
+          <a:blip r:embed="rId3"/>
+          <a:srcRect l="14674" t="31224" r="15761" b="204"/>
+          <a:stretch/>
+        </p:blipFill>
+        <p:spPr>
+          <a:xfrm>
+            <a:off x="671443" y="624164"/>
+            <a:ext cx="6573950" cy="3434247"/>
+          </a:xfrm>
+          <a:prstGeom prst="rect">
+            <a:avLst/>
+          </a:prstGeom>
+        </p:spPr>
+      </p:pic>
+      <p:sp>
+        <p:nvSpPr>
+          <p:cNvPr id="7" name="TextBox 6">
+            <a:extLst>
+              <a:ext uri="{FF2B5EF4-FFF2-40B4-BE49-F238E27FC236}">
+                <a16:creationId xmlns:a16="http://schemas.microsoft.com/office/drawing/2014/main" id="{261EFB76-6E16-50D4-F4F2-3ADFD21EB9FF}"/>
+              </a:ext>
+            </a:extLst>
+          </p:cNvPr>
+          <p:cNvSpPr txBox="1"/>
+          <p:nvPr/>
+        </p:nvSpPr>
+        <p:spPr>
+          <a:xfrm>
+            <a:off x="8001000" y="1242391"/>
+            <a:ext cx="3246782" cy="2418521"/>
+          </a:xfrm>
+          <a:prstGeom prst="rect">
+            <a:avLst/>
+          </a:prstGeom>
+          <a:noFill/>
+        </p:spPr>
+        <p:txBody>
+          <a:bodyPr rot="0" spcFirstLastPara="0" vertOverflow="overflow" horzOverflow="overflow" vert="horz" wrap="square" lIns="91440" tIns="45720" rIns="91440" bIns="45720" numCol="1" spcCol="0" rtlCol="0" fromWordArt="0" anchor="t" anchorCtr="0" forceAA="0" compatLnSpc="1">
+            <a:prstTxWarp prst="textNoShape">
+              <a:avLst/>
+            </a:prstTxWarp>
+            <a:spAutoFit/>
+          </a:bodyPr>
+          <a:lstStyle/>
+          <a:p>
+            <a:pPr algn="l"/>
+            <a:endParaRPr lang="en-US"/>
+          </a:p>
+        </p:txBody>
+      </p:sp>
+      <p:pic>
+        <p:nvPicPr>
+          <p:cNvPr id="3" name="Picture 4">
+            <a:extLst>
+              <a:ext uri="{FF2B5EF4-FFF2-40B4-BE49-F238E27FC236}">
+                <a16:creationId xmlns:a16="http://schemas.microsoft.com/office/drawing/2014/main" id="{E0A301A9-E926-2E44-5B64-52BDE421A763}"/>
+              </a:ext>
+            </a:extLst>
+          </p:cNvPr>
+          <p:cNvPicPr>
+            <a:picLocks noChangeAspect="1"/>
+          </p:cNvPicPr>
+          <p:nvPr/>
+        </p:nvPicPr>
+        <p:blipFill>
+          <a:blip r:embed="rId4"/>
+          <a:stretch>
+            <a:fillRect/>
+          </a:stretch>
+        </p:blipFill>
+        <p:spPr>
+          <a:xfrm>
+            <a:off x="841216" y="4156645"/>
+            <a:ext cx="6234752" cy="2045657"/>
+          </a:xfrm>
+          <a:prstGeom prst="rect">
+            <a:avLst/>
+          </a:prstGeom>
+        </p:spPr>
+      </p:pic>
+      <p:sp>
+        <p:nvSpPr>
+          <p:cNvPr id="8" name="TextBox 7">
+            <a:extLst>
+              <a:ext uri="{FF2B5EF4-FFF2-40B4-BE49-F238E27FC236}">
+                <a16:creationId xmlns:a16="http://schemas.microsoft.com/office/drawing/2014/main" id="{64F7EA39-FA74-A2AF-688D-6B22B5DCC672}"/>
+              </a:ext>
+            </a:extLst>
+          </p:cNvPr>
+          <p:cNvSpPr txBox="1"/>
+          <p:nvPr/>
+        </p:nvSpPr>
+        <p:spPr>
+          <a:xfrm>
+            <a:off x="7520608" y="2070652"/>
+            <a:ext cx="3776868" cy="2677656"/>
+          </a:xfrm>
+          <a:prstGeom prst="rect">
+            <a:avLst/>
+          </a:prstGeom>
+          <a:noFill/>
+        </p:spPr>
+        <p:txBody>
+          <a:bodyPr rot="0" spcFirstLastPara="0" vertOverflow="overflow" horzOverflow="overflow" vert="horz" wrap="square" lIns="91440" tIns="45720" rIns="91440" bIns="45720" numCol="1" spcCol="0" rtlCol="0" fromWordArt="0" anchor="t" anchorCtr="0" forceAA="0" compatLnSpc="1">
+            <a:prstTxWarp prst="textNoShape">
+              <a:avLst/>
+            </a:prstTxWarp>
+            <a:spAutoFit/>
+          </a:bodyPr>
+          <a:lstStyle/>
+          <a:p>
+            <a:pPr algn="l"/>
+            <a:r>
+              <a:rPr lang="ja-JP" altLang="en-US" sz="2800">
+                <a:solidFill>
+                  <a:schemeClr val="bg1"/>
+                </a:solidFill>
+                <a:latin typeface="UD デジタル 教科書体 NP-R"/>
+                <a:ea typeface="UD デジタル 教科書体 NP-R"/>
+              </a:rPr>
+              <a:t>・摂取カロリーを元に動的なグラフを月ごとに形成</a:t>
+            </a:r>
+          </a:p>
+          <a:p>
+            <a:endParaRPr lang="ja-JP" altLang="en-US" sz="2800">
+              <a:solidFill>
+                <a:schemeClr val="bg1"/>
+              </a:solidFill>
+              <a:latin typeface="UD デジタル 教科書体 NP-R"/>
+              <a:ea typeface="UD デジタル 教科書体 NP-R"/>
+            </a:endParaRPr>
+          </a:p>
+          <a:p>
+            <a:r>
+              <a:rPr lang="ja-JP" altLang="en-US" sz="2800">
+                <a:solidFill>
+                  <a:schemeClr val="bg1"/>
+                </a:solidFill>
+                <a:latin typeface="UD デジタル 教科書体 NP-R"/>
+                <a:ea typeface="UD デジタル 教科書体 NP-R"/>
+              </a:rPr>
+              <a:t>・ユーザーに合わせた基礎代謝を表示</a:t>
+            </a:r>
+          </a:p>
+        </p:txBody>
+      </p:sp>
     </p:spTree>
     <p:extLst>
       <p:ext uri="{BB962C8B-B14F-4D97-AF65-F5344CB8AC3E}">
-        <p14:creationId xmlns:p14="http://schemas.microsoft.com/office/powerpoint/2010/main" val="3099780296"/>
+        <p14:creationId xmlns:p14="http://schemas.microsoft.com/office/powerpoint/2010/main" val="3058868081"/>
       </p:ext>
     </p:extLst>
   </p:cSld>
@@ -5764,10 +6915,10 @@
       </p:sp>
       <p:pic>
         <p:nvPicPr>
-          <p:cNvPr id="4" name="図 3" descr="QR コード&#10;&#10;自動的に生成された説明">
+          <p:cNvPr id="4" name="図 3" descr="グラフ&#10;&#10;自動的に生成された説明">
             <a:extLst>
               <a:ext uri="{FF2B5EF4-FFF2-40B4-BE49-F238E27FC236}">
-                <a16:creationId xmlns:a16="http://schemas.microsoft.com/office/drawing/2014/main" id="{ABB3591B-5E19-4006-8ACC-6FC6F11F2A64}"/>
+                <a16:creationId xmlns:a16="http://schemas.microsoft.com/office/drawing/2014/main" id="{A2CEF732-C480-46AF-9E84-0BF9BD0B47D2}"/>
               </a:ext>
             </a:extLst>
           </p:cNvPr>
@@ -5790,18 +6941,99 @@
         </p:blipFill>
         <p:spPr>
           <a:xfrm>
-            <a:off x="10715625" y="5267325"/>
-            <a:ext cx="1323975" cy="1323975"/>
+            <a:off x="11033760" y="5704840"/>
+            <a:ext cx="985520" cy="985520"/>
           </a:xfrm>
           <a:prstGeom prst="rect">
             <a:avLst/>
           </a:prstGeom>
         </p:spPr>
       </p:pic>
+      <p:pic>
+        <p:nvPicPr>
+          <p:cNvPr id="5" name="図 4">
+            <a:extLst>
+              <a:ext uri="{FF2B5EF4-FFF2-40B4-BE49-F238E27FC236}">
+                <a16:creationId xmlns:a16="http://schemas.microsoft.com/office/drawing/2014/main" id="{44DF5A4D-94B9-4ACC-A06B-74494C6401F3}"/>
+              </a:ext>
+            </a:extLst>
+          </p:cNvPr>
+          <p:cNvPicPr>
+            <a:picLocks noChangeAspect="1"/>
+          </p:cNvPicPr>
+          <p:nvPr/>
+        </p:nvPicPr>
+        <p:blipFill>
+          <a:blip r:embed="rId3"/>
+          <a:stretch>
+            <a:fillRect/>
+          </a:stretch>
+        </p:blipFill>
+        <p:spPr>
+          <a:xfrm>
+            <a:off x="2547499" y="2123678"/>
+            <a:ext cx="7097001" cy="2610644"/>
+          </a:xfrm>
+          <a:prstGeom prst="rect">
+            <a:avLst/>
+          </a:prstGeom>
+        </p:spPr>
+      </p:pic>
+      <p:sp>
+        <p:nvSpPr>
+          <p:cNvPr id="9" name="テキスト ボックス 8">
+            <a:extLst>
+              <a:ext uri="{FF2B5EF4-FFF2-40B4-BE49-F238E27FC236}">
+                <a16:creationId xmlns:a16="http://schemas.microsoft.com/office/drawing/2014/main" id="{3F9AE884-8F8E-4C50-876C-8B99DDA5D075}"/>
+              </a:ext>
+            </a:extLst>
+          </p:cNvPr>
+          <p:cNvSpPr txBox="1"/>
+          <p:nvPr/>
+        </p:nvSpPr>
+        <p:spPr>
+          <a:xfrm>
+            <a:off x="8087360" y="4836160"/>
+            <a:ext cx="2712720" cy="369332"/>
+          </a:xfrm>
+          <a:prstGeom prst="rect">
+            <a:avLst/>
+          </a:prstGeom>
+          <a:noFill/>
+        </p:spPr>
+        <p:txBody>
+          <a:bodyPr wrap="square" rtlCol="0">
+            <a:spAutoFit/>
+          </a:bodyPr>
+          <a:lstStyle/>
+          <a:p>
+            <a:r>
+              <a:rPr kumimoji="1" lang="en-US" altLang="ja-JP">
+                <a:solidFill>
+                  <a:schemeClr val="bg1"/>
+                </a:solidFill>
+                <a:latin typeface="UD デジタル 教科書体 NP-R" panose="02020400000000000000" pitchFamily="18" charset="-128"/>
+                <a:ea typeface="UD デジタル 教科書体 NP-R" panose="02020400000000000000" pitchFamily="18" charset="-128"/>
+              </a:rPr>
+              <a:t>※</a:t>
+            </a:r>
+            <a:r>
+              <a:rPr kumimoji="1" lang="ja-JP" altLang="en-US">
+                <a:solidFill>
+                  <a:schemeClr val="bg1"/>
+                </a:solidFill>
+                <a:latin typeface="UD デジタル 教科書体 NP-R" panose="02020400000000000000" pitchFamily="18" charset="-128"/>
+                <a:ea typeface="UD デジタル 教科書体 NP-R" panose="02020400000000000000" pitchFamily="18" charset="-128"/>
+              </a:rPr>
+              <a:t>外部設計書</a:t>
+            </a:r>
+          </a:p>
+        </p:txBody>
+      </p:sp>
     </p:spTree>
     <p:extLst>
       <p:ext uri="{BB962C8B-B14F-4D97-AF65-F5344CB8AC3E}">
-        <p14:creationId xmlns:p14="http://schemas.microsoft.com/office/powerpoint/2010/main" val="3058868081"/>
+        <p14:creationId xmlns:p14="http://schemas.microsoft.com/office/powerpoint/2010/main" val="109115079"/>
       </p:ext>
     </p:extLst>
   </p:cSld>
@@ -6071,4 +7303,201 @@
     </a:ext>
   </a:extLst>
 </a:theme>
+</file>
+
+<file path=customXml/item1.xml><?xml version="1.0" encoding="utf-8"?>
+<p:properties xmlns:p="http://schemas.microsoft.com/office/2006/metadata/properties" xmlns:xsi="http://www.w3.org/2001/XMLSchema-instance" xmlns:pc="http://schemas.microsoft.com/office/infopath/2007/PartnerControls">
+  <documentManagement>
+    <_activity xmlns="54c177cd-5b69-4c86-94f8-baea005b32a7" xsi:nil="true"/>
+  </documentManagement>
+</p:properties>
+</file>
+
+<file path=customXml/item2.xml><?xml version="1.0" encoding="utf-8"?>
+<ct:contentTypeSchema xmlns:ct="http://schemas.microsoft.com/office/2006/metadata/contentType" xmlns:ma="http://schemas.microsoft.com/office/2006/metadata/properties/metaAttributes" ct:_="" ma:_="" ma:contentTypeName="ドキュメント" ma:contentTypeID="0x0101005566D498701232449F4CDB149C3E6B59" ma:contentTypeVersion="3" ma:contentTypeDescription="新しいドキュメントを作成します。" ma:contentTypeScope="" ma:versionID="b097f80ec6483dcb1d966d9626d010de">
+  <xsd:schema xmlns:xsd="http://www.w3.org/2001/XMLSchema" xmlns:xs="http://www.w3.org/2001/XMLSchema" xmlns:p="http://schemas.microsoft.com/office/2006/metadata/properties" xmlns:ns3="54c177cd-5b69-4c86-94f8-baea005b32a7" targetNamespace="http://schemas.microsoft.com/office/2006/metadata/properties" ma:root="true" ma:fieldsID="afac8010ce8cdd7c7296ff36df68b65d" ns3:_="">
+    <xsd:import namespace="54c177cd-5b69-4c86-94f8-baea005b32a7"/>
+    <xsd:element name="properties">
+      <xsd:complexType>
+        <xsd:sequence>
+          <xsd:element name="documentManagement">
+            <xsd:complexType>
+              <xsd:all>
+                <xsd:element ref="ns3:MediaServiceMetadata" minOccurs="0"/>
+                <xsd:element ref="ns3:MediaServiceFastMetadata" minOccurs="0"/>
+                <xsd:element ref="ns3:_activity" minOccurs="0"/>
+              </xsd:all>
+            </xsd:complexType>
+          </xsd:element>
+        </xsd:sequence>
+      </xsd:complexType>
+    </xsd:element>
+  </xsd:schema>
+  <xsd:schema xmlns:xsd="http://www.w3.org/2001/XMLSchema" xmlns:xs="http://www.w3.org/2001/XMLSchema" xmlns:dms="http://schemas.microsoft.com/office/2006/documentManagement/types" xmlns:pc="http://schemas.microsoft.com/office/infopath/2007/PartnerControls" targetNamespace="54c177cd-5b69-4c86-94f8-baea005b32a7" elementFormDefault="qualified">
+    <xsd:import namespace="http://schemas.microsoft.com/office/2006/documentManagement/types"/>
+    <xsd:import namespace="http://schemas.microsoft.com/office/infopath/2007/PartnerControls"/>
+    <xsd:element name="MediaServiceMetadata" ma:index="8" nillable="true" ma:displayName="MediaServiceMetadata" ma:hidden="true" ma:internalName="MediaServiceMetadata" ma:readOnly="true">
+      <xsd:simpleType>
+        <xsd:restriction base="dms:Note"/>
+      </xsd:simpleType>
+    </xsd:element>
+    <xsd:element name="MediaServiceFastMetadata" ma:index="9" nillable="true" ma:displayName="MediaServiceFastMetadata" ma:hidden="true" ma:internalName="MediaServiceFastMetadata" ma:readOnly="true">
+      <xsd:simpleType>
+        <xsd:restriction base="dms:Note"/>
+      </xsd:simpleType>
+    </xsd:element>
+    <xsd:element name="_activity" ma:index="10" nillable="true" ma:displayName="_activity" ma:hidden="true" ma:internalName="_activity">
+      <xsd:simpleType>
+        <xsd:restriction base="dms:Note"/>
+      </xsd:simpleType>
+    </xsd:element>
+  </xsd:schema>
+  <xsd:schema xmlns="http://schemas.openxmlformats.org/package/2006/metadata/core-properties" xmlns:xsd="http://www.w3.org/2001/XMLSchema" xmlns:xsi="http://www.w3.org/2001/XMLSchema-instance" xmlns:dc="http://purl.org/dc/elements/1.1/" xmlns:dcterms="http://purl.org/dc/terms/" xmlns:odoc="http://schemas.microsoft.com/internal/obd" targetNamespace="http://schemas.openxmlformats.org/package/2006/metadata/core-properties" elementFormDefault="qualified" attributeFormDefault="unqualified" blockDefault="#all">
+    <xsd:import namespace="http://purl.org/dc/elements/1.1/" schemaLocation="http://dublincore.org/schemas/xmls/qdc/2003/04/02/dc.xsd"/>
+    <xsd:import namespace="http://purl.org/dc/terms/" schemaLocation="http://dublincore.org/schemas/xmls/qdc/2003/04/02/dcterms.xsd"/>
+    <xsd:element name="coreProperties" type="CT_coreProperties"/>
+    <xsd:complexType name="CT_coreProperties">
+      <xsd:all>
+        <xsd:element ref="dc:creator" minOccurs="0" maxOccurs="1"/>
+        <xsd:element ref="dcterms:created" minOccurs="0" maxOccurs="1"/>
+        <xsd:element ref="dc:identifier" minOccurs="0" maxOccurs="1"/>
+        <xsd:element name="contentType" minOccurs="0" maxOccurs="1" type="xsd:string" ma:index="0" ma:displayName="コンテンツ タイプ"/>
+        <xsd:element ref="dc:title" minOccurs="0" maxOccurs="1" ma:index="4" ma:displayName="タイトル"/>
+        <xsd:element ref="dc:subject" minOccurs="0" maxOccurs="1"/>
+        <xsd:element ref="dc:description" minOccurs="0" maxOccurs="1"/>
+        <xsd:element name="keywords" minOccurs="0" maxOccurs="1" type="xsd:string"/>
+        <xsd:element ref="dc:language" minOccurs="0" maxOccurs="1"/>
+        <xsd:element name="category" minOccurs="0" maxOccurs="1" type="xsd:string"/>
+        <xsd:element name="version" minOccurs="0" maxOccurs="1" type="xsd:string"/>
+        <xsd:element name="revision" minOccurs="0" maxOccurs="1" type="xsd:string">
+          <xsd:annotation>
+            <xsd:documentation>
+                        This value indicates the number of saves or revisions. The application is responsible for updating this value after each revision.
+                    </xsd:documentation>
+          </xsd:annotation>
+        </xsd:element>
+        <xsd:element name="lastModifiedBy" minOccurs="0" maxOccurs="1" type="xsd:string"/>
+        <xsd:element ref="dcterms:modified" minOccurs="0" maxOccurs="1"/>
+        <xsd:element name="contentStatus" minOccurs="0" maxOccurs="1" type="xsd:string"/>
+      </xsd:all>
+    </xsd:complexType>
+  </xsd:schema>
+  <xs:schema xmlns:pc="http://schemas.microsoft.com/office/infopath/2007/PartnerControls" xmlns:xs="http://www.w3.org/2001/XMLSchema" targetNamespace="http://schemas.microsoft.com/office/infopath/2007/PartnerControls" elementFormDefault="qualified" attributeFormDefault="unqualified">
+    <xs:element name="Person">
+      <xs:complexType>
+        <xs:sequence>
+          <xs:element ref="pc:DisplayName" minOccurs="0"/>
+          <xs:element ref="pc:AccountId" minOccurs="0"/>
+          <xs:element ref="pc:AccountType" minOccurs="0"/>
+        </xs:sequence>
+      </xs:complexType>
+    </xs:element>
+    <xs:element name="DisplayName" type="xs:string"/>
+    <xs:element name="AccountId" type="xs:string"/>
+    <xs:element name="AccountType" type="xs:string"/>
+    <xs:element name="BDCAssociatedEntity">
+      <xs:complexType>
+        <xs:sequence>
+          <xs:element ref="pc:BDCEntity" minOccurs="0" maxOccurs="unbounded"/>
+        </xs:sequence>
+        <xs:attribute ref="pc:EntityNamespace"/>
+        <xs:attribute ref="pc:EntityName"/>
+        <xs:attribute ref="pc:SystemInstanceName"/>
+        <xs:attribute ref="pc:AssociationName"/>
+      </xs:complexType>
+    </xs:element>
+    <xs:attribute name="EntityNamespace" type="xs:string"/>
+    <xs:attribute name="EntityName" type="xs:string"/>
+    <xs:attribute name="SystemInstanceName" type="xs:string"/>
+    <xs:attribute name="AssociationName" type="xs:string"/>
+    <xs:element name="BDCEntity">
+      <xs:complexType>
+        <xs:sequence>
+          <xs:element ref="pc:EntityDisplayName" minOccurs="0"/>
+          <xs:element ref="pc:EntityInstanceReference" minOccurs="0"/>
+          <xs:element ref="pc:EntityId1" minOccurs="0"/>
+          <xs:element ref="pc:EntityId2" minOccurs="0"/>
+          <xs:element ref="pc:EntityId3" minOccurs="0"/>
+          <xs:element ref="pc:EntityId4" minOccurs="0"/>
+          <xs:element ref="pc:EntityId5" minOccurs="0"/>
+        </xs:sequence>
+      </xs:complexType>
+    </xs:element>
+    <xs:element name="EntityDisplayName" type="xs:string"/>
+    <xs:element name="EntityInstanceReference" type="xs:string"/>
+    <xs:element name="EntityId1" type="xs:string"/>
+    <xs:element name="EntityId2" type="xs:string"/>
+    <xs:element name="EntityId3" type="xs:string"/>
+    <xs:element name="EntityId4" type="xs:string"/>
+    <xs:element name="EntityId5" type="xs:string"/>
+    <xs:element name="Terms">
+      <xs:complexType>
+        <xs:sequence>
+          <xs:element ref="pc:TermInfo" minOccurs="0" maxOccurs="unbounded"/>
+        </xs:sequence>
+      </xs:complexType>
+    </xs:element>
+    <xs:element name="TermInfo">
+      <xs:complexType>
+        <xs:sequence>
+          <xs:element ref="pc:TermName" minOccurs="0"/>
+          <xs:element ref="pc:TermId" minOccurs="0"/>
+        </xs:sequence>
+      </xs:complexType>
+    </xs:element>
+    <xs:element name="TermName" type="xs:string"/>
+    <xs:element name="TermId" type="xs:string"/>
+  </xs:schema>
+</ct:contentTypeSchema>
+</file>
+
+<file path=customXml/item3.xml><?xml version="1.0" encoding="utf-8"?>
+<?mso-contentType ?>
+<FormTemplates xmlns="http://schemas.microsoft.com/sharepoint/v3/contenttype/forms">
+  <Display>DocumentLibraryForm</Display>
+  <Edit>DocumentLibraryForm</Edit>
+  <New>DocumentLibraryForm</New>
+</FormTemplates>
+</file>
+
+<file path=customXml/itemProps1.xml><?xml version="1.0" encoding="utf-8"?>
+<ds:datastoreItem xmlns:ds="http://schemas.openxmlformats.org/officeDocument/2006/customXml" ds:itemID="{BE6ABD35-10F0-4E69-A4B4-6A641261C546}">
+  <ds:schemaRefs>
+    <ds:schemaRef ds:uri="54c177cd-5b69-4c86-94f8-baea005b32a7"/>
+    <ds:schemaRef ds:uri="http://purl.org/dc/dcmitype/"/>
+    <ds:schemaRef ds:uri="http://purl.org/dc/elements/1.1/"/>
+    <ds:schemaRef ds:uri="http://purl.org/dc/terms/"/>
+    <ds:schemaRef ds:uri="http://schemas.microsoft.com/office/2006/documentManagement/types"/>
+    <ds:schemaRef ds:uri="http://schemas.microsoft.com/office/2006/metadata/properties"/>
+    <ds:schemaRef ds:uri="http://schemas.microsoft.com/office/infopath/2007/PartnerControls"/>
+    <ds:schemaRef ds:uri="http://schemas.openxmlformats.org/package/2006/metadata/core-properties"/>
+    <ds:schemaRef ds:uri="http://www.w3.org/XML/1998/namespace"/>
+  </ds:schemaRefs>
+</ds:datastoreItem>
+</file>
+
+<file path=customXml/itemProps2.xml><?xml version="1.0" encoding="utf-8"?>
+<ds:datastoreItem xmlns:ds="http://schemas.openxmlformats.org/officeDocument/2006/customXml" ds:itemID="{546A8E18-1073-40BB-9E60-B696BA30DCDD}">
+  <ds:schemaRefs>
+    <ds:schemaRef ds:uri="54c177cd-5b69-4c86-94f8-baea005b32a7"/>
+    <ds:schemaRef ds:uri="http://purl.org/dc/elements/1.1/"/>
+    <ds:schemaRef ds:uri="http://purl.org/dc/terms/"/>
+    <ds:schemaRef ds:uri="http://schemas.microsoft.com/internal/obd"/>
+    <ds:schemaRef ds:uri="http://schemas.microsoft.com/office/2006/documentManagement/types"/>
+    <ds:schemaRef ds:uri="http://schemas.microsoft.com/office/2006/metadata/contentType"/>
+    <ds:schemaRef ds:uri="http://schemas.microsoft.com/office/2006/metadata/properties"/>
+    <ds:schemaRef ds:uri="http://schemas.microsoft.com/office/2006/metadata/properties/metaAttributes"/>
+    <ds:schemaRef ds:uri="http://schemas.microsoft.com/office/infopath/2007/PartnerControls"/>
+    <ds:schemaRef ds:uri="http://schemas.openxmlformats.org/package/2006/metadata/core-properties"/>
+    <ds:schemaRef ds:uri="http://www.w3.org/2001/XMLSchema"/>
+  </ds:schemaRefs>
+</ds:datastoreItem>
+</file>
+
+<file path=customXml/itemProps3.xml><?xml version="1.0" encoding="utf-8"?>
+<ds:datastoreItem xmlns:ds="http://schemas.openxmlformats.org/officeDocument/2006/customXml" ds:itemID="{198FB8AF-12FD-4F20-A5F7-DB57E8A5BA60}">
+  <ds:schemaRefs>
+    <ds:schemaRef ds:uri="http://schemas.microsoft.com/sharepoint/v3/contenttype/forms"/>
+  </ds:schemaRefs>
+</ds:datastoreItem>
 </file>
--- a/doc/発表資料.pptx
+++ b/doc/発表資料.pptx
@@ -7,15 +7,18 @@
   <p:sldIdLst>
     <p:sldId id="256" r:id="rId5"/>
     <p:sldId id="265" r:id="rId6"/>
-    <p:sldId id="257" r:id="rId7"/>
-    <p:sldId id="260" r:id="rId8"/>
-    <p:sldId id="259" r:id="rId9"/>
-    <p:sldId id="261" r:id="rId10"/>
-    <p:sldId id="262" r:id="rId11"/>
-    <p:sldId id="264" r:id="rId12"/>
-    <p:sldId id="258" r:id="rId13"/>
-    <p:sldId id="267" r:id="rId14"/>
-    <p:sldId id="266" r:id="rId15"/>
+    <p:sldId id="266" r:id="rId7"/>
+    <p:sldId id="268" r:id="rId8"/>
+    <p:sldId id="257" r:id="rId9"/>
+    <p:sldId id="271" r:id="rId10"/>
+    <p:sldId id="260" r:id="rId11"/>
+    <p:sldId id="259" r:id="rId12"/>
+    <p:sldId id="261" r:id="rId13"/>
+    <p:sldId id="262" r:id="rId14"/>
+    <p:sldId id="264" r:id="rId15"/>
+    <p:sldId id="258" r:id="rId16"/>
+    <p:sldId id="267" r:id="rId17"/>
+    <p:sldId id="269" r:id="rId18"/>
   </p:sldIdLst>
   <p:sldSz cx="12192000" cy="6858000"/>
   <p:notesSz cx="6858000" cy="9144000"/>
@@ -311,7 +314,7 @@
           <a:p>
             <a:fld id="{B54082EB-7310-4475-A08C-DCB487D4A438}" type="datetimeFigureOut">
               <a:rPr kumimoji="1" lang="ja-JP" altLang="en-US" smtClean="0"/>
-              <a:t>2023/6/27</a:t>
+              <a:t>2023/6/28</a:t>
             </a:fld>
             <a:endParaRPr kumimoji="1" lang="ja-JP" altLang="en-US"/>
           </a:p>
@@ -513,7 +516,7 @@
           <a:p>
             <a:fld id="{B54082EB-7310-4475-A08C-DCB487D4A438}" type="datetimeFigureOut">
               <a:rPr kumimoji="1" lang="ja-JP" altLang="en-US" smtClean="0"/>
-              <a:t>2023/6/27</a:t>
+              <a:t>2023/6/28</a:t>
             </a:fld>
             <a:endParaRPr kumimoji="1" lang="ja-JP" altLang="en-US"/>
           </a:p>
@@ -768,7 +771,7 @@
           <a:p>
             <a:fld id="{B54082EB-7310-4475-A08C-DCB487D4A438}" type="datetimeFigureOut">
               <a:rPr kumimoji="1" lang="ja-JP" altLang="en-US" smtClean="0"/>
-              <a:t>2023/6/27</a:t>
+              <a:t>2023/6/28</a:t>
             </a:fld>
             <a:endParaRPr kumimoji="1" lang="ja-JP" altLang="en-US"/>
           </a:p>
@@ -980,7 +983,7 @@
           <a:p>
             <a:fld id="{B54082EB-7310-4475-A08C-DCB487D4A438}" type="datetimeFigureOut">
               <a:rPr kumimoji="1" lang="ja-JP" altLang="en-US" smtClean="0"/>
-              <a:t>2023/6/27</a:t>
+              <a:t>2023/6/28</a:t>
             </a:fld>
             <a:endParaRPr kumimoji="1" lang="ja-JP" altLang="en-US"/>
           </a:p>
@@ -1286,7 +1289,7 @@
           <a:p>
             <a:fld id="{B54082EB-7310-4475-A08C-DCB487D4A438}" type="datetimeFigureOut">
               <a:rPr kumimoji="1" lang="ja-JP" altLang="en-US" smtClean="0"/>
-              <a:t>2023/6/27</a:t>
+              <a:t>2023/6/28</a:t>
             </a:fld>
             <a:endParaRPr kumimoji="1" lang="ja-JP" altLang="en-US"/>
           </a:p>
@@ -1654,7 +1657,7 @@
           <a:p>
             <a:fld id="{B54082EB-7310-4475-A08C-DCB487D4A438}" type="datetimeFigureOut">
               <a:rPr kumimoji="1" lang="ja-JP" altLang="en-US" smtClean="0"/>
-              <a:t>2023/6/27</a:t>
+              <a:t>2023/6/28</a:t>
             </a:fld>
             <a:endParaRPr kumimoji="1" lang="ja-JP" altLang="en-US"/>
           </a:p>
@@ -2140,7 +2143,7 @@
           <a:p>
             <a:fld id="{B54082EB-7310-4475-A08C-DCB487D4A438}" type="datetimeFigureOut">
               <a:rPr kumimoji="1" lang="ja-JP" altLang="en-US" smtClean="0"/>
-              <a:t>2023/6/27</a:t>
+              <a:t>2023/6/28</a:t>
             </a:fld>
             <a:endParaRPr kumimoji="1" lang="ja-JP" altLang="en-US"/>
           </a:p>
@@ -2258,7 +2261,7 @@
           <a:p>
             <a:fld id="{B54082EB-7310-4475-A08C-DCB487D4A438}" type="datetimeFigureOut">
               <a:rPr kumimoji="1" lang="ja-JP" altLang="en-US" smtClean="0"/>
-              <a:t>2023/6/27</a:t>
+              <a:t>2023/6/28</a:t>
             </a:fld>
             <a:endParaRPr kumimoji="1" lang="ja-JP" altLang="en-US"/>
           </a:p>
@@ -2353,7 +2356,7 @@
           <a:p>
             <a:fld id="{B54082EB-7310-4475-A08C-DCB487D4A438}" type="datetimeFigureOut">
               <a:rPr kumimoji="1" lang="ja-JP" altLang="en-US" smtClean="0"/>
-              <a:t>2023/6/27</a:t>
+              <a:t>2023/6/28</a:t>
             </a:fld>
             <a:endParaRPr kumimoji="1" lang="ja-JP" altLang="en-US"/>
           </a:p>
@@ -2658,7 +2661,7 @@
           <a:p>
             <a:fld id="{B54082EB-7310-4475-A08C-DCB487D4A438}" type="datetimeFigureOut">
               <a:rPr kumimoji="1" lang="ja-JP" altLang="en-US" smtClean="0"/>
-              <a:t>2023/6/27</a:t>
+              <a:t>2023/6/28</a:t>
             </a:fld>
             <a:endParaRPr kumimoji="1" lang="ja-JP" altLang="en-US"/>
           </a:p>
@@ -2923,7 +2926,7 @@
           <a:p>
             <a:fld id="{B54082EB-7310-4475-A08C-DCB487D4A438}" type="datetimeFigureOut">
               <a:rPr kumimoji="1" lang="ja-JP" altLang="en-US" smtClean="0"/>
-              <a:t>2023/6/27</a:t>
+              <a:t>2023/6/28</a:t>
             </a:fld>
             <a:endParaRPr kumimoji="1" lang="ja-JP" altLang="en-US"/>
           </a:p>
@@ -3204,7 +3207,7 @@
           <a:p>
             <a:fld id="{B54082EB-7310-4475-A08C-DCB487D4A438}" type="datetimeFigureOut">
               <a:rPr kumimoji="1" lang="ja-JP" altLang="en-US" smtClean="0"/>
-              <a:t>2023/6/27</a:t>
+              <a:t>2023/6/28</a:t>
             </a:fld>
             <a:endParaRPr kumimoji="1" lang="ja-JP" altLang="en-US"/>
           </a:p>
@@ -3885,2181 +3888,6 @@
       </p:sp>
       <p:pic>
         <p:nvPicPr>
-          <p:cNvPr id="4" name="図 3" descr="グラフ&#10;&#10;自動的に生成された説明">
-            <a:extLst>
-              <a:ext uri="{FF2B5EF4-FFF2-40B4-BE49-F238E27FC236}">
-                <a16:creationId xmlns:a16="http://schemas.microsoft.com/office/drawing/2014/main" id="{A2CEF732-C480-46AF-9E84-0BF9BD0B47D2}"/>
-              </a:ext>
-            </a:extLst>
-          </p:cNvPr>
-          <p:cNvPicPr>
-            <a:picLocks noChangeAspect="1"/>
-          </p:cNvPicPr>
-          <p:nvPr/>
-        </p:nvPicPr>
-        <p:blipFill>
-          <a:blip r:embed="rId2">
-            <a:extLst>
-              <a:ext uri="{28A0092B-C50C-407E-A947-70E740481C1C}">
-                <a14:useLocalDpi xmlns:a14="http://schemas.microsoft.com/office/drawing/2010/main" val="0"/>
-              </a:ext>
-            </a:extLst>
-          </a:blip>
-          <a:stretch>
-            <a:fillRect/>
-          </a:stretch>
-        </p:blipFill>
-        <p:spPr>
-          <a:xfrm>
-            <a:off x="11033760" y="5704840"/>
-            <a:ext cx="985520" cy="985520"/>
-          </a:xfrm>
-          <a:prstGeom prst="rect">
-            <a:avLst/>
-          </a:prstGeom>
-        </p:spPr>
-      </p:pic>
-      <p:pic>
-        <p:nvPicPr>
-          <p:cNvPr id="5" name="図 4">
-            <a:extLst>
-              <a:ext uri="{FF2B5EF4-FFF2-40B4-BE49-F238E27FC236}">
-                <a16:creationId xmlns:a16="http://schemas.microsoft.com/office/drawing/2014/main" id="{44DF5A4D-94B9-4ACC-A06B-74494C6401F3}"/>
-              </a:ext>
-            </a:extLst>
-          </p:cNvPr>
-          <p:cNvPicPr>
-            <a:picLocks noChangeAspect="1"/>
-          </p:cNvPicPr>
-          <p:nvPr/>
-        </p:nvPicPr>
-        <p:blipFill>
-          <a:blip r:embed="rId3"/>
-          <a:stretch>
-            <a:fillRect/>
-          </a:stretch>
-        </p:blipFill>
-        <p:spPr>
-          <a:xfrm>
-            <a:off x="2547499" y="2123678"/>
-            <a:ext cx="7097001" cy="2610644"/>
-          </a:xfrm>
-          <a:prstGeom prst="rect">
-            <a:avLst/>
-          </a:prstGeom>
-        </p:spPr>
-      </p:pic>
-      <p:sp>
-        <p:nvSpPr>
-          <p:cNvPr id="6" name="テキスト ボックス 5">
-            <a:extLst>
-              <a:ext uri="{FF2B5EF4-FFF2-40B4-BE49-F238E27FC236}">
-                <a16:creationId xmlns:a16="http://schemas.microsoft.com/office/drawing/2014/main" id="{8CE54139-FB3B-4A85-885E-48D908F91BA3}"/>
-              </a:ext>
-            </a:extLst>
-          </p:cNvPr>
-          <p:cNvSpPr txBox="1"/>
-          <p:nvPr/>
-        </p:nvSpPr>
-        <p:spPr>
-          <a:xfrm>
-            <a:off x="0" y="0"/>
-            <a:ext cx="12192000" cy="6858000"/>
-          </a:xfrm>
-          <a:prstGeom prst="rect">
-            <a:avLst/>
-          </a:prstGeom>
-          <a:solidFill>
-            <a:srgbClr val="AEE2FF">
-              <a:alpha val="73000"/>
-            </a:srgbClr>
-          </a:solidFill>
-        </p:spPr>
-        <p:txBody>
-          <a:bodyPr wrap="square" rtlCol="0">
-            <a:spAutoFit/>
-          </a:bodyPr>
-          <a:lstStyle/>
-          <a:p>
-            <a:endParaRPr kumimoji="1" lang="ja-JP" altLang="en-US"/>
-          </a:p>
-        </p:txBody>
-      </p:sp>
-      <p:pic>
-        <p:nvPicPr>
-          <p:cNvPr id="8" name="図 7" descr="テキスト&#10;&#10;自動的に生成された説明">
-            <a:extLst>
-              <a:ext uri="{FF2B5EF4-FFF2-40B4-BE49-F238E27FC236}">
-                <a16:creationId xmlns:a16="http://schemas.microsoft.com/office/drawing/2014/main" id="{8C8D8AE0-B63E-4751-AB86-9EB15CC2B069}"/>
-              </a:ext>
-            </a:extLst>
-          </p:cNvPr>
-          <p:cNvPicPr>
-            <a:picLocks noChangeAspect="1"/>
-          </p:cNvPicPr>
-          <p:nvPr/>
-        </p:nvPicPr>
-        <p:blipFill>
-          <a:blip r:embed="rId4">
-            <a:extLst>
-              <a:ext uri="{28A0092B-C50C-407E-A947-70E740481C1C}">
-                <a14:useLocalDpi xmlns:a14="http://schemas.microsoft.com/office/drawing/2010/main" val="0"/>
-              </a:ext>
-            </a:extLst>
-          </a:blip>
-          <a:stretch>
-            <a:fillRect/>
-          </a:stretch>
-        </p:blipFill>
-        <p:spPr>
-          <a:xfrm>
-            <a:off x="4432902" y="721026"/>
-            <a:ext cx="3326193" cy="5415947"/>
-          </a:xfrm>
-          <a:prstGeom prst="rect">
-            <a:avLst/>
-          </a:prstGeom>
-        </p:spPr>
-      </p:pic>
-    </p:spTree>
-    <p:extLst>
-      <p:ext uri="{BB962C8B-B14F-4D97-AF65-F5344CB8AC3E}">
-        <p14:creationId xmlns:p14="http://schemas.microsoft.com/office/powerpoint/2010/main" val="186135776"/>
-      </p:ext>
-    </p:extLst>
-  </p:cSld>
-  <p:clrMapOvr>
-    <a:masterClrMapping/>
-  </p:clrMapOvr>
-  <p:timing>
-    <p:tnLst>
-      <p:par>
-        <p:cTn id="1" dur="indefinite" restart="never" nodeType="tmRoot">
-          <p:childTnLst>
-            <p:seq concurrent="1" nextAc="seek">
-              <p:cTn id="2" dur="indefinite" nodeType="mainSeq">
-                <p:childTnLst>
-                  <p:par>
-                    <p:cTn id="3" fill="hold">
-                      <p:stCondLst>
-                        <p:cond delay="indefinite"/>
-                        <p:cond evt="onBegin" delay="0">
-                          <p:tn val="2"/>
-                        </p:cond>
-                      </p:stCondLst>
-                      <p:childTnLst>
-                        <p:par>
-                          <p:cTn id="4" fill="hold">
-                            <p:stCondLst>
-                              <p:cond delay="0"/>
-                            </p:stCondLst>
-                            <p:childTnLst>
-                              <p:par>
-                                <p:cTn id="5" presetID="2" presetClass="entr" presetSubtype="4" fill="hold" nodeType="withEffect">
-                                  <p:stCondLst>
-                                    <p:cond delay="0"/>
-                                  </p:stCondLst>
-                                  <p:childTnLst>
-                                    <p:set>
-                                      <p:cBhvr>
-                                        <p:cTn id="6" dur="1" fill="hold">
-                                          <p:stCondLst>
-                                            <p:cond delay="0"/>
-                                          </p:stCondLst>
-                                        </p:cTn>
-                                        <p:tgtEl>
-                                          <p:spTgt spid="8"/>
-                                        </p:tgtEl>
-                                        <p:attrNameLst>
-                                          <p:attrName>style.visibility</p:attrName>
-                                        </p:attrNameLst>
-                                      </p:cBhvr>
-                                      <p:to>
-                                        <p:strVal val="visible"/>
-                                      </p:to>
-                                    </p:set>
-                                    <p:anim calcmode="lin" valueType="num">
-                                      <p:cBhvr additive="base">
-                                        <p:cTn id="7" dur="500" fill="hold"/>
-                                        <p:tgtEl>
-                                          <p:spTgt spid="8"/>
-                                        </p:tgtEl>
-                                        <p:attrNameLst>
-                                          <p:attrName>ppt_x</p:attrName>
-                                        </p:attrNameLst>
-                                      </p:cBhvr>
-                                      <p:tavLst>
-                                        <p:tav tm="0">
-                                          <p:val>
-                                            <p:strVal val="#ppt_x"/>
-                                          </p:val>
-                                        </p:tav>
-                                        <p:tav tm="100000">
-                                          <p:val>
-                                            <p:strVal val="#ppt_x"/>
-                                          </p:val>
-                                        </p:tav>
-                                      </p:tavLst>
-                                    </p:anim>
-                                    <p:anim calcmode="lin" valueType="num">
-                                      <p:cBhvr additive="base">
-                                        <p:cTn id="8" dur="500" fill="hold"/>
-                                        <p:tgtEl>
-                                          <p:spTgt spid="8"/>
-                                        </p:tgtEl>
-                                        <p:attrNameLst>
-                                          <p:attrName>ppt_y</p:attrName>
-                                        </p:attrNameLst>
-                                      </p:cBhvr>
-                                      <p:tavLst>
-                                        <p:tav tm="0">
-                                          <p:val>
-                                            <p:strVal val="1+#ppt_h/2"/>
-                                          </p:val>
-                                        </p:tav>
-                                        <p:tav tm="100000">
-                                          <p:val>
-                                            <p:strVal val="#ppt_y"/>
-                                          </p:val>
-                                        </p:tav>
-                                      </p:tavLst>
-                                    </p:anim>
-                                  </p:childTnLst>
-                                </p:cTn>
-                              </p:par>
-                            </p:childTnLst>
-                          </p:cTn>
-                        </p:par>
-                      </p:childTnLst>
-                    </p:cTn>
-                  </p:par>
-                </p:childTnLst>
-              </p:cTn>
-              <p:prevCondLst>
-                <p:cond evt="onPrev" delay="0">
-                  <p:tgtEl>
-                    <p:sldTgt/>
-                  </p:tgtEl>
-                </p:cond>
-              </p:prevCondLst>
-              <p:nextCondLst>
-                <p:cond evt="onNext" delay="0">
-                  <p:tgtEl>
-                    <p:sldTgt/>
-                  </p:tgtEl>
-                </p:cond>
-              </p:nextCondLst>
-            </p:seq>
-          </p:childTnLst>
-        </p:cTn>
-      </p:par>
-    </p:tnLst>
-  </p:timing>
-</p:sld>
-</file>
-
-<file path=ppt/slides/slide11.xml><?xml version="1.0" encoding="utf-8"?>
-<p:sld xmlns:a="http://schemas.openxmlformats.org/drawingml/2006/main" xmlns:r="http://schemas.openxmlformats.org/officeDocument/2006/relationships" xmlns:p="http://schemas.openxmlformats.org/presentationml/2006/main">
-  <p:cSld>
-    <p:bg>
-      <p:bgPr>
-        <a:solidFill>
-          <a:srgbClr val="AEE2FF"/>
-        </a:solidFill>
-        <a:effectLst/>
-      </p:bgPr>
-    </p:bg>
-    <p:spTree>
-      <p:nvGrpSpPr>
-        <p:cNvPr id="1" name=""/>
-        <p:cNvGrpSpPr/>
-        <p:nvPr/>
-      </p:nvGrpSpPr>
-      <p:grpSpPr>
-        <a:xfrm>
-          <a:off x="0" y="0"/>
-          <a:ext cx="0" cy="0"/>
-          <a:chOff x="0" y="0"/>
-          <a:chExt cx="0" cy="0"/>
-        </a:xfrm>
-      </p:grpSpPr>
-      <p:sp>
-        <p:nvSpPr>
-          <p:cNvPr id="2" name="正方形/長方形 1">
-            <a:extLst>
-              <a:ext uri="{FF2B5EF4-FFF2-40B4-BE49-F238E27FC236}">
-                <a16:creationId xmlns:a16="http://schemas.microsoft.com/office/drawing/2014/main" id="{5B096CB1-87E5-4B06-B864-486CBCC10EE2}"/>
-              </a:ext>
-            </a:extLst>
-          </p:cNvPr>
-          <p:cNvSpPr/>
-          <p:nvPr/>
-        </p:nvSpPr>
-        <p:spPr>
-          <a:xfrm>
-            <a:off x="436880" y="406400"/>
-            <a:ext cx="11318240" cy="6045200"/>
-          </a:xfrm>
-          <a:prstGeom prst="rect">
-            <a:avLst/>
-          </a:prstGeom>
-          <a:solidFill>
-            <a:schemeClr val="tx1"/>
-          </a:solidFill>
-          <a:ln>
-            <a:noFill/>
-          </a:ln>
-        </p:spPr>
-        <p:style>
-          <a:lnRef idx="2">
-            <a:schemeClr val="accent1">
-              <a:shade val="50000"/>
-            </a:schemeClr>
-          </a:lnRef>
-          <a:fillRef idx="1">
-            <a:schemeClr val="accent1"/>
-          </a:fillRef>
-          <a:effectRef idx="0">
-            <a:schemeClr val="accent1"/>
-          </a:effectRef>
-          <a:fontRef idx="minor">
-            <a:schemeClr val="lt1"/>
-          </a:fontRef>
-        </p:style>
-        <p:txBody>
-          <a:bodyPr rtlCol="0" anchor="ctr"/>
-          <a:lstStyle/>
-          <a:p>
-            <a:pPr algn="ctr"/>
-            <a:endParaRPr kumimoji="1" lang="ja-JP" altLang="en-US"/>
-          </a:p>
-        </p:txBody>
-      </p:sp>
-    </p:spTree>
-    <p:extLst>
-      <p:ext uri="{BB962C8B-B14F-4D97-AF65-F5344CB8AC3E}">
-        <p14:creationId xmlns:p14="http://schemas.microsoft.com/office/powerpoint/2010/main" val="3925511992"/>
-      </p:ext>
-    </p:extLst>
-  </p:cSld>
-  <p:clrMapOvr>
-    <a:masterClrMapping/>
-  </p:clrMapOvr>
-</p:sld>
-</file>
-
-<file path=ppt/slides/slide2.xml><?xml version="1.0" encoding="utf-8"?>
-<p:sld xmlns:a="http://schemas.openxmlformats.org/drawingml/2006/main" xmlns:r="http://schemas.openxmlformats.org/officeDocument/2006/relationships" xmlns:p="http://schemas.openxmlformats.org/presentationml/2006/main">
-  <p:cSld>
-    <p:bg>
-      <p:bgPr>
-        <a:solidFill>
-          <a:srgbClr val="AEE2FF"/>
-        </a:solidFill>
-        <a:effectLst/>
-      </p:bgPr>
-    </p:bg>
-    <p:spTree>
-      <p:nvGrpSpPr>
-        <p:cNvPr id="1" name=""/>
-        <p:cNvGrpSpPr/>
-        <p:nvPr/>
-      </p:nvGrpSpPr>
-      <p:grpSpPr>
-        <a:xfrm>
-          <a:off x="0" y="0"/>
-          <a:ext cx="0" cy="0"/>
-          <a:chOff x="0" y="0"/>
-          <a:chExt cx="0" cy="0"/>
-        </a:xfrm>
-      </p:grpSpPr>
-      <p:sp>
-        <p:nvSpPr>
-          <p:cNvPr id="2" name="正方形/長方形 1">
-            <a:extLst>
-              <a:ext uri="{FF2B5EF4-FFF2-40B4-BE49-F238E27FC236}">
-                <a16:creationId xmlns:a16="http://schemas.microsoft.com/office/drawing/2014/main" id="{5B096CB1-87E5-4B06-B864-486CBCC10EE2}"/>
-              </a:ext>
-            </a:extLst>
-          </p:cNvPr>
-          <p:cNvSpPr/>
-          <p:nvPr/>
-        </p:nvSpPr>
-        <p:spPr>
-          <a:xfrm>
-            <a:off x="436880" y="406400"/>
-            <a:ext cx="11318240" cy="6045200"/>
-          </a:xfrm>
-          <a:prstGeom prst="rect">
-            <a:avLst/>
-          </a:prstGeom>
-          <a:solidFill>
-            <a:schemeClr val="bg1"/>
-          </a:solidFill>
-          <a:ln>
-            <a:noFill/>
-          </a:ln>
-        </p:spPr>
-        <p:style>
-          <a:lnRef idx="2">
-            <a:schemeClr val="accent1">
-              <a:shade val="50000"/>
-            </a:schemeClr>
-          </a:lnRef>
-          <a:fillRef idx="1">
-            <a:schemeClr val="accent1"/>
-          </a:fillRef>
-          <a:effectRef idx="0">
-            <a:schemeClr val="accent1"/>
-          </a:effectRef>
-          <a:fontRef idx="minor">
-            <a:schemeClr val="lt1"/>
-          </a:fontRef>
-        </p:style>
-        <p:txBody>
-          <a:bodyPr rtlCol="0" anchor="ctr"/>
-          <a:lstStyle/>
-          <a:p>
-            <a:pPr algn="ctr"/>
-            <a:endParaRPr kumimoji="1" lang="ja-JP" altLang="en-US">
-              <a:solidFill>
-                <a:srgbClr val="FF0000"/>
-              </a:solidFill>
-            </a:endParaRPr>
-          </a:p>
-        </p:txBody>
-      </p:sp>
-      <p:sp>
-        <p:nvSpPr>
-          <p:cNvPr id="3" name="テキスト ボックス 2">
-            <a:extLst>
-              <a:ext uri="{FF2B5EF4-FFF2-40B4-BE49-F238E27FC236}">
-                <a16:creationId xmlns:a16="http://schemas.microsoft.com/office/drawing/2014/main" id="{14A093D7-2D6A-43CA-A4BE-F8D29405E2E4}"/>
-              </a:ext>
-            </a:extLst>
-          </p:cNvPr>
-          <p:cNvSpPr txBox="1"/>
-          <p:nvPr/>
-        </p:nvSpPr>
-        <p:spPr>
-          <a:xfrm>
-            <a:off x="4073905" y="3167390"/>
-            <a:ext cx="7936706" cy="523220"/>
-          </a:xfrm>
-          <a:prstGeom prst="rect">
-            <a:avLst/>
-          </a:prstGeom>
-          <a:noFill/>
-        </p:spPr>
-        <p:txBody>
-          <a:bodyPr wrap="square" rtlCol="0">
-            <a:spAutoFit/>
-          </a:bodyPr>
-          <a:lstStyle/>
-          <a:p>
-            <a:r>
-              <a:rPr kumimoji="1" lang="ja-JP" altLang="en-US" sz="2800" b="1">
-                <a:solidFill>
-                  <a:srgbClr val="A50021"/>
-                </a:solidFill>
-                <a:latin typeface="UD デジタル 教科書体 NP-R" panose="02020400000000000000" pitchFamily="18" charset="-128"/>
-                <a:ea typeface="UD デジタル 教科書体 NP-R" panose="02020400000000000000" pitchFamily="18" charset="-128"/>
-              </a:rPr>
-              <a:t>あなたは今健康ですか？</a:t>
-            </a:r>
-          </a:p>
-        </p:txBody>
-      </p:sp>
-      <p:pic>
-        <p:nvPicPr>
-          <p:cNvPr id="5" name="図 4" descr="QR コード が含まれている画像&#10;&#10;自動的に生成された説明">
-            <a:extLst>
-              <a:ext uri="{FF2B5EF4-FFF2-40B4-BE49-F238E27FC236}">
-                <a16:creationId xmlns:a16="http://schemas.microsoft.com/office/drawing/2014/main" id="{F08D4815-E1B8-4EA2-BAF7-BF14F857F9CB}"/>
-              </a:ext>
-            </a:extLst>
-          </p:cNvPr>
-          <p:cNvPicPr>
-            <a:picLocks noChangeAspect="1"/>
-          </p:cNvPicPr>
-          <p:nvPr/>
-        </p:nvPicPr>
-        <p:blipFill>
-          <a:blip r:embed="rId2">
-            <a:alphaModFix amt="5000"/>
-            <a:extLst>
-              <a:ext uri="{28A0092B-C50C-407E-A947-70E740481C1C}">
-                <a14:useLocalDpi xmlns:a14="http://schemas.microsoft.com/office/drawing/2010/main" val="0"/>
-              </a:ext>
-            </a:extLst>
-          </a:blip>
-          <a:stretch>
-            <a:fillRect/>
-          </a:stretch>
-        </p:blipFill>
-        <p:spPr>
-          <a:xfrm>
-            <a:off x="2993231" y="402431"/>
-            <a:ext cx="6015038" cy="6015038"/>
-          </a:xfrm>
-          <a:prstGeom prst="rect">
-            <a:avLst/>
-          </a:prstGeom>
-        </p:spPr>
-      </p:pic>
-    </p:spTree>
-    <p:extLst>
-      <p:ext uri="{BB962C8B-B14F-4D97-AF65-F5344CB8AC3E}">
-        <p14:creationId xmlns:p14="http://schemas.microsoft.com/office/powerpoint/2010/main" val="489260356"/>
-      </p:ext>
-    </p:extLst>
-  </p:cSld>
-  <p:clrMapOvr>
-    <a:masterClrMapping/>
-  </p:clrMapOvr>
-</p:sld>
-</file>
-
-<file path=ppt/slides/slide3.xml><?xml version="1.0" encoding="utf-8"?>
-<p:sld xmlns:a="http://schemas.openxmlformats.org/drawingml/2006/main" xmlns:r="http://schemas.openxmlformats.org/officeDocument/2006/relationships" xmlns:p="http://schemas.openxmlformats.org/presentationml/2006/main">
-  <p:cSld>
-    <p:bg>
-      <p:bgPr>
-        <a:solidFill>
-          <a:srgbClr val="AEE2FF"/>
-        </a:solidFill>
-        <a:effectLst/>
-      </p:bgPr>
-    </p:bg>
-    <p:spTree>
-      <p:nvGrpSpPr>
-        <p:cNvPr id="1" name=""/>
-        <p:cNvGrpSpPr/>
-        <p:nvPr/>
-      </p:nvGrpSpPr>
-      <p:grpSpPr>
-        <a:xfrm>
-          <a:off x="0" y="0"/>
-          <a:ext cx="0" cy="0"/>
-          <a:chOff x="0" y="0"/>
-          <a:chExt cx="0" cy="0"/>
-        </a:xfrm>
-      </p:grpSpPr>
-      <p:sp>
-        <p:nvSpPr>
-          <p:cNvPr id="2" name="正方形/長方形 1">
-            <a:extLst>
-              <a:ext uri="{FF2B5EF4-FFF2-40B4-BE49-F238E27FC236}">
-                <a16:creationId xmlns:a16="http://schemas.microsoft.com/office/drawing/2014/main" id="{5B096CB1-87E5-4B06-B864-486CBCC10EE2}"/>
-              </a:ext>
-            </a:extLst>
-          </p:cNvPr>
-          <p:cNvSpPr/>
-          <p:nvPr/>
-        </p:nvSpPr>
-        <p:spPr>
-          <a:xfrm>
-            <a:off x="436880" y="406400"/>
-            <a:ext cx="11318240" cy="6045200"/>
-          </a:xfrm>
-          <a:prstGeom prst="rect">
-            <a:avLst/>
-          </a:prstGeom>
-          <a:solidFill>
-            <a:schemeClr val="tx1"/>
-          </a:solidFill>
-          <a:ln>
-            <a:noFill/>
-          </a:ln>
-        </p:spPr>
-        <p:style>
-          <a:lnRef idx="2">
-            <a:schemeClr val="accent1">
-              <a:shade val="50000"/>
-            </a:schemeClr>
-          </a:lnRef>
-          <a:fillRef idx="1">
-            <a:schemeClr val="accent1"/>
-          </a:fillRef>
-          <a:effectRef idx="0">
-            <a:schemeClr val="accent1"/>
-          </a:effectRef>
-          <a:fontRef idx="minor">
-            <a:schemeClr val="lt1"/>
-          </a:fontRef>
-        </p:style>
-        <p:txBody>
-          <a:bodyPr rtlCol="0" anchor="ctr"/>
-          <a:lstStyle/>
-          <a:p>
-            <a:pPr algn="ctr"/>
-            <a:endParaRPr kumimoji="1" lang="ja-JP" altLang="en-US"/>
-          </a:p>
-        </p:txBody>
-      </p:sp>
-      <p:pic>
-        <p:nvPicPr>
-          <p:cNvPr id="4" name="図 3" descr="アイコン&#10;&#10;自動的に生成された説明">
-            <a:extLst>
-              <a:ext uri="{FF2B5EF4-FFF2-40B4-BE49-F238E27FC236}">
-                <a16:creationId xmlns:a16="http://schemas.microsoft.com/office/drawing/2014/main" id="{C0EADA7E-4284-4F75-BFF6-1F554E236A8E}"/>
-              </a:ext>
-            </a:extLst>
-          </p:cNvPr>
-          <p:cNvPicPr>
-            <a:picLocks noChangeAspect="1"/>
-          </p:cNvPicPr>
-          <p:nvPr/>
-        </p:nvPicPr>
-        <p:blipFill>
-          <a:blip r:embed="rId2">
-            <a:extLst>
-              <a:ext uri="{28A0092B-C50C-407E-A947-70E740481C1C}">
-                <a14:useLocalDpi xmlns:a14="http://schemas.microsoft.com/office/drawing/2010/main" val="0"/>
-              </a:ext>
-            </a:extLst>
-          </a:blip>
-          <a:stretch>
-            <a:fillRect/>
-          </a:stretch>
-        </p:blipFill>
-        <p:spPr>
-          <a:xfrm>
-            <a:off x="11115040" y="5760720"/>
-            <a:ext cx="955040" cy="955040"/>
-          </a:xfrm>
-          <a:prstGeom prst="rect">
-            <a:avLst/>
-          </a:prstGeom>
-        </p:spPr>
-      </p:pic>
-      <p:sp>
-        <p:nvSpPr>
-          <p:cNvPr id="5" name="二等辺三角形 4">
-            <a:extLst>
-              <a:ext uri="{FF2B5EF4-FFF2-40B4-BE49-F238E27FC236}">
-                <a16:creationId xmlns:a16="http://schemas.microsoft.com/office/drawing/2014/main" id="{2B3CBDE8-0547-4751-9175-62845EF10F06}"/>
-              </a:ext>
-            </a:extLst>
-          </p:cNvPr>
-          <p:cNvSpPr/>
-          <p:nvPr/>
-        </p:nvSpPr>
-        <p:spPr>
-          <a:xfrm rot="5400000">
-            <a:off x="928687" y="1423992"/>
-            <a:ext cx="481012" cy="442911"/>
-          </a:xfrm>
-          <a:prstGeom prst="triangle">
-            <a:avLst/>
-          </a:prstGeom>
-          <a:solidFill>
-            <a:srgbClr val="ACBCFF"/>
-          </a:solidFill>
-          <a:ln>
-            <a:noFill/>
-          </a:ln>
-        </p:spPr>
-        <p:style>
-          <a:lnRef idx="2">
-            <a:schemeClr val="accent1">
-              <a:shade val="50000"/>
-            </a:schemeClr>
-          </a:lnRef>
-          <a:fillRef idx="1">
-            <a:schemeClr val="accent1"/>
-          </a:fillRef>
-          <a:effectRef idx="0">
-            <a:schemeClr val="accent1"/>
-          </a:effectRef>
-          <a:fontRef idx="minor">
-            <a:schemeClr val="lt1"/>
-          </a:fontRef>
-        </p:style>
-        <p:txBody>
-          <a:bodyPr rtlCol="0" anchor="ctr"/>
-          <a:lstStyle/>
-          <a:p>
-            <a:pPr algn="ctr"/>
-            <a:endParaRPr kumimoji="1" lang="ja-JP" altLang="en-US"/>
-          </a:p>
-        </p:txBody>
-      </p:sp>
-      <p:sp>
-        <p:nvSpPr>
-          <p:cNvPr id="6" name="テキスト ボックス 5">
-            <a:extLst>
-              <a:ext uri="{FF2B5EF4-FFF2-40B4-BE49-F238E27FC236}">
-                <a16:creationId xmlns:a16="http://schemas.microsoft.com/office/drawing/2014/main" id="{E8EF2114-4FE4-4DE6-BF31-EA0F5C09998E}"/>
-              </a:ext>
-            </a:extLst>
-          </p:cNvPr>
-          <p:cNvSpPr txBox="1"/>
-          <p:nvPr/>
-        </p:nvSpPr>
-        <p:spPr>
-          <a:xfrm>
-            <a:off x="1524000" y="1353059"/>
-            <a:ext cx="4333875" cy="584775"/>
-          </a:xfrm>
-          <a:prstGeom prst="rect">
-            <a:avLst/>
-          </a:prstGeom>
-          <a:noFill/>
-        </p:spPr>
-        <p:txBody>
-          <a:bodyPr wrap="square" rtlCol="0">
-            <a:spAutoFit/>
-          </a:bodyPr>
-          <a:lstStyle/>
-          <a:p>
-            <a:r>
-              <a:rPr kumimoji="1" lang="ja-JP" altLang="en-US" sz="3200">
-                <a:solidFill>
-                  <a:schemeClr val="bg1"/>
-                </a:solidFill>
-                <a:latin typeface="UD デジタル 教科書体 NP-R" panose="02020400000000000000" pitchFamily="18" charset="-128"/>
-                <a:ea typeface="UD デジタル 教科書体 NP-R" panose="02020400000000000000" pitchFamily="18" charset="-128"/>
-              </a:rPr>
-              <a:t>アプリ名</a:t>
-            </a:r>
-          </a:p>
-        </p:txBody>
-      </p:sp>
-      <p:pic>
-        <p:nvPicPr>
-          <p:cNvPr id="8" name="図 7" descr="アイコン&#10;&#10;自動的に生成された説明">
-            <a:extLst>
-              <a:ext uri="{FF2B5EF4-FFF2-40B4-BE49-F238E27FC236}">
-                <a16:creationId xmlns:a16="http://schemas.microsoft.com/office/drawing/2014/main" id="{A603300B-2641-460A-9CB3-29CAFA27FD5B}"/>
-              </a:ext>
-            </a:extLst>
-          </p:cNvPr>
-          <p:cNvPicPr>
-            <a:picLocks noChangeAspect="1"/>
-          </p:cNvPicPr>
-          <p:nvPr/>
-        </p:nvPicPr>
-        <p:blipFill>
-          <a:blip r:embed="rId3">
-            <a:extLst>
-              <a:ext uri="{28A0092B-C50C-407E-A947-70E740481C1C}">
-                <a14:useLocalDpi xmlns:a14="http://schemas.microsoft.com/office/drawing/2010/main" val="0"/>
-              </a:ext>
-            </a:extLst>
-          </a:blip>
-          <a:stretch>
-            <a:fillRect/>
-          </a:stretch>
-        </p:blipFill>
-        <p:spPr>
-          <a:xfrm>
-            <a:off x="2707388" y="1482574"/>
-            <a:ext cx="6777223" cy="1757800"/>
-          </a:xfrm>
-          <a:prstGeom prst="rect">
-            <a:avLst/>
-          </a:prstGeom>
-        </p:spPr>
-      </p:pic>
-      <p:sp>
-        <p:nvSpPr>
-          <p:cNvPr id="9" name="二等辺三角形 8">
-            <a:extLst>
-              <a:ext uri="{FF2B5EF4-FFF2-40B4-BE49-F238E27FC236}">
-                <a16:creationId xmlns:a16="http://schemas.microsoft.com/office/drawing/2014/main" id="{5B381DC7-F82A-4EB8-A042-6ECAF40518A7}"/>
-              </a:ext>
-            </a:extLst>
-          </p:cNvPr>
-          <p:cNvSpPr/>
-          <p:nvPr/>
-        </p:nvSpPr>
-        <p:spPr>
-          <a:xfrm rot="5400000">
-            <a:off x="928688" y="4085923"/>
-            <a:ext cx="481012" cy="442911"/>
-          </a:xfrm>
-          <a:prstGeom prst="triangle">
-            <a:avLst/>
-          </a:prstGeom>
-          <a:solidFill>
-            <a:srgbClr val="ACBCFF"/>
-          </a:solidFill>
-          <a:ln>
-            <a:noFill/>
-          </a:ln>
-        </p:spPr>
-        <p:style>
-          <a:lnRef idx="2">
-            <a:schemeClr val="accent1">
-              <a:shade val="50000"/>
-            </a:schemeClr>
-          </a:lnRef>
-          <a:fillRef idx="1">
-            <a:schemeClr val="accent1"/>
-          </a:fillRef>
-          <a:effectRef idx="0">
-            <a:schemeClr val="accent1"/>
-          </a:effectRef>
-          <a:fontRef idx="minor">
-            <a:schemeClr val="lt1"/>
-          </a:fontRef>
-        </p:style>
-        <p:txBody>
-          <a:bodyPr rtlCol="0" anchor="ctr"/>
-          <a:lstStyle/>
-          <a:p>
-            <a:pPr algn="ctr"/>
-            <a:endParaRPr kumimoji="1" lang="ja-JP" altLang="en-US"/>
-          </a:p>
-        </p:txBody>
-      </p:sp>
-      <p:sp>
-        <p:nvSpPr>
-          <p:cNvPr id="10" name="テキスト ボックス 9">
-            <a:extLst>
-              <a:ext uri="{FF2B5EF4-FFF2-40B4-BE49-F238E27FC236}">
-                <a16:creationId xmlns:a16="http://schemas.microsoft.com/office/drawing/2014/main" id="{F49413B1-6497-4782-BD79-9C4075C67E49}"/>
-              </a:ext>
-            </a:extLst>
-          </p:cNvPr>
-          <p:cNvSpPr txBox="1"/>
-          <p:nvPr/>
-        </p:nvSpPr>
-        <p:spPr>
-          <a:xfrm>
-            <a:off x="1524000" y="4066872"/>
-            <a:ext cx="3705973" cy="584775"/>
-          </a:xfrm>
-          <a:prstGeom prst="rect">
-            <a:avLst/>
-          </a:prstGeom>
-          <a:noFill/>
-        </p:spPr>
-        <p:txBody>
-          <a:bodyPr wrap="square" rtlCol="0">
-            <a:spAutoFit/>
-          </a:bodyPr>
-          <a:lstStyle/>
-          <a:p>
-            <a:r>
-              <a:rPr kumimoji="1" lang="ja-JP" altLang="en-US" sz="3200">
-                <a:solidFill>
-                  <a:schemeClr val="bg1"/>
-                </a:solidFill>
-                <a:latin typeface="UD デジタル 教科書体 NP-R" panose="02020400000000000000" pitchFamily="18" charset="-128"/>
-                <a:ea typeface="UD デジタル 教科書体 NP-R" panose="02020400000000000000" pitchFamily="18" charset="-128"/>
-              </a:rPr>
-              <a:t>概要</a:t>
-            </a:r>
-          </a:p>
-        </p:txBody>
-      </p:sp>
-      <p:sp>
-        <p:nvSpPr>
-          <p:cNvPr id="11" name="テキスト ボックス 10">
-            <a:extLst>
-              <a:ext uri="{FF2B5EF4-FFF2-40B4-BE49-F238E27FC236}">
-                <a16:creationId xmlns:a16="http://schemas.microsoft.com/office/drawing/2014/main" id="{01109808-1F86-447A-BA6B-286239C3D0AD}"/>
-              </a:ext>
-            </a:extLst>
-          </p:cNvPr>
-          <p:cNvSpPr txBox="1"/>
-          <p:nvPr/>
-        </p:nvSpPr>
-        <p:spPr>
-          <a:xfrm>
-            <a:off x="2605086" y="4547884"/>
-            <a:ext cx="8194994" cy="584775"/>
-          </a:xfrm>
-          <a:prstGeom prst="rect">
-            <a:avLst/>
-          </a:prstGeom>
-          <a:noFill/>
-        </p:spPr>
-        <p:txBody>
-          <a:bodyPr wrap="square" rtlCol="0">
-            <a:spAutoFit/>
-          </a:bodyPr>
-          <a:lstStyle/>
-          <a:p>
-            <a:r>
-              <a:rPr kumimoji="1" lang="ja-JP" altLang="en-US" sz="3200">
-                <a:solidFill>
-                  <a:schemeClr val="bg1"/>
-                </a:solidFill>
-                <a:latin typeface="UD デジタル 教科書体 NP-R" panose="02020400000000000000" pitchFamily="18" charset="-128"/>
-                <a:ea typeface="UD デジタル 教科書体 NP-R" panose="02020400000000000000" pitchFamily="18" charset="-128"/>
-              </a:rPr>
-              <a:t>～健康管理アプリ～</a:t>
-            </a:r>
-            <a:endParaRPr kumimoji="1" lang="en-US" altLang="ja-JP" sz="3200">
-              <a:solidFill>
-                <a:schemeClr val="bg1"/>
-              </a:solidFill>
-              <a:latin typeface="UD デジタル 教科書体 NP-R" panose="02020400000000000000" pitchFamily="18" charset="-128"/>
-              <a:ea typeface="UD デジタル 教科書体 NP-R" panose="02020400000000000000" pitchFamily="18" charset="-128"/>
-            </a:endParaRPr>
-          </a:p>
-        </p:txBody>
-      </p:sp>
-      <p:sp>
-        <p:nvSpPr>
-          <p:cNvPr id="12" name="テキスト ボックス 11">
-            <a:extLst>
-              <a:ext uri="{FF2B5EF4-FFF2-40B4-BE49-F238E27FC236}">
-                <a16:creationId xmlns:a16="http://schemas.microsoft.com/office/drawing/2014/main" id="{01033AED-FB82-4564-A6EB-B5A6E92F7424}"/>
-              </a:ext>
-            </a:extLst>
-          </p:cNvPr>
-          <p:cNvSpPr txBox="1"/>
-          <p:nvPr/>
-        </p:nvSpPr>
-        <p:spPr>
-          <a:xfrm>
-            <a:off x="2330608" y="5343205"/>
-            <a:ext cx="8743950" cy="738664"/>
-          </a:xfrm>
-          <a:prstGeom prst="rect">
-            <a:avLst/>
-          </a:prstGeom>
-          <a:noFill/>
-        </p:spPr>
-        <p:txBody>
-          <a:bodyPr wrap="square" rtlCol="0">
-            <a:spAutoFit/>
-          </a:bodyPr>
-          <a:lstStyle/>
-          <a:p>
-            <a:r>
-              <a:rPr kumimoji="1" lang="ja-JP" altLang="en-US" sz="2400">
-                <a:solidFill>
-                  <a:schemeClr val="bg1"/>
-                </a:solidFill>
-                <a:latin typeface="UD デジタル 教科書体 NP-R" panose="02020400000000000000" pitchFamily="18" charset="-128"/>
-                <a:ea typeface="UD デジタル 教科書体 NP-R" panose="02020400000000000000" pitchFamily="18" charset="-128"/>
-              </a:rPr>
-              <a:t>健康的な生活をサポートするオールインワンのアプリです</a:t>
-            </a:r>
-          </a:p>
-          <a:p>
-            <a:endParaRPr kumimoji="1" lang="ja-JP" altLang="en-US"/>
-          </a:p>
-        </p:txBody>
-      </p:sp>
-    </p:spTree>
-    <p:extLst>
-      <p:ext uri="{BB962C8B-B14F-4D97-AF65-F5344CB8AC3E}">
-        <p14:creationId xmlns:p14="http://schemas.microsoft.com/office/powerpoint/2010/main" val="332832116"/>
-      </p:ext>
-    </p:extLst>
-  </p:cSld>
-  <p:clrMapOvr>
-    <a:masterClrMapping/>
-  </p:clrMapOvr>
-</p:sld>
-</file>
-
-<file path=ppt/slides/slide4.xml><?xml version="1.0" encoding="utf-8"?>
-<p:sld xmlns:a="http://schemas.openxmlformats.org/drawingml/2006/main" xmlns:r="http://schemas.openxmlformats.org/officeDocument/2006/relationships" xmlns:p="http://schemas.openxmlformats.org/presentationml/2006/main">
-  <p:cSld>
-    <p:bg>
-      <p:bgPr>
-        <a:solidFill>
-          <a:srgbClr val="AEE2FF"/>
-        </a:solidFill>
-        <a:effectLst/>
-      </p:bgPr>
-    </p:bg>
-    <p:spTree>
-      <p:nvGrpSpPr>
-        <p:cNvPr id="1" name=""/>
-        <p:cNvGrpSpPr/>
-        <p:nvPr/>
-      </p:nvGrpSpPr>
-      <p:grpSpPr>
-        <a:xfrm>
-          <a:off x="0" y="0"/>
-          <a:ext cx="0" cy="0"/>
-          <a:chOff x="0" y="0"/>
-          <a:chExt cx="0" cy="0"/>
-        </a:xfrm>
-      </p:grpSpPr>
-      <p:sp>
-        <p:nvSpPr>
-          <p:cNvPr id="2" name="正方形/長方形 1">
-            <a:extLst>
-              <a:ext uri="{FF2B5EF4-FFF2-40B4-BE49-F238E27FC236}">
-                <a16:creationId xmlns:a16="http://schemas.microsoft.com/office/drawing/2014/main" id="{5B096CB1-87E5-4B06-B864-486CBCC10EE2}"/>
-              </a:ext>
-            </a:extLst>
-          </p:cNvPr>
-          <p:cNvSpPr/>
-          <p:nvPr/>
-        </p:nvSpPr>
-        <p:spPr>
-          <a:xfrm>
-            <a:off x="436880" y="406400"/>
-            <a:ext cx="11318240" cy="6045200"/>
-          </a:xfrm>
-          <a:prstGeom prst="rect">
-            <a:avLst/>
-          </a:prstGeom>
-          <a:solidFill>
-            <a:schemeClr val="tx1"/>
-          </a:solidFill>
-          <a:ln>
-            <a:noFill/>
-          </a:ln>
-        </p:spPr>
-        <p:style>
-          <a:lnRef idx="2">
-            <a:schemeClr val="accent1">
-              <a:shade val="50000"/>
-            </a:schemeClr>
-          </a:lnRef>
-          <a:fillRef idx="1">
-            <a:schemeClr val="accent1"/>
-          </a:fillRef>
-          <a:effectRef idx="0">
-            <a:schemeClr val="accent1"/>
-          </a:effectRef>
-          <a:fontRef idx="minor">
-            <a:schemeClr val="lt1"/>
-          </a:fontRef>
-        </p:style>
-        <p:txBody>
-          <a:bodyPr rtlCol="0" anchor="ctr"/>
-          <a:lstStyle/>
-          <a:p>
-            <a:pPr algn="ctr"/>
-            <a:endParaRPr kumimoji="1" lang="ja-JP" altLang="en-US"/>
-          </a:p>
-        </p:txBody>
-      </p:sp>
-      <p:pic>
-        <p:nvPicPr>
-          <p:cNvPr id="4" name="図 3" descr="ロゴ&#10;&#10;自動的に生成された説明">
-            <a:extLst>
-              <a:ext uri="{FF2B5EF4-FFF2-40B4-BE49-F238E27FC236}">
-                <a16:creationId xmlns:a16="http://schemas.microsoft.com/office/drawing/2014/main" id="{EC29B7A0-D826-43C4-BD5F-053E9D1A51B3}"/>
-              </a:ext>
-            </a:extLst>
-          </p:cNvPr>
-          <p:cNvPicPr>
-            <a:picLocks noChangeAspect="1"/>
-          </p:cNvPicPr>
-          <p:nvPr/>
-        </p:nvPicPr>
-        <p:blipFill>
-          <a:blip r:embed="rId2">
-            <a:extLst>
-              <a:ext uri="{28A0092B-C50C-407E-A947-70E740481C1C}">
-                <a14:useLocalDpi xmlns:a14="http://schemas.microsoft.com/office/drawing/2010/main" val="0"/>
-              </a:ext>
-            </a:extLst>
-          </a:blip>
-          <a:stretch>
-            <a:fillRect/>
-          </a:stretch>
-        </p:blipFill>
-        <p:spPr>
-          <a:xfrm>
-            <a:off x="10753725" y="5429250"/>
-            <a:ext cx="1285875" cy="1285875"/>
-          </a:xfrm>
-          <a:prstGeom prst="rect">
-            <a:avLst/>
-          </a:prstGeom>
-        </p:spPr>
-      </p:pic>
-      <p:sp>
-        <p:nvSpPr>
-          <p:cNvPr id="5" name="テキスト ボックス 5">
-            <a:extLst>
-              <a:ext uri="{FF2B5EF4-FFF2-40B4-BE49-F238E27FC236}">
-                <a16:creationId xmlns:a16="http://schemas.microsoft.com/office/drawing/2014/main" id="{E674C918-DD78-6814-6C62-5CC2AA743ED9}"/>
-              </a:ext>
-            </a:extLst>
-          </p:cNvPr>
-          <p:cNvSpPr txBox="1"/>
-          <p:nvPr/>
-        </p:nvSpPr>
-        <p:spPr>
-          <a:xfrm>
-            <a:off x="1590261" y="867146"/>
-            <a:ext cx="4333875" cy="584775"/>
-          </a:xfrm>
-          <a:prstGeom prst="rect">
-            <a:avLst/>
-          </a:prstGeom>
-          <a:noFill/>
-        </p:spPr>
-        <p:txBody>
-          <a:bodyPr wrap="square" lIns="91440" tIns="45720" rIns="91440" bIns="45720" rtlCol="0" anchor="t">
-            <a:spAutoFit/>
-          </a:bodyPr>
-          <a:lstStyle/>
-          <a:p>
-            <a:r>
-              <a:rPr kumimoji="1" lang="ja-JP" altLang="en-US" sz="3200">
-                <a:solidFill>
-                  <a:schemeClr val="bg1"/>
-                </a:solidFill>
-                <a:latin typeface="UD デジタル 教科書体 NP-R"/>
-                <a:ea typeface="UD デジタル 教科書体 NP-R"/>
-              </a:rPr>
-              <a:t>アプリの目的</a:t>
-            </a:r>
-          </a:p>
-        </p:txBody>
-      </p:sp>
-      <p:sp>
-        <p:nvSpPr>
-          <p:cNvPr id="7" name="二等辺三角形 4">
-            <a:extLst>
-              <a:ext uri="{FF2B5EF4-FFF2-40B4-BE49-F238E27FC236}">
-                <a16:creationId xmlns:a16="http://schemas.microsoft.com/office/drawing/2014/main" id="{24FDD9B0-C115-9498-8499-7DB052BC7C78}"/>
-              </a:ext>
-            </a:extLst>
-          </p:cNvPr>
-          <p:cNvSpPr/>
-          <p:nvPr/>
-        </p:nvSpPr>
-        <p:spPr>
-          <a:xfrm rot="5400000">
-            <a:off x="862426" y="893905"/>
-            <a:ext cx="481012" cy="442911"/>
-          </a:xfrm>
-          <a:prstGeom prst="triangle">
-            <a:avLst/>
-          </a:prstGeom>
-          <a:solidFill>
-            <a:srgbClr val="ACBCFF"/>
-          </a:solidFill>
-          <a:ln>
-            <a:noFill/>
-          </a:ln>
-        </p:spPr>
-        <p:style>
-          <a:lnRef idx="2">
-            <a:schemeClr val="accent1">
-              <a:shade val="50000"/>
-            </a:schemeClr>
-          </a:lnRef>
-          <a:fillRef idx="1">
-            <a:schemeClr val="accent1"/>
-          </a:fillRef>
-          <a:effectRef idx="0">
-            <a:schemeClr val="accent1"/>
-          </a:effectRef>
-          <a:fontRef idx="minor">
-            <a:schemeClr val="lt1"/>
-          </a:fontRef>
-        </p:style>
-        <p:txBody>
-          <a:bodyPr rtlCol="0" anchor="ctr"/>
-          <a:lstStyle/>
-          <a:p>
-            <a:pPr algn="ctr"/>
-            <a:endParaRPr kumimoji="1" lang="ja-JP" altLang="en-US"/>
-          </a:p>
-        </p:txBody>
-      </p:sp>
-      <p:sp>
-        <p:nvSpPr>
-          <p:cNvPr id="3" name="TextBox 2">
-            <a:extLst>
-              <a:ext uri="{FF2B5EF4-FFF2-40B4-BE49-F238E27FC236}">
-                <a16:creationId xmlns:a16="http://schemas.microsoft.com/office/drawing/2014/main" id="{AB4B34AC-3989-2F20-4A6C-00C0FD7F6E94}"/>
-              </a:ext>
-            </a:extLst>
-          </p:cNvPr>
-          <p:cNvSpPr txBox="1"/>
-          <p:nvPr/>
-        </p:nvSpPr>
-        <p:spPr>
-          <a:xfrm>
-            <a:off x="1176131" y="2639391"/>
-            <a:ext cx="9839738" cy="1569660"/>
-          </a:xfrm>
-          <a:prstGeom prst="rect">
-            <a:avLst/>
-          </a:prstGeom>
-          <a:noFill/>
-        </p:spPr>
-        <p:txBody>
-          <a:bodyPr rot="0" spcFirstLastPara="0" vertOverflow="overflow" horzOverflow="overflow" vert="horz" wrap="square" lIns="91440" tIns="45720" rIns="91440" bIns="45720" numCol="1" spcCol="0" rtlCol="0" fromWordArt="0" anchor="t" anchorCtr="0" forceAA="0" compatLnSpc="1">
-            <a:prstTxWarp prst="textNoShape">
-              <a:avLst/>
-            </a:prstTxWarp>
-            <a:spAutoFit/>
-          </a:bodyPr>
-          <a:lstStyle/>
-          <a:p>
-            <a:pPr algn="l"/>
-            <a:r>
-              <a:rPr lang="en-US" sz="3200">
-                <a:solidFill>
-                  <a:srgbClr val="1D1C1D"/>
-                </a:solidFill>
-                <a:latin typeface="UD デジタル 教科書体 NP-R"/>
-                <a:ea typeface="+mn-lt"/>
-                <a:cs typeface="+mn-lt"/>
-              </a:rPr>
-              <a:t>Web</a:t>
-            </a:r>
-            <a:r>
-              <a:rPr lang="ja-JP" altLang="en-US" sz="3200">
-                <a:solidFill>
-                  <a:srgbClr val="1D1C1D"/>
-                </a:solidFill>
-                <a:latin typeface="UD デジタル 教科書体 NP-R"/>
-                <a:ea typeface="UD デジタル 教科書体 NP-R"/>
-                <a:cs typeface="+mn-lt"/>
-              </a:rPr>
-              <a:t>での健康管理を目的としており、システムの想定利用者は健康を気にしている社会人がメインターゲット</a:t>
-            </a:r>
-            <a:r>
-              <a:rPr lang="ja-JP" altLang="en-US" sz="3200">
-                <a:solidFill>
-                  <a:srgbClr val="1D1C1D"/>
-                </a:solidFill>
-                <a:latin typeface="Corbel"/>
-                <a:ea typeface="UD デジタル 教科書体 NP-R"/>
-                <a:cs typeface="+mn-lt"/>
-              </a:rPr>
-              <a:t>。</a:t>
-            </a:r>
-            <a:endParaRPr lang="en-US"/>
-          </a:p>
-        </p:txBody>
-      </p:sp>
-      <p:pic>
-        <p:nvPicPr>
-          <p:cNvPr id="9" name="Picture 9">
-            <a:extLst>
-              <a:ext uri="{FF2B5EF4-FFF2-40B4-BE49-F238E27FC236}">
-                <a16:creationId xmlns:a16="http://schemas.microsoft.com/office/drawing/2014/main" id="{33D28521-785D-1648-ECF5-AB7C74DCF8FC}"/>
-              </a:ext>
-            </a:extLst>
-          </p:cNvPr>
-          <p:cNvPicPr>
-            <a:picLocks noChangeAspect="1"/>
-          </p:cNvPicPr>
-          <p:nvPr/>
-        </p:nvPicPr>
-        <p:blipFill>
-          <a:blip r:embed="rId3"/>
-          <a:stretch>
-            <a:fillRect/>
-          </a:stretch>
-        </p:blipFill>
-        <p:spPr>
-          <a:xfrm>
-            <a:off x="9505950" y="624416"/>
-            <a:ext cx="1799167" cy="1799167"/>
-          </a:xfrm>
-          <a:prstGeom prst="rect">
-            <a:avLst/>
-          </a:prstGeom>
-        </p:spPr>
-      </p:pic>
-      <p:pic>
-        <p:nvPicPr>
-          <p:cNvPr id="10" name="Picture 10">
-            <a:extLst>
-              <a:ext uri="{FF2B5EF4-FFF2-40B4-BE49-F238E27FC236}">
-                <a16:creationId xmlns:a16="http://schemas.microsoft.com/office/drawing/2014/main" id="{07E3DEB5-8DA8-15D3-6F0D-D4F86BDF544E}"/>
-              </a:ext>
-            </a:extLst>
-          </p:cNvPr>
-          <p:cNvPicPr>
-            <a:picLocks noChangeAspect="1"/>
-          </p:cNvPicPr>
-          <p:nvPr/>
-        </p:nvPicPr>
-        <p:blipFill>
-          <a:blip r:embed="rId4"/>
-          <a:stretch>
-            <a:fillRect/>
-          </a:stretch>
-        </p:blipFill>
-        <p:spPr>
-          <a:xfrm>
-            <a:off x="4459817" y="624417"/>
-            <a:ext cx="1714500" cy="1714500"/>
-          </a:xfrm>
-          <a:prstGeom prst="rect">
-            <a:avLst/>
-          </a:prstGeom>
-        </p:spPr>
-      </p:pic>
-    </p:spTree>
-    <p:extLst>
-      <p:ext uri="{BB962C8B-B14F-4D97-AF65-F5344CB8AC3E}">
-        <p14:creationId xmlns:p14="http://schemas.microsoft.com/office/powerpoint/2010/main" val="1413923070"/>
-      </p:ext>
-    </p:extLst>
-  </p:cSld>
-  <p:clrMapOvr>
-    <a:masterClrMapping/>
-  </p:clrMapOvr>
-</p:sld>
-</file>
-
-<file path=ppt/slides/slide5.xml><?xml version="1.0" encoding="utf-8"?>
-<p:sld xmlns:a="http://schemas.openxmlformats.org/drawingml/2006/main" xmlns:r="http://schemas.openxmlformats.org/officeDocument/2006/relationships" xmlns:p="http://schemas.openxmlformats.org/presentationml/2006/main">
-  <p:cSld>
-    <p:bg>
-      <p:bgPr>
-        <a:solidFill>
-          <a:srgbClr val="AEE2FF"/>
-        </a:solidFill>
-        <a:effectLst/>
-      </p:bgPr>
-    </p:bg>
-    <p:spTree>
-      <p:nvGrpSpPr>
-        <p:cNvPr id="1" name=""/>
-        <p:cNvGrpSpPr/>
-        <p:nvPr/>
-      </p:nvGrpSpPr>
-      <p:grpSpPr>
-        <a:xfrm>
-          <a:off x="0" y="0"/>
-          <a:ext cx="0" cy="0"/>
-          <a:chOff x="0" y="0"/>
-          <a:chExt cx="0" cy="0"/>
-        </a:xfrm>
-      </p:grpSpPr>
-      <p:sp>
-        <p:nvSpPr>
-          <p:cNvPr id="2" name="正方形/長方形 1">
-            <a:extLst>
-              <a:ext uri="{FF2B5EF4-FFF2-40B4-BE49-F238E27FC236}">
-                <a16:creationId xmlns:a16="http://schemas.microsoft.com/office/drawing/2014/main" id="{5B096CB1-87E5-4B06-B864-486CBCC10EE2}"/>
-              </a:ext>
-            </a:extLst>
-          </p:cNvPr>
-          <p:cNvSpPr/>
-          <p:nvPr/>
-        </p:nvSpPr>
-        <p:spPr>
-          <a:xfrm>
-            <a:off x="436880" y="406400"/>
-            <a:ext cx="11318240" cy="6045200"/>
-          </a:xfrm>
-          <a:prstGeom prst="rect">
-            <a:avLst/>
-          </a:prstGeom>
-          <a:solidFill>
-            <a:schemeClr val="tx1"/>
-          </a:solidFill>
-          <a:ln>
-            <a:noFill/>
-          </a:ln>
-        </p:spPr>
-        <p:style>
-          <a:lnRef idx="2">
-            <a:schemeClr val="accent1">
-              <a:shade val="50000"/>
-            </a:schemeClr>
-          </a:lnRef>
-          <a:fillRef idx="1">
-            <a:schemeClr val="accent1"/>
-          </a:fillRef>
-          <a:effectRef idx="0">
-            <a:schemeClr val="accent1"/>
-          </a:effectRef>
-          <a:fontRef idx="minor">
-            <a:schemeClr val="lt1"/>
-          </a:fontRef>
-        </p:style>
-        <p:txBody>
-          <a:bodyPr rtlCol="0" anchor="ctr"/>
-          <a:lstStyle/>
-          <a:p>
-            <a:pPr algn="ctr"/>
-            <a:endParaRPr kumimoji="1" lang="ja-JP" altLang="en-US"/>
-          </a:p>
-        </p:txBody>
-      </p:sp>
-      <p:pic>
-        <p:nvPicPr>
-          <p:cNvPr id="4" name="図 3" descr="ロゴ が含まれている画像&#10;&#10;自動的に生成された説明">
-            <a:extLst>
-              <a:ext uri="{FF2B5EF4-FFF2-40B4-BE49-F238E27FC236}">
-                <a16:creationId xmlns:a16="http://schemas.microsoft.com/office/drawing/2014/main" id="{330EBDBD-0451-4BEA-9489-FD4B4548D6AA}"/>
-              </a:ext>
-            </a:extLst>
-          </p:cNvPr>
-          <p:cNvPicPr>
-            <a:picLocks noChangeAspect="1"/>
-          </p:cNvPicPr>
-          <p:nvPr/>
-        </p:nvPicPr>
-        <p:blipFill>
-          <a:blip r:embed="rId2">
-            <a:extLst>
-              <a:ext uri="{28A0092B-C50C-407E-A947-70E740481C1C}">
-                <a14:useLocalDpi xmlns:a14="http://schemas.microsoft.com/office/drawing/2010/main" val="0"/>
-              </a:ext>
-            </a:extLst>
-          </a:blip>
-          <a:stretch>
-            <a:fillRect/>
-          </a:stretch>
-        </p:blipFill>
-        <p:spPr>
-          <a:xfrm>
-            <a:off x="10911205" y="5379720"/>
-            <a:ext cx="1478280" cy="1478280"/>
-          </a:xfrm>
-          <a:prstGeom prst="rect">
-            <a:avLst/>
-          </a:prstGeom>
-        </p:spPr>
-      </p:pic>
-      <p:sp>
-        <p:nvSpPr>
-          <p:cNvPr id="5" name="二等辺三角形 4">
-            <a:extLst>
-              <a:ext uri="{FF2B5EF4-FFF2-40B4-BE49-F238E27FC236}">
-                <a16:creationId xmlns:a16="http://schemas.microsoft.com/office/drawing/2014/main" id="{D9607411-9B7B-83A2-8914-4A8B7F0D514C}"/>
-              </a:ext>
-            </a:extLst>
-          </p:cNvPr>
-          <p:cNvSpPr/>
-          <p:nvPr/>
-        </p:nvSpPr>
-        <p:spPr>
-          <a:xfrm rot="5400000">
-            <a:off x="862426" y="893905"/>
-            <a:ext cx="481012" cy="442911"/>
-          </a:xfrm>
-          <a:prstGeom prst="triangle">
-            <a:avLst/>
-          </a:prstGeom>
-          <a:solidFill>
-            <a:srgbClr val="ACBCFF"/>
-          </a:solidFill>
-          <a:ln>
-            <a:noFill/>
-          </a:ln>
-        </p:spPr>
-        <p:style>
-          <a:lnRef idx="2">
-            <a:schemeClr val="accent1">
-              <a:shade val="50000"/>
-            </a:schemeClr>
-          </a:lnRef>
-          <a:fillRef idx="1">
-            <a:schemeClr val="accent1"/>
-          </a:fillRef>
-          <a:effectRef idx="0">
-            <a:schemeClr val="accent1"/>
-          </a:effectRef>
-          <a:fontRef idx="minor">
-            <a:schemeClr val="lt1"/>
-          </a:fontRef>
-        </p:style>
-        <p:txBody>
-          <a:bodyPr rtlCol="0" anchor="ctr"/>
-          <a:lstStyle/>
-          <a:p>
-            <a:pPr algn="ctr"/>
-            <a:endParaRPr kumimoji="1" lang="ja-JP" altLang="en-US"/>
-          </a:p>
-        </p:txBody>
-      </p:sp>
-      <p:sp>
-        <p:nvSpPr>
-          <p:cNvPr id="7" name="テキスト ボックス 5">
-            <a:extLst>
-              <a:ext uri="{FF2B5EF4-FFF2-40B4-BE49-F238E27FC236}">
-                <a16:creationId xmlns:a16="http://schemas.microsoft.com/office/drawing/2014/main" id="{113EFBB3-155C-43AE-97AD-D6FB1DD8C706}"/>
-              </a:ext>
-            </a:extLst>
-          </p:cNvPr>
-          <p:cNvSpPr txBox="1"/>
-          <p:nvPr/>
-        </p:nvSpPr>
-        <p:spPr>
-          <a:xfrm>
-            <a:off x="1590261" y="867146"/>
-            <a:ext cx="4333875" cy="584775"/>
-          </a:xfrm>
-          <a:prstGeom prst="rect">
-            <a:avLst/>
-          </a:prstGeom>
-          <a:noFill/>
-        </p:spPr>
-        <p:txBody>
-          <a:bodyPr wrap="square" lIns="91440" tIns="45720" rIns="91440" bIns="45720" rtlCol="0" anchor="t">
-            <a:spAutoFit/>
-          </a:bodyPr>
-          <a:lstStyle/>
-          <a:p>
-            <a:r>
-              <a:rPr kumimoji="1" lang="ja-JP" altLang="en-US" sz="3200">
-                <a:solidFill>
-                  <a:schemeClr val="bg1"/>
-                </a:solidFill>
-                <a:latin typeface="UD デジタル 教科書体 NP-R"/>
-                <a:ea typeface="UD デジタル 教科書体 NP-R"/>
-              </a:rPr>
-              <a:t>アプリの詳細</a:t>
-            </a:r>
-          </a:p>
-        </p:txBody>
-      </p:sp>
-      <p:sp>
-        <p:nvSpPr>
-          <p:cNvPr id="3" name="テキスト ボックス 5">
-            <a:extLst>
-              <a:ext uri="{FF2B5EF4-FFF2-40B4-BE49-F238E27FC236}">
-                <a16:creationId xmlns:a16="http://schemas.microsoft.com/office/drawing/2014/main" id="{3AF08025-2BA0-2C8E-AF37-DEA08D50A512}"/>
-              </a:ext>
-            </a:extLst>
-          </p:cNvPr>
-          <p:cNvSpPr txBox="1"/>
-          <p:nvPr/>
-        </p:nvSpPr>
-        <p:spPr>
-          <a:xfrm>
-            <a:off x="1590261" y="1717494"/>
-            <a:ext cx="4333875" cy="1077218"/>
-          </a:xfrm>
-          <a:prstGeom prst="rect">
-            <a:avLst/>
-          </a:prstGeom>
-          <a:noFill/>
-        </p:spPr>
-        <p:txBody>
-          <a:bodyPr wrap="square" lIns="91440" tIns="45720" rIns="91440" bIns="45720" rtlCol="0" anchor="t">
-            <a:spAutoFit/>
-          </a:bodyPr>
-          <a:lstStyle/>
-          <a:p>
-            <a:endParaRPr lang="ja-JP" altLang="en-US" sz="3200">
-              <a:solidFill>
-                <a:schemeClr val="bg1"/>
-              </a:solidFill>
-              <a:latin typeface="UD デジタル 教科書体 NP-R"/>
-              <a:ea typeface="UD デジタル 教科書体 NP-R"/>
-            </a:endParaRPr>
-          </a:p>
-          <a:p>
-            <a:endParaRPr lang="ja-JP" altLang="en-US" sz="3200">
-              <a:solidFill>
-                <a:schemeClr val="bg1"/>
-              </a:solidFill>
-              <a:latin typeface="UD デジタル 教科書体 NP-R"/>
-              <a:ea typeface="UD デジタル 教科書体 NP-R"/>
-            </a:endParaRPr>
-          </a:p>
-        </p:txBody>
-      </p:sp>
-      <p:sp>
-        <p:nvSpPr>
-          <p:cNvPr id="9" name="TextBox 8">
-            <a:extLst>
-              <a:ext uri="{FF2B5EF4-FFF2-40B4-BE49-F238E27FC236}">
-                <a16:creationId xmlns:a16="http://schemas.microsoft.com/office/drawing/2014/main" id="{8BFF2847-2F7E-2CA4-40E9-31CD998B317C}"/>
-              </a:ext>
-            </a:extLst>
-          </p:cNvPr>
-          <p:cNvSpPr txBox="1"/>
-          <p:nvPr/>
-        </p:nvSpPr>
-        <p:spPr>
-          <a:xfrm>
-            <a:off x="1557130" y="2451651"/>
-            <a:ext cx="9066695" cy="2062103"/>
-          </a:xfrm>
-          <a:prstGeom prst="rect">
-            <a:avLst/>
-          </a:prstGeom>
-          <a:noFill/>
-        </p:spPr>
-        <p:txBody>
-          <a:bodyPr rot="0" spcFirstLastPara="0" vertOverflow="overflow" horzOverflow="overflow" vert="horz" wrap="square" lIns="91440" tIns="45720" rIns="91440" bIns="45720" numCol="1" spcCol="0" rtlCol="0" fromWordArt="0" anchor="t" anchorCtr="0" forceAA="0" compatLnSpc="1">
-            <a:prstTxWarp prst="textNoShape">
-              <a:avLst/>
-            </a:prstTxWarp>
-            <a:spAutoFit/>
-          </a:bodyPr>
-          <a:lstStyle/>
-          <a:p>
-            <a:r>
-              <a:rPr lang="ja-JP" altLang="en-US" sz="3200">
-                <a:solidFill>
-                  <a:schemeClr val="bg1"/>
-                </a:solidFill>
-                <a:latin typeface="UD デジタル 教科書体 NP-R"/>
-                <a:ea typeface="UD デジタル 教科書体 NP-R"/>
-              </a:rPr>
-              <a:t>記録した食事の摂取カロリーを元にグラフを形成し、視覚的に分かりやすく日々の食事や体重を</a:t>
-            </a:r>
-            <a:r>
-              <a:rPr lang="en-US" altLang="ja-JP" sz="3200">
-                <a:solidFill>
-                  <a:schemeClr val="bg1"/>
-                </a:solidFill>
-                <a:latin typeface="UD デジタル 教科書体 NP-R"/>
-                <a:ea typeface="UD デジタル 教科書体 NP-R"/>
-              </a:rPr>
-              <a:t>Web</a:t>
-            </a:r>
-            <a:r>
-              <a:rPr lang="ja-JP" altLang="en-US" sz="3200">
-                <a:solidFill>
-                  <a:schemeClr val="bg1"/>
-                </a:solidFill>
-                <a:latin typeface="UD デジタル 教科書体 NP-R"/>
-                <a:ea typeface="UD デジタル 教科書体 NP-R"/>
-              </a:rPr>
-              <a:t>アプリ上で一括管理することで、ユーザーの健康管理を手助けする。</a:t>
-            </a:r>
-            <a:endParaRPr lang="ja-JP">
-              <a:solidFill>
-                <a:schemeClr val="bg1"/>
-              </a:solidFill>
-              <a:ea typeface="ＭＳ ゴシック"/>
-            </a:endParaRPr>
-          </a:p>
-        </p:txBody>
-      </p:sp>
-      <p:pic>
-        <p:nvPicPr>
-          <p:cNvPr id="10" name="Picture 10">
-            <a:extLst>
-              <a:ext uri="{FF2B5EF4-FFF2-40B4-BE49-F238E27FC236}">
-                <a16:creationId xmlns:a16="http://schemas.microsoft.com/office/drawing/2014/main" id="{3BE498FE-CFE6-D86E-9656-D93348B299D4}"/>
-              </a:ext>
-            </a:extLst>
-          </p:cNvPr>
-          <p:cNvPicPr>
-            <a:picLocks noChangeAspect="1"/>
-          </p:cNvPicPr>
-          <p:nvPr/>
-        </p:nvPicPr>
-        <p:blipFill>
-          <a:blip r:embed="rId3"/>
-          <a:stretch>
-            <a:fillRect/>
-          </a:stretch>
-        </p:blipFill>
-        <p:spPr>
-          <a:xfrm>
-            <a:off x="9201150" y="599017"/>
-            <a:ext cx="1714500" cy="1714500"/>
-          </a:xfrm>
-          <a:prstGeom prst="rect">
-            <a:avLst/>
-          </a:prstGeom>
-        </p:spPr>
-      </p:pic>
-      <p:pic>
-        <p:nvPicPr>
-          <p:cNvPr id="12" name="Picture 12">
-            <a:extLst>
-              <a:ext uri="{FF2B5EF4-FFF2-40B4-BE49-F238E27FC236}">
-                <a16:creationId xmlns:a16="http://schemas.microsoft.com/office/drawing/2014/main" id="{7CEF3D6F-4FD1-26AC-2D0A-E4C74E5F6CF2}"/>
-              </a:ext>
-            </a:extLst>
-          </p:cNvPr>
-          <p:cNvPicPr>
-            <a:picLocks noChangeAspect="1"/>
-          </p:cNvPicPr>
-          <p:nvPr/>
-        </p:nvPicPr>
-        <p:blipFill>
-          <a:blip r:embed="rId4"/>
-          <a:stretch>
-            <a:fillRect/>
-          </a:stretch>
-        </p:blipFill>
-        <p:spPr>
-          <a:xfrm>
-            <a:off x="209550" y="4409017"/>
-            <a:ext cx="1714500" cy="1714500"/>
-          </a:xfrm>
-          <a:prstGeom prst="rect">
-            <a:avLst/>
-          </a:prstGeom>
-        </p:spPr>
-      </p:pic>
-    </p:spTree>
-    <p:extLst>
-      <p:ext uri="{BB962C8B-B14F-4D97-AF65-F5344CB8AC3E}">
-        <p14:creationId xmlns:p14="http://schemas.microsoft.com/office/powerpoint/2010/main" val="4073078951"/>
-      </p:ext>
-    </p:extLst>
-  </p:cSld>
-  <p:clrMapOvr>
-    <a:masterClrMapping/>
-  </p:clrMapOvr>
-</p:sld>
-</file>
-
-<file path=ppt/slides/slide6.xml><?xml version="1.0" encoding="utf-8"?>
-<p:sld xmlns:a="http://schemas.openxmlformats.org/drawingml/2006/main" xmlns:r="http://schemas.openxmlformats.org/officeDocument/2006/relationships" xmlns:p="http://schemas.openxmlformats.org/presentationml/2006/main">
-  <p:cSld>
-    <p:bg>
-      <p:bgPr>
-        <a:solidFill>
-          <a:srgbClr val="AEE2FF"/>
-        </a:solidFill>
-        <a:effectLst/>
-      </p:bgPr>
-    </p:bg>
-    <p:spTree>
-      <p:nvGrpSpPr>
-        <p:cNvPr id="1" name=""/>
-        <p:cNvGrpSpPr/>
-        <p:nvPr/>
-      </p:nvGrpSpPr>
-      <p:grpSpPr>
-        <a:xfrm>
-          <a:off x="0" y="0"/>
-          <a:ext cx="0" cy="0"/>
-          <a:chOff x="0" y="0"/>
-          <a:chExt cx="0" cy="0"/>
-        </a:xfrm>
-      </p:grpSpPr>
-      <p:sp>
-        <p:nvSpPr>
-          <p:cNvPr id="2" name="正方形/長方形 1">
-            <a:extLst>
-              <a:ext uri="{FF2B5EF4-FFF2-40B4-BE49-F238E27FC236}">
-                <a16:creationId xmlns:a16="http://schemas.microsoft.com/office/drawing/2014/main" id="{5B096CB1-87E5-4B06-B864-486CBCC10EE2}"/>
-              </a:ext>
-            </a:extLst>
-          </p:cNvPr>
-          <p:cNvSpPr/>
-          <p:nvPr/>
-        </p:nvSpPr>
-        <p:spPr>
-          <a:xfrm>
-            <a:off x="436880" y="406400"/>
-            <a:ext cx="11318240" cy="6045200"/>
-          </a:xfrm>
-          <a:prstGeom prst="rect">
-            <a:avLst/>
-          </a:prstGeom>
-          <a:solidFill>
-            <a:schemeClr val="tx1"/>
-          </a:solidFill>
-          <a:ln>
-            <a:noFill/>
-          </a:ln>
-        </p:spPr>
-        <p:style>
-          <a:lnRef idx="2">
-            <a:schemeClr val="accent1">
-              <a:shade val="50000"/>
-            </a:schemeClr>
-          </a:lnRef>
-          <a:fillRef idx="1">
-            <a:schemeClr val="accent1"/>
-          </a:fillRef>
-          <a:effectRef idx="0">
-            <a:schemeClr val="accent1"/>
-          </a:effectRef>
-          <a:fontRef idx="minor">
-            <a:schemeClr val="lt1"/>
-          </a:fontRef>
-        </p:style>
-        <p:txBody>
-          <a:bodyPr rtlCol="0" anchor="ctr"/>
-          <a:lstStyle/>
-          <a:p>
-            <a:pPr algn="ctr"/>
-            <a:endParaRPr kumimoji="1" lang="ja-JP" altLang="en-US"/>
-          </a:p>
-        </p:txBody>
-      </p:sp>
-      <p:pic>
-        <p:nvPicPr>
-          <p:cNvPr id="4" name="図 3" descr="黒い背景に白い文字がある&#10;&#10;低い精度で自動的に生成された説明">
-            <a:extLst>
-              <a:ext uri="{FF2B5EF4-FFF2-40B4-BE49-F238E27FC236}">
-                <a16:creationId xmlns:a16="http://schemas.microsoft.com/office/drawing/2014/main" id="{9BD63F88-195A-4742-A111-B0367169C008}"/>
-              </a:ext>
-            </a:extLst>
-          </p:cNvPr>
-          <p:cNvPicPr>
-            <a:picLocks noChangeAspect="1"/>
-          </p:cNvPicPr>
-          <p:nvPr/>
-        </p:nvPicPr>
-        <p:blipFill>
-          <a:blip r:embed="rId2">
-            <a:extLst>
-              <a:ext uri="{28A0092B-C50C-407E-A947-70E740481C1C}">
-                <a14:useLocalDpi xmlns:a14="http://schemas.microsoft.com/office/drawing/2010/main" val="0"/>
-              </a:ext>
-            </a:extLst>
-          </a:blip>
-          <a:stretch>
-            <a:fillRect/>
-          </a:stretch>
-        </p:blipFill>
-        <p:spPr>
-          <a:xfrm>
-            <a:off x="10582275" y="5219700"/>
-            <a:ext cx="1885950" cy="1885950"/>
-          </a:xfrm>
-          <a:prstGeom prst="rect">
-            <a:avLst/>
-          </a:prstGeom>
-        </p:spPr>
-      </p:pic>
-      <p:sp>
-        <p:nvSpPr>
-          <p:cNvPr id="5" name="二等辺三角形 4">
-            <a:extLst>
-              <a:ext uri="{FF2B5EF4-FFF2-40B4-BE49-F238E27FC236}">
-                <a16:creationId xmlns:a16="http://schemas.microsoft.com/office/drawing/2014/main" id="{2D0FBA5F-8ECE-F504-16C0-8F0B3EF522FD}"/>
-              </a:ext>
-            </a:extLst>
-          </p:cNvPr>
-          <p:cNvSpPr/>
-          <p:nvPr/>
-        </p:nvSpPr>
-        <p:spPr>
-          <a:xfrm rot="5400000">
-            <a:off x="862426" y="893905"/>
-            <a:ext cx="481012" cy="442911"/>
-          </a:xfrm>
-          <a:prstGeom prst="triangle">
-            <a:avLst/>
-          </a:prstGeom>
-          <a:solidFill>
-            <a:srgbClr val="ACBCFF"/>
-          </a:solidFill>
-          <a:ln>
-            <a:noFill/>
-          </a:ln>
-        </p:spPr>
-        <p:style>
-          <a:lnRef idx="2">
-            <a:schemeClr val="accent1">
-              <a:shade val="50000"/>
-            </a:schemeClr>
-          </a:lnRef>
-          <a:fillRef idx="1">
-            <a:schemeClr val="accent1"/>
-          </a:fillRef>
-          <a:effectRef idx="0">
-            <a:schemeClr val="accent1"/>
-          </a:effectRef>
-          <a:fontRef idx="minor">
-            <a:schemeClr val="lt1"/>
-          </a:fontRef>
-        </p:style>
-        <p:txBody>
-          <a:bodyPr rtlCol="0" anchor="ctr"/>
-          <a:lstStyle/>
-          <a:p>
-            <a:pPr algn="ctr"/>
-            <a:endParaRPr kumimoji="1" lang="ja-JP" altLang="en-US"/>
-          </a:p>
-        </p:txBody>
-      </p:sp>
-      <p:sp>
-        <p:nvSpPr>
-          <p:cNvPr id="7" name="テキスト ボックス 5">
-            <a:extLst>
-              <a:ext uri="{FF2B5EF4-FFF2-40B4-BE49-F238E27FC236}">
-                <a16:creationId xmlns:a16="http://schemas.microsoft.com/office/drawing/2014/main" id="{6956503F-3FB0-F439-B3C1-C7FEF111C254}"/>
-              </a:ext>
-            </a:extLst>
-          </p:cNvPr>
-          <p:cNvSpPr txBox="1"/>
-          <p:nvPr/>
-        </p:nvSpPr>
-        <p:spPr>
-          <a:xfrm>
-            <a:off x="1590261" y="867146"/>
-            <a:ext cx="4333875" cy="584775"/>
-          </a:xfrm>
-          <a:prstGeom prst="rect">
-            <a:avLst/>
-          </a:prstGeom>
-          <a:noFill/>
-        </p:spPr>
-        <p:txBody>
-          <a:bodyPr wrap="square" lIns="91440" tIns="45720" rIns="91440" bIns="45720" rtlCol="0" anchor="t">
-            <a:spAutoFit/>
-          </a:bodyPr>
-          <a:lstStyle/>
-          <a:p>
-            <a:r>
-              <a:rPr lang="ja-JP" altLang="en-US" sz="3200">
-                <a:solidFill>
-                  <a:schemeClr val="bg1"/>
-                </a:solidFill>
-                <a:latin typeface="UD デジタル 教科書体 NP-R"/>
-                <a:ea typeface="UD デジタル 教科書体 NP-R"/>
-              </a:rPr>
-              <a:t>注力した点</a:t>
-            </a:r>
-          </a:p>
-        </p:txBody>
-      </p:sp>
-      <p:sp>
-        <p:nvSpPr>
-          <p:cNvPr id="8" name="テキスト ボックス 5">
-            <a:extLst>
-              <a:ext uri="{FF2B5EF4-FFF2-40B4-BE49-F238E27FC236}">
-                <a16:creationId xmlns:a16="http://schemas.microsoft.com/office/drawing/2014/main" id="{0345A461-8A88-061C-5BF6-DEEC574BB497}"/>
-              </a:ext>
-            </a:extLst>
-          </p:cNvPr>
-          <p:cNvSpPr txBox="1"/>
-          <p:nvPr/>
-        </p:nvSpPr>
-        <p:spPr>
-          <a:xfrm>
-            <a:off x="6289629" y="1936523"/>
-            <a:ext cx="5162135" cy="3754874"/>
-          </a:xfrm>
-          <a:prstGeom prst="rect">
-            <a:avLst/>
-          </a:prstGeom>
-          <a:noFill/>
-        </p:spPr>
-        <p:txBody>
-          <a:bodyPr wrap="square" lIns="91440" tIns="45720" rIns="91440" bIns="45720" rtlCol="0" anchor="t">
-            <a:spAutoFit/>
-          </a:bodyPr>
-          <a:lstStyle/>
-          <a:p>
-            <a:r>
-              <a:rPr lang="ja-JP" altLang="en-US" sz="2800">
-                <a:solidFill>
-                  <a:schemeClr val="bg1"/>
-                </a:solidFill>
-                <a:latin typeface="UD デジタル 教科書体 NP-R"/>
-                <a:ea typeface="UD デジタル 教科書体 NP-R"/>
-              </a:rPr>
-              <a:t>・データベースと紐づけて日にちごとの総カロリーが動的に表示</a:t>
-            </a:r>
-          </a:p>
-          <a:p>
-            <a:endParaRPr lang="ja-JP" altLang="en-US" sz="2800">
-              <a:solidFill>
-                <a:schemeClr val="bg1"/>
-              </a:solidFill>
-              <a:latin typeface="UD デジタル 教科書体 NP-R"/>
-              <a:ea typeface="UD デジタル 教科書体 NP-R"/>
-            </a:endParaRPr>
-          </a:p>
-          <a:p>
-            <a:r>
-              <a:rPr lang="ja-JP" altLang="en-US" sz="2800">
-                <a:solidFill>
-                  <a:schemeClr val="bg1"/>
-                </a:solidFill>
-                <a:latin typeface="UD デジタル 教科書体 NP-R"/>
-                <a:ea typeface="UD デジタル 教科書体 NP-R"/>
-              </a:rPr>
-              <a:t>・マスをクリックして食事記録ページに遷移</a:t>
-            </a:r>
-          </a:p>
-          <a:p>
-            <a:endParaRPr lang="ja-JP" altLang="en-US" sz="2800">
-              <a:solidFill>
-                <a:schemeClr val="bg1"/>
-              </a:solidFill>
-              <a:latin typeface="UD デジタル 教科書体 NP-R"/>
-              <a:ea typeface="UD デジタル 教科書体 NP-R"/>
-            </a:endParaRPr>
-          </a:p>
-          <a:p>
-            <a:r>
-              <a:rPr lang="ja-JP" altLang="en-US" sz="2800">
-                <a:solidFill>
-                  <a:schemeClr val="bg1"/>
-                </a:solidFill>
-                <a:latin typeface="UD デジタル 教科書体 NP-R"/>
-                <a:ea typeface="UD デジタル 教科書体 NP-R"/>
-              </a:rPr>
-              <a:t>・「今日」のマスの色が変わる</a:t>
-            </a:r>
-          </a:p>
-          <a:p>
-            <a:endParaRPr lang="ja-JP" altLang="en-US" sz="1400">
-              <a:solidFill>
-                <a:schemeClr val="bg1"/>
-              </a:solidFill>
-              <a:latin typeface="UD デジタル 教科書体 NP-R"/>
-              <a:ea typeface="UD デジタル 教科書体 NP-R"/>
-            </a:endParaRPr>
-          </a:p>
-        </p:txBody>
-      </p:sp>
-      <p:pic>
-        <p:nvPicPr>
-          <p:cNvPr id="3" name="Picture 5">
-            <a:extLst>
-              <a:ext uri="{FF2B5EF4-FFF2-40B4-BE49-F238E27FC236}">
-                <a16:creationId xmlns:a16="http://schemas.microsoft.com/office/drawing/2014/main" id="{51C1AFFE-885C-D38B-7229-9ED9350C74EB}"/>
-              </a:ext>
-            </a:extLst>
-          </p:cNvPr>
-          <p:cNvPicPr>
-            <a:picLocks noChangeAspect="1"/>
-          </p:cNvPicPr>
-          <p:nvPr/>
-        </p:nvPicPr>
-        <p:blipFill>
-          <a:blip r:embed="rId3"/>
-          <a:stretch>
-            <a:fillRect/>
-          </a:stretch>
-        </p:blipFill>
-        <p:spPr>
-          <a:xfrm>
-            <a:off x="881270" y="2032433"/>
-            <a:ext cx="5205895" cy="3566176"/>
-          </a:xfrm>
-          <a:prstGeom prst="rect">
-            <a:avLst/>
-          </a:prstGeom>
-        </p:spPr>
-      </p:pic>
-    </p:spTree>
-    <p:extLst>
-      <p:ext uri="{BB962C8B-B14F-4D97-AF65-F5344CB8AC3E}">
-        <p14:creationId xmlns:p14="http://schemas.microsoft.com/office/powerpoint/2010/main" val="418307048"/>
-      </p:ext>
-    </p:extLst>
-  </p:cSld>
-  <p:clrMapOvr>
-    <a:masterClrMapping/>
-  </p:clrMapOvr>
-</p:sld>
-</file>
-
-<file path=ppt/slides/slide7.xml><?xml version="1.0" encoding="utf-8"?>
-<p:sld xmlns:a="http://schemas.openxmlformats.org/drawingml/2006/main" xmlns:r="http://schemas.openxmlformats.org/officeDocument/2006/relationships" xmlns:p="http://schemas.openxmlformats.org/presentationml/2006/main">
-  <p:cSld>
-    <p:bg>
-      <p:bgPr>
-        <a:solidFill>
-          <a:srgbClr val="AEE2FF"/>
-        </a:solidFill>
-        <a:effectLst/>
-      </p:bgPr>
-    </p:bg>
-    <p:spTree>
-      <p:nvGrpSpPr>
-        <p:cNvPr id="1" name=""/>
-        <p:cNvGrpSpPr/>
-        <p:nvPr/>
-      </p:nvGrpSpPr>
-      <p:grpSpPr>
-        <a:xfrm>
-          <a:off x="0" y="0"/>
-          <a:ext cx="0" cy="0"/>
-          <a:chOff x="0" y="0"/>
-          <a:chExt cx="0" cy="0"/>
-        </a:xfrm>
-      </p:grpSpPr>
-      <p:sp>
-        <p:nvSpPr>
-          <p:cNvPr id="2" name="正方形/長方形 1">
-            <a:extLst>
-              <a:ext uri="{FF2B5EF4-FFF2-40B4-BE49-F238E27FC236}">
-                <a16:creationId xmlns:a16="http://schemas.microsoft.com/office/drawing/2014/main" id="{5B096CB1-87E5-4B06-B864-486CBCC10EE2}"/>
-              </a:ext>
-            </a:extLst>
-          </p:cNvPr>
-          <p:cNvSpPr/>
-          <p:nvPr/>
-        </p:nvSpPr>
-        <p:spPr>
-          <a:xfrm>
-            <a:off x="436880" y="406400"/>
-            <a:ext cx="11318240" cy="6045200"/>
-          </a:xfrm>
-          <a:prstGeom prst="rect">
-            <a:avLst/>
-          </a:prstGeom>
-          <a:solidFill>
-            <a:schemeClr val="tx1"/>
-          </a:solidFill>
-          <a:ln>
-            <a:noFill/>
-          </a:ln>
-        </p:spPr>
-        <p:style>
-          <a:lnRef idx="2">
-            <a:schemeClr val="accent1">
-              <a:shade val="50000"/>
-            </a:schemeClr>
-          </a:lnRef>
-          <a:fillRef idx="1">
-            <a:schemeClr val="accent1"/>
-          </a:fillRef>
-          <a:effectRef idx="0">
-            <a:schemeClr val="accent1"/>
-          </a:effectRef>
-          <a:fontRef idx="minor">
-            <a:schemeClr val="lt1"/>
-          </a:fontRef>
-        </p:style>
-        <p:txBody>
-          <a:bodyPr rtlCol="0" anchor="ctr"/>
-          <a:lstStyle/>
-          <a:p>
-            <a:pPr algn="ctr"/>
-            <a:endParaRPr kumimoji="1" lang="ja-JP" altLang="en-US"/>
-          </a:p>
-        </p:txBody>
-      </p:sp>
-      <p:pic>
-        <p:nvPicPr>
-          <p:cNvPr id="4" name="図 3" descr="挿絵, 花, シャツ が含まれている画像&#10;&#10;自動的に生成された説明">
-            <a:extLst>
-              <a:ext uri="{FF2B5EF4-FFF2-40B4-BE49-F238E27FC236}">
-                <a16:creationId xmlns:a16="http://schemas.microsoft.com/office/drawing/2014/main" id="{6BB2CDEA-A1E6-48A9-AB73-9513844330C1}"/>
-              </a:ext>
-            </a:extLst>
-          </p:cNvPr>
-          <p:cNvPicPr>
-            <a:picLocks noChangeAspect="1"/>
-          </p:cNvPicPr>
-          <p:nvPr/>
-        </p:nvPicPr>
-        <p:blipFill>
-          <a:blip r:embed="rId2">
-            <a:extLst>
-              <a:ext uri="{28A0092B-C50C-407E-A947-70E740481C1C}">
-                <a14:useLocalDpi xmlns:a14="http://schemas.microsoft.com/office/drawing/2010/main" val="0"/>
-              </a:ext>
-            </a:extLst>
-          </a:blip>
-          <a:stretch>
-            <a:fillRect/>
-          </a:stretch>
-        </p:blipFill>
-        <p:spPr>
-          <a:xfrm>
-            <a:off x="10515600" y="5286375"/>
-            <a:ext cx="1866900" cy="1866900"/>
-          </a:xfrm>
-          <a:prstGeom prst="rect">
-            <a:avLst/>
-          </a:prstGeom>
-        </p:spPr>
-      </p:pic>
-      <p:pic>
-        <p:nvPicPr>
           <p:cNvPr id="9" name="Picture 9">
             <a:extLst>
               <a:ext uri="{FF2B5EF4-FFF2-40B4-BE49-F238E27FC236}">
@@ -6073,7 +3901,7 @@
           <p:nvPr/>
         </p:nvPicPr>
         <p:blipFill>
-          <a:blip r:embed="rId3"/>
+          <a:blip r:embed="rId2"/>
           <a:stretch>
             <a:fillRect/>
           </a:stretch>
@@ -6103,7 +3931,7 @@
           <p:nvPr/>
         </p:nvPicPr>
         <p:blipFill rotWithShape="1">
-          <a:blip r:embed="rId4"/>
+          <a:blip r:embed="rId3"/>
           <a:srcRect t="11966" r="-170"/>
           <a:stretch/>
         </p:blipFill>
@@ -6549,6 +4377,3424 @@
 </p:sld>
 </file>
 
+<file path=ppt/slides/slide11.xml><?xml version="1.0" encoding="utf-8"?>
+<p:sld xmlns:a="http://schemas.openxmlformats.org/drawingml/2006/main" xmlns:r="http://schemas.openxmlformats.org/officeDocument/2006/relationships" xmlns:p="http://schemas.openxmlformats.org/presentationml/2006/main">
+  <p:cSld>
+    <p:bg>
+      <p:bgPr>
+        <a:solidFill>
+          <a:srgbClr val="AEE2FF"/>
+        </a:solidFill>
+        <a:effectLst/>
+      </p:bgPr>
+    </p:bg>
+    <p:spTree>
+      <p:nvGrpSpPr>
+        <p:cNvPr id="1" name=""/>
+        <p:cNvGrpSpPr/>
+        <p:nvPr/>
+      </p:nvGrpSpPr>
+      <p:grpSpPr>
+        <a:xfrm>
+          <a:off x="0" y="0"/>
+          <a:ext cx="0" cy="0"/>
+          <a:chOff x="0" y="0"/>
+          <a:chExt cx="0" cy="0"/>
+        </a:xfrm>
+      </p:grpSpPr>
+      <p:sp>
+        <p:nvSpPr>
+          <p:cNvPr id="2" name="正方形/長方形 1">
+            <a:extLst>
+              <a:ext uri="{FF2B5EF4-FFF2-40B4-BE49-F238E27FC236}">
+                <a16:creationId xmlns:a16="http://schemas.microsoft.com/office/drawing/2014/main" id="{5B096CB1-87E5-4B06-B864-486CBCC10EE2}"/>
+              </a:ext>
+            </a:extLst>
+          </p:cNvPr>
+          <p:cNvSpPr/>
+          <p:nvPr/>
+        </p:nvSpPr>
+        <p:spPr>
+          <a:xfrm>
+            <a:off x="436880" y="406400"/>
+            <a:ext cx="11318240" cy="6045200"/>
+          </a:xfrm>
+          <a:prstGeom prst="rect">
+            <a:avLst/>
+          </a:prstGeom>
+          <a:solidFill>
+            <a:schemeClr val="tx1"/>
+          </a:solidFill>
+          <a:ln>
+            <a:noFill/>
+          </a:ln>
+        </p:spPr>
+        <p:style>
+          <a:lnRef idx="2">
+            <a:schemeClr val="accent1">
+              <a:shade val="50000"/>
+            </a:schemeClr>
+          </a:lnRef>
+          <a:fillRef idx="1">
+            <a:schemeClr val="accent1"/>
+          </a:fillRef>
+          <a:effectRef idx="0">
+            <a:schemeClr val="accent1"/>
+          </a:effectRef>
+          <a:fontRef idx="minor">
+            <a:schemeClr val="lt1"/>
+          </a:fontRef>
+        </p:style>
+        <p:txBody>
+          <a:bodyPr rtlCol="0" anchor="ctr"/>
+          <a:lstStyle/>
+          <a:p>
+            <a:pPr algn="ctr"/>
+            <a:endParaRPr kumimoji="1" lang="ja-JP" altLang="en-US"/>
+          </a:p>
+        </p:txBody>
+      </p:sp>
+      <p:pic>
+        <p:nvPicPr>
+          <p:cNvPr id="6" name="Picture 6">
+            <a:extLst>
+              <a:ext uri="{FF2B5EF4-FFF2-40B4-BE49-F238E27FC236}">
+                <a16:creationId xmlns:a16="http://schemas.microsoft.com/office/drawing/2014/main" id="{BE48B18D-763B-8F33-DB0F-E252F1803D5C}"/>
+              </a:ext>
+            </a:extLst>
+          </p:cNvPr>
+          <p:cNvPicPr>
+            <a:picLocks noChangeAspect="1"/>
+          </p:cNvPicPr>
+          <p:nvPr/>
+        </p:nvPicPr>
+        <p:blipFill rotWithShape="1">
+          <a:blip r:embed="rId2"/>
+          <a:srcRect l="14674" t="31224" r="15761" b="204"/>
+          <a:stretch/>
+        </p:blipFill>
+        <p:spPr>
+          <a:xfrm>
+            <a:off x="671443" y="624164"/>
+            <a:ext cx="6573950" cy="3434247"/>
+          </a:xfrm>
+          <a:prstGeom prst="rect">
+            <a:avLst/>
+          </a:prstGeom>
+        </p:spPr>
+      </p:pic>
+      <p:sp>
+        <p:nvSpPr>
+          <p:cNvPr id="7" name="TextBox 6">
+            <a:extLst>
+              <a:ext uri="{FF2B5EF4-FFF2-40B4-BE49-F238E27FC236}">
+                <a16:creationId xmlns:a16="http://schemas.microsoft.com/office/drawing/2014/main" id="{261EFB76-6E16-50D4-F4F2-3ADFD21EB9FF}"/>
+              </a:ext>
+            </a:extLst>
+          </p:cNvPr>
+          <p:cNvSpPr txBox="1"/>
+          <p:nvPr/>
+        </p:nvSpPr>
+        <p:spPr>
+          <a:xfrm>
+            <a:off x="8001000" y="1242391"/>
+            <a:ext cx="3246782" cy="2418521"/>
+          </a:xfrm>
+          <a:prstGeom prst="rect">
+            <a:avLst/>
+          </a:prstGeom>
+          <a:noFill/>
+        </p:spPr>
+        <p:txBody>
+          <a:bodyPr rot="0" spcFirstLastPara="0" vertOverflow="overflow" horzOverflow="overflow" vert="horz" wrap="square" lIns="91440" tIns="45720" rIns="91440" bIns="45720" numCol="1" spcCol="0" rtlCol="0" fromWordArt="0" anchor="t" anchorCtr="0" forceAA="0" compatLnSpc="1">
+            <a:prstTxWarp prst="textNoShape">
+              <a:avLst/>
+            </a:prstTxWarp>
+            <a:spAutoFit/>
+          </a:bodyPr>
+          <a:lstStyle/>
+          <a:p>
+            <a:pPr algn="l"/>
+            <a:endParaRPr lang="en-US"/>
+          </a:p>
+        </p:txBody>
+      </p:sp>
+      <p:pic>
+        <p:nvPicPr>
+          <p:cNvPr id="3" name="Picture 4">
+            <a:extLst>
+              <a:ext uri="{FF2B5EF4-FFF2-40B4-BE49-F238E27FC236}">
+                <a16:creationId xmlns:a16="http://schemas.microsoft.com/office/drawing/2014/main" id="{E0A301A9-E926-2E44-5B64-52BDE421A763}"/>
+              </a:ext>
+            </a:extLst>
+          </p:cNvPr>
+          <p:cNvPicPr>
+            <a:picLocks noChangeAspect="1"/>
+          </p:cNvPicPr>
+          <p:nvPr/>
+        </p:nvPicPr>
+        <p:blipFill>
+          <a:blip r:embed="rId3"/>
+          <a:stretch>
+            <a:fillRect/>
+          </a:stretch>
+        </p:blipFill>
+        <p:spPr>
+          <a:xfrm>
+            <a:off x="841216" y="4156645"/>
+            <a:ext cx="6234752" cy="2045657"/>
+          </a:xfrm>
+          <a:prstGeom prst="rect">
+            <a:avLst/>
+          </a:prstGeom>
+        </p:spPr>
+      </p:pic>
+      <p:sp>
+        <p:nvSpPr>
+          <p:cNvPr id="8" name="TextBox 7">
+            <a:extLst>
+              <a:ext uri="{FF2B5EF4-FFF2-40B4-BE49-F238E27FC236}">
+                <a16:creationId xmlns:a16="http://schemas.microsoft.com/office/drawing/2014/main" id="{64F7EA39-FA74-A2AF-688D-6B22B5DCC672}"/>
+              </a:ext>
+            </a:extLst>
+          </p:cNvPr>
+          <p:cNvSpPr txBox="1"/>
+          <p:nvPr/>
+        </p:nvSpPr>
+        <p:spPr>
+          <a:xfrm>
+            <a:off x="7520608" y="2070652"/>
+            <a:ext cx="3776868" cy="2677656"/>
+          </a:xfrm>
+          <a:prstGeom prst="rect">
+            <a:avLst/>
+          </a:prstGeom>
+          <a:noFill/>
+        </p:spPr>
+        <p:txBody>
+          <a:bodyPr rot="0" spcFirstLastPara="0" vertOverflow="overflow" horzOverflow="overflow" vert="horz" wrap="square" lIns="91440" tIns="45720" rIns="91440" bIns="45720" numCol="1" spcCol="0" rtlCol="0" fromWordArt="0" anchor="t" anchorCtr="0" forceAA="0" compatLnSpc="1">
+            <a:prstTxWarp prst="textNoShape">
+              <a:avLst/>
+            </a:prstTxWarp>
+            <a:spAutoFit/>
+          </a:bodyPr>
+          <a:lstStyle/>
+          <a:p>
+            <a:pPr algn="l"/>
+            <a:r>
+              <a:rPr lang="ja-JP" altLang="en-US" sz="2800">
+                <a:solidFill>
+                  <a:schemeClr val="bg1"/>
+                </a:solidFill>
+                <a:latin typeface="UD デジタル 教科書体 NP-R"/>
+                <a:ea typeface="UD デジタル 教科書体 NP-R"/>
+              </a:rPr>
+              <a:t>・摂取カロリーを元に動的なグラフを月ごとに形成</a:t>
+            </a:r>
+          </a:p>
+          <a:p>
+            <a:endParaRPr lang="ja-JP" altLang="en-US" sz="2800">
+              <a:solidFill>
+                <a:schemeClr val="bg1"/>
+              </a:solidFill>
+              <a:latin typeface="UD デジタル 教科書体 NP-R"/>
+              <a:ea typeface="UD デジタル 教科書体 NP-R"/>
+            </a:endParaRPr>
+          </a:p>
+          <a:p>
+            <a:r>
+              <a:rPr lang="ja-JP" altLang="en-US" sz="2800">
+                <a:solidFill>
+                  <a:schemeClr val="bg1"/>
+                </a:solidFill>
+                <a:latin typeface="UD デジタル 教科書体 NP-R"/>
+                <a:ea typeface="UD デジタル 教科書体 NP-R"/>
+              </a:rPr>
+              <a:t>・ユーザーに合わせた基礎代謝を表示</a:t>
+            </a:r>
+          </a:p>
+        </p:txBody>
+      </p:sp>
+    </p:spTree>
+    <p:extLst>
+      <p:ext uri="{BB962C8B-B14F-4D97-AF65-F5344CB8AC3E}">
+        <p14:creationId xmlns:p14="http://schemas.microsoft.com/office/powerpoint/2010/main" val="3058868081"/>
+      </p:ext>
+    </p:extLst>
+  </p:cSld>
+  <p:clrMapOvr>
+    <a:masterClrMapping/>
+  </p:clrMapOvr>
+</p:sld>
+</file>
+
+<file path=ppt/slides/slide12.xml><?xml version="1.0" encoding="utf-8"?>
+<p:sld xmlns:a="http://schemas.openxmlformats.org/drawingml/2006/main" xmlns:r="http://schemas.openxmlformats.org/officeDocument/2006/relationships" xmlns:p="http://schemas.openxmlformats.org/presentationml/2006/main">
+  <p:cSld>
+    <p:bg>
+      <p:bgPr>
+        <a:solidFill>
+          <a:srgbClr val="AEE2FF"/>
+        </a:solidFill>
+        <a:effectLst/>
+      </p:bgPr>
+    </p:bg>
+    <p:spTree>
+      <p:nvGrpSpPr>
+        <p:cNvPr id="1" name=""/>
+        <p:cNvGrpSpPr/>
+        <p:nvPr/>
+      </p:nvGrpSpPr>
+      <p:grpSpPr>
+        <a:xfrm>
+          <a:off x="0" y="0"/>
+          <a:ext cx="0" cy="0"/>
+          <a:chOff x="0" y="0"/>
+          <a:chExt cx="0" cy="0"/>
+        </a:xfrm>
+      </p:grpSpPr>
+      <p:sp>
+        <p:nvSpPr>
+          <p:cNvPr id="2" name="正方形/長方形 1">
+            <a:extLst>
+              <a:ext uri="{FF2B5EF4-FFF2-40B4-BE49-F238E27FC236}">
+                <a16:creationId xmlns:a16="http://schemas.microsoft.com/office/drawing/2014/main" id="{5B096CB1-87E5-4B06-B864-486CBCC10EE2}"/>
+              </a:ext>
+            </a:extLst>
+          </p:cNvPr>
+          <p:cNvSpPr/>
+          <p:nvPr/>
+        </p:nvSpPr>
+        <p:spPr>
+          <a:xfrm>
+            <a:off x="436880" y="406400"/>
+            <a:ext cx="11318240" cy="6045200"/>
+          </a:xfrm>
+          <a:prstGeom prst="rect">
+            <a:avLst/>
+          </a:prstGeom>
+          <a:solidFill>
+            <a:schemeClr val="tx1"/>
+          </a:solidFill>
+          <a:ln>
+            <a:noFill/>
+          </a:ln>
+        </p:spPr>
+        <p:style>
+          <a:lnRef idx="2">
+            <a:schemeClr val="accent1">
+              <a:shade val="50000"/>
+            </a:schemeClr>
+          </a:lnRef>
+          <a:fillRef idx="1">
+            <a:schemeClr val="accent1"/>
+          </a:fillRef>
+          <a:effectRef idx="0">
+            <a:schemeClr val="accent1"/>
+          </a:effectRef>
+          <a:fontRef idx="minor">
+            <a:schemeClr val="lt1"/>
+          </a:fontRef>
+        </p:style>
+        <p:txBody>
+          <a:bodyPr rtlCol="0" anchor="ctr"/>
+          <a:lstStyle/>
+          <a:p>
+            <a:pPr algn="ctr"/>
+            <a:endParaRPr kumimoji="1" lang="ja-JP" altLang="en-US"/>
+          </a:p>
+        </p:txBody>
+      </p:sp>
+      <p:pic>
+        <p:nvPicPr>
+          <p:cNvPr id="5" name="図 4">
+            <a:extLst>
+              <a:ext uri="{FF2B5EF4-FFF2-40B4-BE49-F238E27FC236}">
+                <a16:creationId xmlns:a16="http://schemas.microsoft.com/office/drawing/2014/main" id="{44DF5A4D-94B9-4ACC-A06B-74494C6401F3}"/>
+              </a:ext>
+            </a:extLst>
+          </p:cNvPr>
+          <p:cNvPicPr>
+            <a:picLocks noChangeAspect="1"/>
+          </p:cNvPicPr>
+          <p:nvPr/>
+        </p:nvPicPr>
+        <p:blipFill>
+          <a:blip r:embed="rId2"/>
+          <a:stretch>
+            <a:fillRect/>
+          </a:stretch>
+        </p:blipFill>
+        <p:spPr>
+          <a:xfrm>
+            <a:off x="1455417" y="1534495"/>
+            <a:ext cx="9281166" cy="3414093"/>
+          </a:xfrm>
+          <a:prstGeom prst="rect">
+            <a:avLst/>
+          </a:prstGeom>
+        </p:spPr>
+      </p:pic>
+      <p:sp>
+        <p:nvSpPr>
+          <p:cNvPr id="9" name="テキスト ボックス 8">
+            <a:extLst>
+              <a:ext uri="{FF2B5EF4-FFF2-40B4-BE49-F238E27FC236}">
+                <a16:creationId xmlns:a16="http://schemas.microsoft.com/office/drawing/2014/main" id="{3F9AE884-8F8E-4C50-876C-8B99DDA5D075}"/>
+              </a:ext>
+            </a:extLst>
+          </p:cNvPr>
+          <p:cNvSpPr txBox="1"/>
+          <p:nvPr/>
+        </p:nvSpPr>
+        <p:spPr>
+          <a:xfrm>
+            <a:off x="9042400" y="5138839"/>
+            <a:ext cx="2712720" cy="369332"/>
+          </a:xfrm>
+          <a:prstGeom prst="rect">
+            <a:avLst/>
+          </a:prstGeom>
+          <a:noFill/>
+        </p:spPr>
+        <p:txBody>
+          <a:bodyPr wrap="square" rtlCol="0">
+            <a:spAutoFit/>
+          </a:bodyPr>
+          <a:lstStyle/>
+          <a:p>
+            <a:r>
+              <a:rPr kumimoji="1" lang="en-US" altLang="ja-JP" dirty="0">
+                <a:solidFill>
+                  <a:schemeClr val="bg1"/>
+                </a:solidFill>
+                <a:latin typeface="UD デジタル 教科書体 NP-R" panose="02020400000000000000" pitchFamily="18" charset="-128"/>
+                <a:ea typeface="UD デジタル 教科書体 NP-R" panose="02020400000000000000" pitchFamily="18" charset="-128"/>
+              </a:rPr>
+              <a:t>※</a:t>
+            </a:r>
+            <a:r>
+              <a:rPr kumimoji="1" lang="ja-JP" altLang="en-US" dirty="0">
+                <a:solidFill>
+                  <a:schemeClr val="bg1"/>
+                </a:solidFill>
+                <a:latin typeface="UD デジタル 教科書体 NP-R" panose="02020400000000000000" pitchFamily="18" charset="-128"/>
+                <a:ea typeface="UD デジタル 教科書体 NP-R" panose="02020400000000000000" pitchFamily="18" charset="-128"/>
+              </a:rPr>
+              <a:t>外部設計書</a:t>
+            </a:r>
+          </a:p>
+        </p:txBody>
+      </p:sp>
+    </p:spTree>
+    <p:extLst>
+      <p:ext uri="{BB962C8B-B14F-4D97-AF65-F5344CB8AC3E}">
+        <p14:creationId xmlns:p14="http://schemas.microsoft.com/office/powerpoint/2010/main" val="109115079"/>
+      </p:ext>
+    </p:extLst>
+  </p:cSld>
+  <p:clrMapOvr>
+    <a:masterClrMapping/>
+  </p:clrMapOvr>
+</p:sld>
+</file>
+
+<file path=ppt/slides/slide13.xml><?xml version="1.0" encoding="utf-8"?>
+<p:sld xmlns:a="http://schemas.openxmlformats.org/drawingml/2006/main" xmlns:r="http://schemas.openxmlformats.org/officeDocument/2006/relationships" xmlns:p="http://schemas.openxmlformats.org/presentationml/2006/main">
+  <p:cSld>
+    <p:bg>
+      <p:bgPr>
+        <a:solidFill>
+          <a:srgbClr val="AEE2FF"/>
+        </a:solidFill>
+        <a:effectLst/>
+      </p:bgPr>
+    </p:bg>
+    <p:spTree>
+      <p:nvGrpSpPr>
+        <p:cNvPr id="1" name=""/>
+        <p:cNvGrpSpPr/>
+        <p:nvPr/>
+      </p:nvGrpSpPr>
+      <p:grpSpPr>
+        <a:xfrm>
+          <a:off x="0" y="0"/>
+          <a:ext cx="0" cy="0"/>
+          <a:chOff x="0" y="0"/>
+          <a:chExt cx="0" cy="0"/>
+        </a:xfrm>
+      </p:grpSpPr>
+      <p:sp>
+        <p:nvSpPr>
+          <p:cNvPr id="2" name="正方形/長方形 1">
+            <a:extLst>
+              <a:ext uri="{FF2B5EF4-FFF2-40B4-BE49-F238E27FC236}">
+                <a16:creationId xmlns:a16="http://schemas.microsoft.com/office/drawing/2014/main" id="{5B096CB1-87E5-4B06-B864-486CBCC10EE2}"/>
+              </a:ext>
+            </a:extLst>
+          </p:cNvPr>
+          <p:cNvSpPr/>
+          <p:nvPr/>
+        </p:nvSpPr>
+        <p:spPr>
+          <a:xfrm>
+            <a:off x="436880" y="406400"/>
+            <a:ext cx="11318240" cy="6045200"/>
+          </a:xfrm>
+          <a:prstGeom prst="rect">
+            <a:avLst/>
+          </a:prstGeom>
+          <a:solidFill>
+            <a:schemeClr val="tx1"/>
+          </a:solidFill>
+          <a:ln>
+            <a:noFill/>
+          </a:ln>
+        </p:spPr>
+        <p:style>
+          <a:lnRef idx="2">
+            <a:schemeClr val="accent1">
+              <a:shade val="50000"/>
+            </a:schemeClr>
+          </a:lnRef>
+          <a:fillRef idx="1">
+            <a:schemeClr val="accent1"/>
+          </a:fillRef>
+          <a:effectRef idx="0">
+            <a:schemeClr val="accent1"/>
+          </a:effectRef>
+          <a:fontRef idx="minor">
+            <a:schemeClr val="lt1"/>
+          </a:fontRef>
+        </p:style>
+        <p:txBody>
+          <a:bodyPr rtlCol="0" anchor="ctr"/>
+          <a:lstStyle/>
+          <a:p>
+            <a:pPr algn="ctr"/>
+            <a:endParaRPr kumimoji="1" lang="ja-JP" altLang="en-US"/>
+          </a:p>
+        </p:txBody>
+      </p:sp>
+      <p:pic>
+        <p:nvPicPr>
+          <p:cNvPr id="5" name="図 4">
+            <a:extLst>
+              <a:ext uri="{FF2B5EF4-FFF2-40B4-BE49-F238E27FC236}">
+                <a16:creationId xmlns:a16="http://schemas.microsoft.com/office/drawing/2014/main" id="{44DF5A4D-94B9-4ACC-A06B-74494C6401F3}"/>
+              </a:ext>
+            </a:extLst>
+          </p:cNvPr>
+          <p:cNvPicPr>
+            <a:picLocks noChangeAspect="1"/>
+          </p:cNvPicPr>
+          <p:nvPr/>
+        </p:nvPicPr>
+        <p:blipFill>
+          <a:blip r:embed="rId2"/>
+          <a:stretch>
+            <a:fillRect/>
+          </a:stretch>
+        </p:blipFill>
+        <p:spPr>
+          <a:xfrm>
+            <a:off x="2547499" y="2123678"/>
+            <a:ext cx="7097001" cy="2610644"/>
+          </a:xfrm>
+          <a:prstGeom prst="rect">
+            <a:avLst/>
+          </a:prstGeom>
+        </p:spPr>
+      </p:pic>
+      <p:sp>
+        <p:nvSpPr>
+          <p:cNvPr id="6" name="テキスト ボックス 5">
+            <a:extLst>
+              <a:ext uri="{FF2B5EF4-FFF2-40B4-BE49-F238E27FC236}">
+                <a16:creationId xmlns:a16="http://schemas.microsoft.com/office/drawing/2014/main" id="{8CE54139-FB3B-4A85-885E-48D908F91BA3}"/>
+              </a:ext>
+            </a:extLst>
+          </p:cNvPr>
+          <p:cNvSpPr txBox="1"/>
+          <p:nvPr/>
+        </p:nvSpPr>
+        <p:spPr>
+          <a:xfrm>
+            <a:off x="0" y="-10845"/>
+            <a:ext cx="12192000" cy="6858000"/>
+          </a:xfrm>
+          <a:prstGeom prst="rect">
+            <a:avLst/>
+          </a:prstGeom>
+          <a:solidFill>
+            <a:srgbClr val="AEE2FF">
+              <a:alpha val="73000"/>
+            </a:srgbClr>
+          </a:solidFill>
+        </p:spPr>
+        <p:txBody>
+          <a:bodyPr wrap="square" rtlCol="0">
+            <a:spAutoFit/>
+          </a:bodyPr>
+          <a:lstStyle/>
+          <a:p>
+            <a:endParaRPr kumimoji="1" lang="ja-JP" altLang="en-US"/>
+          </a:p>
+        </p:txBody>
+      </p:sp>
+      <p:pic>
+        <p:nvPicPr>
+          <p:cNvPr id="8" name="図 7" descr="テキスト&#10;&#10;自動的に生成された説明">
+            <a:extLst>
+              <a:ext uri="{FF2B5EF4-FFF2-40B4-BE49-F238E27FC236}">
+                <a16:creationId xmlns:a16="http://schemas.microsoft.com/office/drawing/2014/main" id="{8C8D8AE0-B63E-4751-AB86-9EB15CC2B069}"/>
+              </a:ext>
+            </a:extLst>
+          </p:cNvPr>
+          <p:cNvPicPr>
+            <a:picLocks noChangeAspect="1"/>
+          </p:cNvPicPr>
+          <p:nvPr/>
+        </p:nvPicPr>
+        <p:blipFill>
+          <a:blip r:embed="rId3">
+            <a:extLst>
+              <a:ext uri="{28A0092B-C50C-407E-A947-70E740481C1C}">
+                <a14:useLocalDpi xmlns:a14="http://schemas.microsoft.com/office/drawing/2010/main" val="0"/>
+              </a:ext>
+            </a:extLst>
+          </a:blip>
+          <a:stretch>
+            <a:fillRect/>
+          </a:stretch>
+        </p:blipFill>
+        <p:spPr>
+          <a:xfrm>
+            <a:off x="4432902" y="721026"/>
+            <a:ext cx="3326193" cy="5415947"/>
+          </a:xfrm>
+          <a:prstGeom prst="rect">
+            <a:avLst/>
+          </a:prstGeom>
+        </p:spPr>
+      </p:pic>
+    </p:spTree>
+    <p:extLst>
+      <p:ext uri="{BB962C8B-B14F-4D97-AF65-F5344CB8AC3E}">
+        <p14:creationId xmlns:p14="http://schemas.microsoft.com/office/powerpoint/2010/main" val="186135776"/>
+      </p:ext>
+    </p:extLst>
+  </p:cSld>
+  <p:clrMapOvr>
+    <a:masterClrMapping/>
+  </p:clrMapOvr>
+  <p:timing>
+    <p:tnLst>
+      <p:par>
+        <p:cTn id="1" dur="indefinite" restart="never" nodeType="tmRoot">
+          <p:childTnLst>
+            <p:seq concurrent="1" nextAc="seek">
+              <p:cTn id="2" dur="indefinite" nodeType="mainSeq">
+                <p:childTnLst>
+                  <p:par>
+                    <p:cTn id="3" fill="hold">
+                      <p:stCondLst>
+                        <p:cond delay="indefinite"/>
+                        <p:cond evt="onBegin" delay="0">
+                          <p:tn val="2"/>
+                        </p:cond>
+                      </p:stCondLst>
+                      <p:childTnLst>
+                        <p:par>
+                          <p:cTn id="4" fill="hold">
+                            <p:stCondLst>
+                              <p:cond delay="0"/>
+                            </p:stCondLst>
+                            <p:childTnLst>
+                              <p:par>
+                                <p:cTn id="5" presetID="2" presetClass="entr" presetSubtype="4" fill="hold" nodeType="withEffect">
+                                  <p:stCondLst>
+                                    <p:cond delay="0"/>
+                                  </p:stCondLst>
+                                  <p:childTnLst>
+                                    <p:set>
+                                      <p:cBhvr>
+                                        <p:cTn id="6" dur="1" fill="hold">
+                                          <p:stCondLst>
+                                            <p:cond delay="0"/>
+                                          </p:stCondLst>
+                                        </p:cTn>
+                                        <p:tgtEl>
+                                          <p:spTgt spid="8"/>
+                                        </p:tgtEl>
+                                        <p:attrNameLst>
+                                          <p:attrName>style.visibility</p:attrName>
+                                        </p:attrNameLst>
+                                      </p:cBhvr>
+                                      <p:to>
+                                        <p:strVal val="visible"/>
+                                      </p:to>
+                                    </p:set>
+                                    <p:anim calcmode="lin" valueType="num">
+                                      <p:cBhvr additive="base">
+                                        <p:cTn id="7" dur="500" fill="hold"/>
+                                        <p:tgtEl>
+                                          <p:spTgt spid="8"/>
+                                        </p:tgtEl>
+                                        <p:attrNameLst>
+                                          <p:attrName>ppt_x</p:attrName>
+                                        </p:attrNameLst>
+                                      </p:cBhvr>
+                                      <p:tavLst>
+                                        <p:tav tm="0">
+                                          <p:val>
+                                            <p:strVal val="#ppt_x"/>
+                                          </p:val>
+                                        </p:tav>
+                                        <p:tav tm="100000">
+                                          <p:val>
+                                            <p:strVal val="#ppt_x"/>
+                                          </p:val>
+                                        </p:tav>
+                                      </p:tavLst>
+                                    </p:anim>
+                                    <p:anim calcmode="lin" valueType="num">
+                                      <p:cBhvr additive="base">
+                                        <p:cTn id="8" dur="500" fill="hold"/>
+                                        <p:tgtEl>
+                                          <p:spTgt spid="8"/>
+                                        </p:tgtEl>
+                                        <p:attrNameLst>
+                                          <p:attrName>ppt_y</p:attrName>
+                                        </p:attrNameLst>
+                                      </p:cBhvr>
+                                      <p:tavLst>
+                                        <p:tav tm="0">
+                                          <p:val>
+                                            <p:strVal val="1+#ppt_h/2"/>
+                                          </p:val>
+                                        </p:tav>
+                                        <p:tav tm="100000">
+                                          <p:val>
+                                            <p:strVal val="#ppt_y"/>
+                                          </p:val>
+                                        </p:tav>
+                                      </p:tavLst>
+                                    </p:anim>
+                                  </p:childTnLst>
+                                </p:cTn>
+                              </p:par>
+                            </p:childTnLst>
+                          </p:cTn>
+                        </p:par>
+                      </p:childTnLst>
+                    </p:cTn>
+                  </p:par>
+                </p:childTnLst>
+              </p:cTn>
+              <p:prevCondLst>
+                <p:cond evt="onPrev" delay="0">
+                  <p:tgtEl>
+                    <p:sldTgt/>
+                  </p:tgtEl>
+                </p:cond>
+              </p:prevCondLst>
+              <p:nextCondLst>
+                <p:cond evt="onNext" delay="0">
+                  <p:tgtEl>
+                    <p:sldTgt/>
+                  </p:tgtEl>
+                </p:cond>
+              </p:nextCondLst>
+            </p:seq>
+          </p:childTnLst>
+        </p:cTn>
+      </p:par>
+    </p:tnLst>
+  </p:timing>
+</p:sld>
+</file>
+
+<file path=ppt/slides/slide14.xml><?xml version="1.0" encoding="utf-8"?>
+<p:sld xmlns:a="http://schemas.openxmlformats.org/drawingml/2006/main" xmlns:r="http://schemas.openxmlformats.org/officeDocument/2006/relationships" xmlns:p="http://schemas.openxmlformats.org/presentationml/2006/main">
+  <p:cSld>
+    <p:bg>
+      <p:bgPr>
+        <a:solidFill>
+          <a:srgbClr val="AEE2FF"/>
+        </a:solidFill>
+        <a:effectLst/>
+      </p:bgPr>
+    </p:bg>
+    <p:spTree>
+      <p:nvGrpSpPr>
+        <p:cNvPr id="1" name=""/>
+        <p:cNvGrpSpPr/>
+        <p:nvPr/>
+      </p:nvGrpSpPr>
+      <p:grpSpPr>
+        <a:xfrm>
+          <a:off x="0" y="0"/>
+          <a:ext cx="0" cy="0"/>
+          <a:chOff x="0" y="0"/>
+          <a:chExt cx="0" cy="0"/>
+        </a:xfrm>
+      </p:grpSpPr>
+      <p:sp>
+        <p:nvSpPr>
+          <p:cNvPr id="2" name="正方形/長方形 1">
+            <a:extLst>
+              <a:ext uri="{FF2B5EF4-FFF2-40B4-BE49-F238E27FC236}">
+                <a16:creationId xmlns:a16="http://schemas.microsoft.com/office/drawing/2014/main" id="{5B096CB1-87E5-4B06-B864-486CBCC10EE2}"/>
+              </a:ext>
+            </a:extLst>
+          </p:cNvPr>
+          <p:cNvSpPr/>
+          <p:nvPr/>
+        </p:nvSpPr>
+        <p:spPr>
+          <a:xfrm>
+            <a:off x="436880" y="406400"/>
+            <a:ext cx="11318240" cy="6045200"/>
+          </a:xfrm>
+          <a:prstGeom prst="rect">
+            <a:avLst/>
+          </a:prstGeom>
+          <a:solidFill>
+            <a:schemeClr val="tx1"/>
+          </a:solidFill>
+          <a:ln>
+            <a:noFill/>
+          </a:ln>
+        </p:spPr>
+        <p:style>
+          <a:lnRef idx="2">
+            <a:schemeClr val="accent1">
+              <a:shade val="50000"/>
+            </a:schemeClr>
+          </a:lnRef>
+          <a:fillRef idx="1">
+            <a:schemeClr val="accent1"/>
+          </a:fillRef>
+          <a:effectRef idx="0">
+            <a:schemeClr val="accent1"/>
+          </a:effectRef>
+          <a:fontRef idx="minor">
+            <a:schemeClr val="lt1"/>
+          </a:fontRef>
+        </p:style>
+        <p:txBody>
+          <a:bodyPr rtlCol="0" anchor="ctr"/>
+          <a:lstStyle/>
+          <a:p>
+            <a:pPr algn="ctr"/>
+            <a:endParaRPr kumimoji="1" lang="ja-JP" altLang="en-US"/>
+          </a:p>
+        </p:txBody>
+      </p:sp>
+    </p:spTree>
+    <p:extLst>
+      <p:ext uri="{BB962C8B-B14F-4D97-AF65-F5344CB8AC3E}">
+        <p14:creationId xmlns:p14="http://schemas.microsoft.com/office/powerpoint/2010/main" val="2285732636"/>
+      </p:ext>
+    </p:extLst>
+  </p:cSld>
+  <p:clrMapOvr>
+    <a:masterClrMapping/>
+  </p:clrMapOvr>
+</p:sld>
+</file>
+
+<file path=ppt/slides/slide2.xml><?xml version="1.0" encoding="utf-8"?>
+<p:sld xmlns:a="http://schemas.openxmlformats.org/drawingml/2006/main" xmlns:r="http://schemas.openxmlformats.org/officeDocument/2006/relationships" xmlns:p="http://schemas.openxmlformats.org/presentationml/2006/main">
+  <p:cSld>
+    <p:bg>
+      <p:bgPr>
+        <a:solidFill>
+          <a:srgbClr val="AEE2FF"/>
+        </a:solidFill>
+        <a:effectLst/>
+      </p:bgPr>
+    </p:bg>
+    <p:spTree>
+      <p:nvGrpSpPr>
+        <p:cNvPr id="1" name=""/>
+        <p:cNvGrpSpPr/>
+        <p:nvPr/>
+      </p:nvGrpSpPr>
+      <p:grpSpPr>
+        <a:xfrm>
+          <a:off x="0" y="0"/>
+          <a:ext cx="0" cy="0"/>
+          <a:chOff x="0" y="0"/>
+          <a:chExt cx="0" cy="0"/>
+        </a:xfrm>
+      </p:grpSpPr>
+      <p:sp>
+        <p:nvSpPr>
+          <p:cNvPr id="2" name="正方形/長方形 1">
+            <a:extLst>
+              <a:ext uri="{FF2B5EF4-FFF2-40B4-BE49-F238E27FC236}">
+                <a16:creationId xmlns:a16="http://schemas.microsoft.com/office/drawing/2014/main" id="{5B096CB1-87E5-4B06-B864-486CBCC10EE2}"/>
+              </a:ext>
+            </a:extLst>
+          </p:cNvPr>
+          <p:cNvSpPr/>
+          <p:nvPr/>
+        </p:nvSpPr>
+        <p:spPr>
+          <a:xfrm>
+            <a:off x="436880" y="406400"/>
+            <a:ext cx="11318240" cy="6045200"/>
+          </a:xfrm>
+          <a:prstGeom prst="rect">
+            <a:avLst/>
+          </a:prstGeom>
+          <a:solidFill>
+            <a:schemeClr val="bg1"/>
+          </a:solidFill>
+          <a:ln>
+            <a:noFill/>
+          </a:ln>
+        </p:spPr>
+        <p:style>
+          <a:lnRef idx="2">
+            <a:schemeClr val="accent1">
+              <a:shade val="50000"/>
+            </a:schemeClr>
+          </a:lnRef>
+          <a:fillRef idx="1">
+            <a:schemeClr val="accent1"/>
+          </a:fillRef>
+          <a:effectRef idx="0">
+            <a:schemeClr val="accent1"/>
+          </a:effectRef>
+          <a:fontRef idx="minor">
+            <a:schemeClr val="lt1"/>
+          </a:fontRef>
+        </p:style>
+        <p:txBody>
+          <a:bodyPr rtlCol="0" anchor="ctr"/>
+          <a:lstStyle/>
+          <a:p>
+            <a:pPr algn="ctr"/>
+            <a:endParaRPr kumimoji="1" lang="ja-JP" altLang="en-US">
+              <a:solidFill>
+                <a:srgbClr val="FF0000"/>
+              </a:solidFill>
+            </a:endParaRPr>
+          </a:p>
+        </p:txBody>
+      </p:sp>
+      <p:sp>
+        <p:nvSpPr>
+          <p:cNvPr id="3" name="テキスト ボックス 2">
+            <a:extLst>
+              <a:ext uri="{FF2B5EF4-FFF2-40B4-BE49-F238E27FC236}">
+                <a16:creationId xmlns:a16="http://schemas.microsoft.com/office/drawing/2014/main" id="{14A093D7-2D6A-43CA-A4BE-F8D29405E2E4}"/>
+              </a:ext>
+            </a:extLst>
+          </p:cNvPr>
+          <p:cNvSpPr txBox="1"/>
+          <p:nvPr/>
+        </p:nvSpPr>
+        <p:spPr>
+          <a:xfrm>
+            <a:off x="4073905" y="3167390"/>
+            <a:ext cx="7936706" cy="523220"/>
+          </a:xfrm>
+          <a:prstGeom prst="rect">
+            <a:avLst/>
+          </a:prstGeom>
+          <a:noFill/>
+        </p:spPr>
+        <p:txBody>
+          <a:bodyPr wrap="square" rtlCol="0">
+            <a:spAutoFit/>
+          </a:bodyPr>
+          <a:lstStyle/>
+          <a:p>
+            <a:r>
+              <a:rPr kumimoji="1" lang="ja-JP" altLang="en-US" sz="2800" b="1">
+                <a:solidFill>
+                  <a:srgbClr val="A50021"/>
+                </a:solidFill>
+                <a:latin typeface="UD デジタル 教科書体 NP-R" panose="02020400000000000000" pitchFamily="18" charset="-128"/>
+                <a:ea typeface="UD デジタル 教科書体 NP-R" panose="02020400000000000000" pitchFamily="18" charset="-128"/>
+              </a:rPr>
+              <a:t>あなたは今健康ですか？</a:t>
+            </a:r>
+          </a:p>
+        </p:txBody>
+      </p:sp>
+      <p:pic>
+        <p:nvPicPr>
+          <p:cNvPr id="5" name="図 4" descr="QR コード が含まれている画像&#10;&#10;自動的に生成された説明">
+            <a:extLst>
+              <a:ext uri="{FF2B5EF4-FFF2-40B4-BE49-F238E27FC236}">
+                <a16:creationId xmlns:a16="http://schemas.microsoft.com/office/drawing/2014/main" id="{F08D4815-E1B8-4EA2-BAF7-BF14F857F9CB}"/>
+              </a:ext>
+            </a:extLst>
+          </p:cNvPr>
+          <p:cNvPicPr>
+            <a:picLocks noChangeAspect="1"/>
+          </p:cNvPicPr>
+          <p:nvPr/>
+        </p:nvPicPr>
+        <p:blipFill>
+          <a:blip r:embed="rId2">
+            <a:alphaModFix amt="5000"/>
+            <a:extLst>
+              <a:ext uri="{28A0092B-C50C-407E-A947-70E740481C1C}">
+                <a14:useLocalDpi xmlns:a14="http://schemas.microsoft.com/office/drawing/2010/main" val="0"/>
+              </a:ext>
+            </a:extLst>
+          </a:blip>
+          <a:stretch>
+            <a:fillRect/>
+          </a:stretch>
+        </p:blipFill>
+        <p:spPr>
+          <a:xfrm>
+            <a:off x="2993231" y="402431"/>
+            <a:ext cx="6015038" cy="6015038"/>
+          </a:xfrm>
+          <a:prstGeom prst="rect">
+            <a:avLst/>
+          </a:prstGeom>
+        </p:spPr>
+      </p:pic>
+    </p:spTree>
+    <p:extLst>
+      <p:ext uri="{BB962C8B-B14F-4D97-AF65-F5344CB8AC3E}">
+        <p14:creationId xmlns:p14="http://schemas.microsoft.com/office/powerpoint/2010/main" val="489260356"/>
+      </p:ext>
+    </p:extLst>
+  </p:cSld>
+  <p:clrMapOvr>
+    <a:masterClrMapping/>
+  </p:clrMapOvr>
+  <p:timing>
+    <p:tnLst>
+      <p:par>
+        <p:cTn id="1" dur="indefinite" restart="never" nodeType="tmRoot">
+          <p:childTnLst>
+            <p:seq concurrent="1" nextAc="seek">
+              <p:cTn id="2" dur="indefinite" nodeType="mainSeq">
+                <p:childTnLst>
+                  <p:par>
+                    <p:cTn id="3" fill="hold">
+                      <p:stCondLst>
+                        <p:cond delay="indefinite"/>
+                        <p:cond evt="onBegin" delay="0">
+                          <p:tn val="2"/>
+                        </p:cond>
+                      </p:stCondLst>
+                      <p:childTnLst>
+                        <p:par>
+                          <p:cTn id="4" fill="hold">
+                            <p:stCondLst>
+                              <p:cond delay="0"/>
+                            </p:stCondLst>
+                            <p:childTnLst>
+                              <p:par>
+                                <p:cTn id="5" presetID="6" presetClass="entr" presetSubtype="16" fill="hold" grpId="0" nodeType="afterEffect">
+                                  <p:stCondLst>
+                                    <p:cond delay="0"/>
+                                  </p:stCondLst>
+                                  <p:childTnLst>
+                                    <p:set>
+                                      <p:cBhvr>
+                                        <p:cTn id="6" dur="1" fill="hold">
+                                          <p:stCondLst>
+                                            <p:cond delay="0"/>
+                                          </p:stCondLst>
+                                        </p:cTn>
+                                        <p:tgtEl>
+                                          <p:spTgt spid="3"/>
+                                        </p:tgtEl>
+                                        <p:attrNameLst>
+                                          <p:attrName>style.visibility</p:attrName>
+                                        </p:attrNameLst>
+                                      </p:cBhvr>
+                                      <p:to>
+                                        <p:strVal val="visible"/>
+                                      </p:to>
+                                    </p:set>
+                                    <p:animEffect transition="in" filter="circle(in)">
+                                      <p:cBhvr>
+                                        <p:cTn id="7" dur="2000"/>
+                                        <p:tgtEl>
+                                          <p:spTgt spid="3"/>
+                                        </p:tgtEl>
+                                      </p:cBhvr>
+                                    </p:animEffect>
+                                  </p:childTnLst>
+                                </p:cTn>
+                              </p:par>
+                            </p:childTnLst>
+                          </p:cTn>
+                        </p:par>
+                      </p:childTnLst>
+                    </p:cTn>
+                  </p:par>
+                </p:childTnLst>
+              </p:cTn>
+              <p:prevCondLst>
+                <p:cond evt="onPrev" delay="0">
+                  <p:tgtEl>
+                    <p:sldTgt/>
+                  </p:tgtEl>
+                </p:cond>
+              </p:prevCondLst>
+              <p:nextCondLst>
+                <p:cond evt="onNext" delay="0">
+                  <p:tgtEl>
+                    <p:sldTgt/>
+                  </p:tgtEl>
+                </p:cond>
+              </p:nextCondLst>
+            </p:seq>
+          </p:childTnLst>
+        </p:cTn>
+      </p:par>
+    </p:tnLst>
+    <p:bldLst>
+      <p:bldP spid="3" grpId="0"/>
+    </p:bldLst>
+  </p:timing>
+</p:sld>
+</file>
+
+<file path=ppt/slides/slide3.xml><?xml version="1.0" encoding="utf-8"?>
+<p:sld xmlns:a="http://schemas.openxmlformats.org/drawingml/2006/main" xmlns:r="http://schemas.openxmlformats.org/officeDocument/2006/relationships" xmlns:p="http://schemas.openxmlformats.org/presentationml/2006/main">
+  <p:cSld>
+    <p:bg>
+      <p:bgPr>
+        <a:solidFill>
+          <a:srgbClr val="AEE2FF"/>
+        </a:solidFill>
+        <a:effectLst/>
+      </p:bgPr>
+    </p:bg>
+    <p:spTree>
+      <p:nvGrpSpPr>
+        <p:cNvPr id="1" name=""/>
+        <p:cNvGrpSpPr/>
+        <p:nvPr/>
+      </p:nvGrpSpPr>
+      <p:grpSpPr>
+        <a:xfrm>
+          <a:off x="0" y="0"/>
+          <a:ext cx="0" cy="0"/>
+          <a:chOff x="0" y="0"/>
+          <a:chExt cx="0" cy="0"/>
+        </a:xfrm>
+      </p:grpSpPr>
+      <p:sp>
+        <p:nvSpPr>
+          <p:cNvPr id="2" name="正方形/長方形 1">
+            <a:extLst>
+              <a:ext uri="{FF2B5EF4-FFF2-40B4-BE49-F238E27FC236}">
+                <a16:creationId xmlns:a16="http://schemas.microsoft.com/office/drawing/2014/main" id="{5B096CB1-87E5-4B06-B864-486CBCC10EE2}"/>
+              </a:ext>
+            </a:extLst>
+          </p:cNvPr>
+          <p:cNvSpPr/>
+          <p:nvPr/>
+        </p:nvSpPr>
+        <p:spPr>
+          <a:xfrm>
+            <a:off x="344077" y="406400"/>
+            <a:ext cx="11318240" cy="6045200"/>
+          </a:xfrm>
+          <a:prstGeom prst="rect">
+            <a:avLst/>
+          </a:prstGeom>
+          <a:solidFill>
+            <a:schemeClr val="tx1"/>
+          </a:solidFill>
+          <a:ln>
+            <a:noFill/>
+          </a:ln>
+        </p:spPr>
+        <p:style>
+          <a:lnRef idx="2">
+            <a:schemeClr val="accent1">
+              <a:shade val="50000"/>
+            </a:schemeClr>
+          </a:lnRef>
+          <a:fillRef idx="1">
+            <a:schemeClr val="accent1"/>
+          </a:fillRef>
+          <a:effectRef idx="0">
+            <a:schemeClr val="accent1"/>
+          </a:effectRef>
+          <a:fontRef idx="minor">
+            <a:schemeClr val="lt1"/>
+          </a:fontRef>
+        </p:style>
+        <p:txBody>
+          <a:bodyPr rtlCol="0" anchor="ctr"/>
+          <a:lstStyle/>
+          <a:p>
+            <a:pPr algn="ctr"/>
+            <a:endParaRPr kumimoji="1" lang="ja-JP" altLang="en-US"/>
+          </a:p>
+        </p:txBody>
+      </p:sp>
+      <p:pic>
+        <p:nvPicPr>
+          <p:cNvPr id="6" name="図 5" descr="絵と文字の加工写真&#10;&#10;中程度の精度で自動的に生成された説明">
+            <a:extLst>
+              <a:ext uri="{FF2B5EF4-FFF2-40B4-BE49-F238E27FC236}">
+                <a16:creationId xmlns:a16="http://schemas.microsoft.com/office/drawing/2014/main" id="{C63FFF8C-1896-46A9-B296-73D260D736D0}"/>
+              </a:ext>
+            </a:extLst>
+          </p:cNvPr>
+          <p:cNvPicPr>
+            <a:picLocks noChangeAspect="1"/>
+          </p:cNvPicPr>
+          <p:nvPr/>
+        </p:nvPicPr>
+        <p:blipFill>
+          <a:blip r:embed="rId2">
+            <a:extLst>
+              <a:ext uri="{28A0092B-C50C-407E-A947-70E740481C1C}">
+                <a14:useLocalDpi xmlns:a14="http://schemas.microsoft.com/office/drawing/2010/main" val="0"/>
+              </a:ext>
+            </a:extLst>
+          </a:blip>
+          <a:stretch>
+            <a:fillRect/>
+          </a:stretch>
+        </p:blipFill>
+        <p:spPr>
+          <a:xfrm>
+            <a:off x="1618407" y="2828636"/>
+            <a:ext cx="2850851" cy="2672673"/>
+          </a:xfrm>
+          <a:prstGeom prst="rect">
+            <a:avLst/>
+          </a:prstGeom>
+        </p:spPr>
+      </p:pic>
+      <p:pic>
+        <p:nvPicPr>
+          <p:cNvPr id="8" name="図 7" descr="寿司の絵&#10;&#10;中程度の精度で自動的に生成された説明">
+            <a:extLst>
+              <a:ext uri="{FF2B5EF4-FFF2-40B4-BE49-F238E27FC236}">
+                <a16:creationId xmlns:a16="http://schemas.microsoft.com/office/drawing/2014/main" id="{35A9C566-DF41-4B2C-9864-E762CE96B5F3}"/>
+              </a:ext>
+            </a:extLst>
+          </p:cNvPr>
+          <p:cNvPicPr>
+            <a:picLocks noChangeAspect="1"/>
+          </p:cNvPicPr>
+          <p:nvPr/>
+        </p:nvPicPr>
+        <p:blipFill>
+          <a:blip r:embed="rId3">
+            <a:extLst>
+              <a:ext uri="{28A0092B-C50C-407E-A947-70E740481C1C}">
+                <a14:useLocalDpi xmlns:a14="http://schemas.microsoft.com/office/drawing/2010/main" val="0"/>
+              </a:ext>
+            </a:extLst>
+          </a:blip>
+          <a:stretch>
+            <a:fillRect/>
+          </a:stretch>
+        </p:blipFill>
+        <p:spPr>
+          <a:xfrm>
+            <a:off x="7832967" y="2931133"/>
+            <a:ext cx="2491255" cy="2535628"/>
+          </a:xfrm>
+          <a:prstGeom prst="rect">
+            <a:avLst/>
+          </a:prstGeom>
+        </p:spPr>
+      </p:pic>
+      <p:sp>
+        <p:nvSpPr>
+          <p:cNvPr id="11" name="テキスト ボックス 10">
+            <a:extLst>
+              <a:ext uri="{FF2B5EF4-FFF2-40B4-BE49-F238E27FC236}">
+                <a16:creationId xmlns:a16="http://schemas.microsoft.com/office/drawing/2014/main" id="{14569ABE-1584-471D-A7DB-9FE76F59C67E}"/>
+              </a:ext>
+            </a:extLst>
+          </p:cNvPr>
+          <p:cNvSpPr txBox="1"/>
+          <p:nvPr/>
+        </p:nvSpPr>
+        <p:spPr>
+          <a:xfrm>
+            <a:off x="2927799" y="1520631"/>
+            <a:ext cx="6150796" cy="646331"/>
+          </a:xfrm>
+          <a:prstGeom prst="rect">
+            <a:avLst/>
+          </a:prstGeom>
+          <a:noFill/>
+        </p:spPr>
+        <p:txBody>
+          <a:bodyPr wrap="square" rtlCol="0">
+            <a:spAutoFit/>
+          </a:bodyPr>
+          <a:lstStyle/>
+          <a:p>
+            <a:r>
+              <a:rPr kumimoji="1" lang="ja-JP" altLang="en-US" sz="3600" dirty="0">
+                <a:solidFill>
+                  <a:schemeClr val="bg1"/>
+                </a:solidFill>
+                <a:latin typeface="UD デジタル 教科書体 NK-R" panose="02020400000000000000" pitchFamily="18" charset="-128"/>
+                <a:ea typeface="UD デジタル 教科書体 NK-R" panose="02020400000000000000" pitchFamily="18" charset="-128"/>
+              </a:rPr>
+              <a:t>ストレスや不規則な生活習慣</a:t>
+            </a:r>
+          </a:p>
+        </p:txBody>
+      </p:sp>
+      <p:pic>
+        <p:nvPicPr>
+          <p:cNvPr id="13" name="図 12" descr="シャツ が含まれている画像&#10;&#10;自動的に生成された説明">
+            <a:extLst>
+              <a:ext uri="{FF2B5EF4-FFF2-40B4-BE49-F238E27FC236}">
+                <a16:creationId xmlns:a16="http://schemas.microsoft.com/office/drawing/2014/main" id="{E1B2DFE5-8949-4B8F-B173-2432DD9C63F5}"/>
+              </a:ext>
+            </a:extLst>
+          </p:cNvPr>
+          <p:cNvPicPr>
+            <a:picLocks noChangeAspect="1"/>
+          </p:cNvPicPr>
+          <p:nvPr/>
+        </p:nvPicPr>
+        <p:blipFill>
+          <a:blip r:embed="rId4">
+            <a:extLst>
+              <a:ext uri="{28A0092B-C50C-407E-A947-70E740481C1C}">
+                <a14:useLocalDpi xmlns:a14="http://schemas.microsoft.com/office/drawing/2010/main" val="0"/>
+              </a:ext>
+            </a:extLst>
+          </a:blip>
+          <a:stretch>
+            <a:fillRect/>
+          </a:stretch>
+        </p:blipFill>
+        <p:spPr>
+          <a:xfrm>
+            <a:off x="4688046" y="3002890"/>
+            <a:ext cx="2926132" cy="2392113"/>
+          </a:xfrm>
+          <a:prstGeom prst="rect">
+            <a:avLst/>
+          </a:prstGeom>
+        </p:spPr>
+      </p:pic>
+    </p:spTree>
+    <p:extLst>
+      <p:ext uri="{BB962C8B-B14F-4D97-AF65-F5344CB8AC3E}">
+        <p14:creationId xmlns:p14="http://schemas.microsoft.com/office/powerpoint/2010/main" val="3925511992"/>
+      </p:ext>
+    </p:extLst>
+  </p:cSld>
+  <p:clrMapOvr>
+    <a:masterClrMapping/>
+  </p:clrMapOvr>
+</p:sld>
+</file>
+
+<file path=ppt/slides/slide4.xml><?xml version="1.0" encoding="utf-8"?>
+<p:sld xmlns:a="http://schemas.openxmlformats.org/drawingml/2006/main" xmlns:r="http://schemas.openxmlformats.org/officeDocument/2006/relationships" xmlns:p="http://schemas.openxmlformats.org/presentationml/2006/main">
+  <p:cSld>
+    <p:bg>
+      <p:bgPr>
+        <a:solidFill>
+          <a:srgbClr val="AEE2FF"/>
+        </a:solidFill>
+        <a:effectLst/>
+      </p:bgPr>
+    </p:bg>
+    <p:spTree>
+      <p:nvGrpSpPr>
+        <p:cNvPr id="1" name=""/>
+        <p:cNvGrpSpPr/>
+        <p:nvPr/>
+      </p:nvGrpSpPr>
+      <p:grpSpPr>
+        <a:xfrm>
+          <a:off x="0" y="0"/>
+          <a:ext cx="0" cy="0"/>
+          <a:chOff x="0" y="0"/>
+          <a:chExt cx="0" cy="0"/>
+        </a:xfrm>
+      </p:grpSpPr>
+      <p:sp>
+        <p:nvSpPr>
+          <p:cNvPr id="2" name="正方形/長方形 1">
+            <a:extLst>
+              <a:ext uri="{FF2B5EF4-FFF2-40B4-BE49-F238E27FC236}">
+                <a16:creationId xmlns:a16="http://schemas.microsoft.com/office/drawing/2014/main" id="{5B096CB1-87E5-4B06-B864-486CBCC10EE2}"/>
+              </a:ext>
+            </a:extLst>
+          </p:cNvPr>
+          <p:cNvSpPr/>
+          <p:nvPr/>
+        </p:nvSpPr>
+        <p:spPr>
+          <a:xfrm>
+            <a:off x="323865" y="313933"/>
+            <a:ext cx="11318240" cy="6045200"/>
+          </a:xfrm>
+          <a:prstGeom prst="rect">
+            <a:avLst/>
+          </a:prstGeom>
+          <a:solidFill>
+            <a:schemeClr val="tx1"/>
+          </a:solidFill>
+          <a:ln>
+            <a:noFill/>
+          </a:ln>
+        </p:spPr>
+        <p:style>
+          <a:lnRef idx="2">
+            <a:schemeClr val="accent1">
+              <a:shade val="50000"/>
+            </a:schemeClr>
+          </a:lnRef>
+          <a:fillRef idx="1">
+            <a:schemeClr val="accent1"/>
+          </a:fillRef>
+          <a:effectRef idx="0">
+            <a:schemeClr val="accent1"/>
+          </a:effectRef>
+          <a:fontRef idx="minor">
+            <a:schemeClr val="lt1"/>
+          </a:fontRef>
+        </p:style>
+        <p:txBody>
+          <a:bodyPr rtlCol="0" anchor="ctr"/>
+          <a:lstStyle/>
+          <a:p>
+            <a:pPr algn="ctr"/>
+            <a:endParaRPr kumimoji="1" lang="ja-JP" altLang="en-US"/>
+          </a:p>
+        </p:txBody>
+      </p:sp>
+      <p:pic>
+        <p:nvPicPr>
+          <p:cNvPr id="4" name="図 3" descr="衣類, 持つ, クマ, ブルー が含まれている画像&#10;&#10;自動的に生成された説明">
+            <a:extLst>
+              <a:ext uri="{FF2B5EF4-FFF2-40B4-BE49-F238E27FC236}">
+                <a16:creationId xmlns:a16="http://schemas.microsoft.com/office/drawing/2014/main" id="{7BE5CC58-1B22-4F85-88D8-767A6D665D54}"/>
+              </a:ext>
+            </a:extLst>
+          </p:cNvPr>
+          <p:cNvPicPr>
+            <a:picLocks noChangeAspect="1"/>
+          </p:cNvPicPr>
+          <p:nvPr/>
+        </p:nvPicPr>
+        <p:blipFill>
+          <a:blip r:embed="rId2">
+            <a:extLst>
+              <a:ext uri="{28A0092B-C50C-407E-A947-70E740481C1C}">
+                <a14:useLocalDpi xmlns:a14="http://schemas.microsoft.com/office/drawing/2010/main" val="0"/>
+              </a:ext>
+            </a:extLst>
+          </a:blip>
+          <a:stretch>
+            <a:fillRect/>
+          </a:stretch>
+        </p:blipFill>
+        <p:spPr>
+          <a:xfrm>
+            <a:off x="1848909" y="2039992"/>
+            <a:ext cx="2540028" cy="3078822"/>
+          </a:xfrm>
+          <a:prstGeom prst="rect">
+            <a:avLst/>
+          </a:prstGeom>
+        </p:spPr>
+      </p:pic>
+      <p:pic>
+        <p:nvPicPr>
+          <p:cNvPr id="6" name="図 5" descr="寿司の絵&#10;&#10;中程度の精度で自動的に生成された説明">
+            <a:extLst>
+              <a:ext uri="{FF2B5EF4-FFF2-40B4-BE49-F238E27FC236}">
+                <a16:creationId xmlns:a16="http://schemas.microsoft.com/office/drawing/2014/main" id="{09FF9581-513B-4AC7-9054-A07814A08118}"/>
+              </a:ext>
+            </a:extLst>
+          </p:cNvPr>
+          <p:cNvPicPr>
+            <a:picLocks noChangeAspect="1"/>
+          </p:cNvPicPr>
+          <p:nvPr/>
+        </p:nvPicPr>
+        <p:blipFill>
+          <a:blip r:embed="rId3">
+            <a:extLst>
+              <a:ext uri="{28A0092B-C50C-407E-A947-70E740481C1C}">
+                <a14:useLocalDpi xmlns:a14="http://schemas.microsoft.com/office/drawing/2010/main" val="0"/>
+              </a:ext>
+            </a:extLst>
+          </a:blip>
+          <a:stretch>
+            <a:fillRect/>
+          </a:stretch>
+        </p:blipFill>
+        <p:spPr>
+          <a:xfrm>
+            <a:off x="4520298" y="1911280"/>
+            <a:ext cx="3151403" cy="3207534"/>
+          </a:xfrm>
+          <a:prstGeom prst="rect">
+            <a:avLst/>
+          </a:prstGeom>
+        </p:spPr>
+      </p:pic>
+      <p:pic>
+        <p:nvPicPr>
+          <p:cNvPr id="8" name="図 7" descr="人の顔の絵&#10;&#10;低い精度で自動的に生成された説明">
+            <a:extLst>
+              <a:ext uri="{FF2B5EF4-FFF2-40B4-BE49-F238E27FC236}">
+                <a16:creationId xmlns:a16="http://schemas.microsoft.com/office/drawing/2014/main" id="{5750E043-1322-4E57-9E77-489F5759ABD4}"/>
+              </a:ext>
+            </a:extLst>
+          </p:cNvPr>
+          <p:cNvPicPr>
+            <a:picLocks noChangeAspect="1"/>
+          </p:cNvPicPr>
+          <p:nvPr/>
+        </p:nvPicPr>
+        <p:blipFill>
+          <a:blip r:embed="rId4">
+            <a:extLst>
+              <a:ext uri="{28A0092B-C50C-407E-A947-70E740481C1C}">
+                <a14:useLocalDpi xmlns:a14="http://schemas.microsoft.com/office/drawing/2010/main" val="0"/>
+              </a:ext>
+            </a:extLst>
+          </a:blip>
+          <a:stretch>
+            <a:fillRect/>
+          </a:stretch>
+        </p:blipFill>
+        <p:spPr>
+          <a:xfrm>
+            <a:off x="7671701" y="1732766"/>
+            <a:ext cx="3107299" cy="3207534"/>
+          </a:xfrm>
+          <a:prstGeom prst="rect">
+            <a:avLst/>
+          </a:prstGeom>
+        </p:spPr>
+      </p:pic>
+      <p:grpSp>
+        <p:nvGrpSpPr>
+          <p:cNvPr id="11" name="グループ化 10">
+            <a:extLst>
+              <a:ext uri="{FF2B5EF4-FFF2-40B4-BE49-F238E27FC236}">
+                <a16:creationId xmlns:a16="http://schemas.microsoft.com/office/drawing/2014/main" id="{B636FF2F-5473-4598-B98B-8F311E52C8CF}"/>
+              </a:ext>
+            </a:extLst>
+          </p:cNvPr>
+          <p:cNvGrpSpPr/>
+          <p:nvPr/>
+        </p:nvGrpSpPr>
+        <p:grpSpPr>
+          <a:xfrm>
+            <a:off x="2415435" y="1414123"/>
+            <a:ext cx="7638613" cy="3844818"/>
+            <a:chOff x="2415435" y="1414123"/>
+            <a:chExt cx="7638613" cy="3844818"/>
+          </a:xfrm>
+        </p:grpSpPr>
+        <p:sp>
+          <p:nvSpPr>
+            <p:cNvPr id="9" name="思考の吹き出し: 雲形 8">
+              <a:extLst>
+                <a:ext uri="{FF2B5EF4-FFF2-40B4-BE49-F238E27FC236}">
+                  <a16:creationId xmlns:a16="http://schemas.microsoft.com/office/drawing/2014/main" id="{C84EB36F-9DF9-485B-B1C0-DF1A70C1752F}"/>
+                </a:ext>
+              </a:extLst>
+            </p:cNvPr>
+            <p:cNvSpPr/>
+            <p:nvPr/>
+          </p:nvSpPr>
+          <p:spPr>
+            <a:xfrm rot="281061">
+              <a:off x="2415435" y="1414123"/>
+              <a:ext cx="7361130" cy="3844818"/>
+            </a:xfrm>
+            <a:prstGeom prst="cloudCallout">
+              <a:avLst/>
+            </a:prstGeom>
+            <a:solidFill>
+              <a:schemeClr val="accent3">
+                <a:lumMod val="60000"/>
+                <a:lumOff val="40000"/>
+              </a:schemeClr>
+            </a:solidFill>
+            <a:ln>
+              <a:solidFill>
+                <a:schemeClr val="bg1">
+                  <a:lumMod val="50000"/>
+                  <a:lumOff val="50000"/>
+                </a:schemeClr>
+              </a:solidFill>
+            </a:ln>
+          </p:spPr>
+          <p:style>
+            <a:lnRef idx="2">
+              <a:schemeClr val="accent1">
+                <a:shade val="50000"/>
+              </a:schemeClr>
+            </a:lnRef>
+            <a:fillRef idx="1">
+              <a:schemeClr val="accent1"/>
+            </a:fillRef>
+            <a:effectRef idx="0">
+              <a:schemeClr val="accent1"/>
+            </a:effectRef>
+            <a:fontRef idx="minor">
+              <a:schemeClr val="lt1"/>
+            </a:fontRef>
+          </p:style>
+          <p:txBody>
+            <a:bodyPr rtlCol="0" anchor="ctr"/>
+            <a:lstStyle/>
+            <a:p>
+              <a:pPr algn="ctr"/>
+              <a:endParaRPr kumimoji="1" lang="ja-JP" altLang="en-US" sz="3200" dirty="0">
+                <a:latin typeface="UD デジタル 教科書体 N-B" panose="02020700000000000000" pitchFamily="17" charset="-128"/>
+                <a:ea typeface="UD デジタル 教科書体 N-B" panose="02020700000000000000" pitchFamily="17" charset="-128"/>
+              </a:endParaRPr>
+            </a:p>
+          </p:txBody>
+        </p:sp>
+        <p:sp>
+          <p:nvSpPr>
+            <p:cNvPr id="10" name="テキスト ボックス 9">
+              <a:extLst>
+                <a:ext uri="{FF2B5EF4-FFF2-40B4-BE49-F238E27FC236}">
+                  <a16:creationId xmlns:a16="http://schemas.microsoft.com/office/drawing/2014/main" id="{9E0BF387-89F9-497C-B568-27A325C36E14}"/>
+                </a:ext>
+              </a:extLst>
+            </p:cNvPr>
+            <p:cNvSpPr txBox="1"/>
+            <p:nvPr/>
+          </p:nvSpPr>
+          <p:spPr>
+            <a:xfrm>
+              <a:off x="3283378" y="3074922"/>
+              <a:ext cx="6770670" cy="523220"/>
+            </a:xfrm>
+            <a:prstGeom prst="rect">
+              <a:avLst/>
+            </a:prstGeom>
+            <a:noFill/>
+          </p:spPr>
+          <p:txBody>
+            <a:bodyPr wrap="square" rtlCol="0">
+              <a:spAutoFit/>
+            </a:bodyPr>
+            <a:lstStyle/>
+            <a:p>
+              <a:r>
+                <a:rPr kumimoji="1" lang="ja-JP" altLang="en-US" sz="2800" dirty="0">
+                  <a:solidFill>
+                    <a:schemeClr val="bg1"/>
+                  </a:solidFill>
+                  <a:latin typeface="UD デジタル 教科書体 NK-R" panose="02020400000000000000" pitchFamily="18" charset="-128"/>
+                  <a:ea typeface="UD デジタル 教科書体 NK-R" panose="02020400000000000000" pitchFamily="18" charset="-128"/>
+                </a:rPr>
+                <a:t>健康管理への関心が高まっている！</a:t>
+              </a:r>
+            </a:p>
+          </p:txBody>
+        </p:sp>
+      </p:grpSp>
+    </p:spTree>
+    <p:extLst>
+      <p:ext uri="{BB962C8B-B14F-4D97-AF65-F5344CB8AC3E}">
+        <p14:creationId xmlns:p14="http://schemas.microsoft.com/office/powerpoint/2010/main" val="2274029249"/>
+      </p:ext>
+    </p:extLst>
+  </p:cSld>
+  <p:clrMapOvr>
+    <a:masterClrMapping/>
+  </p:clrMapOvr>
+  <p:timing>
+    <p:tnLst>
+      <p:par>
+        <p:cTn id="1" dur="indefinite" restart="never" nodeType="tmRoot">
+          <p:childTnLst>
+            <p:seq concurrent="1" nextAc="seek">
+              <p:cTn id="2" dur="indefinite" nodeType="mainSeq">
+                <p:childTnLst>
+                  <p:par>
+                    <p:cTn id="3" fill="hold">
+                      <p:stCondLst>
+                        <p:cond delay="indefinite"/>
+                      </p:stCondLst>
+                      <p:childTnLst>
+                        <p:par>
+                          <p:cTn id="4" fill="hold">
+                            <p:stCondLst>
+                              <p:cond delay="0"/>
+                            </p:stCondLst>
+                            <p:childTnLst>
+                              <p:par>
+                                <p:cTn id="5" presetID="16" presetClass="entr" presetSubtype="21" fill="hold" nodeType="clickEffect">
+                                  <p:stCondLst>
+                                    <p:cond delay="0"/>
+                                  </p:stCondLst>
+                                  <p:childTnLst>
+                                    <p:set>
+                                      <p:cBhvr>
+                                        <p:cTn id="6" dur="1" fill="hold">
+                                          <p:stCondLst>
+                                            <p:cond delay="0"/>
+                                          </p:stCondLst>
+                                        </p:cTn>
+                                        <p:tgtEl>
+                                          <p:spTgt spid="11"/>
+                                        </p:tgtEl>
+                                        <p:attrNameLst>
+                                          <p:attrName>style.visibility</p:attrName>
+                                        </p:attrNameLst>
+                                      </p:cBhvr>
+                                      <p:to>
+                                        <p:strVal val="visible"/>
+                                      </p:to>
+                                    </p:set>
+                                    <p:animEffect transition="in" filter="barn(inVertical)">
+                                      <p:cBhvr>
+                                        <p:cTn id="7" dur="500"/>
+                                        <p:tgtEl>
+                                          <p:spTgt spid="11"/>
+                                        </p:tgtEl>
+                                      </p:cBhvr>
+                                    </p:animEffect>
+                                  </p:childTnLst>
+                                </p:cTn>
+                              </p:par>
+                            </p:childTnLst>
+                          </p:cTn>
+                        </p:par>
+                      </p:childTnLst>
+                    </p:cTn>
+                  </p:par>
+                </p:childTnLst>
+              </p:cTn>
+              <p:prevCondLst>
+                <p:cond evt="onPrev" delay="0">
+                  <p:tgtEl>
+                    <p:sldTgt/>
+                  </p:tgtEl>
+                </p:cond>
+              </p:prevCondLst>
+              <p:nextCondLst>
+                <p:cond evt="onNext" delay="0">
+                  <p:tgtEl>
+                    <p:sldTgt/>
+                  </p:tgtEl>
+                </p:cond>
+              </p:nextCondLst>
+            </p:seq>
+          </p:childTnLst>
+        </p:cTn>
+      </p:par>
+    </p:tnLst>
+  </p:timing>
+</p:sld>
+</file>
+
+<file path=ppt/slides/slide5.xml><?xml version="1.0" encoding="utf-8"?>
+<p:sld xmlns:a="http://schemas.openxmlformats.org/drawingml/2006/main" xmlns:r="http://schemas.openxmlformats.org/officeDocument/2006/relationships" xmlns:p="http://schemas.openxmlformats.org/presentationml/2006/main">
+  <p:cSld>
+    <p:bg>
+      <p:bgPr>
+        <a:solidFill>
+          <a:srgbClr val="AEE2FF"/>
+        </a:solidFill>
+        <a:effectLst/>
+      </p:bgPr>
+    </p:bg>
+    <p:spTree>
+      <p:nvGrpSpPr>
+        <p:cNvPr id="1" name=""/>
+        <p:cNvGrpSpPr/>
+        <p:nvPr/>
+      </p:nvGrpSpPr>
+      <p:grpSpPr>
+        <a:xfrm>
+          <a:off x="0" y="0"/>
+          <a:ext cx="0" cy="0"/>
+          <a:chOff x="0" y="0"/>
+          <a:chExt cx="0" cy="0"/>
+        </a:xfrm>
+      </p:grpSpPr>
+      <p:sp>
+        <p:nvSpPr>
+          <p:cNvPr id="2" name="正方形/長方形 1">
+            <a:extLst>
+              <a:ext uri="{FF2B5EF4-FFF2-40B4-BE49-F238E27FC236}">
+                <a16:creationId xmlns:a16="http://schemas.microsoft.com/office/drawing/2014/main" id="{5B096CB1-87E5-4B06-B864-486CBCC10EE2}"/>
+              </a:ext>
+            </a:extLst>
+          </p:cNvPr>
+          <p:cNvSpPr/>
+          <p:nvPr/>
+        </p:nvSpPr>
+        <p:spPr>
+          <a:xfrm>
+            <a:off x="436880" y="406400"/>
+            <a:ext cx="11318240" cy="6045200"/>
+          </a:xfrm>
+          <a:prstGeom prst="rect">
+            <a:avLst/>
+          </a:prstGeom>
+          <a:solidFill>
+            <a:schemeClr val="tx1"/>
+          </a:solidFill>
+          <a:ln>
+            <a:noFill/>
+          </a:ln>
+        </p:spPr>
+        <p:style>
+          <a:lnRef idx="2">
+            <a:schemeClr val="accent1">
+              <a:shade val="50000"/>
+            </a:schemeClr>
+          </a:lnRef>
+          <a:fillRef idx="1">
+            <a:schemeClr val="accent1"/>
+          </a:fillRef>
+          <a:effectRef idx="0">
+            <a:schemeClr val="accent1"/>
+          </a:effectRef>
+          <a:fontRef idx="minor">
+            <a:schemeClr val="lt1"/>
+          </a:fontRef>
+        </p:style>
+        <p:txBody>
+          <a:bodyPr rtlCol="0" anchor="ctr"/>
+          <a:lstStyle/>
+          <a:p>
+            <a:pPr algn="ctr"/>
+            <a:endParaRPr kumimoji="1" lang="ja-JP" altLang="en-US"/>
+          </a:p>
+        </p:txBody>
+      </p:sp>
+      <p:sp>
+        <p:nvSpPr>
+          <p:cNvPr id="5" name="二等辺三角形 4">
+            <a:extLst>
+              <a:ext uri="{FF2B5EF4-FFF2-40B4-BE49-F238E27FC236}">
+                <a16:creationId xmlns:a16="http://schemas.microsoft.com/office/drawing/2014/main" id="{2B3CBDE8-0547-4751-9175-62845EF10F06}"/>
+              </a:ext>
+            </a:extLst>
+          </p:cNvPr>
+          <p:cNvSpPr/>
+          <p:nvPr/>
+        </p:nvSpPr>
+        <p:spPr>
+          <a:xfrm rot="5400000">
+            <a:off x="928687" y="1423992"/>
+            <a:ext cx="481012" cy="442911"/>
+          </a:xfrm>
+          <a:prstGeom prst="triangle">
+            <a:avLst/>
+          </a:prstGeom>
+          <a:solidFill>
+            <a:srgbClr val="ACBCFF"/>
+          </a:solidFill>
+          <a:ln>
+            <a:noFill/>
+          </a:ln>
+        </p:spPr>
+        <p:style>
+          <a:lnRef idx="2">
+            <a:schemeClr val="accent1">
+              <a:shade val="50000"/>
+            </a:schemeClr>
+          </a:lnRef>
+          <a:fillRef idx="1">
+            <a:schemeClr val="accent1"/>
+          </a:fillRef>
+          <a:effectRef idx="0">
+            <a:schemeClr val="accent1"/>
+          </a:effectRef>
+          <a:fontRef idx="minor">
+            <a:schemeClr val="lt1"/>
+          </a:fontRef>
+        </p:style>
+        <p:txBody>
+          <a:bodyPr rtlCol="0" anchor="ctr"/>
+          <a:lstStyle/>
+          <a:p>
+            <a:pPr algn="ctr"/>
+            <a:endParaRPr kumimoji="1" lang="ja-JP" altLang="en-US"/>
+          </a:p>
+        </p:txBody>
+      </p:sp>
+      <p:sp>
+        <p:nvSpPr>
+          <p:cNvPr id="6" name="テキスト ボックス 5">
+            <a:extLst>
+              <a:ext uri="{FF2B5EF4-FFF2-40B4-BE49-F238E27FC236}">
+                <a16:creationId xmlns:a16="http://schemas.microsoft.com/office/drawing/2014/main" id="{E8EF2114-4FE4-4DE6-BF31-EA0F5C09998E}"/>
+              </a:ext>
+            </a:extLst>
+          </p:cNvPr>
+          <p:cNvSpPr txBox="1"/>
+          <p:nvPr/>
+        </p:nvSpPr>
+        <p:spPr>
+          <a:xfrm>
+            <a:off x="1524000" y="1353059"/>
+            <a:ext cx="4333875" cy="584775"/>
+          </a:xfrm>
+          <a:prstGeom prst="rect">
+            <a:avLst/>
+          </a:prstGeom>
+          <a:noFill/>
+        </p:spPr>
+        <p:txBody>
+          <a:bodyPr wrap="square" rtlCol="0">
+            <a:spAutoFit/>
+          </a:bodyPr>
+          <a:lstStyle/>
+          <a:p>
+            <a:r>
+              <a:rPr kumimoji="1" lang="ja-JP" altLang="en-US" sz="3200">
+                <a:solidFill>
+                  <a:schemeClr val="bg1"/>
+                </a:solidFill>
+                <a:latin typeface="UD デジタル 教科書体 NP-R" panose="02020400000000000000" pitchFamily="18" charset="-128"/>
+                <a:ea typeface="UD デジタル 教科書体 NP-R" panose="02020400000000000000" pitchFamily="18" charset="-128"/>
+              </a:rPr>
+              <a:t>アプリ名</a:t>
+            </a:r>
+          </a:p>
+        </p:txBody>
+      </p:sp>
+      <p:pic>
+        <p:nvPicPr>
+          <p:cNvPr id="8" name="図 7" descr="アイコン&#10;&#10;自動的に生成された説明">
+            <a:extLst>
+              <a:ext uri="{FF2B5EF4-FFF2-40B4-BE49-F238E27FC236}">
+                <a16:creationId xmlns:a16="http://schemas.microsoft.com/office/drawing/2014/main" id="{A603300B-2641-460A-9CB3-29CAFA27FD5B}"/>
+              </a:ext>
+            </a:extLst>
+          </p:cNvPr>
+          <p:cNvPicPr>
+            <a:picLocks noChangeAspect="1"/>
+          </p:cNvPicPr>
+          <p:nvPr/>
+        </p:nvPicPr>
+        <p:blipFill>
+          <a:blip r:embed="rId2">
+            <a:extLst>
+              <a:ext uri="{28A0092B-C50C-407E-A947-70E740481C1C}">
+                <a14:useLocalDpi xmlns:a14="http://schemas.microsoft.com/office/drawing/2010/main" val="0"/>
+              </a:ext>
+            </a:extLst>
+          </a:blip>
+          <a:stretch>
+            <a:fillRect/>
+          </a:stretch>
+        </p:blipFill>
+        <p:spPr>
+          <a:xfrm>
+            <a:off x="2707388" y="1482574"/>
+            <a:ext cx="6777223" cy="1757800"/>
+          </a:xfrm>
+          <a:prstGeom prst="rect">
+            <a:avLst/>
+          </a:prstGeom>
+        </p:spPr>
+      </p:pic>
+      <p:sp>
+        <p:nvSpPr>
+          <p:cNvPr id="9" name="二等辺三角形 8">
+            <a:extLst>
+              <a:ext uri="{FF2B5EF4-FFF2-40B4-BE49-F238E27FC236}">
+                <a16:creationId xmlns:a16="http://schemas.microsoft.com/office/drawing/2014/main" id="{5B381DC7-F82A-4EB8-A042-6ECAF40518A7}"/>
+              </a:ext>
+            </a:extLst>
+          </p:cNvPr>
+          <p:cNvSpPr/>
+          <p:nvPr/>
+        </p:nvSpPr>
+        <p:spPr>
+          <a:xfrm rot="5400000">
+            <a:off x="928688" y="4085923"/>
+            <a:ext cx="481012" cy="442911"/>
+          </a:xfrm>
+          <a:prstGeom prst="triangle">
+            <a:avLst/>
+          </a:prstGeom>
+          <a:solidFill>
+            <a:srgbClr val="ACBCFF"/>
+          </a:solidFill>
+          <a:ln>
+            <a:noFill/>
+          </a:ln>
+        </p:spPr>
+        <p:style>
+          <a:lnRef idx="2">
+            <a:schemeClr val="accent1">
+              <a:shade val="50000"/>
+            </a:schemeClr>
+          </a:lnRef>
+          <a:fillRef idx="1">
+            <a:schemeClr val="accent1"/>
+          </a:fillRef>
+          <a:effectRef idx="0">
+            <a:schemeClr val="accent1"/>
+          </a:effectRef>
+          <a:fontRef idx="minor">
+            <a:schemeClr val="lt1"/>
+          </a:fontRef>
+        </p:style>
+        <p:txBody>
+          <a:bodyPr rtlCol="0" anchor="ctr"/>
+          <a:lstStyle/>
+          <a:p>
+            <a:pPr algn="ctr"/>
+            <a:endParaRPr kumimoji="1" lang="ja-JP" altLang="en-US"/>
+          </a:p>
+        </p:txBody>
+      </p:sp>
+      <p:sp>
+        <p:nvSpPr>
+          <p:cNvPr id="10" name="テキスト ボックス 9">
+            <a:extLst>
+              <a:ext uri="{FF2B5EF4-FFF2-40B4-BE49-F238E27FC236}">
+                <a16:creationId xmlns:a16="http://schemas.microsoft.com/office/drawing/2014/main" id="{F49413B1-6497-4782-BD79-9C4075C67E49}"/>
+              </a:ext>
+            </a:extLst>
+          </p:cNvPr>
+          <p:cNvSpPr txBox="1"/>
+          <p:nvPr/>
+        </p:nvSpPr>
+        <p:spPr>
+          <a:xfrm>
+            <a:off x="1524000" y="4066872"/>
+            <a:ext cx="3705973" cy="584775"/>
+          </a:xfrm>
+          <a:prstGeom prst="rect">
+            <a:avLst/>
+          </a:prstGeom>
+          <a:noFill/>
+        </p:spPr>
+        <p:txBody>
+          <a:bodyPr wrap="square" rtlCol="0">
+            <a:spAutoFit/>
+          </a:bodyPr>
+          <a:lstStyle/>
+          <a:p>
+            <a:r>
+              <a:rPr kumimoji="1" lang="ja-JP" altLang="en-US" sz="3200">
+                <a:solidFill>
+                  <a:schemeClr val="bg1"/>
+                </a:solidFill>
+                <a:latin typeface="UD デジタル 教科書体 NP-R" panose="02020400000000000000" pitchFamily="18" charset="-128"/>
+                <a:ea typeface="UD デジタル 教科書体 NP-R" panose="02020400000000000000" pitchFamily="18" charset="-128"/>
+              </a:rPr>
+              <a:t>概要</a:t>
+            </a:r>
+          </a:p>
+        </p:txBody>
+      </p:sp>
+      <p:sp>
+        <p:nvSpPr>
+          <p:cNvPr id="11" name="テキスト ボックス 10">
+            <a:extLst>
+              <a:ext uri="{FF2B5EF4-FFF2-40B4-BE49-F238E27FC236}">
+                <a16:creationId xmlns:a16="http://schemas.microsoft.com/office/drawing/2014/main" id="{01109808-1F86-447A-BA6B-286239C3D0AD}"/>
+              </a:ext>
+            </a:extLst>
+          </p:cNvPr>
+          <p:cNvSpPr txBox="1"/>
+          <p:nvPr/>
+        </p:nvSpPr>
+        <p:spPr>
+          <a:xfrm>
+            <a:off x="2605086" y="4547884"/>
+            <a:ext cx="8194994" cy="584775"/>
+          </a:xfrm>
+          <a:prstGeom prst="rect">
+            <a:avLst/>
+          </a:prstGeom>
+          <a:noFill/>
+        </p:spPr>
+        <p:txBody>
+          <a:bodyPr wrap="square" rtlCol="0">
+            <a:spAutoFit/>
+          </a:bodyPr>
+          <a:lstStyle/>
+          <a:p>
+            <a:r>
+              <a:rPr kumimoji="1" lang="ja-JP" altLang="en-US" sz="3200">
+                <a:solidFill>
+                  <a:schemeClr val="bg1"/>
+                </a:solidFill>
+                <a:latin typeface="UD デジタル 教科書体 NP-R" panose="02020400000000000000" pitchFamily="18" charset="-128"/>
+                <a:ea typeface="UD デジタル 教科書体 NP-R" panose="02020400000000000000" pitchFamily="18" charset="-128"/>
+              </a:rPr>
+              <a:t>～健康管理アプリ～</a:t>
+            </a:r>
+            <a:endParaRPr kumimoji="1" lang="en-US" altLang="ja-JP" sz="3200">
+              <a:solidFill>
+                <a:schemeClr val="bg1"/>
+              </a:solidFill>
+              <a:latin typeface="UD デジタル 教科書体 NP-R" panose="02020400000000000000" pitchFamily="18" charset="-128"/>
+              <a:ea typeface="UD デジタル 教科書体 NP-R" panose="02020400000000000000" pitchFamily="18" charset="-128"/>
+            </a:endParaRPr>
+          </a:p>
+        </p:txBody>
+      </p:sp>
+      <p:sp>
+        <p:nvSpPr>
+          <p:cNvPr id="12" name="テキスト ボックス 11">
+            <a:extLst>
+              <a:ext uri="{FF2B5EF4-FFF2-40B4-BE49-F238E27FC236}">
+                <a16:creationId xmlns:a16="http://schemas.microsoft.com/office/drawing/2014/main" id="{01033AED-FB82-4564-A6EB-B5A6E92F7424}"/>
+              </a:ext>
+            </a:extLst>
+          </p:cNvPr>
+          <p:cNvSpPr txBox="1"/>
+          <p:nvPr/>
+        </p:nvSpPr>
+        <p:spPr>
+          <a:xfrm>
+            <a:off x="2330608" y="5343205"/>
+            <a:ext cx="8743950" cy="738664"/>
+          </a:xfrm>
+          <a:prstGeom prst="rect">
+            <a:avLst/>
+          </a:prstGeom>
+          <a:noFill/>
+        </p:spPr>
+        <p:txBody>
+          <a:bodyPr wrap="square" rtlCol="0">
+            <a:spAutoFit/>
+          </a:bodyPr>
+          <a:lstStyle/>
+          <a:p>
+            <a:r>
+              <a:rPr kumimoji="1" lang="ja-JP" altLang="en-US" sz="2400">
+                <a:solidFill>
+                  <a:schemeClr val="bg1"/>
+                </a:solidFill>
+                <a:latin typeface="UD デジタル 教科書体 NP-R" panose="02020400000000000000" pitchFamily="18" charset="-128"/>
+                <a:ea typeface="UD デジタル 教科書体 NP-R" panose="02020400000000000000" pitchFamily="18" charset="-128"/>
+              </a:rPr>
+              <a:t>健康的な生活をサポートするオールインワンのアプリです</a:t>
+            </a:r>
+          </a:p>
+          <a:p>
+            <a:endParaRPr kumimoji="1" lang="ja-JP" altLang="en-US"/>
+          </a:p>
+        </p:txBody>
+      </p:sp>
+    </p:spTree>
+    <p:extLst>
+      <p:ext uri="{BB962C8B-B14F-4D97-AF65-F5344CB8AC3E}">
+        <p14:creationId xmlns:p14="http://schemas.microsoft.com/office/powerpoint/2010/main" val="332832116"/>
+      </p:ext>
+    </p:extLst>
+  </p:cSld>
+  <p:clrMapOvr>
+    <a:masterClrMapping/>
+  </p:clrMapOvr>
+  <p:timing>
+    <p:tnLst>
+      <p:par>
+        <p:cTn id="1" dur="indefinite" restart="never" nodeType="tmRoot">
+          <p:childTnLst>
+            <p:seq concurrent="1" nextAc="seek">
+              <p:cTn id="2" dur="indefinite" nodeType="mainSeq">
+                <p:childTnLst>
+                  <p:par>
+                    <p:cTn id="3" fill="hold">
+                      <p:stCondLst>
+                        <p:cond delay="indefinite"/>
+                      </p:stCondLst>
+                      <p:childTnLst>
+                        <p:par>
+                          <p:cTn id="4" fill="hold">
+                            <p:stCondLst>
+                              <p:cond delay="0"/>
+                            </p:stCondLst>
+                            <p:childTnLst>
+                              <p:par>
+                                <p:cTn id="5" presetID="53" presetClass="entr" presetSubtype="16" fill="hold" nodeType="clickEffect">
+                                  <p:stCondLst>
+                                    <p:cond delay="0"/>
+                                  </p:stCondLst>
+                                  <p:childTnLst>
+                                    <p:set>
+                                      <p:cBhvr>
+                                        <p:cTn id="6" dur="1" fill="hold">
+                                          <p:stCondLst>
+                                            <p:cond delay="0"/>
+                                          </p:stCondLst>
+                                        </p:cTn>
+                                        <p:tgtEl>
+                                          <p:spTgt spid="8"/>
+                                        </p:tgtEl>
+                                        <p:attrNameLst>
+                                          <p:attrName>style.visibility</p:attrName>
+                                        </p:attrNameLst>
+                                      </p:cBhvr>
+                                      <p:to>
+                                        <p:strVal val="visible"/>
+                                      </p:to>
+                                    </p:set>
+                                    <p:anim calcmode="lin" valueType="num">
+                                      <p:cBhvr>
+                                        <p:cTn id="7" dur="500" fill="hold"/>
+                                        <p:tgtEl>
+                                          <p:spTgt spid="8"/>
+                                        </p:tgtEl>
+                                        <p:attrNameLst>
+                                          <p:attrName>ppt_w</p:attrName>
+                                        </p:attrNameLst>
+                                      </p:cBhvr>
+                                      <p:tavLst>
+                                        <p:tav tm="0">
+                                          <p:val>
+                                            <p:fltVal val="0"/>
+                                          </p:val>
+                                        </p:tav>
+                                        <p:tav tm="100000">
+                                          <p:val>
+                                            <p:strVal val="#ppt_w"/>
+                                          </p:val>
+                                        </p:tav>
+                                      </p:tavLst>
+                                    </p:anim>
+                                    <p:anim calcmode="lin" valueType="num">
+                                      <p:cBhvr>
+                                        <p:cTn id="8" dur="500" fill="hold"/>
+                                        <p:tgtEl>
+                                          <p:spTgt spid="8"/>
+                                        </p:tgtEl>
+                                        <p:attrNameLst>
+                                          <p:attrName>ppt_h</p:attrName>
+                                        </p:attrNameLst>
+                                      </p:cBhvr>
+                                      <p:tavLst>
+                                        <p:tav tm="0">
+                                          <p:val>
+                                            <p:fltVal val="0"/>
+                                          </p:val>
+                                        </p:tav>
+                                        <p:tav tm="100000">
+                                          <p:val>
+                                            <p:strVal val="#ppt_h"/>
+                                          </p:val>
+                                        </p:tav>
+                                      </p:tavLst>
+                                    </p:anim>
+                                    <p:animEffect transition="in" filter="fade">
+                                      <p:cBhvr>
+                                        <p:cTn id="9" dur="500"/>
+                                        <p:tgtEl>
+                                          <p:spTgt spid="8"/>
+                                        </p:tgtEl>
+                                      </p:cBhvr>
+                                    </p:animEffect>
+                                  </p:childTnLst>
+                                </p:cTn>
+                              </p:par>
+                            </p:childTnLst>
+                          </p:cTn>
+                        </p:par>
+                      </p:childTnLst>
+                    </p:cTn>
+                  </p:par>
+                </p:childTnLst>
+              </p:cTn>
+              <p:prevCondLst>
+                <p:cond evt="onPrev" delay="0">
+                  <p:tgtEl>
+                    <p:sldTgt/>
+                  </p:tgtEl>
+                </p:cond>
+              </p:prevCondLst>
+              <p:nextCondLst>
+                <p:cond evt="onNext" delay="0">
+                  <p:tgtEl>
+                    <p:sldTgt/>
+                  </p:tgtEl>
+                </p:cond>
+              </p:nextCondLst>
+            </p:seq>
+          </p:childTnLst>
+        </p:cTn>
+      </p:par>
+    </p:tnLst>
+  </p:timing>
+</p:sld>
+</file>
+
+<file path=ppt/slides/slide6.xml><?xml version="1.0" encoding="utf-8"?>
+<p:sld xmlns:a="http://schemas.openxmlformats.org/drawingml/2006/main" xmlns:r="http://schemas.openxmlformats.org/officeDocument/2006/relationships" xmlns:p="http://schemas.openxmlformats.org/presentationml/2006/main">
+  <p:cSld>
+    <p:bg>
+      <p:bgPr>
+        <a:solidFill>
+          <a:srgbClr val="AEE2FF"/>
+        </a:solidFill>
+        <a:effectLst/>
+      </p:bgPr>
+    </p:bg>
+    <p:spTree>
+      <p:nvGrpSpPr>
+        <p:cNvPr id="1" name=""/>
+        <p:cNvGrpSpPr/>
+        <p:nvPr/>
+      </p:nvGrpSpPr>
+      <p:grpSpPr>
+        <a:xfrm>
+          <a:off x="0" y="0"/>
+          <a:ext cx="0" cy="0"/>
+          <a:chOff x="0" y="0"/>
+          <a:chExt cx="0" cy="0"/>
+        </a:xfrm>
+      </p:grpSpPr>
+      <p:sp>
+        <p:nvSpPr>
+          <p:cNvPr id="2" name="正方形/長方形 1">
+            <a:extLst>
+              <a:ext uri="{FF2B5EF4-FFF2-40B4-BE49-F238E27FC236}">
+                <a16:creationId xmlns:a16="http://schemas.microsoft.com/office/drawing/2014/main" id="{5B096CB1-87E5-4B06-B864-486CBCC10EE2}"/>
+              </a:ext>
+            </a:extLst>
+          </p:cNvPr>
+          <p:cNvSpPr/>
+          <p:nvPr/>
+        </p:nvSpPr>
+        <p:spPr>
+          <a:xfrm>
+            <a:off x="436880" y="406400"/>
+            <a:ext cx="11318240" cy="6045200"/>
+          </a:xfrm>
+          <a:prstGeom prst="rect">
+            <a:avLst/>
+          </a:prstGeom>
+          <a:solidFill>
+            <a:schemeClr val="tx1"/>
+          </a:solidFill>
+          <a:ln>
+            <a:noFill/>
+          </a:ln>
+        </p:spPr>
+        <p:style>
+          <a:lnRef idx="2">
+            <a:schemeClr val="accent1">
+              <a:shade val="50000"/>
+            </a:schemeClr>
+          </a:lnRef>
+          <a:fillRef idx="1">
+            <a:schemeClr val="accent1"/>
+          </a:fillRef>
+          <a:effectRef idx="0">
+            <a:schemeClr val="accent1"/>
+          </a:effectRef>
+          <a:fontRef idx="minor">
+            <a:schemeClr val="lt1"/>
+          </a:fontRef>
+        </p:style>
+        <p:txBody>
+          <a:bodyPr rtlCol="0" anchor="ctr"/>
+          <a:lstStyle/>
+          <a:p>
+            <a:pPr algn="ctr"/>
+            <a:endParaRPr kumimoji="1" lang="ja-JP" altLang="en-US" dirty="0"/>
+          </a:p>
+        </p:txBody>
+      </p:sp>
+      <p:sp>
+        <p:nvSpPr>
+          <p:cNvPr id="5" name="二等辺三角形 4">
+            <a:extLst>
+              <a:ext uri="{FF2B5EF4-FFF2-40B4-BE49-F238E27FC236}">
+                <a16:creationId xmlns:a16="http://schemas.microsoft.com/office/drawing/2014/main" id="{2B3CBDE8-0547-4751-9175-62845EF10F06}"/>
+              </a:ext>
+            </a:extLst>
+          </p:cNvPr>
+          <p:cNvSpPr/>
+          <p:nvPr/>
+        </p:nvSpPr>
+        <p:spPr>
+          <a:xfrm rot="5400000">
+            <a:off x="928687" y="1423992"/>
+            <a:ext cx="481012" cy="442911"/>
+          </a:xfrm>
+          <a:prstGeom prst="triangle">
+            <a:avLst/>
+          </a:prstGeom>
+          <a:solidFill>
+            <a:srgbClr val="ACBCFF"/>
+          </a:solidFill>
+          <a:ln>
+            <a:noFill/>
+          </a:ln>
+        </p:spPr>
+        <p:style>
+          <a:lnRef idx="2">
+            <a:schemeClr val="accent1">
+              <a:shade val="50000"/>
+            </a:schemeClr>
+          </a:lnRef>
+          <a:fillRef idx="1">
+            <a:schemeClr val="accent1"/>
+          </a:fillRef>
+          <a:effectRef idx="0">
+            <a:schemeClr val="accent1"/>
+          </a:effectRef>
+          <a:fontRef idx="minor">
+            <a:schemeClr val="lt1"/>
+          </a:fontRef>
+        </p:style>
+        <p:txBody>
+          <a:bodyPr rtlCol="0" anchor="ctr"/>
+          <a:lstStyle/>
+          <a:p>
+            <a:pPr algn="ctr"/>
+            <a:endParaRPr kumimoji="1" lang="ja-JP" altLang="en-US"/>
+          </a:p>
+        </p:txBody>
+      </p:sp>
+      <p:sp>
+        <p:nvSpPr>
+          <p:cNvPr id="6" name="テキスト ボックス 5">
+            <a:extLst>
+              <a:ext uri="{FF2B5EF4-FFF2-40B4-BE49-F238E27FC236}">
+                <a16:creationId xmlns:a16="http://schemas.microsoft.com/office/drawing/2014/main" id="{E8EF2114-4FE4-4DE6-BF31-EA0F5C09998E}"/>
+              </a:ext>
+            </a:extLst>
+          </p:cNvPr>
+          <p:cNvSpPr txBox="1"/>
+          <p:nvPr/>
+        </p:nvSpPr>
+        <p:spPr>
+          <a:xfrm>
+            <a:off x="1524000" y="1353059"/>
+            <a:ext cx="4333875" cy="584775"/>
+          </a:xfrm>
+          <a:prstGeom prst="rect">
+            <a:avLst/>
+          </a:prstGeom>
+          <a:noFill/>
+        </p:spPr>
+        <p:txBody>
+          <a:bodyPr wrap="square" rtlCol="0">
+            <a:spAutoFit/>
+          </a:bodyPr>
+          <a:lstStyle/>
+          <a:p>
+            <a:r>
+              <a:rPr kumimoji="1" lang="ja-JP" altLang="en-US" sz="3200" dirty="0">
+                <a:solidFill>
+                  <a:schemeClr val="bg1"/>
+                </a:solidFill>
+                <a:latin typeface="UD デジタル 教科書体 NP-R" panose="02020400000000000000" pitchFamily="18" charset="-128"/>
+                <a:ea typeface="UD デジタル 教科書体 NP-R" panose="02020400000000000000" pitchFamily="18" charset="-128"/>
+              </a:rPr>
+              <a:t>アプリ名の由来</a:t>
+            </a:r>
+          </a:p>
+        </p:txBody>
+      </p:sp>
+      <p:sp>
+        <p:nvSpPr>
+          <p:cNvPr id="3" name="テキスト ボックス 2">
+            <a:extLst>
+              <a:ext uri="{FF2B5EF4-FFF2-40B4-BE49-F238E27FC236}">
+                <a16:creationId xmlns:a16="http://schemas.microsoft.com/office/drawing/2014/main" id="{D1607AAB-9474-4FDA-C222-7CD0F0AD083E}"/>
+              </a:ext>
+            </a:extLst>
+          </p:cNvPr>
+          <p:cNvSpPr txBox="1"/>
+          <p:nvPr/>
+        </p:nvSpPr>
+        <p:spPr>
+          <a:xfrm>
+            <a:off x="1292918" y="2698360"/>
+            <a:ext cx="9129913" cy="2554545"/>
+          </a:xfrm>
+          <a:prstGeom prst="rect">
+            <a:avLst/>
+          </a:prstGeom>
+          <a:noFill/>
+        </p:spPr>
+        <p:txBody>
+          <a:bodyPr wrap="square" rtlCol="0">
+            <a:spAutoFit/>
+          </a:bodyPr>
+          <a:lstStyle/>
+          <a:p>
+            <a:r>
+              <a:rPr lang="en-US" altLang="ja-JP" sz="3200" dirty="0">
+                <a:solidFill>
+                  <a:srgbClr val="1D1C1D"/>
+                </a:solidFill>
+                <a:effectLst/>
+                <a:latin typeface="NotoSansJP"/>
+              </a:rPr>
+              <a:t>“</a:t>
+            </a:r>
+            <a:r>
+              <a:rPr lang="en-US" altLang="ja-JP" sz="3200" b="1" dirty="0">
+                <a:solidFill>
+                  <a:srgbClr val="1D1C1D"/>
+                </a:solidFill>
+                <a:effectLst>
+                  <a:outerShdw blurRad="38100" dist="38100" dir="2700000" algn="tl">
+                    <a:srgbClr val="000000">
+                      <a:alpha val="43137"/>
+                    </a:srgbClr>
+                  </a:outerShdw>
+                </a:effectLst>
+                <a:latin typeface="NotoSansJP"/>
+              </a:rPr>
+              <a:t>M</a:t>
+            </a:r>
+            <a:r>
+              <a:rPr lang="en-US" altLang="ja-JP" sz="3200" dirty="0">
+                <a:solidFill>
+                  <a:srgbClr val="1D1C1D"/>
+                </a:solidFill>
+                <a:effectLst/>
+                <a:latin typeface="NotoSansJP"/>
+              </a:rPr>
+              <a:t>” </a:t>
+            </a:r>
+            <a:r>
+              <a:rPr lang="en-US" altLang="ja-JP" sz="3200" b="0" i="0" dirty="0">
+                <a:solidFill>
+                  <a:srgbClr val="1D1C1D"/>
+                </a:solidFill>
+                <a:effectLst/>
+                <a:latin typeface="NotoSansJP"/>
+              </a:rPr>
+              <a:t>-</a:t>
+            </a:r>
+            <a:r>
+              <a:rPr lang="ja-JP" altLang="en-US" sz="3200" dirty="0">
+                <a:solidFill>
+                  <a:srgbClr val="1D1C1D"/>
+                </a:solidFill>
+                <a:latin typeface="NotoSansJP"/>
+              </a:rPr>
+              <a:t> </a:t>
+            </a:r>
+            <a:r>
+              <a:rPr lang="ja-JP" altLang="en-US" sz="3200" dirty="0">
+                <a:solidFill>
+                  <a:srgbClr val="1D1C1D"/>
+                </a:solidFill>
+                <a:latin typeface="UD デジタル 教科書体 NK-R" panose="02020400000000000000" pitchFamily="18" charset="-128"/>
+                <a:ea typeface="UD デジタル 教科書体 NK-R" panose="02020400000000000000" pitchFamily="18" charset="-128"/>
+              </a:rPr>
+              <a:t>健康を最大限に活かし、心配事を最小限にする</a:t>
+            </a:r>
+            <a:br>
+              <a:rPr lang="en-US" altLang="ja-JP" sz="3200" dirty="0"/>
+            </a:br>
+            <a:r>
+              <a:rPr lang="en-US" altLang="ja-JP" sz="3200" b="0" i="0" dirty="0">
+                <a:solidFill>
+                  <a:srgbClr val="1D1C1D"/>
+                </a:solidFill>
+                <a:effectLst/>
+                <a:latin typeface="NotoSansJP"/>
+              </a:rPr>
+              <a:t>“ </a:t>
+            </a:r>
+            <a:r>
+              <a:rPr lang="en-US" altLang="ja-JP" sz="3200" b="0" i="0" dirty="0">
+                <a:solidFill>
+                  <a:srgbClr val="1D1C1D"/>
+                </a:solidFill>
+                <a:effectLst>
+                  <a:outerShdw blurRad="38100" dist="38100" dir="2700000" algn="tl">
+                    <a:srgbClr val="000000">
+                      <a:alpha val="43137"/>
+                    </a:srgbClr>
+                  </a:outerShdw>
+                </a:effectLst>
+                <a:latin typeface="NotoSansJP"/>
+              </a:rPr>
+              <a:t>I </a:t>
+            </a:r>
+            <a:r>
+              <a:rPr lang="en-US" altLang="ja-JP" sz="3200" b="0" i="0" dirty="0">
+                <a:solidFill>
+                  <a:srgbClr val="1D1C1D"/>
+                </a:solidFill>
+                <a:effectLst/>
+                <a:latin typeface="NotoSansJP"/>
+              </a:rPr>
+              <a:t>” -</a:t>
+            </a:r>
+            <a:r>
+              <a:rPr lang="ja-JP" altLang="en-US" sz="3200" dirty="0">
+                <a:solidFill>
+                  <a:srgbClr val="1D1C1D"/>
+                </a:solidFill>
+                <a:latin typeface="NotoSansJP"/>
+              </a:rPr>
+              <a:t> </a:t>
+            </a:r>
+            <a:r>
+              <a:rPr lang="ja-JP" altLang="en-US" sz="3200" dirty="0">
+                <a:solidFill>
+                  <a:srgbClr val="1D1C1D"/>
+                </a:solidFill>
+                <a:latin typeface="UD デジタル 教科書体 NK-R" panose="02020400000000000000" pitchFamily="18" charset="-128"/>
+                <a:ea typeface="UD デジタル 教科書体 NK-R" panose="02020400000000000000" pitchFamily="18" charset="-128"/>
+              </a:rPr>
+              <a:t>明日をより良いものにするケアの革新</a:t>
+            </a:r>
+            <a:br>
+              <a:rPr lang="en-US" altLang="ja-JP" sz="3200" dirty="0"/>
+            </a:br>
+            <a:r>
+              <a:rPr lang="en-US" altLang="ja-JP" sz="3200" b="0" i="0" dirty="0">
+                <a:solidFill>
+                  <a:srgbClr val="1D1C1D"/>
+                </a:solidFill>
+                <a:effectLst/>
+                <a:latin typeface="NotoSansJP"/>
+              </a:rPr>
+              <a:t>“</a:t>
+            </a:r>
+            <a:r>
+              <a:rPr lang="en-US" altLang="ja-JP" sz="3200" b="1" i="0" dirty="0">
+                <a:solidFill>
+                  <a:srgbClr val="1D1C1D"/>
+                </a:solidFill>
+                <a:effectLst>
+                  <a:outerShdw blurRad="38100" dist="38100" dir="2700000" algn="tl">
+                    <a:srgbClr val="000000">
+                      <a:alpha val="43137"/>
+                    </a:srgbClr>
+                  </a:outerShdw>
+                </a:effectLst>
+                <a:latin typeface="NotoSansJP"/>
+              </a:rPr>
+              <a:t>P</a:t>
+            </a:r>
+            <a:r>
+              <a:rPr lang="en-US" altLang="ja-JP" sz="3200" b="0" i="0" dirty="0">
+                <a:solidFill>
+                  <a:srgbClr val="1D1C1D"/>
+                </a:solidFill>
+                <a:effectLst/>
+                <a:latin typeface="NotoSansJP"/>
+              </a:rPr>
+              <a:t>” -</a:t>
+            </a:r>
+            <a:r>
+              <a:rPr lang="ja-JP" altLang="en-US" sz="3200" b="0" i="0" dirty="0">
+                <a:solidFill>
+                  <a:srgbClr val="1D1C1D"/>
+                </a:solidFill>
+                <a:effectLst/>
+                <a:latin typeface="NotoSansJP"/>
+              </a:rPr>
+              <a:t> </a:t>
+            </a:r>
+            <a:r>
+              <a:rPr lang="ja-JP" altLang="en-US" sz="3200" dirty="0">
+                <a:solidFill>
+                  <a:srgbClr val="1D1C1D"/>
+                </a:solidFill>
+                <a:latin typeface="UD デジタル 教科書体 NK-R" panose="02020400000000000000" pitchFamily="18" charset="-128"/>
+                <a:ea typeface="UD デジタル 教科書体 NK-R" panose="02020400000000000000" pitchFamily="18" charset="-128"/>
+              </a:rPr>
+              <a:t>患者の健康を優先し、心配事を最小限にする</a:t>
+            </a:r>
+            <a:br>
+              <a:rPr lang="en-US" altLang="ja-JP" sz="3200" dirty="0"/>
+            </a:br>
+            <a:r>
+              <a:rPr lang="en-US" altLang="ja-JP" sz="3200" b="0" i="0" dirty="0">
+                <a:solidFill>
+                  <a:srgbClr val="1D1C1D"/>
+                </a:solidFill>
+                <a:effectLst/>
+                <a:latin typeface="NotoSansJP"/>
+              </a:rPr>
+              <a:t>“</a:t>
+            </a:r>
+            <a:r>
+              <a:rPr lang="en-US" altLang="ja-JP" sz="3200" b="1" i="0" dirty="0">
+                <a:solidFill>
+                  <a:srgbClr val="1D1C1D"/>
+                </a:solidFill>
+                <a:effectLst/>
+                <a:latin typeface="NotoSansJP"/>
+              </a:rPr>
+              <a:t>P</a:t>
+            </a:r>
+            <a:r>
+              <a:rPr lang="en-US" altLang="ja-JP" sz="3200" b="0" i="0" dirty="0">
+                <a:solidFill>
+                  <a:srgbClr val="1D1C1D"/>
+                </a:solidFill>
+                <a:effectLst/>
+                <a:latin typeface="NotoSansJP"/>
+              </a:rPr>
+              <a:t>” -</a:t>
+            </a:r>
+            <a:r>
+              <a:rPr lang="ja-JP" altLang="en-US" sz="3200" dirty="0">
+                <a:solidFill>
+                  <a:srgbClr val="1D1C1D"/>
+                </a:solidFill>
+                <a:latin typeface="NotoSansJP"/>
+              </a:rPr>
+              <a:t> </a:t>
+            </a:r>
+            <a:r>
+              <a:rPr lang="ja-JP" altLang="en-US" sz="3200" dirty="0">
+                <a:solidFill>
+                  <a:srgbClr val="1D1C1D"/>
+                </a:solidFill>
+                <a:latin typeface="UD デジタル 教科書体 NK-R" panose="02020400000000000000" pitchFamily="18" charset="-128"/>
+                <a:ea typeface="UD デジタル 教科書体 NK-R" panose="02020400000000000000" pitchFamily="18" charset="-128"/>
+              </a:rPr>
+              <a:t>予防を促進し、命を守る</a:t>
+            </a:r>
+            <a:r>
+              <a:rPr lang="ja-JP" altLang="en-US" sz="3200" b="0" i="0" dirty="0">
+                <a:solidFill>
+                  <a:srgbClr val="1D1C1D"/>
+                </a:solidFill>
+                <a:effectLst/>
+                <a:latin typeface="UD デジタル 教科書体 NK-R" panose="02020400000000000000" pitchFamily="18" charset="-128"/>
+                <a:ea typeface="UD デジタル 教科書体 NK-R" panose="02020400000000000000" pitchFamily="18" charset="-128"/>
+              </a:rPr>
+              <a:t>　</a:t>
+            </a:r>
+            <a:br>
+              <a:rPr lang="en-US" altLang="ja-JP" sz="3200" dirty="0"/>
+            </a:br>
+            <a:r>
+              <a:rPr lang="en-US" altLang="ja-JP" sz="3200" b="0" i="0" dirty="0">
+                <a:solidFill>
+                  <a:srgbClr val="1D1C1D"/>
+                </a:solidFill>
+                <a:effectLst/>
+                <a:latin typeface="NotoSansJP"/>
+              </a:rPr>
+              <a:t>“</a:t>
+            </a:r>
+            <a:r>
+              <a:rPr lang="en-US" altLang="ja-JP" sz="3200" b="0" i="0" dirty="0">
+                <a:solidFill>
+                  <a:srgbClr val="1D1C1D"/>
+                </a:solidFill>
+                <a:effectLst>
+                  <a:outerShdw blurRad="38100" dist="38100" dir="2700000" algn="tl">
+                    <a:srgbClr val="000000">
+                      <a:alpha val="43137"/>
+                    </a:srgbClr>
+                  </a:outerShdw>
+                </a:effectLst>
+                <a:latin typeface="NotoSansJP"/>
+              </a:rPr>
+              <a:t>Y</a:t>
+            </a:r>
+            <a:r>
+              <a:rPr lang="en-US" altLang="ja-JP" sz="3200" b="0" i="0" dirty="0">
+                <a:solidFill>
+                  <a:srgbClr val="1D1C1D"/>
+                </a:solidFill>
+                <a:effectLst/>
+                <a:latin typeface="NotoSansJP"/>
+              </a:rPr>
+              <a:t>” –</a:t>
+            </a:r>
+            <a:r>
+              <a:rPr lang="ja-JP" altLang="en-US" sz="3200" dirty="0">
+                <a:solidFill>
+                  <a:srgbClr val="1D1C1D"/>
+                </a:solidFill>
+                <a:latin typeface="NotoSansJP"/>
+              </a:rPr>
+              <a:t> </a:t>
+            </a:r>
+            <a:r>
+              <a:rPr lang="ja-JP" altLang="en-US" sz="3200" dirty="0">
+                <a:solidFill>
+                  <a:srgbClr val="1D1C1D"/>
+                </a:solidFill>
+                <a:latin typeface="UD デジタル 教科書体 NK-R" panose="02020400000000000000" pitchFamily="18" charset="-128"/>
+                <a:ea typeface="UD デジタル 教科書体 NK-R" panose="02020400000000000000" pitchFamily="18" charset="-128"/>
+              </a:rPr>
+              <a:t>あなたたちの健康は私たちの優先事項です</a:t>
+            </a:r>
+            <a:endParaRPr kumimoji="1" lang="ja-JP" altLang="en-US" sz="3200" dirty="0">
+              <a:solidFill>
+                <a:schemeClr val="bg1"/>
+              </a:solidFill>
+              <a:latin typeface="UD デジタル 教科書体 NK-R" panose="02020400000000000000" pitchFamily="18" charset="-128"/>
+              <a:ea typeface="UD デジタル 教科書体 NK-R" panose="02020400000000000000" pitchFamily="18" charset="-128"/>
+            </a:endParaRPr>
+          </a:p>
+        </p:txBody>
+      </p:sp>
+      <p:pic>
+        <p:nvPicPr>
+          <p:cNvPr id="8" name="図 7" descr="アイコン&#10;&#10;自動的に生成された説明">
+            <a:extLst>
+              <a:ext uri="{FF2B5EF4-FFF2-40B4-BE49-F238E27FC236}">
+                <a16:creationId xmlns:a16="http://schemas.microsoft.com/office/drawing/2014/main" id="{D00CD694-C3F5-4D24-AA79-382E2EEFFC38}"/>
+              </a:ext>
+            </a:extLst>
+          </p:cNvPr>
+          <p:cNvPicPr>
+            <a:picLocks noChangeAspect="1"/>
+          </p:cNvPicPr>
+          <p:nvPr/>
+        </p:nvPicPr>
+        <p:blipFill>
+          <a:blip r:embed="rId2">
+            <a:extLst>
+              <a:ext uri="{28A0092B-C50C-407E-A947-70E740481C1C}">
+                <a14:useLocalDpi xmlns:a14="http://schemas.microsoft.com/office/drawing/2010/main" val="0"/>
+              </a:ext>
+            </a:extLst>
+          </a:blip>
+          <a:stretch>
+            <a:fillRect/>
+          </a:stretch>
+        </p:blipFill>
+        <p:spPr>
+          <a:xfrm>
+            <a:off x="9599428" y="4146698"/>
+            <a:ext cx="2445488" cy="2445488"/>
+          </a:xfrm>
+          <a:prstGeom prst="rect">
+            <a:avLst/>
+          </a:prstGeom>
+        </p:spPr>
+      </p:pic>
+    </p:spTree>
+    <p:extLst>
+      <p:ext uri="{BB962C8B-B14F-4D97-AF65-F5344CB8AC3E}">
+        <p14:creationId xmlns:p14="http://schemas.microsoft.com/office/powerpoint/2010/main" val="2424043335"/>
+      </p:ext>
+    </p:extLst>
+  </p:cSld>
+  <p:clrMapOvr>
+    <a:masterClrMapping/>
+  </p:clrMapOvr>
+  <p:timing>
+    <p:tnLst>
+      <p:par>
+        <p:cTn id="1" dur="indefinite" restart="never" nodeType="tmRoot">
+          <p:childTnLst>
+            <p:seq concurrent="1" nextAc="seek">
+              <p:cTn id="2" dur="indefinite" nodeType="mainSeq">
+                <p:childTnLst>
+                  <p:par>
+                    <p:cTn id="3" fill="hold">
+                      <p:stCondLst>
+                        <p:cond delay="indefinite"/>
+                      </p:stCondLst>
+                      <p:childTnLst>
+                        <p:par>
+                          <p:cTn id="4" fill="hold">
+                            <p:stCondLst>
+                              <p:cond delay="0"/>
+                            </p:stCondLst>
+                            <p:childTnLst>
+                              <p:par>
+                                <p:cTn id="5" presetID="10" presetClass="entr" presetSubtype="0" fill="hold" grpId="0" nodeType="clickEffect">
+                                  <p:stCondLst>
+                                    <p:cond delay="0"/>
+                                  </p:stCondLst>
+                                  <p:childTnLst>
+                                    <p:set>
+                                      <p:cBhvr>
+                                        <p:cTn id="6" dur="1" fill="hold">
+                                          <p:stCondLst>
+                                            <p:cond delay="0"/>
+                                          </p:stCondLst>
+                                        </p:cTn>
+                                        <p:tgtEl>
+                                          <p:spTgt spid="3"/>
+                                        </p:tgtEl>
+                                        <p:attrNameLst>
+                                          <p:attrName>style.visibility</p:attrName>
+                                        </p:attrNameLst>
+                                      </p:cBhvr>
+                                      <p:to>
+                                        <p:strVal val="visible"/>
+                                      </p:to>
+                                    </p:set>
+                                    <p:animEffect transition="in" filter="fade">
+                                      <p:cBhvr>
+                                        <p:cTn id="7" dur="500"/>
+                                        <p:tgtEl>
+                                          <p:spTgt spid="3"/>
+                                        </p:tgtEl>
+                                      </p:cBhvr>
+                                    </p:animEffect>
+                                  </p:childTnLst>
+                                </p:cTn>
+                              </p:par>
+                              <p:par>
+                                <p:cTn id="8" presetID="8" presetClass="emph" presetSubtype="0" fill="hold" nodeType="withEffect">
+                                  <p:stCondLst>
+                                    <p:cond delay="0"/>
+                                  </p:stCondLst>
+                                  <p:childTnLst>
+                                    <p:animRot by="21600000">
+                                      <p:cBhvr>
+                                        <p:cTn id="9" dur="2000" fill="hold"/>
+                                        <p:tgtEl>
+                                          <p:spTgt spid="8"/>
+                                        </p:tgtEl>
+                                        <p:attrNameLst>
+                                          <p:attrName>r</p:attrName>
+                                        </p:attrNameLst>
+                                      </p:cBhvr>
+                                    </p:animRot>
+                                  </p:childTnLst>
+                                </p:cTn>
+                              </p:par>
+                            </p:childTnLst>
+                          </p:cTn>
+                        </p:par>
+                      </p:childTnLst>
+                    </p:cTn>
+                  </p:par>
+                </p:childTnLst>
+              </p:cTn>
+              <p:prevCondLst>
+                <p:cond evt="onPrev" delay="0">
+                  <p:tgtEl>
+                    <p:sldTgt/>
+                  </p:tgtEl>
+                </p:cond>
+              </p:prevCondLst>
+              <p:nextCondLst>
+                <p:cond evt="onNext" delay="0">
+                  <p:tgtEl>
+                    <p:sldTgt/>
+                  </p:tgtEl>
+                </p:cond>
+              </p:nextCondLst>
+            </p:seq>
+          </p:childTnLst>
+        </p:cTn>
+      </p:par>
+    </p:tnLst>
+    <p:bldLst>
+      <p:bldP spid="3" grpId="0"/>
+    </p:bldLst>
+  </p:timing>
+</p:sld>
+</file>
+
+<file path=ppt/slides/slide7.xml><?xml version="1.0" encoding="utf-8"?>
+<p:sld xmlns:a="http://schemas.openxmlformats.org/drawingml/2006/main" xmlns:r="http://schemas.openxmlformats.org/officeDocument/2006/relationships" xmlns:p="http://schemas.openxmlformats.org/presentationml/2006/main">
+  <p:cSld>
+    <p:bg>
+      <p:bgPr>
+        <a:solidFill>
+          <a:srgbClr val="AEE2FF"/>
+        </a:solidFill>
+        <a:effectLst/>
+      </p:bgPr>
+    </p:bg>
+    <p:spTree>
+      <p:nvGrpSpPr>
+        <p:cNvPr id="1" name=""/>
+        <p:cNvGrpSpPr/>
+        <p:nvPr/>
+      </p:nvGrpSpPr>
+      <p:grpSpPr>
+        <a:xfrm>
+          <a:off x="0" y="0"/>
+          <a:ext cx="0" cy="0"/>
+          <a:chOff x="0" y="0"/>
+          <a:chExt cx="0" cy="0"/>
+        </a:xfrm>
+      </p:grpSpPr>
+      <p:sp>
+        <p:nvSpPr>
+          <p:cNvPr id="2" name="正方形/長方形 1">
+            <a:extLst>
+              <a:ext uri="{FF2B5EF4-FFF2-40B4-BE49-F238E27FC236}">
+                <a16:creationId xmlns:a16="http://schemas.microsoft.com/office/drawing/2014/main" id="{5B096CB1-87E5-4B06-B864-486CBCC10EE2}"/>
+              </a:ext>
+            </a:extLst>
+          </p:cNvPr>
+          <p:cNvSpPr/>
+          <p:nvPr/>
+        </p:nvSpPr>
+        <p:spPr>
+          <a:xfrm>
+            <a:off x="436880" y="406400"/>
+            <a:ext cx="11318240" cy="6045200"/>
+          </a:xfrm>
+          <a:prstGeom prst="rect">
+            <a:avLst/>
+          </a:prstGeom>
+          <a:solidFill>
+            <a:schemeClr val="tx1"/>
+          </a:solidFill>
+          <a:ln>
+            <a:noFill/>
+          </a:ln>
+        </p:spPr>
+        <p:style>
+          <a:lnRef idx="2">
+            <a:schemeClr val="accent1">
+              <a:shade val="50000"/>
+            </a:schemeClr>
+          </a:lnRef>
+          <a:fillRef idx="1">
+            <a:schemeClr val="accent1"/>
+          </a:fillRef>
+          <a:effectRef idx="0">
+            <a:schemeClr val="accent1"/>
+          </a:effectRef>
+          <a:fontRef idx="minor">
+            <a:schemeClr val="lt1"/>
+          </a:fontRef>
+        </p:style>
+        <p:txBody>
+          <a:bodyPr rtlCol="0" anchor="ctr"/>
+          <a:lstStyle/>
+          <a:p>
+            <a:pPr algn="ctr"/>
+            <a:endParaRPr kumimoji="1" lang="ja-JP" altLang="en-US"/>
+          </a:p>
+        </p:txBody>
+      </p:sp>
+      <p:sp>
+        <p:nvSpPr>
+          <p:cNvPr id="5" name="テキスト ボックス 5">
+            <a:extLst>
+              <a:ext uri="{FF2B5EF4-FFF2-40B4-BE49-F238E27FC236}">
+                <a16:creationId xmlns:a16="http://schemas.microsoft.com/office/drawing/2014/main" id="{E674C918-DD78-6814-6C62-5CC2AA743ED9}"/>
+              </a:ext>
+            </a:extLst>
+          </p:cNvPr>
+          <p:cNvSpPr txBox="1"/>
+          <p:nvPr/>
+        </p:nvSpPr>
+        <p:spPr>
+          <a:xfrm>
+            <a:off x="1590261" y="867146"/>
+            <a:ext cx="4333875" cy="584775"/>
+          </a:xfrm>
+          <a:prstGeom prst="rect">
+            <a:avLst/>
+          </a:prstGeom>
+          <a:noFill/>
+        </p:spPr>
+        <p:txBody>
+          <a:bodyPr wrap="square" lIns="91440" tIns="45720" rIns="91440" bIns="45720" rtlCol="0" anchor="t">
+            <a:spAutoFit/>
+          </a:bodyPr>
+          <a:lstStyle/>
+          <a:p>
+            <a:r>
+              <a:rPr kumimoji="1" lang="ja-JP" altLang="en-US" sz="3200">
+                <a:solidFill>
+                  <a:schemeClr val="bg1"/>
+                </a:solidFill>
+                <a:latin typeface="UD デジタル 教科書体 NP-R"/>
+                <a:ea typeface="UD デジタル 教科書体 NP-R"/>
+              </a:rPr>
+              <a:t>アプリの目的</a:t>
+            </a:r>
+          </a:p>
+        </p:txBody>
+      </p:sp>
+      <p:sp>
+        <p:nvSpPr>
+          <p:cNvPr id="7" name="二等辺三角形 4">
+            <a:extLst>
+              <a:ext uri="{FF2B5EF4-FFF2-40B4-BE49-F238E27FC236}">
+                <a16:creationId xmlns:a16="http://schemas.microsoft.com/office/drawing/2014/main" id="{24FDD9B0-C115-9498-8499-7DB052BC7C78}"/>
+              </a:ext>
+            </a:extLst>
+          </p:cNvPr>
+          <p:cNvSpPr/>
+          <p:nvPr/>
+        </p:nvSpPr>
+        <p:spPr>
+          <a:xfrm rot="5400000">
+            <a:off x="862426" y="893905"/>
+            <a:ext cx="481012" cy="442911"/>
+          </a:xfrm>
+          <a:prstGeom prst="triangle">
+            <a:avLst/>
+          </a:prstGeom>
+          <a:solidFill>
+            <a:srgbClr val="ACBCFF"/>
+          </a:solidFill>
+          <a:ln>
+            <a:noFill/>
+          </a:ln>
+        </p:spPr>
+        <p:style>
+          <a:lnRef idx="2">
+            <a:schemeClr val="accent1">
+              <a:shade val="50000"/>
+            </a:schemeClr>
+          </a:lnRef>
+          <a:fillRef idx="1">
+            <a:schemeClr val="accent1"/>
+          </a:fillRef>
+          <a:effectRef idx="0">
+            <a:schemeClr val="accent1"/>
+          </a:effectRef>
+          <a:fontRef idx="minor">
+            <a:schemeClr val="lt1"/>
+          </a:fontRef>
+        </p:style>
+        <p:txBody>
+          <a:bodyPr rtlCol="0" anchor="ctr"/>
+          <a:lstStyle/>
+          <a:p>
+            <a:pPr algn="ctr"/>
+            <a:endParaRPr kumimoji="1" lang="ja-JP" altLang="en-US"/>
+          </a:p>
+        </p:txBody>
+      </p:sp>
+      <p:sp>
+        <p:nvSpPr>
+          <p:cNvPr id="3" name="TextBox 2">
+            <a:extLst>
+              <a:ext uri="{FF2B5EF4-FFF2-40B4-BE49-F238E27FC236}">
+                <a16:creationId xmlns:a16="http://schemas.microsoft.com/office/drawing/2014/main" id="{AB4B34AC-3989-2F20-4A6C-00C0FD7F6E94}"/>
+              </a:ext>
+            </a:extLst>
+          </p:cNvPr>
+          <p:cNvSpPr txBox="1"/>
+          <p:nvPr/>
+        </p:nvSpPr>
+        <p:spPr>
+          <a:xfrm>
+            <a:off x="1178884" y="2481605"/>
+            <a:ext cx="9422854" cy="1077218"/>
+          </a:xfrm>
+          <a:prstGeom prst="rect">
+            <a:avLst/>
+          </a:prstGeom>
+          <a:noFill/>
+        </p:spPr>
+        <p:txBody>
+          <a:bodyPr rot="0" spcFirstLastPara="0" vertOverflow="overflow" horzOverflow="overflow" vert="horz" wrap="square" lIns="91440" tIns="45720" rIns="91440" bIns="45720" numCol="1" spcCol="0" rtlCol="0" fromWordArt="0" anchor="t" anchorCtr="0" forceAA="0" compatLnSpc="1">
+            <a:prstTxWarp prst="textNoShape">
+              <a:avLst/>
+            </a:prstTxWarp>
+            <a:spAutoFit/>
+          </a:bodyPr>
+          <a:lstStyle/>
+          <a:p>
+            <a:pPr algn="l"/>
+            <a:r>
+              <a:rPr lang="en-US" sz="3200" dirty="0">
+                <a:solidFill>
+                  <a:srgbClr val="1D1C1D"/>
+                </a:solidFill>
+                <a:latin typeface="UD デジタル 教科書体 NK-R" panose="02020400000000000000" pitchFamily="18" charset="-128"/>
+                <a:ea typeface="UD デジタル 教科書体 NK-R" panose="02020400000000000000" pitchFamily="18" charset="-128"/>
+                <a:cs typeface="+mn-lt"/>
+              </a:rPr>
+              <a:t>Web</a:t>
+            </a:r>
+            <a:r>
+              <a:rPr lang="ja-JP" altLang="en-US" sz="3200" dirty="0">
+                <a:solidFill>
+                  <a:srgbClr val="1D1C1D"/>
+                </a:solidFill>
+                <a:latin typeface="UD デジタル 教科書体 NK-R" panose="02020400000000000000" pitchFamily="18" charset="-128"/>
+                <a:ea typeface="UD デジタル 教科書体 NK-R" panose="02020400000000000000" pitchFamily="18" charset="-128"/>
+                <a:cs typeface="+mn-lt"/>
+              </a:rPr>
+              <a:t>での健康管理を目的としており、システムの想定利用者は健康を気にしている社会人がメインターゲット。</a:t>
+            </a:r>
+            <a:endParaRPr lang="en-US" dirty="0">
+              <a:latin typeface="UD デジタル 教科書体 NK-R" panose="02020400000000000000" pitchFamily="18" charset="-128"/>
+              <a:ea typeface="UD デジタル 教科書体 NK-R" panose="02020400000000000000" pitchFamily="18" charset="-128"/>
+            </a:endParaRPr>
+          </a:p>
+        </p:txBody>
+      </p:sp>
+      <p:pic>
+        <p:nvPicPr>
+          <p:cNvPr id="9" name="Picture 9">
+            <a:extLst>
+              <a:ext uri="{FF2B5EF4-FFF2-40B4-BE49-F238E27FC236}">
+                <a16:creationId xmlns:a16="http://schemas.microsoft.com/office/drawing/2014/main" id="{33D28521-785D-1648-ECF5-AB7C74DCF8FC}"/>
+              </a:ext>
+            </a:extLst>
+          </p:cNvPr>
+          <p:cNvPicPr>
+            <a:picLocks noChangeAspect="1"/>
+          </p:cNvPicPr>
+          <p:nvPr/>
+        </p:nvPicPr>
+        <p:blipFill>
+          <a:blip r:embed="rId2"/>
+          <a:stretch>
+            <a:fillRect/>
+          </a:stretch>
+        </p:blipFill>
+        <p:spPr>
+          <a:xfrm>
+            <a:off x="9702154" y="544419"/>
+            <a:ext cx="1799167" cy="1799167"/>
+          </a:xfrm>
+          <a:prstGeom prst="rect">
+            <a:avLst/>
+          </a:prstGeom>
+        </p:spPr>
+      </p:pic>
+      <p:pic>
+        <p:nvPicPr>
+          <p:cNvPr id="10" name="Picture 10">
+            <a:extLst>
+              <a:ext uri="{FF2B5EF4-FFF2-40B4-BE49-F238E27FC236}">
+                <a16:creationId xmlns:a16="http://schemas.microsoft.com/office/drawing/2014/main" id="{07E3DEB5-8DA8-15D3-6F0D-D4F86BDF544E}"/>
+              </a:ext>
+            </a:extLst>
+          </p:cNvPr>
+          <p:cNvPicPr>
+            <a:picLocks noChangeAspect="1"/>
+          </p:cNvPicPr>
+          <p:nvPr/>
+        </p:nvPicPr>
+        <p:blipFill>
+          <a:blip r:embed="rId3"/>
+          <a:stretch>
+            <a:fillRect/>
+          </a:stretch>
+        </p:blipFill>
+        <p:spPr>
+          <a:xfrm>
+            <a:off x="733011" y="4103307"/>
+            <a:ext cx="1714500" cy="1714500"/>
+          </a:xfrm>
+          <a:prstGeom prst="rect">
+            <a:avLst/>
+          </a:prstGeom>
+        </p:spPr>
+      </p:pic>
+      <p:sp>
+        <p:nvSpPr>
+          <p:cNvPr id="6" name="テキスト ボックス 5">
+            <a:extLst>
+              <a:ext uri="{FF2B5EF4-FFF2-40B4-BE49-F238E27FC236}">
+                <a16:creationId xmlns:a16="http://schemas.microsoft.com/office/drawing/2014/main" id="{92B15E89-77E4-4D03-B872-F261F902DE20}"/>
+              </a:ext>
+            </a:extLst>
+          </p:cNvPr>
+          <p:cNvSpPr txBox="1"/>
+          <p:nvPr/>
+        </p:nvSpPr>
+        <p:spPr>
+          <a:xfrm>
+            <a:off x="2743642" y="4421948"/>
+            <a:ext cx="8364648" cy="1077218"/>
+          </a:xfrm>
+          <a:prstGeom prst="rect">
+            <a:avLst/>
+          </a:prstGeom>
+          <a:noFill/>
+        </p:spPr>
+        <p:txBody>
+          <a:bodyPr wrap="square" rtlCol="0">
+            <a:spAutoFit/>
+          </a:bodyPr>
+          <a:lstStyle/>
+          <a:p>
+            <a:r>
+              <a:rPr kumimoji="1" lang="ja-JP" altLang="en-US" sz="3200" dirty="0">
+                <a:solidFill>
+                  <a:schemeClr val="bg1"/>
+                </a:solidFill>
+                <a:latin typeface="UD デジタル 教科書体 NK-R" panose="02020400000000000000" pitchFamily="18" charset="-128"/>
+                <a:ea typeface="UD デジタル 教科書体 NK-R" panose="02020400000000000000" pitchFamily="18" charset="-128"/>
+              </a:rPr>
+              <a:t>カレンダー上での総カロリー表示やグラフ機能など、視覚的にわかりやすく、毎日の使用が容易。</a:t>
+            </a:r>
+          </a:p>
+        </p:txBody>
+      </p:sp>
+    </p:spTree>
+    <p:extLst>
+      <p:ext uri="{BB962C8B-B14F-4D97-AF65-F5344CB8AC3E}">
+        <p14:creationId xmlns:p14="http://schemas.microsoft.com/office/powerpoint/2010/main" val="1413923070"/>
+      </p:ext>
+    </p:extLst>
+  </p:cSld>
+  <p:clrMapOvr>
+    <a:masterClrMapping/>
+  </p:clrMapOvr>
+  <p:timing>
+    <p:tnLst>
+      <p:par>
+        <p:cTn id="1" dur="indefinite" restart="never" nodeType="tmRoot">
+          <p:childTnLst>
+            <p:seq concurrent="1" nextAc="seek">
+              <p:cTn id="2" dur="indefinite" nodeType="mainSeq">
+                <p:childTnLst>
+                  <p:par>
+                    <p:cTn id="3" fill="hold">
+                      <p:stCondLst>
+                        <p:cond delay="indefinite"/>
+                      </p:stCondLst>
+                      <p:childTnLst>
+                        <p:par>
+                          <p:cTn id="4" fill="hold">
+                            <p:stCondLst>
+                              <p:cond delay="0"/>
+                            </p:stCondLst>
+                            <p:childTnLst>
+                              <p:par>
+                                <p:cTn id="5" presetID="10" presetClass="entr" presetSubtype="0" fill="hold" grpId="0" nodeType="clickEffect">
+                                  <p:stCondLst>
+                                    <p:cond delay="0"/>
+                                  </p:stCondLst>
+                                  <p:childTnLst>
+                                    <p:set>
+                                      <p:cBhvr>
+                                        <p:cTn id="6" dur="1" fill="hold">
+                                          <p:stCondLst>
+                                            <p:cond delay="0"/>
+                                          </p:stCondLst>
+                                        </p:cTn>
+                                        <p:tgtEl>
+                                          <p:spTgt spid="3"/>
+                                        </p:tgtEl>
+                                        <p:attrNameLst>
+                                          <p:attrName>style.visibility</p:attrName>
+                                        </p:attrNameLst>
+                                      </p:cBhvr>
+                                      <p:to>
+                                        <p:strVal val="visible"/>
+                                      </p:to>
+                                    </p:set>
+                                    <p:animEffect transition="in" filter="fade">
+                                      <p:cBhvr>
+                                        <p:cTn id="7" dur="500"/>
+                                        <p:tgtEl>
+                                          <p:spTgt spid="3"/>
+                                        </p:tgtEl>
+                                      </p:cBhvr>
+                                    </p:animEffect>
+                                  </p:childTnLst>
+                                </p:cTn>
+                              </p:par>
+                            </p:childTnLst>
+                          </p:cTn>
+                        </p:par>
+                      </p:childTnLst>
+                    </p:cTn>
+                  </p:par>
+                  <p:par>
+                    <p:cTn id="8" fill="hold">
+                      <p:stCondLst>
+                        <p:cond delay="indefinite"/>
+                      </p:stCondLst>
+                      <p:childTnLst>
+                        <p:par>
+                          <p:cTn id="9" fill="hold">
+                            <p:stCondLst>
+                              <p:cond delay="0"/>
+                            </p:stCondLst>
+                            <p:childTnLst>
+                              <p:par>
+                                <p:cTn id="10" presetID="10" presetClass="entr" presetSubtype="0" fill="hold" grpId="0" nodeType="clickEffect">
+                                  <p:stCondLst>
+                                    <p:cond delay="0"/>
+                                  </p:stCondLst>
+                                  <p:childTnLst>
+                                    <p:set>
+                                      <p:cBhvr>
+                                        <p:cTn id="11" dur="1" fill="hold">
+                                          <p:stCondLst>
+                                            <p:cond delay="0"/>
+                                          </p:stCondLst>
+                                        </p:cTn>
+                                        <p:tgtEl>
+                                          <p:spTgt spid="6"/>
+                                        </p:tgtEl>
+                                        <p:attrNameLst>
+                                          <p:attrName>style.visibility</p:attrName>
+                                        </p:attrNameLst>
+                                      </p:cBhvr>
+                                      <p:to>
+                                        <p:strVal val="visible"/>
+                                      </p:to>
+                                    </p:set>
+                                    <p:animEffect transition="in" filter="fade">
+                                      <p:cBhvr>
+                                        <p:cTn id="12" dur="500"/>
+                                        <p:tgtEl>
+                                          <p:spTgt spid="6"/>
+                                        </p:tgtEl>
+                                      </p:cBhvr>
+                                    </p:animEffect>
+                                  </p:childTnLst>
+                                </p:cTn>
+                              </p:par>
+                            </p:childTnLst>
+                          </p:cTn>
+                        </p:par>
+                      </p:childTnLst>
+                    </p:cTn>
+                  </p:par>
+                </p:childTnLst>
+              </p:cTn>
+              <p:prevCondLst>
+                <p:cond evt="onPrev" delay="0">
+                  <p:tgtEl>
+                    <p:sldTgt/>
+                  </p:tgtEl>
+                </p:cond>
+              </p:prevCondLst>
+              <p:nextCondLst>
+                <p:cond evt="onNext" delay="0">
+                  <p:tgtEl>
+                    <p:sldTgt/>
+                  </p:tgtEl>
+                </p:cond>
+              </p:nextCondLst>
+            </p:seq>
+          </p:childTnLst>
+        </p:cTn>
+      </p:par>
+    </p:tnLst>
+    <p:bldLst>
+      <p:bldP spid="3" grpId="0"/>
+      <p:bldP spid="6" grpId="0"/>
+    </p:bldLst>
+  </p:timing>
+</p:sld>
+</file>
+
 <file path=ppt/slides/slide8.xml><?xml version="1.0" encoding="utf-8"?>
 <p:sld xmlns:a="http://schemas.openxmlformats.org/drawingml/2006/main" xmlns:r="http://schemas.openxmlformats.org/officeDocument/2006/relationships" xmlns:p="http://schemas.openxmlformats.org/presentationml/2006/main">
   <p:cSld>
@@ -6626,12 +7872,222 @@
           </a:p>
         </p:txBody>
       </p:sp>
+      <p:sp>
+        <p:nvSpPr>
+          <p:cNvPr id="5" name="二等辺三角形 4">
+            <a:extLst>
+              <a:ext uri="{FF2B5EF4-FFF2-40B4-BE49-F238E27FC236}">
+                <a16:creationId xmlns:a16="http://schemas.microsoft.com/office/drawing/2014/main" id="{D9607411-9B7B-83A2-8914-4A8B7F0D514C}"/>
+              </a:ext>
+            </a:extLst>
+          </p:cNvPr>
+          <p:cNvSpPr/>
+          <p:nvPr/>
+        </p:nvSpPr>
+        <p:spPr>
+          <a:xfrm rot="5400000">
+            <a:off x="862426" y="893905"/>
+            <a:ext cx="481012" cy="442911"/>
+          </a:xfrm>
+          <a:prstGeom prst="triangle">
+            <a:avLst/>
+          </a:prstGeom>
+          <a:solidFill>
+            <a:srgbClr val="ACBCFF"/>
+          </a:solidFill>
+          <a:ln>
+            <a:noFill/>
+          </a:ln>
+        </p:spPr>
+        <p:style>
+          <a:lnRef idx="2">
+            <a:schemeClr val="accent1">
+              <a:shade val="50000"/>
+            </a:schemeClr>
+          </a:lnRef>
+          <a:fillRef idx="1">
+            <a:schemeClr val="accent1"/>
+          </a:fillRef>
+          <a:effectRef idx="0">
+            <a:schemeClr val="accent1"/>
+          </a:effectRef>
+          <a:fontRef idx="minor">
+            <a:schemeClr val="lt1"/>
+          </a:fontRef>
+        </p:style>
+        <p:txBody>
+          <a:bodyPr rtlCol="0" anchor="ctr"/>
+          <a:lstStyle/>
+          <a:p>
+            <a:pPr algn="ctr"/>
+            <a:endParaRPr kumimoji="1" lang="ja-JP" altLang="en-US"/>
+          </a:p>
+        </p:txBody>
+      </p:sp>
+      <p:sp>
+        <p:nvSpPr>
+          <p:cNvPr id="7" name="テキスト ボックス 5">
+            <a:extLst>
+              <a:ext uri="{FF2B5EF4-FFF2-40B4-BE49-F238E27FC236}">
+                <a16:creationId xmlns:a16="http://schemas.microsoft.com/office/drawing/2014/main" id="{113EFBB3-155C-43AE-97AD-D6FB1DD8C706}"/>
+              </a:ext>
+            </a:extLst>
+          </p:cNvPr>
+          <p:cNvSpPr txBox="1"/>
+          <p:nvPr/>
+        </p:nvSpPr>
+        <p:spPr>
+          <a:xfrm>
+            <a:off x="1590261" y="867146"/>
+            <a:ext cx="4333875" cy="584775"/>
+          </a:xfrm>
+          <a:prstGeom prst="rect">
+            <a:avLst/>
+          </a:prstGeom>
+          <a:noFill/>
+        </p:spPr>
+        <p:txBody>
+          <a:bodyPr wrap="square" lIns="91440" tIns="45720" rIns="91440" bIns="45720" rtlCol="0" anchor="t">
+            <a:spAutoFit/>
+          </a:bodyPr>
+          <a:lstStyle/>
+          <a:p>
+            <a:r>
+              <a:rPr kumimoji="1" lang="ja-JP" altLang="en-US" sz="3200">
+                <a:solidFill>
+                  <a:schemeClr val="bg1"/>
+                </a:solidFill>
+                <a:latin typeface="UD デジタル 教科書体 NP-R"/>
+                <a:ea typeface="UD デジタル 教科書体 NP-R"/>
+              </a:rPr>
+              <a:t>アプリの詳細</a:t>
+            </a:r>
+          </a:p>
+        </p:txBody>
+      </p:sp>
+      <p:sp>
+        <p:nvSpPr>
+          <p:cNvPr id="3" name="テキスト ボックス 5">
+            <a:extLst>
+              <a:ext uri="{FF2B5EF4-FFF2-40B4-BE49-F238E27FC236}">
+                <a16:creationId xmlns:a16="http://schemas.microsoft.com/office/drawing/2014/main" id="{3AF08025-2BA0-2C8E-AF37-DEA08D50A512}"/>
+              </a:ext>
+            </a:extLst>
+          </p:cNvPr>
+          <p:cNvSpPr txBox="1"/>
+          <p:nvPr/>
+        </p:nvSpPr>
+        <p:spPr>
+          <a:xfrm>
+            <a:off x="1590261" y="1717494"/>
+            <a:ext cx="4333875" cy="1077218"/>
+          </a:xfrm>
+          <a:prstGeom prst="rect">
+            <a:avLst/>
+          </a:prstGeom>
+          <a:noFill/>
+        </p:spPr>
+        <p:txBody>
+          <a:bodyPr wrap="square" lIns="91440" tIns="45720" rIns="91440" bIns="45720" rtlCol="0" anchor="t">
+            <a:spAutoFit/>
+          </a:bodyPr>
+          <a:lstStyle/>
+          <a:p>
+            <a:endParaRPr lang="ja-JP" altLang="en-US" sz="3200">
+              <a:solidFill>
+                <a:schemeClr val="bg1"/>
+              </a:solidFill>
+              <a:latin typeface="UD デジタル 教科書体 NP-R"/>
+              <a:ea typeface="UD デジタル 教科書体 NP-R"/>
+            </a:endParaRPr>
+          </a:p>
+          <a:p>
+            <a:endParaRPr lang="ja-JP" altLang="en-US" sz="3200">
+              <a:solidFill>
+                <a:schemeClr val="bg1"/>
+              </a:solidFill>
+              <a:latin typeface="UD デジタル 教科書体 NP-R"/>
+              <a:ea typeface="UD デジタル 教科書体 NP-R"/>
+            </a:endParaRPr>
+          </a:p>
+        </p:txBody>
+      </p:sp>
+      <p:sp>
+        <p:nvSpPr>
+          <p:cNvPr id="9" name="TextBox 8">
+            <a:extLst>
+              <a:ext uri="{FF2B5EF4-FFF2-40B4-BE49-F238E27FC236}">
+                <a16:creationId xmlns:a16="http://schemas.microsoft.com/office/drawing/2014/main" id="{8BFF2847-2F7E-2CA4-40E9-31CD998B317C}"/>
+              </a:ext>
+            </a:extLst>
+          </p:cNvPr>
+          <p:cNvSpPr txBox="1"/>
+          <p:nvPr/>
+        </p:nvSpPr>
+        <p:spPr>
+          <a:xfrm>
+            <a:off x="1562652" y="1912667"/>
+            <a:ext cx="9066695" cy="2062103"/>
+          </a:xfrm>
+          <a:prstGeom prst="rect">
+            <a:avLst/>
+          </a:prstGeom>
+          <a:noFill/>
+        </p:spPr>
+        <p:txBody>
+          <a:bodyPr rot="0" spcFirstLastPara="0" vertOverflow="overflow" horzOverflow="overflow" vert="horz" wrap="square" lIns="91440" tIns="45720" rIns="91440" bIns="45720" numCol="1" spcCol="0" rtlCol="0" fromWordArt="0" anchor="t" anchorCtr="0" forceAA="0" compatLnSpc="1">
+            <a:prstTxWarp prst="textNoShape">
+              <a:avLst/>
+            </a:prstTxWarp>
+            <a:spAutoFit/>
+          </a:bodyPr>
+          <a:lstStyle/>
+          <a:p>
+            <a:r>
+              <a:rPr lang="ja-JP" altLang="en-US" sz="3200" dirty="0">
+                <a:solidFill>
+                  <a:schemeClr val="bg1"/>
+                </a:solidFill>
+                <a:latin typeface="UD デジタル 教科書体 NP-R"/>
+                <a:ea typeface="UD デジタル 教科書体 NP-R"/>
+              </a:rPr>
+              <a:t>記録した食事の摂取カロリーを元にグラフを形成し、視覚的に分かりやすく日々の食事や体重を</a:t>
+            </a:r>
+            <a:r>
+              <a:rPr lang="en-US" altLang="ja-JP" sz="3200" dirty="0">
+                <a:solidFill>
+                  <a:schemeClr val="bg1"/>
+                </a:solidFill>
+                <a:latin typeface="UD デジタル 教科書体 NP-R"/>
+                <a:ea typeface="UD デジタル 教科書体 NP-R"/>
+              </a:rPr>
+              <a:t>Web</a:t>
+            </a:r>
+            <a:r>
+              <a:rPr lang="ja-JP" altLang="en-US" sz="3200" dirty="0">
+                <a:solidFill>
+                  <a:schemeClr val="bg1"/>
+                </a:solidFill>
+                <a:latin typeface="UD デジタル 教科書体 NP-R"/>
+                <a:ea typeface="UD デジタル 教科書体 NP-R"/>
+              </a:rPr>
+              <a:t>アプリ上で一括管理することで、ユーザーの健康管理を手助けする。</a:t>
+            </a:r>
+            <a:endParaRPr lang="ja-JP" dirty="0">
+              <a:solidFill>
+                <a:schemeClr val="bg1"/>
+              </a:solidFill>
+              <a:ea typeface="ＭＳ ゴシック"/>
+            </a:endParaRPr>
+          </a:p>
+        </p:txBody>
+      </p:sp>
       <p:pic>
         <p:nvPicPr>
-          <p:cNvPr id="4" name="図 3" descr="QR コード&#10;&#10;自動的に生成された説明">
+          <p:cNvPr id="8" name="図 7" descr="時計 が含まれている画像&#10;&#10;自動的に生成された説明">
             <a:extLst>
               <a:ext uri="{FF2B5EF4-FFF2-40B4-BE49-F238E27FC236}">
-                <a16:creationId xmlns:a16="http://schemas.microsoft.com/office/drawing/2014/main" id="{ABB3591B-5E19-4006-8ACC-6FC6F11F2A64}"/>
+                <a16:creationId xmlns:a16="http://schemas.microsoft.com/office/drawing/2014/main" id="{8F83B669-E6D7-47AF-A3D3-B59FE75ED8F6}"/>
               </a:ext>
             </a:extLst>
           </p:cNvPr>
@@ -6654,8 +8110,8 @@
         </p:blipFill>
         <p:spPr>
           <a:xfrm>
-            <a:off x="10715625" y="5267325"/>
-            <a:ext cx="1323975" cy="1323975"/>
+            <a:off x="9306648" y="3070462"/>
+            <a:ext cx="2520771" cy="3064767"/>
           </a:xfrm>
           <a:prstGeom prst="rect">
             <a:avLst/>
@@ -6664,75 +8120,10 @@
       </p:pic>
       <p:pic>
         <p:nvPicPr>
-          <p:cNvPr id="6" name="Picture 6">
+          <p:cNvPr id="13" name="図 12" descr="テーブル, 屋内, ケーキ, 座る が含まれている画像&#10;&#10;自動的に生成された説明">
             <a:extLst>
               <a:ext uri="{FF2B5EF4-FFF2-40B4-BE49-F238E27FC236}">
-                <a16:creationId xmlns:a16="http://schemas.microsoft.com/office/drawing/2014/main" id="{BE48B18D-763B-8F33-DB0F-E252F1803D5C}"/>
-              </a:ext>
-            </a:extLst>
-          </p:cNvPr>
-          <p:cNvPicPr>
-            <a:picLocks noChangeAspect="1"/>
-          </p:cNvPicPr>
-          <p:nvPr/>
-        </p:nvPicPr>
-        <p:blipFill rotWithShape="1">
-          <a:blip r:embed="rId3"/>
-          <a:srcRect l="14674" t="31224" r="15761" b="204"/>
-          <a:stretch/>
-        </p:blipFill>
-        <p:spPr>
-          <a:xfrm>
-            <a:off x="671443" y="624164"/>
-            <a:ext cx="6573950" cy="3434247"/>
-          </a:xfrm>
-          <a:prstGeom prst="rect">
-            <a:avLst/>
-          </a:prstGeom>
-        </p:spPr>
-      </p:pic>
-      <p:sp>
-        <p:nvSpPr>
-          <p:cNvPr id="7" name="TextBox 6">
-            <a:extLst>
-              <a:ext uri="{FF2B5EF4-FFF2-40B4-BE49-F238E27FC236}">
-                <a16:creationId xmlns:a16="http://schemas.microsoft.com/office/drawing/2014/main" id="{261EFB76-6E16-50D4-F4F2-3ADFD21EB9FF}"/>
-              </a:ext>
-            </a:extLst>
-          </p:cNvPr>
-          <p:cNvSpPr txBox="1"/>
-          <p:nvPr/>
-        </p:nvSpPr>
-        <p:spPr>
-          <a:xfrm>
-            <a:off x="8001000" y="1242391"/>
-            <a:ext cx="3246782" cy="2418521"/>
-          </a:xfrm>
-          <a:prstGeom prst="rect">
-            <a:avLst/>
-          </a:prstGeom>
-          <a:noFill/>
-        </p:spPr>
-        <p:txBody>
-          <a:bodyPr rot="0" spcFirstLastPara="0" vertOverflow="overflow" horzOverflow="overflow" vert="horz" wrap="square" lIns="91440" tIns="45720" rIns="91440" bIns="45720" numCol="1" spcCol="0" rtlCol="0" fromWordArt="0" anchor="t" anchorCtr="0" forceAA="0" compatLnSpc="1">
-            <a:prstTxWarp prst="textNoShape">
-              <a:avLst/>
-            </a:prstTxWarp>
-            <a:spAutoFit/>
-          </a:bodyPr>
-          <a:lstStyle/>
-          <a:p>
-            <a:pPr algn="l"/>
-            <a:endParaRPr lang="en-US"/>
-          </a:p>
-        </p:txBody>
-      </p:sp>
-      <p:pic>
-        <p:nvPicPr>
-          <p:cNvPr id="3" name="Picture 4">
-            <a:extLst>
-              <a:ext uri="{FF2B5EF4-FFF2-40B4-BE49-F238E27FC236}">
-                <a16:creationId xmlns:a16="http://schemas.microsoft.com/office/drawing/2014/main" id="{E0A301A9-E926-2E44-5B64-52BDE421A763}"/>
+                <a16:creationId xmlns:a16="http://schemas.microsoft.com/office/drawing/2014/main" id="{D187A62A-BD76-40DE-A90E-AB07839219B2}"/>
               </a:ext>
             </a:extLst>
           </p:cNvPr>
@@ -6742,97 +8133,123 @@
           <p:nvPr/>
         </p:nvPicPr>
         <p:blipFill>
-          <a:blip r:embed="rId4"/>
+          <a:blip r:embed="rId3">
+            <a:extLst>
+              <a:ext uri="{28A0092B-C50C-407E-A947-70E740481C1C}">
+                <a14:useLocalDpi xmlns:a14="http://schemas.microsoft.com/office/drawing/2010/main" val="0"/>
+              </a:ext>
+            </a:extLst>
+          </a:blip>
           <a:stretch>
             <a:fillRect/>
           </a:stretch>
         </p:blipFill>
         <p:spPr>
           <a:xfrm>
-            <a:off x="841216" y="4156645"/>
-            <a:ext cx="6234752" cy="2045657"/>
+            <a:off x="2084676" y="3636509"/>
+            <a:ext cx="3627756" cy="2770286"/>
           </a:xfrm>
           <a:prstGeom prst="rect">
             <a:avLst/>
           </a:prstGeom>
         </p:spPr>
       </p:pic>
-      <p:sp>
-        <p:nvSpPr>
-          <p:cNvPr id="8" name="TextBox 7">
-            <a:extLst>
-              <a:ext uri="{FF2B5EF4-FFF2-40B4-BE49-F238E27FC236}">
-                <a16:creationId xmlns:a16="http://schemas.microsoft.com/office/drawing/2014/main" id="{64F7EA39-FA74-A2AF-688D-6B22B5DCC672}"/>
-              </a:ext>
-            </a:extLst>
-          </p:cNvPr>
-          <p:cNvSpPr txBox="1"/>
-          <p:nvPr/>
-        </p:nvSpPr>
-        <p:spPr>
-          <a:xfrm>
-            <a:off x="7520608" y="2070652"/>
-            <a:ext cx="3776868" cy="2677656"/>
-          </a:xfrm>
-          <a:prstGeom prst="rect">
-            <a:avLst/>
-          </a:prstGeom>
-          <a:noFill/>
-        </p:spPr>
-        <p:txBody>
-          <a:bodyPr rot="0" spcFirstLastPara="0" vertOverflow="overflow" horzOverflow="overflow" vert="horz" wrap="square" lIns="91440" tIns="45720" rIns="91440" bIns="45720" numCol="1" spcCol="0" rtlCol="0" fromWordArt="0" anchor="t" anchorCtr="0" forceAA="0" compatLnSpc="1">
-            <a:prstTxWarp prst="textNoShape">
-              <a:avLst/>
-            </a:prstTxWarp>
-            <a:spAutoFit/>
-          </a:bodyPr>
-          <a:lstStyle/>
-          <a:p>
-            <a:pPr algn="l"/>
-            <a:r>
-              <a:rPr lang="ja-JP" altLang="en-US" sz="2800">
-                <a:solidFill>
-                  <a:schemeClr val="bg1"/>
-                </a:solidFill>
-                <a:latin typeface="UD デジタル 教科書体 NP-R"/>
-                <a:ea typeface="UD デジタル 教科書体 NP-R"/>
-              </a:rPr>
-              <a:t>・摂取カロリーを元に動的なグラフを月ごとに形成</a:t>
-            </a:r>
-          </a:p>
-          <a:p>
-            <a:endParaRPr lang="ja-JP" altLang="en-US" sz="2800">
-              <a:solidFill>
-                <a:schemeClr val="bg1"/>
-              </a:solidFill>
-              <a:latin typeface="UD デジタル 教科書体 NP-R"/>
-              <a:ea typeface="UD デジタル 教科書体 NP-R"/>
-            </a:endParaRPr>
-          </a:p>
-          <a:p>
-            <a:r>
-              <a:rPr lang="ja-JP" altLang="en-US" sz="2800">
-                <a:solidFill>
-                  <a:schemeClr val="bg1"/>
-                </a:solidFill>
-                <a:latin typeface="UD デジタル 教科書体 NP-R"/>
-                <a:ea typeface="UD デジタル 教科書体 NP-R"/>
-              </a:rPr>
-              <a:t>・ユーザーに合わせた基礎代謝を表示</a:t>
-            </a:r>
-          </a:p>
-        </p:txBody>
-      </p:sp>
     </p:spTree>
     <p:extLst>
       <p:ext uri="{BB962C8B-B14F-4D97-AF65-F5344CB8AC3E}">
-        <p14:creationId xmlns:p14="http://schemas.microsoft.com/office/powerpoint/2010/main" val="3058868081"/>
+        <p14:creationId xmlns:p14="http://schemas.microsoft.com/office/powerpoint/2010/main" val="4073078951"/>
       </p:ext>
     </p:extLst>
   </p:cSld>
   <p:clrMapOvr>
     <a:masterClrMapping/>
   </p:clrMapOvr>
+  <p:timing>
+    <p:tnLst>
+      <p:par>
+        <p:cTn id="1" dur="indefinite" restart="never" nodeType="tmRoot">
+          <p:childTnLst>
+            <p:seq concurrent="1" nextAc="seek">
+              <p:cTn id="2" dur="indefinite" nodeType="mainSeq">
+                <p:childTnLst>
+                  <p:par>
+                    <p:cTn id="3" fill="hold">
+                      <p:stCondLst>
+                        <p:cond delay="indefinite"/>
+                      </p:stCondLst>
+                      <p:childTnLst>
+                        <p:par>
+                          <p:cTn id="4" fill="hold">
+                            <p:stCondLst>
+                              <p:cond delay="0"/>
+                            </p:stCondLst>
+                            <p:childTnLst>
+                              <p:par>
+                                <p:cTn id="5" presetID="10" presetClass="entr" presetSubtype="0" fill="hold" grpId="0" nodeType="clickEffect">
+                                  <p:stCondLst>
+                                    <p:cond delay="0"/>
+                                  </p:stCondLst>
+                                  <p:childTnLst>
+                                    <p:set>
+                                      <p:cBhvr>
+                                        <p:cTn id="6" dur="1" fill="hold">
+                                          <p:stCondLst>
+                                            <p:cond delay="0"/>
+                                          </p:stCondLst>
+                                        </p:cTn>
+                                        <p:tgtEl>
+                                          <p:spTgt spid="9"/>
+                                        </p:tgtEl>
+                                        <p:attrNameLst>
+                                          <p:attrName>style.visibility</p:attrName>
+                                        </p:attrNameLst>
+                                      </p:cBhvr>
+                                      <p:to>
+                                        <p:strVal val="visible"/>
+                                      </p:to>
+                                    </p:set>
+                                    <p:animEffect transition="in" filter="fade">
+                                      <p:cBhvr>
+                                        <p:cTn id="7" dur="500"/>
+                                        <p:tgtEl>
+                                          <p:spTgt spid="9"/>
+                                        </p:tgtEl>
+                                      </p:cBhvr>
+                                    </p:animEffect>
+                                  </p:childTnLst>
+                                </p:cTn>
+                              </p:par>
+                            </p:childTnLst>
+                          </p:cTn>
+                        </p:par>
+                      </p:childTnLst>
+                    </p:cTn>
+                  </p:par>
+                </p:childTnLst>
+              </p:cTn>
+              <p:prevCondLst>
+                <p:cond evt="onPrev" delay="0">
+                  <p:tgtEl>
+                    <p:sldTgt/>
+                  </p:tgtEl>
+                </p:cond>
+              </p:prevCondLst>
+              <p:nextCondLst>
+                <p:cond evt="onNext" delay="0">
+                  <p:tgtEl>
+                    <p:sldTgt/>
+                  </p:tgtEl>
+                </p:cond>
+              </p:nextCondLst>
+            </p:seq>
+          </p:childTnLst>
+        </p:cTn>
+      </p:par>
+    </p:tnLst>
+    <p:bldLst>
+      <p:bldP spid="9" grpId="0"/>
+    </p:bldLst>
+  </p:timing>
 </p:sld>
 </file>
 
@@ -6913,12 +8330,197 @@
           </a:p>
         </p:txBody>
       </p:sp>
+      <p:sp>
+        <p:nvSpPr>
+          <p:cNvPr id="5" name="二等辺三角形 4">
+            <a:extLst>
+              <a:ext uri="{FF2B5EF4-FFF2-40B4-BE49-F238E27FC236}">
+                <a16:creationId xmlns:a16="http://schemas.microsoft.com/office/drawing/2014/main" id="{2D0FBA5F-8ECE-F504-16C0-8F0B3EF522FD}"/>
+              </a:ext>
+            </a:extLst>
+          </p:cNvPr>
+          <p:cNvSpPr/>
+          <p:nvPr/>
+        </p:nvSpPr>
+        <p:spPr>
+          <a:xfrm rot="5400000">
+            <a:off x="862426" y="893905"/>
+            <a:ext cx="481012" cy="442911"/>
+          </a:xfrm>
+          <a:prstGeom prst="triangle">
+            <a:avLst/>
+          </a:prstGeom>
+          <a:solidFill>
+            <a:srgbClr val="ACBCFF"/>
+          </a:solidFill>
+          <a:ln>
+            <a:noFill/>
+          </a:ln>
+        </p:spPr>
+        <p:style>
+          <a:lnRef idx="2">
+            <a:schemeClr val="accent1">
+              <a:shade val="50000"/>
+            </a:schemeClr>
+          </a:lnRef>
+          <a:fillRef idx="1">
+            <a:schemeClr val="accent1"/>
+          </a:fillRef>
+          <a:effectRef idx="0">
+            <a:schemeClr val="accent1"/>
+          </a:effectRef>
+          <a:fontRef idx="minor">
+            <a:schemeClr val="lt1"/>
+          </a:fontRef>
+        </p:style>
+        <p:txBody>
+          <a:bodyPr rtlCol="0" anchor="ctr"/>
+          <a:lstStyle/>
+          <a:p>
+            <a:pPr algn="ctr"/>
+            <a:endParaRPr kumimoji="1" lang="ja-JP" altLang="en-US"/>
+          </a:p>
+        </p:txBody>
+      </p:sp>
+      <p:sp>
+        <p:nvSpPr>
+          <p:cNvPr id="7" name="テキスト ボックス 5">
+            <a:extLst>
+              <a:ext uri="{FF2B5EF4-FFF2-40B4-BE49-F238E27FC236}">
+                <a16:creationId xmlns:a16="http://schemas.microsoft.com/office/drawing/2014/main" id="{6956503F-3FB0-F439-B3C1-C7FEF111C254}"/>
+              </a:ext>
+            </a:extLst>
+          </p:cNvPr>
+          <p:cNvSpPr txBox="1"/>
+          <p:nvPr/>
+        </p:nvSpPr>
+        <p:spPr>
+          <a:xfrm>
+            <a:off x="1590261" y="867146"/>
+            <a:ext cx="4333875" cy="584775"/>
+          </a:xfrm>
+          <a:prstGeom prst="rect">
+            <a:avLst/>
+          </a:prstGeom>
+          <a:noFill/>
+        </p:spPr>
+        <p:txBody>
+          <a:bodyPr wrap="square" lIns="91440" tIns="45720" rIns="91440" bIns="45720" rtlCol="0" anchor="t">
+            <a:spAutoFit/>
+          </a:bodyPr>
+          <a:lstStyle/>
+          <a:p>
+            <a:r>
+              <a:rPr lang="ja-JP" altLang="en-US" sz="3200">
+                <a:solidFill>
+                  <a:schemeClr val="bg1"/>
+                </a:solidFill>
+                <a:latin typeface="UD デジタル 教科書体 NP-R"/>
+                <a:ea typeface="UD デジタル 教科書体 NP-R"/>
+              </a:rPr>
+              <a:t>注力した点</a:t>
+            </a:r>
+          </a:p>
+        </p:txBody>
+      </p:sp>
+      <p:sp>
+        <p:nvSpPr>
+          <p:cNvPr id="8" name="テキスト ボックス 5">
+            <a:extLst>
+              <a:ext uri="{FF2B5EF4-FFF2-40B4-BE49-F238E27FC236}">
+                <a16:creationId xmlns:a16="http://schemas.microsoft.com/office/drawing/2014/main" id="{0345A461-8A88-061C-5BF6-DEEC574BB497}"/>
+              </a:ext>
+            </a:extLst>
+          </p:cNvPr>
+          <p:cNvSpPr txBox="1"/>
+          <p:nvPr/>
+        </p:nvSpPr>
+        <p:spPr>
+          <a:xfrm>
+            <a:off x="6289629" y="1936523"/>
+            <a:ext cx="5162135" cy="3754874"/>
+          </a:xfrm>
+          <a:prstGeom prst="rect">
+            <a:avLst/>
+          </a:prstGeom>
+          <a:noFill/>
+        </p:spPr>
+        <p:txBody>
+          <a:bodyPr wrap="square" lIns="91440" tIns="45720" rIns="91440" bIns="45720" rtlCol="0" anchor="t">
+            <a:spAutoFit/>
+          </a:bodyPr>
+          <a:lstStyle/>
+          <a:p>
+            <a:r>
+              <a:rPr lang="ja-JP" altLang="en-US" sz="2800">
+                <a:solidFill>
+                  <a:schemeClr val="bg1"/>
+                </a:solidFill>
+                <a:latin typeface="UD デジタル 教科書体 NP-R"/>
+                <a:ea typeface="UD デジタル 教科書体 NP-R"/>
+              </a:rPr>
+              <a:t>・データベースと紐づけて日にちごとの総カロリーが動的に表示</a:t>
+            </a:r>
+          </a:p>
+          <a:p>
+            <a:endParaRPr lang="ja-JP" altLang="en-US" sz="2800">
+              <a:solidFill>
+                <a:schemeClr val="bg1"/>
+              </a:solidFill>
+              <a:latin typeface="UD デジタル 教科書体 NP-R"/>
+              <a:ea typeface="UD デジタル 教科書体 NP-R"/>
+            </a:endParaRPr>
+          </a:p>
+          <a:p>
+            <a:r>
+              <a:rPr lang="ja-JP" altLang="en-US" sz="2800">
+                <a:solidFill>
+                  <a:schemeClr val="bg1"/>
+                </a:solidFill>
+                <a:latin typeface="UD デジタル 教科書体 NP-R"/>
+                <a:ea typeface="UD デジタル 教科書体 NP-R"/>
+              </a:rPr>
+              <a:t>・マスをクリックして食事記録ページに遷移</a:t>
+            </a:r>
+          </a:p>
+          <a:p>
+            <a:endParaRPr lang="ja-JP" altLang="en-US" sz="2800">
+              <a:solidFill>
+                <a:schemeClr val="bg1"/>
+              </a:solidFill>
+              <a:latin typeface="UD デジタル 教科書体 NP-R"/>
+              <a:ea typeface="UD デジタル 教科書体 NP-R"/>
+            </a:endParaRPr>
+          </a:p>
+          <a:p>
+            <a:r>
+              <a:rPr lang="ja-JP" altLang="en-US" sz="2800">
+                <a:solidFill>
+                  <a:schemeClr val="bg1"/>
+                </a:solidFill>
+                <a:latin typeface="UD デジタル 教科書体 NP-R"/>
+                <a:ea typeface="UD デジタル 教科書体 NP-R"/>
+              </a:rPr>
+              <a:t>・「今日」のマスの色が変わる</a:t>
+            </a:r>
+          </a:p>
+          <a:p>
+            <a:endParaRPr lang="ja-JP" altLang="en-US" sz="1400">
+              <a:solidFill>
+                <a:schemeClr val="bg1"/>
+              </a:solidFill>
+              <a:latin typeface="UD デジタル 教科書体 NP-R"/>
+              <a:ea typeface="UD デジタル 教科書体 NP-R"/>
+            </a:endParaRPr>
+          </a:p>
+        </p:txBody>
+      </p:sp>
       <p:pic>
         <p:nvPicPr>
-          <p:cNvPr id="4" name="図 3" descr="グラフ&#10;&#10;自動的に生成された説明">
+          <p:cNvPr id="3" name="Picture 5">
             <a:extLst>
               <a:ext uri="{FF2B5EF4-FFF2-40B4-BE49-F238E27FC236}">
-                <a16:creationId xmlns:a16="http://schemas.microsoft.com/office/drawing/2014/main" id="{A2CEF732-C480-46AF-9E84-0BF9BD0B47D2}"/>
+                <a16:creationId xmlns:a16="http://schemas.microsoft.com/office/drawing/2014/main" id="{51C1AFFE-885C-D38B-7229-9ED9350C74EB}"/>
               </a:ext>
             </a:extLst>
           </p:cNvPr>
@@ -6928,112 +8530,25 @@
           <p:nvPr/>
         </p:nvPicPr>
         <p:blipFill>
-          <a:blip r:embed="rId2">
-            <a:extLst>
-              <a:ext uri="{28A0092B-C50C-407E-A947-70E740481C1C}">
-                <a14:useLocalDpi xmlns:a14="http://schemas.microsoft.com/office/drawing/2010/main" val="0"/>
-              </a:ext>
-            </a:extLst>
-          </a:blip>
+          <a:blip r:embed="rId2"/>
           <a:stretch>
             <a:fillRect/>
           </a:stretch>
         </p:blipFill>
         <p:spPr>
           <a:xfrm>
-            <a:off x="11033760" y="5704840"/>
-            <a:ext cx="985520" cy="985520"/>
+            <a:off x="881270" y="2032433"/>
+            <a:ext cx="5205895" cy="3566176"/>
           </a:xfrm>
           <a:prstGeom prst="rect">
             <a:avLst/>
           </a:prstGeom>
         </p:spPr>
       </p:pic>
-      <p:pic>
-        <p:nvPicPr>
-          <p:cNvPr id="5" name="図 4">
-            <a:extLst>
-              <a:ext uri="{FF2B5EF4-FFF2-40B4-BE49-F238E27FC236}">
-                <a16:creationId xmlns:a16="http://schemas.microsoft.com/office/drawing/2014/main" id="{44DF5A4D-94B9-4ACC-A06B-74494C6401F3}"/>
-              </a:ext>
-            </a:extLst>
-          </p:cNvPr>
-          <p:cNvPicPr>
-            <a:picLocks noChangeAspect="1"/>
-          </p:cNvPicPr>
-          <p:nvPr/>
-        </p:nvPicPr>
-        <p:blipFill>
-          <a:blip r:embed="rId3"/>
-          <a:stretch>
-            <a:fillRect/>
-          </a:stretch>
-        </p:blipFill>
-        <p:spPr>
-          <a:xfrm>
-            <a:off x="2547499" y="2123678"/>
-            <a:ext cx="7097001" cy="2610644"/>
-          </a:xfrm>
-          <a:prstGeom prst="rect">
-            <a:avLst/>
-          </a:prstGeom>
-        </p:spPr>
-      </p:pic>
-      <p:sp>
-        <p:nvSpPr>
-          <p:cNvPr id="9" name="テキスト ボックス 8">
-            <a:extLst>
-              <a:ext uri="{FF2B5EF4-FFF2-40B4-BE49-F238E27FC236}">
-                <a16:creationId xmlns:a16="http://schemas.microsoft.com/office/drawing/2014/main" id="{3F9AE884-8F8E-4C50-876C-8B99DDA5D075}"/>
-              </a:ext>
-            </a:extLst>
-          </p:cNvPr>
-          <p:cNvSpPr txBox="1"/>
-          <p:nvPr/>
-        </p:nvSpPr>
-        <p:spPr>
-          <a:xfrm>
-            <a:off x="8087360" y="4836160"/>
-            <a:ext cx="2712720" cy="369332"/>
-          </a:xfrm>
-          <a:prstGeom prst="rect">
-            <a:avLst/>
-          </a:prstGeom>
-          <a:noFill/>
-        </p:spPr>
-        <p:txBody>
-          <a:bodyPr wrap="square" rtlCol="0">
-            <a:spAutoFit/>
-          </a:bodyPr>
-          <a:lstStyle/>
-          <a:p>
-            <a:r>
-              <a:rPr kumimoji="1" lang="en-US" altLang="ja-JP">
-                <a:solidFill>
-                  <a:schemeClr val="bg1"/>
-                </a:solidFill>
-                <a:latin typeface="UD デジタル 教科書体 NP-R" panose="02020400000000000000" pitchFamily="18" charset="-128"/>
-                <a:ea typeface="UD デジタル 教科書体 NP-R" panose="02020400000000000000" pitchFamily="18" charset="-128"/>
-              </a:rPr>
-              <a:t>※</a:t>
-            </a:r>
-            <a:r>
-              <a:rPr kumimoji="1" lang="ja-JP" altLang="en-US">
-                <a:solidFill>
-                  <a:schemeClr val="bg1"/>
-                </a:solidFill>
-                <a:latin typeface="UD デジタル 教科書体 NP-R" panose="02020400000000000000" pitchFamily="18" charset="-128"/>
-                <a:ea typeface="UD デジタル 教科書体 NP-R" panose="02020400000000000000" pitchFamily="18" charset="-128"/>
-              </a:rPr>
-              <a:t>外部設計書</a:t>
-            </a:r>
-          </a:p>
-        </p:txBody>
-      </p:sp>
     </p:spTree>
     <p:extLst>
       <p:ext uri="{BB962C8B-B14F-4D97-AF65-F5344CB8AC3E}">
-        <p14:creationId xmlns:p14="http://schemas.microsoft.com/office/powerpoint/2010/main" val="109115079"/>
+        <p14:creationId xmlns:p14="http://schemas.microsoft.com/office/powerpoint/2010/main" val="418307048"/>
       </p:ext>
     </p:extLst>
   </p:cSld>
@@ -7314,6 +8829,15 @@
 </file>
 
 <file path=customXml/item2.xml><?xml version="1.0" encoding="utf-8"?>
+<?mso-contentType ?>
+<FormTemplates xmlns="http://schemas.microsoft.com/sharepoint/v3/contenttype/forms">
+  <Display>DocumentLibraryForm</Display>
+  <Edit>DocumentLibraryForm</Edit>
+  <New>DocumentLibraryForm</New>
+</FormTemplates>
+</file>
+
+<file path=customXml/item3.xml><?xml version="1.0" encoding="utf-8"?>
 <ct:contentTypeSchema xmlns:ct="http://schemas.microsoft.com/office/2006/metadata/contentType" xmlns:ma="http://schemas.microsoft.com/office/2006/metadata/properties/metaAttributes" ct:_="" ma:_="" ma:contentTypeName="ドキュメント" ma:contentTypeID="0x0101005566D498701232449F4CDB149C3E6B59" ma:contentTypeVersion="3" ma:contentTypeDescription="新しいドキュメントを作成します。" ma:contentTypeScope="" ma:versionID="b097f80ec6483dcb1d966d9626d010de">
   <xsd:schema xmlns:xsd="http://www.w3.org/2001/XMLSchema" xmlns:xs="http://www.w3.org/2001/XMLSchema" xmlns:p="http://schemas.microsoft.com/office/2006/metadata/properties" xmlns:ns3="54c177cd-5b69-4c86-94f8-baea005b32a7" targetNamespace="http://schemas.microsoft.com/office/2006/metadata/properties" ma:root="true" ma:fieldsID="afac8010ce8cdd7c7296ff36df68b65d" ns3:_="">
     <xsd:import namespace="54c177cd-5b69-4c86-94f8-baea005b32a7"/>
@@ -7451,15 +8975,6 @@
 </ct:contentTypeSchema>
 </file>
 
-<file path=customXml/item3.xml><?xml version="1.0" encoding="utf-8"?>
-<?mso-contentType ?>
-<FormTemplates xmlns="http://schemas.microsoft.com/sharepoint/v3/contenttype/forms">
-  <Display>DocumentLibraryForm</Display>
-  <Edit>DocumentLibraryForm</Edit>
-  <New>DocumentLibraryForm</New>
-</FormTemplates>
-</file>
-
 <file path=customXml/itemProps1.xml><?xml version="1.0" encoding="utf-8"?>
 <ds:datastoreItem xmlns:ds="http://schemas.openxmlformats.org/officeDocument/2006/customXml" ds:itemID="{BE6ABD35-10F0-4E69-A4B4-6A641261C546}">
   <ds:schemaRefs>
@@ -7477,6 +8992,14 @@
 </file>
 
 <file path=customXml/itemProps2.xml><?xml version="1.0" encoding="utf-8"?>
+<ds:datastoreItem xmlns:ds="http://schemas.openxmlformats.org/officeDocument/2006/customXml" ds:itemID="{198FB8AF-12FD-4F20-A5F7-DB57E8A5BA60}">
+  <ds:schemaRefs>
+    <ds:schemaRef ds:uri="http://schemas.microsoft.com/sharepoint/v3/contenttype/forms"/>
+  </ds:schemaRefs>
+</ds:datastoreItem>
+</file>
+
+<file path=customXml/itemProps3.xml><?xml version="1.0" encoding="utf-8"?>
 <ds:datastoreItem xmlns:ds="http://schemas.openxmlformats.org/officeDocument/2006/customXml" ds:itemID="{546A8E18-1073-40BB-9E60-B696BA30DCDD}">
   <ds:schemaRefs>
     <ds:schemaRef ds:uri="54c177cd-5b69-4c86-94f8-baea005b32a7"/>
@@ -7492,12 +9015,4 @@
     <ds:schemaRef ds:uri="http://www.w3.org/2001/XMLSchema"/>
   </ds:schemaRefs>
 </ds:datastoreItem>
-</file>
-
-<file path=customXml/itemProps3.xml><?xml version="1.0" encoding="utf-8"?>
-<ds:datastoreItem xmlns:ds="http://schemas.openxmlformats.org/officeDocument/2006/customXml" ds:itemID="{198FB8AF-12FD-4F20-A5F7-DB57E8A5BA60}">
-  <ds:schemaRefs>
-    <ds:schemaRef ds:uri="http://schemas.microsoft.com/sharepoint/v3/contenttype/forms"/>
-  </ds:schemaRefs>
-</ds:datastoreItem>
 </file>
--- a/doc/発表資料.pptx
+++ b/doc/発表資料.pptx
@@ -18,7 +18,11 @@
     <p:sldId id="264" r:id="rId15"/>
     <p:sldId id="258" r:id="rId16"/>
     <p:sldId id="267" r:id="rId17"/>
-    <p:sldId id="269" r:id="rId18"/>
+    <p:sldId id="272" r:id="rId18"/>
+    <p:sldId id="275" r:id="rId19"/>
+    <p:sldId id="274" r:id="rId20"/>
+    <p:sldId id="269" r:id="rId21"/>
+    <p:sldId id="273" r:id="rId22"/>
   </p:sldIdLst>
   <p:sldSz cx="12192000" cy="6858000"/>
   <p:notesSz cx="6858000" cy="9144000"/>
@@ -5192,10 +5196,750 @@
           </a:p>
         </p:txBody>
       </p:sp>
+      <p:sp>
+        <p:nvSpPr>
+          <p:cNvPr id="3" name="二等辺三角形 2">
+            <a:extLst>
+              <a:ext uri="{FF2B5EF4-FFF2-40B4-BE49-F238E27FC236}">
+                <a16:creationId xmlns:a16="http://schemas.microsoft.com/office/drawing/2014/main" id="{C93255BC-2E58-4405-0349-0366AE955D8F}"/>
+              </a:ext>
+            </a:extLst>
+          </p:cNvPr>
+          <p:cNvSpPr/>
+          <p:nvPr/>
+        </p:nvSpPr>
+        <p:spPr>
+          <a:xfrm rot="5400000">
+            <a:off x="862426" y="893905"/>
+            <a:ext cx="481012" cy="442911"/>
+          </a:xfrm>
+          <a:prstGeom prst="triangle">
+            <a:avLst/>
+          </a:prstGeom>
+          <a:solidFill>
+            <a:srgbClr val="ACBCFF"/>
+          </a:solidFill>
+          <a:ln>
+            <a:noFill/>
+          </a:ln>
+        </p:spPr>
+        <p:style>
+          <a:lnRef idx="2">
+            <a:schemeClr val="accent1">
+              <a:shade val="50000"/>
+            </a:schemeClr>
+          </a:lnRef>
+          <a:fillRef idx="1">
+            <a:schemeClr val="accent1"/>
+          </a:fillRef>
+          <a:effectRef idx="0">
+            <a:schemeClr val="accent1"/>
+          </a:effectRef>
+          <a:fontRef idx="minor">
+            <a:schemeClr val="lt1"/>
+          </a:fontRef>
+        </p:style>
+        <p:txBody>
+          <a:bodyPr rtlCol="0" anchor="ctr"/>
+          <a:lstStyle/>
+          <a:p>
+            <a:pPr algn="ctr"/>
+            <a:endParaRPr kumimoji="1" lang="ja-JP" altLang="en-US"/>
+          </a:p>
+        </p:txBody>
+      </p:sp>
+      <p:sp>
+        <p:nvSpPr>
+          <p:cNvPr id="4" name="テキスト ボックス 5">
+            <a:extLst>
+              <a:ext uri="{FF2B5EF4-FFF2-40B4-BE49-F238E27FC236}">
+                <a16:creationId xmlns:a16="http://schemas.microsoft.com/office/drawing/2014/main" id="{21753DF3-E580-0C76-CEED-1CD21616FC30}"/>
+              </a:ext>
+            </a:extLst>
+          </p:cNvPr>
+          <p:cNvSpPr txBox="1"/>
+          <p:nvPr/>
+        </p:nvSpPr>
+        <p:spPr>
+          <a:xfrm>
+            <a:off x="2296385" y="2989806"/>
+            <a:ext cx="8145768" cy="1015663"/>
+          </a:xfrm>
+          <a:prstGeom prst="rect">
+            <a:avLst/>
+          </a:prstGeom>
+          <a:noFill/>
+        </p:spPr>
+        <p:txBody>
+          <a:bodyPr wrap="square" lIns="91440" tIns="45720" rIns="91440" bIns="45720" rtlCol="0" anchor="t">
+            <a:spAutoFit/>
+          </a:bodyPr>
+          <a:lstStyle/>
+          <a:p>
+            <a:r>
+              <a:rPr lang="ja-JP" altLang="en-US" sz="6000" b="1" u="sng" dirty="0">
+                <a:solidFill>
+                  <a:schemeClr val="bg1"/>
+                </a:solidFill>
+                <a:effectLst>
+                  <a:outerShdw blurRad="38100" dist="38100" dir="2700000" algn="tl">
+                    <a:srgbClr val="000000">
+                      <a:alpha val="43137"/>
+                    </a:srgbClr>
+                  </a:outerShdw>
+                </a:effectLst>
+                <a:latin typeface="UD デジタル 教科書体 NK-B" panose="02020700000000000000" pitchFamily="18" charset="-128"/>
+                <a:ea typeface="UD デジタル 教科書体 NK-B" panose="02020700000000000000" pitchFamily="18" charset="-128"/>
+              </a:rPr>
+              <a:t>実際に動かしてみます！</a:t>
+            </a:r>
+            <a:endParaRPr lang="en-US" altLang="ja-JP" sz="6000" b="1" u="sng" dirty="0">
+              <a:solidFill>
+                <a:schemeClr val="bg1"/>
+              </a:solidFill>
+              <a:effectLst>
+                <a:outerShdw blurRad="38100" dist="38100" dir="2700000" algn="tl">
+                  <a:srgbClr val="000000">
+                    <a:alpha val="43137"/>
+                  </a:srgbClr>
+                </a:outerShdw>
+              </a:effectLst>
+              <a:latin typeface="UD デジタル 教科書体 NK-B" panose="02020700000000000000" pitchFamily="18" charset="-128"/>
+              <a:ea typeface="UD デジタル 教科書体 NK-B" panose="02020700000000000000" pitchFamily="18" charset="-128"/>
+            </a:endParaRPr>
+          </a:p>
+        </p:txBody>
+      </p:sp>
+      <p:sp>
+        <p:nvSpPr>
+          <p:cNvPr id="6" name="テキスト ボックス 5">
+            <a:extLst>
+              <a:ext uri="{FF2B5EF4-FFF2-40B4-BE49-F238E27FC236}">
+                <a16:creationId xmlns:a16="http://schemas.microsoft.com/office/drawing/2014/main" id="{16548B8F-C8B2-BF66-F4C2-30DC05A1AB4A}"/>
+              </a:ext>
+            </a:extLst>
+          </p:cNvPr>
+          <p:cNvSpPr txBox="1"/>
+          <p:nvPr/>
+        </p:nvSpPr>
+        <p:spPr>
+          <a:xfrm>
+            <a:off x="1762125" y="874854"/>
+            <a:ext cx="4333875" cy="584775"/>
+          </a:xfrm>
+          <a:prstGeom prst="rect">
+            <a:avLst/>
+          </a:prstGeom>
+          <a:noFill/>
+        </p:spPr>
+        <p:txBody>
+          <a:bodyPr wrap="square" lIns="91440" tIns="45720" rIns="91440" bIns="45720" rtlCol="0" anchor="t">
+            <a:spAutoFit/>
+          </a:bodyPr>
+          <a:lstStyle/>
+          <a:p>
+            <a:r>
+              <a:rPr lang="ja-JP" altLang="en-US" sz="3200" dirty="0">
+                <a:solidFill>
+                  <a:schemeClr val="bg1"/>
+                </a:solidFill>
+                <a:latin typeface="UD デジタル 教科書体 NP-R"/>
+                <a:ea typeface="UD デジタル 教科書体 NP-R"/>
+              </a:rPr>
+              <a:t>デモンストレーション</a:t>
+            </a:r>
+          </a:p>
+        </p:txBody>
+      </p:sp>
+    </p:spTree>
+    <p:extLst>
+      <p:ext uri="{BB962C8B-B14F-4D97-AF65-F5344CB8AC3E}">
+        <p14:creationId xmlns:p14="http://schemas.microsoft.com/office/powerpoint/2010/main" val="2225371510"/>
+      </p:ext>
+    </p:extLst>
+  </p:cSld>
+  <p:clrMapOvr>
+    <a:masterClrMapping/>
+  </p:clrMapOvr>
+</p:sld>
+</file>
+
+<file path=ppt/slides/slide15.xml><?xml version="1.0" encoding="utf-8"?>
+<p:sld xmlns:a="http://schemas.openxmlformats.org/drawingml/2006/main" xmlns:r="http://schemas.openxmlformats.org/officeDocument/2006/relationships" xmlns:p="http://schemas.openxmlformats.org/presentationml/2006/main">
+  <p:cSld>
+    <p:bg>
+      <p:bgPr>
+        <a:solidFill>
+          <a:srgbClr val="AEE2FF"/>
+        </a:solidFill>
+        <a:effectLst/>
+      </p:bgPr>
+    </p:bg>
+    <p:spTree>
+      <p:nvGrpSpPr>
+        <p:cNvPr id="1" name=""/>
+        <p:cNvGrpSpPr/>
+        <p:nvPr/>
+      </p:nvGrpSpPr>
+      <p:grpSpPr>
+        <a:xfrm>
+          <a:off x="0" y="0"/>
+          <a:ext cx="0" cy="0"/>
+          <a:chOff x="0" y="0"/>
+          <a:chExt cx="0" cy="0"/>
+        </a:xfrm>
+      </p:grpSpPr>
+      <p:sp>
+        <p:nvSpPr>
+          <p:cNvPr id="2" name="正方形/長方形 1">
+            <a:extLst>
+              <a:ext uri="{FF2B5EF4-FFF2-40B4-BE49-F238E27FC236}">
+                <a16:creationId xmlns:a16="http://schemas.microsoft.com/office/drawing/2014/main" id="{5B096CB1-87E5-4B06-B864-486CBCC10EE2}"/>
+              </a:ext>
+            </a:extLst>
+          </p:cNvPr>
+          <p:cNvSpPr/>
+          <p:nvPr/>
+        </p:nvSpPr>
+        <p:spPr>
+          <a:xfrm>
+            <a:off x="436880" y="406400"/>
+            <a:ext cx="11318240" cy="6045200"/>
+          </a:xfrm>
+          <a:prstGeom prst="rect">
+            <a:avLst/>
+          </a:prstGeom>
+          <a:solidFill>
+            <a:schemeClr val="tx1"/>
+          </a:solidFill>
+          <a:ln>
+            <a:noFill/>
+          </a:ln>
+        </p:spPr>
+        <p:style>
+          <a:lnRef idx="2">
+            <a:schemeClr val="accent1">
+              <a:shade val="50000"/>
+            </a:schemeClr>
+          </a:lnRef>
+          <a:fillRef idx="1">
+            <a:schemeClr val="accent1"/>
+          </a:fillRef>
+          <a:effectRef idx="0">
+            <a:schemeClr val="accent1"/>
+          </a:effectRef>
+          <a:fontRef idx="minor">
+            <a:schemeClr val="lt1"/>
+          </a:fontRef>
+        </p:style>
+        <p:txBody>
+          <a:bodyPr rtlCol="0" anchor="ctr"/>
+          <a:lstStyle/>
+          <a:p>
+            <a:pPr algn="ctr"/>
+            <a:endParaRPr kumimoji="1" lang="ja-JP" altLang="en-US"/>
+          </a:p>
+        </p:txBody>
+      </p:sp>
+      <p:sp>
+        <p:nvSpPr>
+          <p:cNvPr id="3" name="二等辺三角形 2">
+            <a:extLst>
+              <a:ext uri="{FF2B5EF4-FFF2-40B4-BE49-F238E27FC236}">
+                <a16:creationId xmlns:a16="http://schemas.microsoft.com/office/drawing/2014/main" id="{C93255BC-2E58-4405-0349-0366AE955D8F}"/>
+              </a:ext>
+            </a:extLst>
+          </p:cNvPr>
+          <p:cNvSpPr/>
+          <p:nvPr/>
+        </p:nvSpPr>
+        <p:spPr>
+          <a:xfrm rot="5400000">
+            <a:off x="862426" y="893905"/>
+            <a:ext cx="481012" cy="442911"/>
+          </a:xfrm>
+          <a:prstGeom prst="triangle">
+            <a:avLst/>
+          </a:prstGeom>
+          <a:solidFill>
+            <a:srgbClr val="ACBCFF"/>
+          </a:solidFill>
+          <a:ln>
+            <a:noFill/>
+          </a:ln>
+        </p:spPr>
+        <p:style>
+          <a:lnRef idx="2">
+            <a:schemeClr val="accent1">
+              <a:shade val="50000"/>
+            </a:schemeClr>
+          </a:lnRef>
+          <a:fillRef idx="1">
+            <a:schemeClr val="accent1"/>
+          </a:fillRef>
+          <a:effectRef idx="0">
+            <a:schemeClr val="accent1"/>
+          </a:effectRef>
+          <a:fontRef idx="minor">
+            <a:schemeClr val="lt1"/>
+          </a:fontRef>
+        </p:style>
+        <p:txBody>
+          <a:bodyPr rtlCol="0" anchor="ctr"/>
+          <a:lstStyle/>
+          <a:p>
+            <a:pPr algn="ctr"/>
+            <a:endParaRPr kumimoji="1" lang="ja-JP" altLang="en-US"/>
+          </a:p>
+        </p:txBody>
+      </p:sp>
+      <p:sp>
+        <p:nvSpPr>
+          <p:cNvPr id="4" name="テキスト ボックス 5">
+            <a:extLst>
+              <a:ext uri="{FF2B5EF4-FFF2-40B4-BE49-F238E27FC236}">
+                <a16:creationId xmlns:a16="http://schemas.microsoft.com/office/drawing/2014/main" id="{21753DF3-E580-0C76-CEED-1CD21616FC30}"/>
+              </a:ext>
+            </a:extLst>
+          </p:cNvPr>
+          <p:cNvSpPr txBox="1"/>
+          <p:nvPr/>
+        </p:nvSpPr>
+        <p:spPr>
+          <a:xfrm>
+            <a:off x="2296385" y="2989806"/>
+            <a:ext cx="8145768" cy="1200329"/>
+          </a:xfrm>
+          <a:prstGeom prst="rect">
+            <a:avLst/>
+          </a:prstGeom>
+          <a:noFill/>
+        </p:spPr>
+        <p:txBody>
+          <a:bodyPr wrap="square" lIns="91440" tIns="45720" rIns="91440" bIns="45720" rtlCol="0" anchor="t">
+            <a:spAutoFit/>
+          </a:bodyPr>
+          <a:lstStyle/>
+          <a:p>
+            <a:r>
+              <a:rPr lang="ja-JP" altLang="en-US" sz="7200" b="1" dirty="0">
+                <a:solidFill>
+                  <a:schemeClr val="bg1"/>
+                </a:solidFill>
+                <a:effectLst>
+                  <a:outerShdw blurRad="38100" dist="38100" dir="2700000" algn="tl">
+                    <a:srgbClr val="000000">
+                      <a:alpha val="43137"/>
+                    </a:srgbClr>
+                  </a:outerShdw>
+                </a:effectLst>
+                <a:latin typeface="UD デジタル 教科書体 NK-B" panose="02020700000000000000" pitchFamily="18" charset="-128"/>
+                <a:ea typeface="UD デジタル 教科書体 NK-B" panose="02020700000000000000" pitchFamily="18" charset="-128"/>
+              </a:rPr>
+              <a:t>メンバーから一言</a:t>
+            </a:r>
+          </a:p>
+        </p:txBody>
+      </p:sp>
+      <p:sp>
+        <p:nvSpPr>
+          <p:cNvPr id="6" name="テキスト ボックス 5">
+            <a:extLst>
+              <a:ext uri="{FF2B5EF4-FFF2-40B4-BE49-F238E27FC236}">
+                <a16:creationId xmlns:a16="http://schemas.microsoft.com/office/drawing/2014/main" id="{16548B8F-C8B2-BF66-F4C2-30DC05A1AB4A}"/>
+              </a:ext>
+            </a:extLst>
+          </p:cNvPr>
+          <p:cNvSpPr txBox="1"/>
+          <p:nvPr/>
+        </p:nvSpPr>
+        <p:spPr>
+          <a:xfrm>
+            <a:off x="1762125" y="874854"/>
+            <a:ext cx="4333875" cy="584775"/>
+          </a:xfrm>
+          <a:prstGeom prst="rect">
+            <a:avLst/>
+          </a:prstGeom>
+          <a:noFill/>
+        </p:spPr>
+        <p:txBody>
+          <a:bodyPr wrap="square" lIns="91440" tIns="45720" rIns="91440" bIns="45720" rtlCol="0" anchor="t">
+            <a:spAutoFit/>
+          </a:bodyPr>
+          <a:lstStyle/>
+          <a:p>
+            <a:r>
+              <a:rPr lang="ja-JP" altLang="en-US" sz="3200" dirty="0">
+                <a:solidFill>
+                  <a:schemeClr val="bg1"/>
+                </a:solidFill>
+                <a:latin typeface="UD デジタル 教科書体 NP-R"/>
+                <a:ea typeface="UD デジタル 教科書体 NP-R"/>
+              </a:rPr>
+              <a:t>まとめ</a:t>
+            </a:r>
+          </a:p>
+        </p:txBody>
+      </p:sp>
+    </p:spTree>
+    <p:extLst>
+      <p:ext uri="{BB962C8B-B14F-4D97-AF65-F5344CB8AC3E}">
+        <p14:creationId xmlns:p14="http://schemas.microsoft.com/office/powerpoint/2010/main" val="434280435"/>
+      </p:ext>
+    </p:extLst>
+  </p:cSld>
+  <p:clrMapOvr>
+    <a:masterClrMapping/>
+  </p:clrMapOvr>
+</p:sld>
+</file>
+
+<file path=ppt/slides/slide16.xml><?xml version="1.0" encoding="utf-8"?>
+<p:sld xmlns:a="http://schemas.openxmlformats.org/drawingml/2006/main" xmlns:r="http://schemas.openxmlformats.org/officeDocument/2006/relationships" xmlns:p="http://schemas.openxmlformats.org/presentationml/2006/main">
+  <p:cSld>
+    <p:bg>
+      <p:bgPr>
+        <a:solidFill>
+          <a:srgbClr val="AEE2FF"/>
+        </a:solidFill>
+        <a:effectLst/>
+      </p:bgPr>
+    </p:bg>
+    <p:spTree>
+      <p:nvGrpSpPr>
+        <p:cNvPr id="1" name=""/>
+        <p:cNvGrpSpPr/>
+        <p:nvPr/>
+      </p:nvGrpSpPr>
+      <p:grpSpPr>
+        <a:xfrm>
+          <a:off x="0" y="0"/>
+          <a:ext cx="0" cy="0"/>
+          <a:chOff x="0" y="0"/>
+          <a:chExt cx="0" cy="0"/>
+        </a:xfrm>
+      </p:grpSpPr>
+      <p:sp>
+        <p:nvSpPr>
+          <p:cNvPr id="2" name="正方形/長方形 1">
+            <a:extLst>
+              <a:ext uri="{FF2B5EF4-FFF2-40B4-BE49-F238E27FC236}">
+                <a16:creationId xmlns:a16="http://schemas.microsoft.com/office/drawing/2014/main" id="{5B096CB1-87E5-4B06-B864-486CBCC10EE2}"/>
+              </a:ext>
+            </a:extLst>
+          </p:cNvPr>
+          <p:cNvSpPr/>
+          <p:nvPr/>
+        </p:nvSpPr>
+        <p:spPr>
+          <a:xfrm>
+            <a:off x="436880" y="406400"/>
+            <a:ext cx="11318240" cy="6045200"/>
+          </a:xfrm>
+          <a:prstGeom prst="rect">
+            <a:avLst/>
+          </a:prstGeom>
+          <a:solidFill>
+            <a:schemeClr val="tx1"/>
+          </a:solidFill>
+          <a:ln>
+            <a:noFill/>
+          </a:ln>
+        </p:spPr>
+        <p:style>
+          <a:lnRef idx="2">
+            <a:schemeClr val="accent1">
+              <a:shade val="50000"/>
+            </a:schemeClr>
+          </a:lnRef>
+          <a:fillRef idx="1">
+            <a:schemeClr val="accent1"/>
+          </a:fillRef>
+          <a:effectRef idx="0">
+            <a:schemeClr val="accent1"/>
+          </a:effectRef>
+          <a:fontRef idx="minor">
+            <a:schemeClr val="lt1"/>
+          </a:fontRef>
+        </p:style>
+        <p:txBody>
+          <a:bodyPr rtlCol="0" anchor="ctr"/>
+          <a:lstStyle/>
+          <a:p>
+            <a:pPr algn="ctr"/>
+            <a:r>
+              <a:rPr kumimoji="1" lang="en-US" altLang="ja-JP" dirty="0"/>
+              <a:t>Web</a:t>
+            </a:r>
+            <a:r>
+              <a:rPr kumimoji="1" lang="ja-JP" altLang="en-US" dirty="0"/>
+              <a:t>アプリ開発の発表に関わっていただいたすべての方々に深く感謝の意を表します。特に、研修に参加させていただいた企業の皆様には、ご協力とお気遣いに心から感謝申し上げます。</a:t>
+            </a:r>
+          </a:p>
+        </p:txBody>
+      </p:sp>
+      <p:sp>
+        <p:nvSpPr>
+          <p:cNvPr id="7" name="テキスト ボックス 6">
+            <a:extLst>
+              <a:ext uri="{FF2B5EF4-FFF2-40B4-BE49-F238E27FC236}">
+                <a16:creationId xmlns:a16="http://schemas.microsoft.com/office/drawing/2014/main" id="{420CB400-68C0-8FA3-520A-8A10FFE846E4}"/>
+              </a:ext>
+            </a:extLst>
+          </p:cNvPr>
+          <p:cNvSpPr txBox="1"/>
+          <p:nvPr/>
+        </p:nvSpPr>
+        <p:spPr>
+          <a:xfrm>
+            <a:off x="1205076" y="2153311"/>
+            <a:ext cx="10457793" cy="2862322"/>
+          </a:xfrm>
+          <a:prstGeom prst="rect">
+            <a:avLst/>
+          </a:prstGeom>
+          <a:noFill/>
+        </p:spPr>
+        <p:txBody>
+          <a:bodyPr wrap="square" lIns="91440" tIns="45720" rIns="91440" bIns="45720" rtlCol="0" anchor="t">
+            <a:spAutoFit/>
+          </a:bodyPr>
+          <a:lstStyle/>
+          <a:p>
+            <a:r>
+              <a:rPr lang="en-US" altLang="ja-JP" sz="3600" b="0" i="0" dirty="0">
+                <a:solidFill>
+                  <a:schemeClr val="bg1"/>
+                </a:solidFill>
+                <a:effectLst/>
+                <a:latin typeface="Söhne"/>
+              </a:rPr>
+              <a:t>Web</a:t>
+            </a:r>
+            <a:r>
+              <a:rPr lang="ja-JP" altLang="en-US" sz="3600" b="0" i="0" dirty="0">
+                <a:solidFill>
+                  <a:schemeClr val="bg1"/>
+                </a:solidFill>
+                <a:effectLst/>
+                <a:latin typeface="Söhne"/>
+              </a:rPr>
+              <a:t>アプリ開発の発表に関わっていただいたすべての方々に深く感謝の意を表します。</a:t>
+            </a:r>
+            <a:endParaRPr lang="en-US" altLang="ja-JP" sz="3600" b="0" i="0" dirty="0">
+              <a:solidFill>
+                <a:schemeClr val="bg1"/>
+              </a:solidFill>
+              <a:effectLst/>
+              <a:latin typeface="Söhne"/>
+            </a:endParaRPr>
+          </a:p>
+          <a:p>
+            <a:r>
+              <a:rPr lang="ja-JP" altLang="en-US" sz="3600" b="0" i="0" dirty="0">
+                <a:solidFill>
+                  <a:schemeClr val="bg1"/>
+                </a:solidFill>
+                <a:effectLst/>
+                <a:latin typeface="Söhne"/>
+              </a:rPr>
+              <a:t>研修に参加させていただいた企業の皆様、講師の皆様にも、お力添えいただきましたことを心から感謝申し上げます。</a:t>
+            </a:r>
+            <a:endParaRPr lang="ja-JP" altLang="en-US" sz="3600" dirty="0">
+              <a:solidFill>
+                <a:schemeClr val="bg1"/>
+              </a:solidFill>
+              <a:latin typeface="UD デジタル 教科書体 NP-R"/>
+              <a:ea typeface="UD デジタル 教科書体 NP-R"/>
+            </a:endParaRPr>
+          </a:p>
+        </p:txBody>
+      </p:sp>
+    </p:spTree>
+    <p:extLst>
+      <p:ext uri="{BB962C8B-B14F-4D97-AF65-F5344CB8AC3E}">
+        <p14:creationId xmlns:p14="http://schemas.microsoft.com/office/powerpoint/2010/main" val="1170034817"/>
+      </p:ext>
+    </p:extLst>
+  </p:cSld>
+  <p:clrMapOvr>
+    <a:masterClrMapping/>
+  </p:clrMapOvr>
+</p:sld>
+</file>
+
+<file path=ppt/slides/slide17.xml><?xml version="1.0" encoding="utf-8"?>
+<p:sld xmlns:a="http://schemas.openxmlformats.org/drawingml/2006/main" xmlns:r="http://schemas.openxmlformats.org/officeDocument/2006/relationships" xmlns:p="http://schemas.openxmlformats.org/presentationml/2006/main">
+  <p:cSld>
+    <p:bg>
+      <p:bgPr>
+        <a:solidFill>
+          <a:srgbClr val="AEE2FF"/>
+        </a:solidFill>
+        <a:effectLst/>
+      </p:bgPr>
+    </p:bg>
+    <p:spTree>
+      <p:nvGrpSpPr>
+        <p:cNvPr id="1" name=""/>
+        <p:cNvGrpSpPr/>
+        <p:nvPr/>
+      </p:nvGrpSpPr>
+      <p:grpSpPr>
+        <a:xfrm>
+          <a:off x="0" y="0"/>
+          <a:ext cx="0" cy="0"/>
+          <a:chOff x="0" y="0"/>
+          <a:chExt cx="0" cy="0"/>
+        </a:xfrm>
+      </p:grpSpPr>
+      <p:sp>
+        <p:nvSpPr>
+          <p:cNvPr id="2" name="正方形/長方形 1">
+            <a:extLst>
+              <a:ext uri="{FF2B5EF4-FFF2-40B4-BE49-F238E27FC236}">
+                <a16:creationId xmlns:a16="http://schemas.microsoft.com/office/drawing/2014/main" id="{5B096CB1-87E5-4B06-B864-486CBCC10EE2}"/>
+              </a:ext>
+            </a:extLst>
+          </p:cNvPr>
+          <p:cNvSpPr/>
+          <p:nvPr/>
+        </p:nvSpPr>
+        <p:spPr>
+          <a:xfrm>
+            <a:off x="436880" y="406400"/>
+            <a:ext cx="11318240" cy="6045200"/>
+          </a:xfrm>
+          <a:prstGeom prst="rect">
+            <a:avLst/>
+          </a:prstGeom>
+          <a:solidFill>
+            <a:schemeClr val="tx1"/>
+          </a:solidFill>
+          <a:ln>
+            <a:noFill/>
+          </a:ln>
+        </p:spPr>
+        <p:style>
+          <a:lnRef idx="2">
+            <a:schemeClr val="accent1">
+              <a:shade val="50000"/>
+            </a:schemeClr>
+          </a:lnRef>
+          <a:fillRef idx="1">
+            <a:schemeClr val="accent1"/>
+          </a:fillRef>
+          <a:effectRef idx="0">
+            <a:schemeClr val="accent1"/>
+          </a:effectRef>
+          <a:fontRef idx="minor">
+            <a:schemeClr val="lt1"/>
+          </a:fontRef>
+        </p:style>
+        <p:txBody>
+          <a:bodyPr rtlCol="0" anchor="ctr"/>
+          <a:lstStyle/>
+          <a:p>
+            <a:pPr algn="ctr"/>
+            <a:endParaRPr kumimoji="1" lang="ja-JP" altLang="en-US"/>
+          </a:p>
+        </p:txBody>
+      </p:sp>
     </p:spTree>
     <p:extLst>
       <p:ext uri="{BB962C8B-B14F-4D97-AF65-F5344CB8AC3E}">
         <p14:creationId xmlns:p14="http://schemas.microsoft.com/office/powerpoint/2010/main" val="2285732636"/>
+      </p:ext>
+    </p:extLst>
+  </p:cSld>
+  <p:clrMapOvr>
+    <a:masterClrMapping/>
+  </p:clrMapOvr>
+</p:sld>
+</file>
+
+<file path=ppt/slides/slide18.xml><?xml version="1.0" encoding="utf-8"?>
+<p:sld xmlns:a="http://schemas.openxmlformats.org/drawingml/2006/main" xmlns:r="http://schemas.openxmlformats.org/officeDocument/2006/relationships" xmlns:p="http://schemas.openxmlformats.org/presentationml/2006/main">
+  <p:cSld>
+    <p:bg>
+      <p:bgPr>
+        <a:solidFill>
+          <a:srgbClr val="AEE2FF"/>
+        </a:solidFill>
+        <a:effectLst/>
+      </p:bgPr>
+    </p:bg>
+    <p:spTree>
+      <p:nvGrpSpPr>
+        <p:cNvPr id="1" name=""/>
+        <p:cNvGrpSpPr/>
+        <p:nvPr/>
+      </p:nvGrpSpPr>
+      <p:grpSpPr>
+        <a:xfrm>
+          <a:off x="0" y="0"/>
+          <a:ext cx="0" cy="0"/>
+          <a:chOff x="0" y="0"/>
+          <a:chExt cx="0" cy="0"/>
+        </a:xfrm>
+      </p:grpSpPr>
+      <p:sp>
+        <p:nvSpPr>
+          <p:cNvPr id="2" name="正方形/長方形 1">
+            <a:extLst>
+              <a:ext uri="{FF2B5EF4-FFF2-40B4-BE49-F238E27FC236}">
+                <a16:creationId xmlns:a16="http://schemas.microsoft.com/office/drawing/2014/main" id="{5B096CB1-87E5-4B06-B864-486CBCC10EE2}"/>
+              </a:ext>
+            </a:extLst>
+          </p:cNvPr>
+          <p:cNvSpPr/>
+          <p:nvPr/>
+        </p:nvSpPr>
+        <p:spPr>
+          <a:xfrm>
+            <a:off x="436880" y="406400"/>
+            <a:ext cx="11318240" cy="6045200"/>
+          </a:xfrm>
+          <a:prstGeom prst="rect">
+            <a:avLst/>
+          </a:prstGeom>
+          <a:solidFill>
+            <a:schemeClr val="tx1"/>
+          </a:solidFill>
+          <a:ln>
+            <a:noFill/>
+          </a:ln>
+        </p:spPr>
+        <p:style>
+          <a:lnRef idx="2">
+            <a:schemeClr val="accent1">
+              <a:shade val="50000"/>
+            </a:schemeClr>
+          </a:lnRef>
+          <a:fillRef idx="1">
+            <a:schemeClr val="accent1"/>
+          </a:fillRef>
+          <a:effectRef idx="0">
+            <a:schemeClr val="accent1"/>
+          </a:effectRef>
+          <a:fontRef idx="minor">
+            <a:schemeClr val="lt1"/>
+          </a:fontRef>
+        </p:style>
+        <p:txBody>
+          <a:bodyPr rtlCol="0" anchor="ctr"/>
+          <a:lstStyle/>
+          <a:p>
+            <a:pPr algn="ctr"/>
+            <a:endParaRPr kumimoji="1" lang="ja-JP" altLang="en-US"/>
+          </a:p>
+        </p:txBody>
+      </p:sp>
+    </p:spTree>
+    <p:extLst>
+      <p:ext uri="{BB962C8B-B14F-4D97-AF65-F5344CB8AC3E}">
+        <p14:creationId xmlns:p14="http://schemas.microsoft.com/office/powerpoint/2010/main" val="2645572268"/>
       </p:ext>
     </p:extLst>
   </p:cSld>
@@ -8821,20 +9565,20 @@
 </file>
 
 <file path=customXml/item1.xml><?xml version="1.0" encoding="utf-8"?>
-<p:properties xmlns:p="http://schemas.microsoft.com/office/2006/metadata/properties" xmlns:xsi="http://www.w3.org/2001/XMLSchema-instance" xmlns:pc="http://schemas.microsoft.com/office/infopath/2007/PartnerControls">
-  <documentManagement>
-    <_activity xmlns="54c177cd-5b69-4c86-94f8-baea005b32a7" xsi:nil="true"/>
-  </documentManagement>
-</p:properties>
-</file>
-
-<file path=customXml/item2.xml><?xml version="1.0" encoding="utf-8"?>
 <?mso-contentType ?>
 <FormTemplates xmlns="http://schemas.microsoft.com/sharepoint/v3/contenttype/forms">
   <Display>DocumentLibraryForm</Display>
   <Edit>DocumentLibraryForm</Edit>
   <New>DocumentLibraryForm</New>
 </FormTemplates>
+</file>
+
+<file path=customXml/item2.xml><?xml version="1.0" encoding="utf-8"?>
+<p:properties xmlns:p="http://schemas.microsoft.com/office/2006/metadata/properties" xmlns:xsi="http://www.w3.org/2001/XMLSchema-instance" xmlns:pc="http://schemas.microsoft.com/office/infopath/2007/PartnerControls">
+  <documentManagement>
+    <_activity xmlns="54c177cd-5b69-4c86-94f8-baea005b32a7" xsi:nil="true"/>
+  </documentManagement>
+</p:properties>
 </file>
 
 <file path=customXml/item3.xml><?xml version="1.0" encoding="utf-8"?>
@@ -8976,6 +9720,14 @@
 </file>
 
 <file path=customXml/itemProps1.xml><?xml version="1.0" encoding="utf-8"?>
+<ds:datastoreItem xmlns:ds="http://schemas.openxmlformats.org/officeDocument/2006/customXml" ds:itemID="{198FB8AF-12FD-4F20-A5F7-DB57E8A5BA60}">
+  <ds:schemaRefs>
+    <ds:schemaRef ds:uri="http://schemas.microsoft.com/sharepoint/v3/contenttype/forms"/>
+  </ds:schemaRefs>
+</ds:datastoreItem>
+</file>
+
+<file path=customXml/itemProps2.xml><?xml version="1.0" encoding="utf-8"?>
 <ds:datastoreItem xmlns:ds="http://schemas.openxmlformats.org/officeDocument/2006/customXml" ds:itemID="{BE6ABD35-10F0-4E69-A4B4-6A641261C546}">
   <ds:schemaRefs>
     <ds:schemaRef ds:uri="54c177cd-5b69-4c86-94f8-baea005b32a7"/>
@@ -8987,14 +9739,6 @@
     <ds:schemaRef ds:uri="http://schemas.microsoft.com/office/infopath/2007/PartnerControls"/>
     <ds:schemaRef ds:uri="http://schemas.openxmlformats.org/package/2006/metadata/core-properties"/>
     <ds:schemaRef ds:uri="http://www.w3.org/XML/1998/namespace"/>
-  </ds:schemaRefs>
-</ds:datastoreItem>
-</file>
-
-<file path=customXml/itemProps2.xml><?xml version="1.0" encoding="utf-8"?>
-<ds:datastoreItem xmlns:ds="http://schemas.openxmlformats.org/officeDocument/2006/customXml" ds:itemID="{198FB8AF-12FD-4F20-A5F7-DB57E8A5BA60}">
-  <ds:schemaRefs>
-    <ds:schemaRef ds:uri="http://schemas.microsoft.com/sharepoint/v3/contenttype/forms"/>
   </ds:schemaRefs>
 </ds:datastoreItem>
 </file>

--- a/doc/発表資料.pptx
+++ b/doc/発表資料.pptx
@@ -10,19 +10,20 @@
     <p:sldId id="266" r:id="rId7"/>
     <p:sldId id="268" r:id="rId8"/>
     <p:sldId id="257" r:id="rId9"/>
-    <p:sldId id="271" r:id="rId10"/>
-    <p:sldId id="260" r:id="rId11"/>
-    <p:sldId id="259" r:id="rId12"/>
-    <p:sldId id="261" r:id="rId13"/>
-    <p:sldId id="262" r:id="rId14"/>
-    <p:sldId id="264" r:id="rId15"/>
-    <p:sldId id="258" r:id="rId16"/>
-    <p:sldId id="267" r:id="rId17"/>
-    <p:sldId id="272" r:id="rId18"/>
-    <p:sldId id="275" r:id="rId19"/>
-    <p:sldId id="274" r:id="rId20"/>
-    <p:sldId id="269" r:id="rId21"/>
-    <p:sldId id="273" r:id="rId22"/>
+    <p:sldId id="276" r:id="rId10"/>
+    <p:sldId id="271" r:id="rId11"/>
+    <p:sldId id="260" r:id="rId12"/>
+    <p:sldId id="259" r:id="rId13"/>
+    <p:sldId id="261" r:id="rId14"/>
+    <p:sldId id="262" r:id="rId15"/>
+    <p:sldId id="264" r:id="rId16"/>
+    <p:sldId id="258" r:id="rId17"/>
+    <p:sldId id="267" r:id="rId18"/>
+    <p:sldId id="272" r:id="rId19"/>
+    <p:sldId id="275" r:id="rId20"/>
+    <p:sldId id="274" r:id="rId21"/>
+    <p:sldId id="269" r:id="rId22"/>
+    <p:sldId id="273" r:id="rId23"/>
   </p:sldIdLst>
   <p:sldSz cx="12192000" cy="6858000"/>
   <p:notesSz cx="6858000" cy="9144000"/>
@@ -318,7 +319,7 @@
           <a:p>
             <a:fld id="{B54082EB-7310-4475-A08C-DCB487D4A438}" type="datetimeFigureOut">
               <a:rPr kumimoji="1" lang="ja-JP" altLang="en-US" smtClean="0"/>
-              <a:t>2023/6/28</a:t>
+              <a:t>2023/6/29</a:t>
             </a:fld>
             <a:endParaRPr kumimoji="1" lang="ja-JP" altLang="en-US"/>
           </a:p>
@@ -520,7 +521,7 @@
           <a:p>
             <a:fld id="{B54082EB-7310-4475-A08C-DCB487D4A438}" type="datetimeFigureOut">
               <a:rPr kumimoji="1" lang="ja-JP" altLang="en-US" smtClean="0"/>
-              <a:t>2023/6/28</a:t>
+              <a:t>2023/6/29</a:t>
             </a:fld>
             <a:endParaRPr kumimoji="1" lang="ja-JP" altLang="en-US"/>
           </a:p>
@@ -775,7 +776,7 @@
           <a:p>
             <a:fld id="{B54082EB-7310-4475-A08C-DCB487D4A438}" type="datetimeFigureOut">
               <a:rPr kumimoji="1" lang="ja-JP" altLang="en-US" smtClean="0"/>
-              <a:t>2023/6/28</a:t>
+              <a:t>2023/6/29</a:t>
             </a:fld>
             <a:endParaRPr kumimoji="1" lang="ja-JP" altLang="en-US"/>
           </a:p>
@@ -987,7 +988,7 @@
           <a:p>
             <a:fld id="{B54082EB-7310-4475-A08C-DCB487D4A438}" type="datetimeFigureOut">
               <a:rPr kumimoji="1" lang="ja-JP" altLang="en-US" smtClean="0"/>
-              <a:t>2023/6/28</a:t>
+              <a:t>2023/6/29</a:t>
             </a:fld>
             <a:endParaRPr kumimoji="1" lang="ja-JP" altLang="en-US"/>
           </a:p>
@@ -1293,7 +1294,7 @@
           <a:p>
             <a:fld id="{B54082EB-7310-4475-A08C-DCB487D4A438}" type="datetimeFigureOut">
               <a:rPr kumimoji="1" lang="ja-JP" altLang="en-US" smtClean="0"/>
-              <a:t>2023/6/28</a:t>
+              <a:t>2023/6/29</a:t>
             </a:fld>
             <a:endParaRPr kumimoji="1" lang="ja-JP" altLang="en-US"/>
           </a:p>
@@ -1661,7 +1662,7 @@
           <a:p>
             <a:fld id="{B54082EB-7310-4475-A08C-DCB487D4A438}" type="datetimeFigureOut">
               <a:rPr kumimoji="1" lang="ja-JP" altLang="en-US" smtClean="0"/>
-              <a:t>2023/6/28</a:t>
+              <a:t>2023/6/29</a:t>
             </a:fld>
             <a:endParaRPr kumimoji="1" lang="ja-JP" altLang="en-US"/>
           </a:p>
@@ -2147,7 +2148,7 @@
           <a:p>
             <a:fld id="{B54082EB-7310-4475-A08C-DCB487D4A438}" type="datetimeFigureOut">
               <a:rPr kumimoji="1" lang="ja-JP" altLang="en-US" smtClean="0"/>
-              <a:t>2023/6/28</a:t>
+              <a:t>2023/6/29</a:t>
             </a:fld>
             <a:endParaRPr kumimoji="1" lang="ja-JP" altLang="en-US"/>
           </a:p>
@@ -2265,7 +2266,7 @@
           <a:p>
             <a:fld id="{B54082EB-7310-4475-A08C-DCB487D4A438}" type="datetimeFigureOut">
               <a:rPr kumimoji="1" lang="ja-JP" altLang="en-US" smtClean="0"/>
-              <a:t>2023/6/28</a:t>
+              <a:t>2023/6/29</a:t>
             </a:fld>
             <a:endParaRPr kumimoji="1" lang="ja-JP" altLang="en-US"/>
           </a:p>
@@ -2360,7 +2361,7 @@
           <a:p>
             <a:fld id="{B54082EB-7310-4475-A08C-DCB487D4A438}" type="datetimeFigureOut">
               <a:rPr kumimoji="1" lang="ja-JP" altLang="en-US" smtClean="0"/>
-              <a:t>2023/6/28</a:t>
+              <a:t>2023/6/29</a:t>
             </a:fld>
             <a:endParaRPr kumimoji="1" lang="ja-JP" altLang="en-US"/>
           </a:p>
@@ -2665,7 +2666,7 @@
           <a:p>
             <a:fld id="{B54082EB-7310-4475-A08C-DCB487D4A438}" type="datetimeFigureOut">
               <a:rPr kumimoji="1" lang="ja-JP" altLang="en-US" smtClean="0"/>
-              <a:t>2023/6/28</a:t>
+              <a:t>2023/6/29</a:t>
             </a:fld>
             <a:endParaRPr kumimoji="1" lang="ja-JP" altLang="en-US"/>
           </a:p>
@@ -2930,7 +2931,7 @@
           <a:p>
             <a:fld id="{B54082EB-7310-4475-A08C-DCB487D4A438}" type="datetimeFigureOut">
               <a:rPr kumimoji="1" lang="ja-JP" altLang="en-US" smtClean="0"/>
-              <a:t>2023/6/28</a:t>
+              <a:t>2023/6/29</a:t>
             </a:fld>
             <a:endParaRPr kumimoji="1" lang="ja-JP" altLang="en-US"/>
           </a:p>
@@ -3211,7 +3212,7 @@
           <a:p>
             <a:fld id="{B54082EB-7310-4475-A08C-DCB487D4A438}" type="datetimeFigureOut">
               <a:rPr kumimoji="1" lang="ja-JP" altLang="en-US" smtClean="0"/>
-              <a:t>2023/6/28</a:t>
+              <a:t>2023/6/29</a:t>
             </a:fld>
             <a:endParaRPr kumimoji="1" lang="ja-JP" altLang="en-US"/>
           </a:p>
@@ -3890,6 +3891,311 @@
           </a:p>
         </p:txBody>
       </p:sp>
+      <p:sp>
+        <p:nvSpPr>
+          <p:cNvPr id="5" name="二等辺三角形 4">
+            <a:extLst>
+              <a:ext uri="{FF2B5EF4-FFF2-40B4-BE49-F238E27FC236}">
+                <a16:creationId xmlns:a16="http://schemas.microsoft.com/office/drawing/2014/main" id="{2D0FBA5F-8ECE-F504-16C0-8F0B3EF522FD}"/>
+              </a:ext>
+            </a:extLst>
+          </p:cNvPr>
+          <p:cNvSpPr/>
+          <p:nvPr/>
+        </p:nvSpPr>
+        <p:spPr>
+          <a:xfrm rot="5400000">
+            <a:off x="862426" y="893905"/>
+            <a:ext cx="481012" cy="442911"/>
+          </a:xfrm>
+          <a:prstGeom prst="triangle">
+            <a:avLst/>
+          </a:prstGeom>
+          <a:solidFill>
+            <a:srgbClr val="ACBCFF"/>
+          </a:solidFill>
+          <a:ln>
+            <a:noFill/>
+          </a:ln>
+        </p:spPr>
+        <p:style>
+          <a:lnRef idx="2">
+            <a:schemeClr val="accent1">
+              <a:shade val="50000"/>
+            </a:schemeClr>
+          </a:lnRef>
+          <a:fillRef idx="1">
+            <a:schemeClr val="accent1"/>
+          </a:fillRef>
+          <a:effectRef idx="0">
+            <a:schemeClr val="accent1"/>
+          </a:effectRef>
+          <a:fontRef idx="minor">
+            <a:schemeClr val="lt1"/>
+          </a:fontRef>
+        </p:style>
+        <p:txBody>
+          <a:bodyPr rtlCol="0" anchor="ctr"/>
+          <a:lstStyle/>
+          <a:p>
+            <a:pPr algn="ctr"/>
+            <a:endParaRPr kumimoji="1" lang="ja-JP" altLang="en-US"/>
+          </a:p>
+        </p:txBody>
+      </p:sp>
+      <p:sp>
+        <p:nvSpPr>
+          <p:cNvPr id="7" name="テキスト ボックス 5">
+            <a:extLst>
+              <a:ext uri="{FF2B5EF4-FFF2-40B4-BE49-F238E27FC236}">
+                <a16:creationId xmlns:a16="http://schemas.microsoft.com/office/drawing/2014/main" id="{6956503F-3FB0-F439-B3C1-C7FEF111C254}"/>
+              </a:ext>
+            </a:extLst>
+          </p:cNvPr>
+          <p:cNvSpPr txBox="1"/>
+          <p:nvPr/>
+        </p:nvSpPr>
+        <p:spPr>
+          <a:xfrm>
+            <a:off x="1590261" y="867146"/>
+            <a:ext cx="4333875" cy="584775"/>
+          </a:xfrm>
+          <a:prstGeom prst="rect">
+            <a:avLst/>
+          </a:prstGeom>
+          <a:noFill/>
+        </p:spPr>
+        <p:txBody>
+          <a:bodyPr wrap="square" lIns="91440" tIns="45720" rIns="91440" bIns="45720" rtlCol="0" anchor="t">
+            <a:spAutoFit/>
+          </a:bodyPr>
+          <a:lstStyle/>
+          <a:p>
+            <a:r>
+              <a:rPr lang="ja-JP" altLang="en-US" sz="3200">
+                <a:solidFill>
+                  <a:schemeClr val="bg1"/>
+                </a:solidFill>
+                <a:latin typeface="UD デジタル 教科書体 NP-R"/>
+                <a:ea typeface="UD デジタル 教科書体 NP-R"/>
+              </a:rPr>
+              <a:t>注力した点</a:t>
+            </a:r>
+          </a:p>
+        </p:txBody>
+      </p:sp>
+      <p:sp>
+        <p:nvSpPr>
+          <p:cNvPr id="8" name="テキスト ボックス 5">
+            <a:extLst>
+              <a:ext uri="{FF2B5EF4-FFF2-40B4-BE49-F238E27FC236}">
+                <a16:creationId xmlns:a16="http://schemas.microsoft.com/office/drawing/2014/main" id="{0345A461-8A88-061C-5BF6-DEEC574BB497}"/>
+              </a:ext>
+            </a:extLst>
+          </p:cNvPr>
+          <p:cNvSpPr txBox="1"/>
+          <p:nvPr/>
+        </p:nvSpPr>
+        <p:spPr>
+          <a:xfrm>
+            <a:off x="6289629" y="1936523"/>
+            <a:ext cx="5162135" cy="3754874"/>
+          </a:xfrm>
+          <a:prstGeom prst="rect">
+            <a:avLst/>
+          </a:prstGeom>
+          <a:noFill/>
+        </p:spPr>
+        <p:txBody>
+          <a:bodyPr wrap="square" lIns="91440" tIns="45720" rIns="91440" bIns="45720" rtlCol="0" anchor="t">
+            <a:spAutoFit/>
+          </a:bodyPr>
+          <a:lstStyle/>
+          <a:p>
+            <a:r>
+              <a:rPr lang="ja-JP" altLang="en-US" sz="2800">
+                <a:solidFill>
+                  <a:schemeClr val="bg1"/>
+                </a:solidFill>
+                <a:latin typeface="UD デジタル 教科書体 NP-R"/>
+                <a:ea typeface="UD デジタル 教科書体 NP-R"/>
+              </a:rPr>
+              <a:t>・データベースと紐づけて日にちごとの総カロリーが動的に表示</a:t>
+            </a:r>
+          </a:p>
+          <a:p>
+            <a:endParaRPr lang="ja-JP" altLang="en-US" sz="2800">
+              <a:solidFill>
+                <a:schemeClr val="bg1"/>
+              </a:solidFill>
+              <a:latin typeface="UD デジタル 教科書体 NP-R"/>
+              <a:ea typeface="UD デジタル 教科書体 NP-R"/>
+            </a:endParaRPr>
+          </a:p>
+          <a:p>
+            <a:r>
+              <a:rPr lang="ja-JP" altLang="en-US" sz="2800">
+                <a:solidFill>
+                  <a:schemeClr val="bg1"/>
+                </a:solidFill>
+                <a:latin typeface="UD デジタル 教科書体 NP-R"/>
+                <a:ea typeface="UD デジタル 教科書体 NP-R"/>
+              </a:rPr>
+              <a:t>・マスをクリックして食事記録ページに遷移</a:t>
+            </a:r>
+          </a:p>
+          <a:p>
+            <a:endParaRPr lang="ja-JP" altLang="en-US" sz="2800">
+              <a:solidFill>
+                <a:schemeClr val="bg1"/>
+              </a:solidFill>
+              <a:latin typeface="UD デジタル 教科書体 NP-R"/>
+              <a:ea typeface="UD デジタル 教科書体 NP-R"/>
+            </a:endParaRPr>
+          </a:p>
+          <a:p>
+            <a:r>
+              <a:rPr lang="ja-JP" altLang="en-US" sz="2800">
+                <a:solidFill>
+                  <a:schemeClr val="bg1"/>
+                </a:solidFill>
+                <a:latin typeface="UD デジタル 教科書体 NP-R"/>
+                <a:ea typeface="UD デジタル 教科書体 NP-R"/>
+              </a:rPr>
+              <a:t>・「今日」のマスの色が変わる</a:t>
+            </a:r>
+          </a:p>
+          <a:p>
+            <a:endParaRPr lang="ja-JP" altLang="en-US" sz="1400">
+              <a:solidFill>
+                <a:schemeClr val="bg1"/>
+              </a:solidFill>
+              <a:latin typeface="UD デジタル 教科書体 NP-R"/>
+              <a:ea typeface="UD デジタル 教科書体 NP-R"/>
+            </a:endParaRPr>
+          </a:p>
+        </p:txBody>
+      </p:sp>
+      <p:pic>
+        <p:nvPicPr>
+          <p:cNvPr id="3" name="Picture 5">
+            <a:extLst>
+              <a:ext uri="{FF2B5EF4-FFF2-40B4-BE49-F238E27FC236}">
+                <a16:creationId xmlns:a16="http://schemas.microsoft.com/office/drawing/2014/main" id="{51C1AFFE-885C-D38B-7229-9ED9350C74EB}"/>
+              </a:ext>
+            </a:extLst>
+          </p:cNvPr>
+          <p:cNvPicPr>
+            <a:picLocks noChangeAspect="1"/>
+          </p:cNvPicPr>
+          <p:nvPr/>
+        </p:nvPicPr>
+        <p:blipFill>
+          <a:blip r:embed="rId2"/>
+          <a:stretch>
+            <a:fillRect/>
+          </a:stretch>
+        </p:blipFill>
+        <p:spPr>
+          <a:xfrm>
+            <a:off x="881270" y="2032433"/>
+            <a:ext cx="5205895" cy="3566176"/>
+          </a:xfrm>
+          <a:prstGeom prst="rect">
+            <a:avLst/>
+          </a:prstGeom>
+        </p:spPr>
+      </p:pic>
+    </p:spTree>
+    <p:extLst>
+      <p:ext uri="{BB962C8B-B14F-4D97-AF65-F5344CB8AC3E}">
+        <p14:creationId xmlns:p14="http://schemas.microsoft.com/office/powerpoint/2010/main" val="418307048"/>
+      </p:ext>
+    </p:extLst>
+  </p:cSld>
+  <p:clrMapOvr>
+    <a:masterClrMapping/>
+  </p:clrMapOvr>
+</p:sld>
+</file>
+
+<file path=ppt/slides/slide11.xml><?xml version="1.0" encoding="utf-8"?>
+<p:sld xmlns:a="http://schemas.openxmlformats.org/drawingml/2006/main" xmlns:r="http://schemas.openxmlformats.org/officeDocument/2006/relationships" xmlns:p="http://schemas.openxmlformats.org/presentationml/2006/main">
+  <p:cSld>
+    <p:bg>
+      <p:bgPr>
+        <a:solidFill>
+          <a:srgbClr val="AEE2FF"/>
+        </a:solidFill>
+        <a:effectLst/>
+      </p:bgPr>
+    </p:bg>
+    <p:spTree>
+      <p:nvGrpSpPr>
+        <p:cNvPr id="1" name=""/>
+        <p:cNvGrpSpPr/>
+        <p:nvPr/>
+      </p:nvGrpSpPr>
+      <p:grpSpPr>
+        <a:xfrm>
+          <a:off x="0" y="0"/>
+          <a:ext cx="0" cy="0"/>
+          <a:chOff x="0" y="0"/>
+          <a:chExt cx="0" cy="0"/>
+        </a:xfrm>
+      </p:grpSpPr>
+      <p:sp>
+        <p:nvSpPr>
+          <p:cNvPr id="2" name="正方形/長方形 1">
+            <a:extLst>
+              <a:ext uri="{FF2B5EF4-FFF2-40B4-BE49-F238E27FC236}">
+                <a16:creationId xmlns:a16="http://schemas.microsoft.com/office/drawing/2014/main" id="{5B096CB1-87E5-4B06-B864-486CBCC10EE2}"/>
+              </a:ext>
+            </a:extLst>
+          </p:cNvPr>
+          <p:cNvSpPr/>
+          <p:nvPr/>
+        </p:nvSpPr>
+        <p:spPr>
+          <a:xfrm>
+            <a:off x="436880" y="406400"/>
+            <a:ext cx="11318240" cy="6045200"/>
+          </a:xfrm>
+          <a:prstGeom prst="rect">
+            <a:avLst/>
+          </a:prstGeom>
+          <a:solidFill>
+            <a:schemeClr val="tx1"/>
+          </a:solidFill>
+          <a:ln>
+            <a:noFill/>
+          </a:ln>
+        </p:spPr>
+        <p:style>
+          <a:lnRef idx="2">
+            <a:schemeClr val="accent1">
+              <a:shade val="50000"/>
+            </a:schemeClr>
+          </a:lnRef>
+          <a:fillRef idx="1">
+            <a:schemeClr val="accent1"/>
+          </a:fillRef>
+          <a:effectRef idx="0">
+            <a:schemeClr val="accent1"/>
+          </a:effectRef>
+          <a:fontRef idx="minor">
+            <a:schemeClr val="lt1"/>
+          </a:fontRef>
+        </p:style>
+        <p:txBody>
+          <a:bodyPr rtlCol="0" anchor="ctr"/>
+          <a:lstStyle/>
+          <a:p>
+            <a:pPr algn="ctr"/>
+            <a:endParaRPr kumimoji="1" lang="ja-JP" altLang="en-US"/>
+          </a:p>
+        </p:txBody>
+      </p:sp>
       <p:pic>
         <p:nvPicPr>
           <p:cNvPr id="9" name="Picture 9">
@@ -4381,257 +4687,6 @@
 </p:sld>
 </file>
 
-<file path=ppt/slides/slide11.xml><?xml version="1.0" encoding="utf-8"?>
-<p:sld xmlns:a="http://schemas.openxmlformats.org/drawingml/2006/main" xmlns:r="http://schemas.openxmlformats.org/officeDocument/2006/relationships" xmlns:p="http://schemas.openxmlformats.org/presentationml/2006/main">
-  <p:cSld>
-    <p:bg>
-      <p:bgPr>
-        <a:solidFill>
-          <a:srgbClr val="AEE2FF"/>
-        </a:solidFill>
-        <a:effectLst/>
-      </p:bgPr>
-    </p:bg>
-    <p:spTree>
-      <p:nvGrpSpPr>
-        <p:cNvPr id="1" name=""/>
-        <p:cNvGrpSpPr/>
-        <p:nvPr/>
-      </p:nvGrpSpPr>
-      <p:grpSpPr>
-        <a:xfrm>
-          <a:off x="0" y="0"/>
-          <a:ext cx="0" cy="0"/>
-          <a:chOff x="0" y="0"/>
-          <a:chExt cx="0" cy="0"/>
-        </a:xfrm>
-      </p:grpSpPr>
-      <p:sp>
-        <p:nvSpPr>
-          <p:cNvPr id="2" name="正方形/長方形 1">
-            <a:extLst>
-              <a:ext uri="{FF2B5EF4-FFF2-40B4-BE49-F238E27FC236}">
-                <a16:creationId xmlns:a16="http://schemas.microsoft.com/office/drawing/2014/main" id="{5B096CB1-87E5-4B06-B864-486CBCC10EE2}"/>
-              </a:ext>
-            </a:extLst>
-          </p:cNvPr>
-          <p:cNvSpPr/>
-          <p:nvPr/>
-        </p:nvSpPr>
-        <p:spPr>
-          <a:xfrm>
-            <a:off x="436880" y="406400"/>
-            <a:ext cx="11318240" cy="6045200"/>
-          </a:xfrm>
-          <a:prstGeom prst="rect">
-            <a:avLst/>
-          </a:prstGeom>
-          <a:solidFill>
-            <a:schemeClr val="tx1"/>
-          </a:solidFill>
-          <a:ln>
-            <a:noFill/>
-          </a:ln>
-        </p:spPr>
-        <p:style>
-          <a:lnRef idx="2">
-            <a:schemeClr val="accent1">
-              <a:shade val="50000"/>
-            </a:schemeClr>
-          </a:lnRef>
-          <a:fillRef idx="1">
-            <a:schemeClr val="accent1"/>
-          </a:fillRef>
-          <a:effectRef idx="0">
-            <a:schemeClr val="accent1"/>
-          </a:effectRef>
-          <a:fontRef idx="minor">
-            <a:schemeClr val="lt1"/>
-          </a:fontRef>
-        </p:style>
-        <p:txBody>
-          <a:bodyPr rtlCol="0" anchor="ctr"/>
-          <a:lstStyle/>
-          <a:p>
-            <a:pPr algn="ctr"/>
-            <a:endParaRPr kumimoji="1" lang="ja-JP" altLang="en-US"/>
-          </a:p>
-        </p:txBody>
-      </p:sp>
-      <p:pic>
-        <p:nvPicPr>
-          <p:cNvPr id="6" name="Picture 6">
-            <a:extLst>
-              <a:ext uri="{FF2B5EF4-FFF2-40B4-BE49-F238E27FC236}">
-                <a16:creationId xmlns:a16="http://schemas.microsoft.com/office/drawing/2014/main" id="{BE48B18D-763B-8F33-DB0F-E252F1803D5C}"/>
-              </a:ext>
-            </a:extLst>
-          </p:cNvPr>
-          <p:cNvPicPr>
-            <a:picLocks noChangeAspect="1"/>
-          </p:cNvPicPr>
-          <p:nvPr/>
-        </p:nvPicPr>
-        <p:blipFill rotWithShape="1">
-          <a:blip r:embed="rId2"/>
-          <a:srcRect l="14674" t="31224" r="15761" b="204"/>
-          <a:stretch/>
-        </p:blipFill>
-        <p:spPr>
-          <a:xfrm>
-            <a:off x="671443" y="624164"/>
-            <a:ext cx="6573950" cy="3434247"/>
-          </a:xfrm>
-          <a:prstGeom prst="rect">
-            <a:avLst/>
-          </a:prstGeom>
-        </p:spPr>
-      </p:pic>
-      <p:sp>
-        <p:nvSpPr>
-          <p:cNvPr id="7" name="TextBox 6">
-            <a:extLst>
-              <a:ext uri="{FF2B5EF4-FFF2-40B4-BE49-F238E27FC236}">
-                <a16:creationId xmlns:a16="http://schemas.microsoft.com/office/drawing/2014/main" id="{261EFB76-6E16-50D4-F4F2-3ADFD21EB9FF}"/>
-              </a:ext>
-            </a:extLst>
-          </p:cNvPr>
-          <p:cNvSpPr txBox="1"/>
-          <p:nvPr/>
-        </p:nvSpPr>
-        <p:spPr>
-          <a:xfrm>
-            <a:off x="8001000" y="1242391"/>
-            <a:ext cx="3246782" cy="2418521"/>
-          </a:xfrm>
-          <a:prstGeom prst="rect">
-            <a:avLst/>
-          </a:prstGeom>
-          <a:noFill/>
-        </p:spPr>
-        <p:txBody>
-          <a:bodyPr rot="0" spcFirstLastPara="0" vertOverflow="overflow" horzOverflow="overflow" vert="horz" wrap="square" lIns="91440" tIns="45720" rIns="91440" bIns="45720" numCol="1" spcCol="0" rtlCol="0" fromWordArt="0" anchor="t" anchorCtr="0" forceAA="0" compatLnSpc="1">
-            <a:prstTxWarp prst="textNoShape">
-              <a:avLst/>
-            </a:prstTxWarp>
-            <a:spAutoFit/>
-          </a:bodyPr>
-          <a:lstStyle/>
-          <a:p>
-            <a:pPr algn="l"/>
-            <a:endParaRPr lang="en-US"/>
-          </a:p>
-        </p:txBody>
-      </p:sp>
-      <p:pic>
-        <p:nvPicPr>
-          <p:cNvPr id="3" name="Picture 4">
-            <a:extLst>
-              <a:ext uri="{FF2B5EF4-FFF2-40B4-BE49-F238E27FC236}">
-                <a16:creationId xmlns:a16="http://schemas.microsoft.com/office/drawing/2014/main" id="{E0A301A9-E926-2E44-5B64-52BDE421A763}"/>
-              </a:ext>
-            </a:extLst>
-          </p:cNvPr>
-          <p:cNvPicPr>
-            <a:picLocks noChangeAspect="1"/>
-          </p:cNvPicPr>
-          <p:nvPr/>
-        </p:nvPicPr>
-        <p:blipFill>
-          <a:blip r:embed="rId3"/>
-          <a:stretch>
-            <a:fillRect/>
-          </a:stretch>
-        </p:blipFill>
-        <p:spPr>
-          <a:xfrm>
-            <a:off x="841216" y="4156645"/>
-            <a:ext cx="6234752" cy="2045657"/>
-          </a:xfrm>
-          <a:prstGeom prst="rect">
-            <a:avLst/>
-          </a:prstGeom>
-        </p:spPr>
-      </p:pic>
-      <p:sp>
-        <p:nvSpPr>
-          <p:cNvPr id="8" name="TextBox 7">
-            <a:extLst>
-              <a:ext uri="{FF2B5EF4-FFF2-40B4-BE49-F238E27FC236}">
-                <a16:creationId xmlns:a16="http://schemas.microsoft.com/office/drawing/2014/main" id="{64F7EA39-FA74-A2AF-688D-6B22B5DCC672}"/>
-              </a:ext>
-            </a:extLst>
-          </p:cNvPr>
-          <p:cNvSpPr txBox="1"/>
-          <p:nvPr/>
-        </p:nvSpPr>
-        <p:spPr>
-          <a:xfrm>
-            <a:off x="7520608" y="2070652"/>
-            <a:ext cx="3776868" cy="2677656"/>
-          </a:xfrm>
-          <a:prstGeom prst="rect">
-            <a:avLst/>
-          </a:prstGeom>
-          <a:noFill/>
-        </p:spPr>
-        <p:txBody>
-          <a:bodyPr rot="0" spcFirstLastPara="0" vertOverflow="overflow" horzOverflow="overflow" vert="horz" wrap="square" lIns="91440" tIns="45720" rIns="91440" bIns="45720" numCol="1" spcCol="0" rtlCol="0" fromWordArt="0" anchor="t" anchorCtr="0" forceAA="0" compatLnSpc="1">
-            <a:prstTxWarp prst="textNoShape">
-              <a:avLst/>
-            </a:prstTxWarp>
-            <a:spAutoFit/>
-          </a:bodyPr>
-          <a:lstStyle/>
-          <a:p>
-            <a:pPr algn="l"/>
-            <a:r>
-              <a:rPr lang="ja-JP" altLang="en-US" sz="2800">
-                <a:solidFill>
-                  <a:schemeClr val="bg1"/>
-                </a:solidFill>
-                <a:latin typeface="UD デジタル 教科書体 NP-R"/>
-                <a:ea typeface="UD デジタル 教科書体 NP-R"/>
-              </a:rPr>
-              <a:t>・摂取カロリーを元に動的なグラフを月ごとに形成</a:t>
-            </a:r>
-          </a:p>
-          <a:p>
-            <a:endParaRPr lang="ja-JP" altLang="en-US" sz="2800">
-              <a:solidFill>
-                <a:schemeClr val="bg1"/>
-              </a:solidFill>
-              <a:latin typeface="UD デジタル 教科書体 NP-R"/>
-              <a:ea typeface="UD デジタル 教科書体 NP-R"/>
-            </a:endParaRPr>
-          </a:p>
-          <a:p>
-            <a:r>
-              <a:rPr lang="ja-JP" altLang="en-US" sz="2800">
-                <a:solidFill>
-                  <a:schemeClr val="bg1"/>
-                </a:solidFill>
-                <a:latin typeface="UD デジタル 教科書体 NP-R"/>
-                <a:ea typeface="UD デジタル 教科書体 NP-R"/>
-              </a:rPr>
-              <a:t>・ユーザーに合わせた基礎代謝を表示</a:t>
-            </a:r>
-          </a:p>
-        </p:txBody>
-      </p:sp>
-    </p:spTree>
-    <p:extLst>
-      <p:ext uri="{BB962C8B-B14F-4D97-AF65-F5344CB8AC3E}">
-        <p14:creationId xmlns:p14="http://schemas.microsoft.com/office/powerpoint/2010/main" val="3058868081"/>
-      </p:ext>
-    </p:extLst>
-  </p:cSld>
-  <p:clrMapOvr>
-    <a:masterClrMapping/>
-  </p:clrMapOvr>
-</p:sld>
-</file>
-
 <file path=ppt/slides/slide12.xml><?xml version="1.0" encoding="utf-8"?>
 <p:sld xmlns:a="http://schemas.openxmlformats.org/drawingml/2006/main" xmlns:r="http://schemas.openxmlformats.org/officeDocument/2006/relationships" xmlns:p="http://schemas.openxmlformats.org/presentationml/2006/main">
   <p:cSld>
@@ -4711,6 +4766,257 @@
       </p:sp>
       <p:pic>
         <p:nvPicPr>
+          <p:cNvPr id="6" name="Picture 6">
+            <a:extLst>
+              <a:ext uri="{FF2B5EF4-FFF2-40B4-BE49-F238E27FC236}">
+                <a16:creationId xmlns:a16="http://schemas.microsoft.com/office/drawing/2014/main" id="{BE48B18D-763B-8F33-DB0F-E252F1803D5C}"/>
+              </a:ext>
+            </a:extLst>
+          </p:cNvPr>
+          <p:cNvPicPr>
+            <a:picLocks noChangeAspect="1"/>
+          </p:cNvPicPr>
+          <p:nvPr/>
+        </p:nvPicPr>
+        <p:blipFill rotWithShape="1">
+          <a:blip r:embed="rId2"/>
+          <a:srcRect l="14674" t="31224" r="15761" b="204"/>
+          <a:stretch/>
+        </p:blipFill>
+        <p:spPr>
+          <a:xfrm>
+            <a:off x="671443" y="624164"/>
+            <a:ext cx="6573950" cy="3434247"/>
+          </a:xfrm>
+          <a:prstGeom prst="rect">
+            <a:avLst/>
+          </a:prstGeom>
+        </p:spPr>
+      </p:pic>
+      <p:sp>
+        <p:nvSpPr>
+          <p:cNvPr id="7" name="TextBox 6">
+            <a:extLst>
+              <a:ext uri="{FF2B5EF4-FFF2-40B4-BE49-F238E27FC236}">
+                <a16:creationId xmlns:a16="http://schemas.microsoft.com/office/drawing/2014/main" id="{261EFB76-6E16-50D4-F4F2-3ADFD21EB9FF}"/>
+              </a:ext>
+            </a:extLst>
+          </p:cNvPr>
+          <p:cNvSpPr txBox="1"/>
+          <p:nvPr/>
+        </p:nvSpPr>
+        <p:spPr>
+          <a:xfrm>
+            <a:off x="8001000" y="1242391"/>
+            <a:ext cx="3246782" cy="2418521"/>
+          </a:xfrm>
+          <a:prstGeom prst="rect">
+            <a:avLst/>
+          </a:prstGeom>
+          <a:noFill/>
+        </p:spPr>
+        <p:txBody>
+          <a:bodyPr rot="0" spcFirstLastPara="0" vertOverflow="overflow" horzOverflow="overflow" vert="horz" wrap="square" lIns="91440" tIns="45720" rIns="91440" bIns="45720" numCol="1" spcCol="0" rtlCol="0" fromWordArt="0" anchor="t" anchorCtr="0" forceAA="0" compatLnSpc="1">
+            <a:prstTxWarp prst="textNoShape">
+              <a:avLst/>
+            </a:prstTxWarp>
+            <a:spAutoFit/>
+          </a:bodyPr>
+          <a:lstStyle/>
+          <a:p>
+            <a:pPr algn="l"/>
+            <a:endParaRPr lang="en-US"/>
+          </a:p>
+        </p:txBody>
+      </p:sp>
+      <p:pic>
+        <p:nvPicPr>
+          <p:cNvPr id="3" name="Picture 4">
+            <a:extLst>
+              <a:ext uri="{FF2B5EF4-FFF2-40B4-BE49-F238E27FC236}">
+                <a16:creationId xmlns:a16="http://schemas.microsoft.com/office/drawing/2014/main" id="{E0A301A9-E926-2E44-5B64-52BDE421A763}"/>
+              </a:ext>
+            </a:extLst>
+          </p:cNvPr>
+          <p:cNvPicPr>
+            <a:picLocks noChangeAspect="1"/>
+          </p:cNvPicPr>
+          <p:nvPr/>
+        </p:nvPicPr>
+        <p:blipFill>
+          <a:blip r:embed="rId3"/>
+          <a:stretch>
+            <a:fillRect/>
+          </a:stretch>
+        </p:blipFill>
+        <p:spPr>
+          <a:xfrm>
+            <a:off x="841216" y="4156645"/>
+            <a:ext cx="6234752" cy="2045657"/>
+          </a:xfrm>
+          <a:prstGeom prst="rect">
+            <a:avLst/>
+          </a:prstGeom>
+        </p:spPr>
+      </p:pic>
+      <p:sp>
+        <p:nvSpPr>
+          <p:cNvPr id="8" name="TextBox 7">
+            <a:extLst>
+              <a:ext uri="{FF2B5EF4-FFF2-40B4-BE49-F238E27FC236}">
+                <a16:creationId xmlns:a16="http://schemas.microsoft.com/office/drawing/2014/main" id="{64F7EA39-FA74-A2AF-688D-6B22B5DCC672}"/>
+              </a:ext>
+            </a:extLst>
+          </p:cNvPr>
+          <p:cNvSpPr txBox="1"/>
+          <p:nvPr/>
+        </p:nvSpPr>
+        <p:spPr>
+          <a:xfrm>
+            <a:off x="7520608" y="2070652"/>
+            <a:ext cx="3776868" cy="2677656"/>
+          </a:xfrm>
+          <a:prstGeom prst="rect">
+            <a:avLst/>
+          </a:prstGeom>
+          <a:noFill/>
+        </p:spPr>
+        <p:txBody>
+          <a:bodyPr rot="0" spcFirstLastPara="0" vertOverflow="overflow" horzOverflow="overflow" vert="horz" wrap="square" lIns="91440" tIns="45720" rIns="91440" bIns="45720" numCol="1" spcCol="0" rtlCol="0" fromWordArt="0" anchor="t" anchorCtr="0" forceAA="0" compatLnSpc="1">
+            <a:prstTxWarp prst="textNoShape">
+              <a:avLst/>
+            </a:prstTxWarp>
+            <a:spAutoFit/>
+          </a:bodyPr>
+          <a:lstStyle/>
+          <a:p>
+            <a:pPr algn="l"/>
+            <a:r>
+              <a:rPr lang="ja-JP" altLang="en-US" sz="2800">
+                <a:solidFill>
+                  <a:schemeClr val="bg1"/>
+                </a:solidFill>
+                <a:latin typeface="UD デジタル 教科書体 NP-R"/>
+                <a:ea typeface="UD デジタル 教科書体 NP-R"/>
+              </a:rPr>
+              <a:t>・摂取カロリーを元に動的なグラフを月ごとに形成</a:t>
+            </a:r>
+          </a:p>
+          <a:p>
+            <a:endParaRPr lang="ja-JP" altLang="en-US" sz="2800">
+              <a:solidFill>
+                <a:schemeClr val="bg1"/>
+              </a:solidFill>
+              <a:latin typeface="UD デジタル 教科書体 NP-R"/>
+              <a:ea typeface="UD デジタル 教科書体 NP-R"/>
+            </a:endParaRPr>
+          </a:p>
+          <a:p>
+            <a:r>
+              <a:rPr lang="ja-JP" altLang="en-US" sz="2800">
+                <a:solidFill>
+                  <a:schemeClr val="bg1"/>
+                </a:solidFill>
+                <a:latin typeface="UD デジタル 教科書体 NP-R"/>
+                <a:ea typeface="UD デジタル 教科書体 NP-R"/>
+              </a:rPr>
+              <a:t>・ユーザーに合わせた基礎代謝を表示</a:t>
+            </a:r>
+          </a:p>
+        </p:txBody>
+      </p:sp>
+    </p:spTree>
+    <p:extLst>
+      <p:ext uri="{BB962C8B-B14F-4D97-AF65-F5344CB8AC3E}">
+        <p14:creationId xmlns:p14="http://schemas.microsoft.com/office/powerpoint/2010/main" val="3058868081"/>
+      </p:ext>
+    </p:extLst>
+  </p:cSld>
+  <p:clrMapOvr>
+    <a:masterClrMapping/>
+  </p:clrMapOvr>
+</p:sld>
+</file>
+
+<file path=ppt/slides/slide13.xml><?xml version="1.0" encoding="utf-8"?>
+<p:sld xmlns:a="http://schemas.openxmlformats.org/drawingml/2006/main" xmlns:r="http://schemas.openxmlformats.org/officeDocument/2006/relationships" xmlns:p="http://schemas.openxmlformats.org/presentationml/2006/main">
+  <p:cSld>
+    <p:bg>
+      <p:bgPr>
+        <a:solidFill>
+          <a:srgbClr val="AEE2FF"/>
+        </a:solidFill>
+        <a:effectLst/>
+      </p:bgPr>
+    </p:bg>
+    <p:spTree>
+      <p:nvGrpSpPr>
+        <p:cNvPr id="1" name=""/>
+        <p:cNvGrpSpPr/>
+        <p:nvPr/>
+      </p:nvGrpSpPr>
+      <p:grpSpPr>
+        <a:xfrm>
+          <a:off x="0" y="0"/>
+          <a:ext cx="0" cy="0"/>
+          <a:chOff x="0" y="0"/>
+          <a:chExt cx="0" cy="0"/>
+        </a:xfrm>
+      </p:grpSpPr>
+      <p:sp>
+        <p:nvSpPr>
+          <p:cNvPr id="2" name="正方形/長方形 1">
+            <a:extLst>
+              <a:ext uri="{FF2B5EF4-FFF2-40B4-BE49-F238E27FC236}">
+                <a16:creationId xmlns:a16="http://schemas.microsoft.com/office/drawing/2014/main" id="{5B096CB1-87E5-4B06-B864-486CBCC10EE2}"/>
+              </a:ext>
+            </a:extLst>
+          </p:cNvPr>
+          <p:cNvSpPr/>
+          <p:nvPr/>
+        </p:nvSpPr>
+        <p:spPr>
+          <a:xfrm>
+            <a:off x="436880" y="406400"/>
+            <a:ext cx="11318240" cy="6045200"/>
+          </a:xfrm>
+          <a:prstGeom prst="rect">
+            <a:avLst/>
+          </a:prstGeom>
+          <a:solidFill>
+            <a:schemeClr val="tx1"/>
+          </a:solidFill>
+          <a:ln>
+            <a:noFill/>
+          </a:ln>
+        </p:spPr>
+        <p:style>
+          <a:lnRef idx="2">
+            <a:schemeClr val="accent1">
+              <a:shade val="50000"/>
+            </a:schemeClr>
+          </a:lnRef>
+          <a:fillRef idx="1">
+            <a:schemeClr val="accent1"/>
+          </a:fillRef>
+          <a:effectRef idx="0">
+            <a:schemeClr val="accent1"/>
+          </a:effectRef>
+          <a:fontRef idx="minor">
+            <a:schemeClr val="lt1"/>
+          </a:fontRef>
+        </p:style>
+        <p:txBody>
+          <a:bodyPr rtlCol="0" anchor="ctr"/>
+          <a:lstStyle/>
+          <a:p>
+            <a:pPr algn="ctr"/>
+            <a:endParaRPr kumimoji="1" lang="ja-JP" altLang="en-US"/>
+          </a:p>
+        </p:txBody>
+      </p:sp>
+      <p:pic>
+        <p:nvPicPr>
           <p:cNvPr id="5" name="図 4">
             <a:extLst>
               <a:ext uri="{FF2B5EF4-FFF2-40B4-BE49-F238E27FC236}">
@@ -4803,7 +5109,7 @@
 </p:sld>
 </file>
 
-<file path=ppt/slides/slide13.xml><?xml version="1.0" encoding="utf-8"?>
+<file path=ppt/slides/slide14.xml><?xml version="1.0" encoding="utf-8"?>
 <p:sld xmlns:a="http://schemas.openxmlformats.org/drawingml/2006/main" xmlns:r="http://schemas.openxmlformats.org/officeDocument/2006/relationships" xmlns:p="http://schemas.openxmlformats.org/presentationml/2006/main">
   <p:cSld>
     <p:bg>
@@ -5119,251 +5425,6 @@
 </p:sld>
 </file>
 
-<file path=ppt/slides/slide14.xml><?xml version="1.0" encoding="utf-8"?>
-<p:sld xmlns:a="http://schemas.openxmlformats.org/drawingml/2006/main" xmlns:r="http://schemas.openxmlformats.org/officeDocument/2006/relationships" xmlns:p="http://schemas.openxmlformats.org/presentationml/2006/main">
-  <p:cSld>
-    <p:bg>
-      <p:bgPr>
-        <a:solidFill>
-          <a:srgbClr val="AEE2FF"/>
-        </a:solidFill>
-        <a:effectLst/>
-      </p:bgPr>
-    </p:bg>
-    <p:spTree>
-      <p:nvGrpSpPr>
-        <p:cNvPr id="1" name=""/>
-        <p:cNvGrpSpPr/>
-        <p:nvPr/>
-      </p:nvGrpSpPr>
-      <p:grpSpPr>
-        <a:xfrm>
-          <a:off x="0" y="0"/>
-          <a:ext cx="0" cy="0"/>
-          <a:chOff x="0" y="0"/>
-          <a:chExt cx="0" cy="0"/>
-        </a:xfrm>
-      </p:grpSpPr>
-      <p:sp>
-        <p:nvSpPr>
-          <p:cNvPr id="2" name="正方形/長方形 1">
-            <a:extLst>
-              <a:ext uri="{FF2B5EF4-FFF2-40B4-BE49-F238E27FC236}">
-                <a16:creationId xmlns:a16="http://schemas.microsoft.com/office/drawing/2014/main" id="{5B096CB1-87E5-4B06-B864-486CBCC10EE2}"/>
-              </a:ext>
-            </a:extLst>
-          </p:cNvPr>
-          <p:cNvSpPr/>
-          <p:nvPr/>
-        </p:nvSpPr>
-        <p:spPr>
-          <a:xfrm>
-            <a:off x="436880" y="406400"/>
-            <a:ext cx="11318240" cy="6045200"/>
-          </a:xfrm>
-          <a:prstGeom prst="rect">
-            <a:avLst/>
-          </a:prstGeom>
-          <a:solidFill>
-            <a:schemeClr val="tx1"/>
-          </a:solidFill>
-          <a:ln>
-            <a:noFill/>
-          </a:ln>
-        </p:spPr>
-        <p:style>
-          <a:lnRef idx="2">
-            <a:schemeClr val="accent1">
-              <a:shade val="50000"/>
-            </a:schemeClr>
-          </a:lnRef>
-          <a:fillRef idx="1">
-            <a:schemeClr val="accent1"/>
-          </a:fillRef>
-          <a:effectRef idx="0">
-            <a:schemeClr val="accent1"/>
-          </a:effectRef>
-          <a:fontRef idx="minor">
-            <a:schemeClr val="lt1"/>
-          </a:fontRef>
-        </p:style>
-        <p:txBody>
-          <a:bodyPr rtlCol="0" anchor="ctr"/>
-          <a:lstStyle/>
-          <a:p>
-            <a:pPr algn="ctr"/>
-            <a:endParaRPr kumimoji="1" lang="ja-JP" altLang="en-US"/>
-          </a:p>
-        </p:txBody>
-      </p:sp>
-      <p:sp>
-        <p:nvSpPr>
-          <p:cNvPr id="3" name="二等辺三角形 2">
-            <a:extLst>
-              <a:ext uri="{FF2B5EF4-FFF2-40B4-BE49-F238E27FC236}">
-                <a16:creationId xmlns:a16="http://schemas.microsoft.com/office/drawing/2014/main" id="{C93255BC-2E58-4405-0349-0366AE955D8F}"/>
-              </a:ext>
-            </a:extLst>
-          </p:cNvPr>
-          <p:cNvSpPr/>
-          <p:nvPr/>
-        </p:nvSpPr>
-        <p:spPr>
-          <a:xfrm rot="5400000">
-            <a:off x="862426" y="893905"/>
-            <a:ext cx="481012" cy="442911"/>
-          </a:xfrm>
-          <a:prstGeom prst="triangle">
-            <a:avLst/>
-          </a:prstGeom>
-          <a:solidFill>
-            <a:srgbClr val="ACBCFF"/>
-          </a:solidFill>
-          <a:ln>
-            <a:noFill/>
-          </a:ln>
-        </p:spPr>
-        <p:style>
-          <a:lnRef idx="2">
-            <a:schemeClr val="accent1">
-              <a:shade val="50000"/>
-            </a:schemeClr>
-          </a:lnRef>
-          <a:fillRef idx="1">
-            <a:schemeClr val="accent1"/>
-          </a:fillRef>
-          <a:effectRef idx="0">
-            <a:schemeClr val="accent1"/>
-          </a:effectRef>
-          <a:fontRef idx="minor">
-            <a:schemeClr val="lt1"/>
-          </a:fontRef>
-        </p:style>
-        <p:txBody>
-          <a:bodyPr rtlCol="0" anchor="ctr"/>
-          <a:lstStyle/>
-          <a:p>
-            <a:pPr algn="ctr"/>
-            <a:endParaRPr kumimoji="1" lang="ja-JP" altLang="en-US"/>
-          </a:p>
-        </p:txBody>
-      </p:sp>
-      <p:sp>
-        <p:nvSpPr>
-          <p:cNvPr id="4" name="テキスト ボックス 5">
-            <a:extLst>
-              <a:ext uri="{FF2B5EF4-FFF2-40B4-BE49-F238E27FC236}">
-                <a16:creationId xmlns:a16="http://schemas.microsoft.com/office/drawing/2014/main" id="{21753DF3-E580-0C76-CEED-1CD21616FC30}"/>
-              </a:ext>
-            </a:extLst>
-          </p:cNvPr>
-          <p:cNvSpPr txBox="1"/>
-          <p:nvPr/>
-        </p:nvSpPr>
-        <p:spPr>
-          <a:xfrm>
-            <a:off x="2296385" y="2989806"/>
-            <a:ext cx="8145768" cy="1015663"/>
-          </a:xfrm>
-          <a:prstGeom prst="rect">
-            <a:avLst/>
-          </a:prstGeom>
-          <a:noFill/>
-        </p:spPr>
-        <p:txBody>
-          <a:bodyPr wrap="square" lIns="91440" tIns="45720" rIns="91440" bIns="45720" rtlCol="0" anchor="t">
-            <a:spAutoFit/>
-          </a:bodyPr>
-          <a:lstStyle/>
-          <a:p>
-            <a:r>
-              <a:rPr lang="ja-JP" altLang="en-US" sz="6000" b="1" u="sng" dirty="0">
-                <a:solidFill>
-                  <a:schemeClr val="bg1"/>
-                </a:solidFill>
-                <a:effectLst>
-                  <a:outerShdw blurRad="38100" dist="38100" dir="2700000" algn="tl">
-                    <a:srgbClr val="000000">
-                      <a:alpha val="43137"/>
-                    </a:srgbClr>
-                  </a:outerShdw>
-                </a:effectLst>
-                <a:latin typeface="UD デジタル 教科書体 NK-B" panose="02020700000000000000" pitchFamily="18" charset="-128"/>
-                <a:ea typeface="UD デジタル 教科書体 NK-B" panose="02020700000000000000" pitchFamily="18" charset="-128"/>
-              </a:rPr>
-              <a:t>実際に動かしてみます！</a:t>
-            </a:r>
-            <a:endParaRPr lang="en-US" altLang="ja-JP" sz="6000" b="1" u="sng" dirty="0">
-              <a:solidFill>
-                <a:schemeClr val="bg1"/>
-              </a:solidFill>
-              <a:effectLst>
-                <a:outerShdw blurRad="38100" dist="38100" dir="2700000" algn="tl">
-                  <a:srgbClr val="000000">
-                    <a:alpha val="43137"/>
-                  </a:srgbClr>
-                </a:outerShdw>
-              </a:effectLst>
-              <a:latin typeface="UD デジタル 教科書体 NK-B" panose="02020700000000000000" pitchFamily="18" charset="-128"/>
-              <a:ea typeface="UD デジタル 教科書体 NK-B" panose="02020700000000000000" pitchFamily="18" charset="-128"/>
-            </a:endParaRPr>
-          </a:p>
-        </p:txBody>
-      </p:sp>
-      <p:sp>
-        <p:nvSpPr>
-          <p:cNvPr id="6" name="テキスト ボックス 5">
-            <a:extLst>
-              <a:ext uri="{FF2B5EF4-FFF2-40B4-BE49-F238E27FC236}">
-                <a16:creationId xmlns:a16="http://schemas.microsoft.com/office/drawing/2014/main" id="{16548B8F-C8B2-BF66-F4C2-30DC05A1AB4A}"/>
-              </a:ext>
-            </a:extLst>
-          </p:cNvPr>
-          <p:cNvSpPr txBox="1"/>
-          <p:nvPr/>
-        </p:nvSpPr>
-        <p:spPr>
-          <a:xfrm>
-            <a:off x="1762125" y="874854"/>
-            <a:ext cx="4333875" cy="584775"/>
-          </a:xfrm>
-          <a:prstGeom prst="rect">
-            <a:avLst/>
-          </a:prstGeom>
-          <a:noFill/>
-        </p:spPr>
-        <p:txBody>
-          <a:bodyPr wrap="square" lIns="91440" tIns="45720" rIns="91440" bIns="45720" rtlCol="0" anchor="t">
-            <a:spAutoFit/>
-          </a:bodyPr>
-          <a:lstStyle/>
-          <a:p>
-            <a:r>
-              <a:rPr lang="ja-JP" altLang="en-US" sz="3200" dirty="0">
-                <a:solidFill>
-                  <a:schemeClr val="bg1"/>
-                </a:solidFill>
-                <a:latin typeface="UD デジタル 教科書体 NP-R"/>
-                <a:ea typeface="UD デジタル 教科書体 NP-R"/>
-              </a:rPr>
-              <a:t>デモンストレーション</a:t>
-            </a:r>
-          </a:p>
-        </p:txBody>
-      </p:sp>
-    </p:spTree>
-    <p:extLst>
-      <p:ext uri="{BB962C8B-B14F-4D97-AF65-F5344CB8AC3E}">
-        <p14:creationId xmlns:p14="http://schemas.microsoft.com/office/powerpoint/2010/main" val="2225371510"/>
-      </p:ext>
-    </p:extLst>
-  </p:cSld>
-  <p:clrMapOvr>
-    <a:masterClrMapping/>
-  </p:clrMapOvr>
-</p:sld>
-</file>
-
 <file path=ppt/slides/slide15.xml><?xml version="1.0" encoding="utf-8"?>
 <p:sld xmlns:a="http://schemas.openxmlformats.org/drawingml/2006/main" xmlns:r="http://schemas.openxmlformats.org/officeDocument/2006/relationships" xmlns:p="http://schemas.openxmlformats.org/presentationml/2006/main">
   <p:cSld>
@@ -5508,7 +5569,7 @@
         <p:spPr>
           <a:xfrm>
             <a:off x="2296385" y="2989806"/>
-            <a:ext cx="8145768" cy="1200329"/>
+            <a:ext cx="8145768" cy="1015663"/>
           </a:xfrm>
           <a:prstGeom prst="rect">
             <a:avLst/>
@@ -5522,7 +5583,7 @@
           <a:lstStyle/>
           <a:p>
             <a:r>
-              <a:rPr lang="ja-JP" altLang="en-US" sz="7200" b="1" dirty="0">
+              <a:rPr lang="ja-JP" altLang="en-US" sz="6000" b="1" u="sng" dirty="0">
                 <a:solidFill>
                   <a:schemeClr val="bg1"/>
                 </a:solidFill>
@@ -5536,8 +5597,22 @@
                 <a:latin typeface="UD デジタル 教科書体 NK-B" panose="02020700000000000000" pitchFamily="18" charset="-128"/>
                 <a:ea typeface="UD デジタル 教科書体 NK-B" panose="02020700000000000000" pitchFamily="18" charset="-128"/>
               </a:rPr>
-              <a:t>メンバーから一言</a:t>
-            </a:r>
+              <a:t>実際に動かしてみます！</a:t>
+            </a:r>
+            <a:endParaRPr lang="en-US" altLang="ja-JP" sz="6000" b="1" u="sng" dirty="0">
+              <a:solidFill>
+                <a:schemeClr val="bg1"/>
+              </a:solidFill>
+              <a:effectLst>
+                <a:outerShdw blurRad="38100" dist="38100" dir="2700000" algn="tl">
+                  <a:srgbClr val="000000">
+                    <a:alpha val="43137"/>
+                  </a:srgbClr>
+                </a:outerShdw>
+              </a:effectLst>
+              <a:latin typeface="UD デジタル 教科書体 NK-B" panose="02020700000000000000" pitchFamily="18" charset="-128"/>
+              <a:ea typeface="UD デジタル 教科書体 NK-B" panose="02020700000000000000" pitchFamily="18" charset="-128"/>
+            </a:endParaRPr>
           </a:p>
         </p:txBody>
       </p:sp>
@@ -5577,7 +5652,7 @@
                 <a:latin typeface="UD デジタル 教科書体 NP-R"/>
                 <a:ea typeface="UD デジタル 教科書体 NP-R"/>
               </a:rPr>
-              <a:t>まとめ</a:t>
+              <a:t>デモンストレーション</a:t>
             </a:r>
           </a:p>
         </p:txBody>
@@ -5585,7 +5660,7 @@
     </p:spTree>
     <p:extLst>
       <p:ext uri="{BB962C8B-B14F-4D97-AF65-F5344CB8AC3E}">
-        <p14:creationId xmlns:p14="http://schemas.microsoft.com/office/powerpoint/2010/main" val="434280435"/>
+        <p14:creationId xmlns:p14="http://schemas.microsoft.com/office/powerpoint/2010/main" val="2225371510"/>
       </p:ext>
     </p:extLst>
   </p:cSld>
@@ -5668,23 +5743,68 @@
           <a:lstStyle/>
           <a:p>
             <a:pPr algn="ctr"/>
-            <a:r>
-              <a:rPr kumimoji="1" lang="en-US" altLang="ja-JP" dirty="0"/>
-              <a:t>Web</a:t>
-            </a:r>
-            <a:r>
-              <a:rPr kumimoji="1" lang="ja-JP" altLang="en-US" dirty="0"/>
-              <a:t>アプリ開発の発表に関わっていただいたすべての方々に深く感謝の意を表します。特に、研修に参加させていただいた企業の皆様には、ご協力とお気遣いに心から感謝申し上げます。</a:t>
-            </a:r>
-          </a:p>
-        </p:txBody>
-      </p:sp>
-      <p:sp>
-        <p:nvSpPr>
-          <p:cNvPr id="7" name="テキスト ボックス 6">
+            <a:endParaRPr kumimoji="1" lang="ja-JP" altLang="en-US"/>
+          </a:p>
+        </p:txBody>
+      </p:sp>
+      <p:sp>
+        <p:nvSpPr>
+          <p:cNvPr id="3" name="二等辺三角形 2">
             <a:extLst>
               <a:ext uri="{FF2B5EF4-FFF2-40B4-BE49-F238E27FC236}">
-                <a16:creationId xmlns:a16="http://schemas.microsoft.com/office/drawing/2014/main" id="{420CB400-68C0-8FA3-520A-8A10FFE846E4}"/>
+                <a16:creationId xmlns:a16="http://schemas.microsoft.com/office/drawing/2014/main" id="{C93255BC-2E58-4405-0349-0366AE955D8F}"/>
+              </a:ext>
+            </a:extLst>
+          </p:cNvPr>
+          <p:cNvSpPr/>
+          <p:nvPr/>
+        </p:nvSpPr>
+        <p:spPr>
+          <a:xfrm rot="5400000">
+            <a:off x="862426" y="893905"/>
+            <a:ext cx="481012" cy="442911"/>
+          </a:xfrm>
+          <a:prstGeom prst="triangle">
+            <a:avLst/>
+          </a:prstGeom>
+          <a:solidFill>
+            <a:srgbClr val="ACBCFF"/>
+          </a:solidFill>
+          <a:ln>
+            <a:noFill/>
+          </a:ln>
+        </p:spPr>
+        <p:style>
+          <a:lnRef idx="2">
+            <a:schemeClr val="accent1">
+              <a:shade val="50000"/>
+            </a:schemeClr>
+          </a:lnRef>
+          <a:fillRef idx="1">
+            <a:schemeClr val="accent1"/>
+          </a:fillRef>
+          <a:effectRef idx="0">
+            <a:schemeClr val="accent1"/>
+          </a:effectRef>
+          <a:fontRef idx="minor">
+            <a:schemeClr val="lt1"/>
+          </a:fontRef>
+        </p:style>
+        <p:txBody>
+          <a:bodyPr rtlCol="0" anchor="ctr"/>
+          <a:lstStyle/>
+          <a:p>
+            <a:pPr algn="ctr"/>
+            <a:endParaRPr kumimoji="1" lang="ja-JP" altLang="en-US"/>
+          </a:p>
+        </p:txBody>
+      </p:sp>
+      <p:sp>
+        <p:nvSpPr>
+          <p:cNvPr id="4" name="テキスト ボックス 5">
+            <a:extLst>
+              <a:ext uri="{FF2B5EF4-FFF2-40B4-BE49-F238E27FC236}">
+                <a16:creationId xmlns:a16="http://schemas.microsoft.com/office/drawing/2014/main" id="{21753DF3-E580-0C76-CEED-1CD21616FC30}"/>
               </a:ext>
             </a:extLst>
           </p:cNvPr>
@@ -5693,8 +5813,8 @@
         </p:nvSpPr>
         <p:spPr>
           <a:xfrm>
-            <a:off x="1205076" y="2153311"/>
-            <a:ext cx="10457793" cy="2862322"/>
+            <a:off x="2296385" y="2989806"/>
+            <a:ext cx="8145768" cy="1200329"/>
           </a:xfrm>
           <a:prstGeom prst="rect">
             <a:avLst/>
@@ -5708,58 +5828,70 @@
           <a:lstStyle/>
           <a:p>
             <a:r>
-              <a:rPr lang="en-US" altLang="ja-JP" sz="3600" b="0" i="0" dirty="0">
+              <a:rPr lang="ja-JP" altLang="en-US" sz="7200" b="1" dirty="0">
                 <a:solidFill>
                   <a:schemeClr val="bg1"/>
                 </a:solidFill>
-                <a:effectLst/>
-                <a:latin typeface="Söhne"/>
+                <a:effectLst>
+                  <a:outerShdw blurRad="38100" dist="38100" dir="2700000" algn="tl">
+                    <a:srgbClr val="000000">
+                      <a:alpha val="43137"/>
+                    </a:srgbClr>
+                  </a:outerShdw>
+                </a:effectLst>
+                <a:latin typeface="UD デジタル 教科書体 NK-B" panose="02020700000000000000" pitchFamily="18" charset="-128"/>
+                <a:ea typeface="UD デジタル 教科書体 NK-B" panose="02020700000000000000" pitchFamily="18" charset="-128"/>
               </a:rPr>
-              <a:t>Web</a:t>
-            </a:r>
-            <a:r>
-              <a:rPr lang="ja-JP" altLang="en-US" sz="3600" b="0" i="0" dirty="0">
+              <a:t>メンバーから一言</a:t>
+            </a:r>
+          </a:p>
+        </p:txBody>
+      </p:sp>
+      <p:sp>
+        <p:nvSpPr>
+          <p:cNvPr id="6" name="テキスト ボックス 5">
+            <a:extLst>
+              <a:ext uri="{FF2B5EF4-FFF2-40B4-BE49-F238E27FC236}">
+                <a16:creationId xmlns:a16="http://schemas.microsoft.com/office/drawing/2014/main" id="{16548B8F-C8B2-BF66-F4C2-30DC05A1AB4A}"/>
+              </a:ext>
+            </a:extLst>
+          </p:cNvPr>
+          <p:cNvSpPr txBox="1"/>
+          <p:nvPr/>
+        </p:nvSpPr>
+        <p:spPr>
+          <a:xfrm>
+            <a:off x="1762125" y="874854"/>
+            <a:ext cx="4333875" cy="584775"/>
+          </a:xfrm>
+          <a:prstGeom prst="rect">
+            <a:avLst/>
+          </a:prstGeom>
+          <a:noFill/>
+        </p:spPr>
+        <p:txBody>
+          <a:bodyPr wrap="square" lIns="91440" tIns="45720" rIns="91440" bIns="45720" rtlCol="0" anchor="t">
+            <a:spAutoFit/>
+          </a:bodyPr>
+          <a:lstStyle/>
+          <a:p>
+            <a:r>
+              <a:rPr lang="ja-JP" altLang="en-US" sz="3200" dirty="0">
                 <a:solidFill>
                   <a:schemeClr val="bg1"/>
                 </a:solidFill>
-                <a:effectLst/>
-                <a:latin typeface="Söhne"/>
+                <a:latin typeface="UD デジタル 教科書体 NP-R"/>
+                <a:ea typeface="UD デジタル 教科書体 NP-R"/>
               </a:rPr>
-              <a:t>アプリ開発の発表に関わっていただいたすべての方々に深く感謝の意を表します。</a:t>
-            </a:r>
-            <a:endParaRPr lang="en-US" altLang="ja-JP" sz="3600" b="0" i="0" dirty="0">
-              <a:solidFill>
-                <a:schemeClr val="bg1"/>
-              </a:solidFill>
-              <a:effectLst/>
-              <a:latin typeface="Söhne"/>
-            </a:endParaRPr>
-          </a:p>
-          <a:p>
-            <a:r>
-              <a:rPr lang="ja-JP" altLang="en-US" sz="3600" b="0" i="0" dirty="0">
-                <a:solidFill>
-                  <a:schemeClr val="bg1"/>
-                </a:solidFill>
-                <a:effectLst/>
-                <a:latin typeface="Söhne"/>
-              </a:rPr>
-              <a:t>研修に参加させていただいた企業の皆様、講師の皆様にも、お力添えいただきましたことを心から感謝申し上げます。</a:t>
-            </a:r>
-            <a:endParaRPr lang="ja-JP" altLang="en-US" sz="3600" dirty="0">
-              <a:solidFill>
-                <a:schemeClr val="bg1"/>
-              </a:solidFill>
-              <a:latin typeface="UD デジタル 教科書体 NP-R"/>
-              <a:ea typeface="UD デジタル 教科書体 NP-R"/>
-            </a:endParaRPr>
+              <a:t>まとめ</a:t>
+            </a:r>
           </a:p>
         </p:txBody>
       </p:sp>
     </p:spTree>
     <p:extLst>
       <p:ext uri="{BB962C8B-B14F-4D97-AF65-F5344CB8AC3E}">
-        <p14:creationId xmlns:p14="http://schemas.microsoft.com/office/powerpoint/2010/main" val="1170034817"/>
+        <p14:creationId xmlns:p14="http://schemas.microsoft.com/office/powerpoint/2010/main" val="434280435"/>
       </p:ext>
     </p:extLst>
   </p:cSld>
@@ -5842,6 +5974,273 @@
           <a:lstStyle/>
           <a:p>
             <a:pPr algn="ctr"/>
+            <a:r>
+              <a:rPr kumimoji="1" lang="en-US" altLang="ja-JP" dirty="0"/>
+              <a:t>Web</a:t>
+            </a:r>
+            <a:r>
+              <a:rPr kumimoji="1" lang="ja-JP" altLang="en-US" dirty="0"/>
+              <a:t>アプリ開発の発表に関わっていただいたすべての方々に深く感謝の意を表します。特に、研修に参加させていただいた企業の皆様には、ご協力とお気遣いに心から感謝申し上げます。</a:t>
+            </a:r>
+          </a:p>
+        </p:txBody>
+      </p:sp>
+      <p:sp>
+        <p:nvSpPr>
+          <p:cNvPr id="7" name="テキスト ボックス 6">
+            <a:extLst>
+              <a:ext uri="{FF2B5EF4-FFF2-40B4-BE49-F238E27FC236}">
+                <a16:creationId xmlns:a16="http://schemas.microsoft.com/office/drawing/2014/main" id="{420CB400-68C0-8FA3-520A-8A10FFE846E4}"/>
+              </a:ext>
+            </a:extLst>
+          </p:cNvPr>
+          <p:cNvSpPr txBox="1"/>
+          <p:nvPr/>
+        </p:nvSpPr>
+        <p:spPr>
+          <a:xfrm>
+            <a:off x="1205076" y="2420691"/>
+            <a:ext cx="10457793" cy="2862322"/>
+          </a:xfrm>
+          <a:prstGeom prst="rect">
+            <a:avLst/>
+          </a:prstGeom>
+          <a:noFill/>
+        </p:spPr>
+        <p:txBody>
+          <a:bodyPr wrap="square" lIns="91440" tIns="45720" rIns="91440" bIns="45720" rtlCol="0" anchor="t">
+            <a:spAutoFit/>
+          </a:bodyPr>
+          <a:lstStyle/>
+          <a:p>
+            <a:r>
+              <a:rPr lang="en-US" altLang="ja-JP" sz="3600" b="0" i="0" dirty="0">
+                <a:solidFill>
+                  <a:schemeClr val="bg1"/>
+                </a:solidFill>
+                <a:effectLst/>
+                <a:latin typeface="Söhne"/>
+              </a:rPr>
+              <a:t>Web</a:t>
+            </a:r>
+            <a:r>
+              <a:rPr lang="ja-JP" altLang="en-US" sz="3600" b="0" i="0" dirty="0">
+                <a:solidFill>
+                  <a:schemeClr val="bg1"/>
+                </a:solidFill>
+                <a:effectLst/>
+                <a:latin typeface="Söhne"/>
+              </a:rPr>
+              <a:t>アプリ開発の発表に関わっていただいたすべての方々に深く感謝の意を表します。</a:t>
+            </a:r>
+            <a:endParaRPr lang="en-US" altLang="ja-JP" sz="3600" b="0" i="0" dirty="0">
+              <a:solidFill>
+                <a:schemeClr val="bg1"/>
+              </a:solidFill>
+              <a:effectLst/>
+              <a:latin typeface="Söhne"/>
+            </a:endParaRPr>
+          </a:p>
+          <a:p>
+            <a:r>
+              <a:rPr lang="ja-JP" altLang="en-US" sz="3600" b="0" i="0" dirty="0">
+                <a:solidFill>
+                  <a:schemeClr val="bg1"/>
+                </a:solidFill>
+                <a:effectLst/>
+                <a:latin typeface="Söhne"/>
+              </a:rPr>
+              <a:t>研修に参加させていただいた企業の皆様、講師の皆様にも、お力添えいただきましたことを心から感謝申し上げます。</a:t>
+            </a:r>
+            <a:endParaRPr lang="ja-JP" altLang="en-US" sz="3600" dirty="0">
+              <a:solidFill>
+                <a:schemeClr val="bg1"/>
+              </a:solidFill>
+              <a:latin typeface="UD デジタル 教科書体 NP-R"/>
+              <a:ea typeface="UD デジタル 教科書体 NP-R"/>
+            </a:endParaRPr>
+          </a:p>
+        </p:txBody>
+      </p:sp>
+      <p:sp>
+        <p:nvSpPr>
+          <p:cNvPr id="3" name="二等辺三角形 2">
+            <a:extLst>
+              <a:ext uri="{FF2B5EF4-FFF2-40B4-BE49-F238E27FC236}">
+                <a16:creationId xmlns:a16="http://schemas.microsoft.com/office/drawing/2014/main" id="{479A27CE-7E3B-0E5A-C873-138BE76A0FBE}"/>
+              </a:ext>
+            </a:extLst>
+          </p:cNvPr>
+          <p:cNvSpPr/>
+          <p:nvPr/>
+        </p:nvSpPr>
+        <p:spPr>
+          <a:xfrm rot="5400000">
+            <a:off x="862426" y="893905"/>
+            <a:ext cx="481012" cy="442911"/>
+          </a:xfrm>
+          <a:prstGeom prst="triangle">
+            <a:avLst/>
+          </a:prstGeom>
+          <a:solidFill>
+            <a:srgbClr val="ACBCFF"/>
+          </a:solidFill>
+          <a:ln>
+            <a:noFill/>
+          </a:ln>
+        </p:spPr>
+        <p:style>
+          <a:lnRef idx="2">
+            <a:schemeClr val="accent1">
+              <a:shade val="50000"/>
+            </a:schemeClr>
+          </a:lnRef>
+          <a:fillRef idx="1">
+            <a:schemeClr val="accent1"/>
+          </a:fillRef>
+          <a:effectRef idx="0">
+            <a:schemeClr val="accent1"/>
+          </a:effectRef>
+          <a:fontRef idx="minor">
+            <a:schemeClr val="lt1"/>
+          </a:fontRef>
+        </p:style>
+        <p:txBody>
+          <a:bodyPr rtlCol="0" anchor="ctr"/>
+          <a:lstStyle/>
+          <a:p>
+            <a:pPr algn="ctr"/>
+            <a:endParaRPr kumimoji="1" lang="ja-JP" altLang="en-US"/>
+          </a:p>
+        </p:txBody>
+      </p:sp>
+      <p:sp>
+        <p:nvSpPr>
+          <p:cNvPr id="4" name="テキスト ボックス 3">
+            <a:extLst>
+              <a:ext uri="{FF2B5EF4-FFF2-40B4-BE49-F238E27FC236}">
+                <a16:creationId xmlns:a16="http://schemas.microsoft.com/office/drawing/2014/main" id="{376851E1-19B1-DB0D-7C5F-FF7E78D72C7E}"/>
+              </a:ext>
+            </a:extLst>
+          </p:cNvPr>
+          <p:cNvSpPr txBox="1"/>
+          <p:nvPr/>
+        </p:nvSpPr>
+        <p:spPr>
+          <a:xfrm>
+            <a:off x="1762125" y="874854"/>
+            <a:ext cx="4333875" cy="584775"/>
+          </a:xfrm>
+          <a:prstGeom prst="rect">
+            <a:avLst/>
+          </a:prstGeom>
+          <a:noFill/>
+        </p:spPr>
+        <p:txBody>
+          <a:bodyPr wrap="square" lIns="91440" tIns="45720" rIns="91440" bIns="45720" rtlCol="0" anchor="t">
+            <a:spAutoFit/>
+          </a:bodyPr>
+          <a:lstStyle/>
+          <a:p>
+            <a:r>
+              <a:rPr lang="ja-JP" altLang="en-US" sz="3200" dirty="0">
+                <a:solidFill>
+                  <a:schemeClr val="bg1"/>
+                </a:solidFill>
+                <a:latin typeface="UD デジタル 教科書体 NP-R"/>
+                <a:ea typeface="UD デジタル 教科書体 NP-R"/>
+              </a:rPr>
+              <a:t>最後に</a:t>
+            </a:r>
+          </a:p>
+        </p:txBody>
+      </p:sp>
+    </p:spTree>
+    <p:extLst>
+      <p:ext uri="{BB962C8B-B14F-4D97-AF65-F5344CB8AC3E}">
+        <p14:creationId xmlns:p14="http://schemas.microsoft.com/office/powerpoint/2010/main" val="1170034817"/>
+      </p:ext>
+    </p:extLst>
+  </p:cSld>
+  <p:clrMapOvr>
+    <a:masterClrMapping/>
+  </p:clrMapOvr>
+</p:sld>
+</file>
+
+<file path=ppt/slides/slide18.xml><?xml version="1.0" encoding="utf-8"?>
+<p:sld xmlns:a="http://schemas.openxmlformats.org/drawingml/2006/main" xmlns:r="http://schemas.openxmlformats.org/officeDocument/2006/relationships" xmlns:p="http://schemas.openxmlformats.org/presentationml/2006/main">
+  <p:cSld>
+    <p:bg>
+      <p:bgPr>
+        <a:solidFill>
+          <a:srgbClr val="AEE2FF"/>
+        </a:solidFill>
+        <a:effectLst/>
+      </p:bgPr>
+    </p:bg>
+    <p:spTree>
+      <p:nvGrpSpPr>
+        <p:cNvPr id="1" name=""/>
+        <p:cNvGrpSpPr/>
+        <p:nvPr/>
+      </p:nvGrpSpPr>
+      <p:grpSpPr>
+        <a:xfrm>
+          <a:off x="0" y="0"/>
+          <a:ext cx="0" cy="0"/>
+          <a:chOff x="0" y="0"/>
+          <a:chExt cx="0" cy="0"/>
+        </a:xfrm>
+      </p:grpSpPr>
+      <p:sp>
+        <p:nvSpPr>
+          <p:cNvPr id="2" name="正方形/長方形 1">
+            <a:extLst>
+              <a:ext uri="{FF2B5EF4-FFF2-40B4-BE49-F238E27FC236}">
+                <a16:creationId xmlns:a16="http://schemas.microsoft.com/office/drawing/2014/main" id="{5B096CB1-87E5-4B06-B864-486CBCC10EE2}"/>
+              </a:ext>
+            </a:extLst>
+          </p:cNvPr>
+          <p:cNvSpPr/>
+          <p:nvPr/>
+        </p:nvSpPr>
+        <p:spPr>
+          <a:xfrm>
+            <a:off x="436880" y="406400"/>
+            <a:ext cx="11318240" cy="6045200"/>
+          </a:xfrm>
+          <a:prstGeom prst="rect">
+            <a:avLst/>
+          </a:prstGeom>
+          <a:solidFill>
+            <a:schemeClr val="tx1"/>
+          </a:solidFill>
+          <a:ln>
+            <a:noFill/>
+          </a:ln>
+        </p:spPr>
+        <p:style>
+          <a:lnRef idx="2">
+            <a:schemeClr val="accent1">
+              <a:shade val="50000"/>
+            </a:schemeClr>
+          </a:lnRef>
+          <a:fillRef idx="1">
+            <a:schemeClr val="accent1"/>
+          </a:fillRef>
+          <a:effectRef idx="0">
+            <a:schemeClr val="accent1"/>
+          </a:effectRef>
+          <a:fontRef idx="minor">
+            <a:schemeClr val="lt1"/>
+          </a:fontRef>
+        </p:style>
+        <p:txBody>
+          <a:bodyPr rtlCol="0" anchor="ctr"/>
+          <a:lstStyle/>
+          <a:p>
+            <a:pPr algn="ctr"/>
             <a:endParaRPr kumimoji="1" lang="ja-JP" altLang="en-US"/>
           </a:p>
         </p:txBody>
@@ -5859,7 +6258,7 @@
 </p:sld>
 </file>
 
-<file path=ppt/slides/slide18.xml><?xml version="1.0" encoding="utf-8"?>
+<file path=ppt/slides/slide19.xml><?xml version="1.0" encoding="utf-8"?>
 <p:sld xmlns:a="http://schemas.openxmlformats.org/drawingml/2006/main" xmlns:r="http://schemas.openxmlformats.org/officeDocument/2006/relationships" xmlns:p="http://schemas.openxmlformats.org/presentationml/2006/main">
   <p:cSld>
     <p:bg>
@@ -7558,6 +7957,580 @@
           </a:p>
         </p:txBody>
       </p:sp>
+      <p:pic>
+        <p:nvPicPr>
+          <p:cNvPr id="8" name="図 7" descr="アイコン&#10;&#10;自動的に生成された説明">
+            <a:extLst>
+              <a:ext uri="{FF2B5EF4-FFF2-40B4-BE49-F238E27FC236}">
+                <a16:creationId xmlns:a16="http://schemas.microsoft.com/office/drawing/2014/main" id="{D00CD694-C3F5-4D24-AA79-382E2EEFFC38}"/>
+              </a:ext>
+            </a:extLst>
+          </p:cNvPr>
+          <p:cNvPicPr>
+            <a:picLocks noChangeAspect="1"/>
+          </p:cNvPicPr>
+          <p:nvPr/>
+        </p:nvPicPr>
+        <p:blipFill>
+          <a:blip r:embed="rId2">
+            <a:extLst>
+              <a:ext uri="{28A0092B-C50C-407E-A947-70E740481C1C}">
+                <a14:useLocalDpi xmlns:a14="http://schemas.microsoft.com/office/drawing/2010/main" val="0"/>
+              </a:ext>
+            </a:extLst>
+          </a:blip>
+          <a:stretch>
+            <a:fillRect/>
+          </a:stretch>
+        </p:blipFill>
+        <p:spPr>
+          <a:xfrm>
+            <a:off x="9599428" y="4146698"/>
+            <a:ext cx="2445488" cy="2445488"/>
+          </a:xfrm>
+          <a:prstGeom prst="rect">
+            <a:avLst/>
+          </a:prstGeom>
+        </p:spPr>
+      </p:pic>
+      <p:sp>
+        <p:nvSpPr>
+          <p:cNvPr id="4" name="テキスト ボックス 3">
+            <a:extLst>
+              <a:ext uri="{FF2B5EF4-FFF2-40B4-BE49-F238E27FC236}">
+                <a16:creationId xmlns:a16="http://schemas.microsoft.com/office/drawing/2014/main" id="{ADF9A03F-CA84-9DB0-48B4-D5142CBB0F49}"/>
+              </a:ext>
+            </a:extLst>
+          </p:cNvPr>
+          <p:cNvSpPr txBox="1"/>
+          <p:nvPr/>
+        </p:nvSpPr>
+        <p:spPr>
+          <a:xfrm>
+            <a:off x="1524000" y="2351885"/>
+            <a:ext cx="9475204" cy="3231654"/>
+          </a:xfrm>
+          <a:prstGeom prst="rect">
+            <a:avLst/>
+          </a:prstGeom>
+          <a:noFill/>
+        </p:spPr>
+        <p:txBody>
+          <a:bodyPr wrap="square" rtlCol="0">
+            <a:spAutoFit/>
+          </a:bodyPr>
+          <a:lstStyle/>
+          <a:p>
+            <a:r>
+              <a:rPr lang="en-US" altLang="ja-JP" sz="3200" dirty="0">
+                <a:solidFill>
+                  <a:srgbClr val="1D1C1D"/>
+                </a:solidFill>
+                <a:effectLst/>
+                <a:latin typeface="NotoSansJP"/>
+              </a:rPr>
+              <a:t>"</a:t>
+            </a:r>
+            <a:r>
+              <a:rPr lang="en-US" altLang="ja-JP" sz="4000" b="1" dirty="0">
+                <a:solidFill>
+                  <a:srgbClr val="1D1C1D"/>
+                </a:solidFill>
+                <a:effectLst>
+                  <a:outerShdw blurRad="38100" dist="38100" dir="2700000" algn="tl">
+                    <a:srgbClr val="000000">
+                      <a:alpha val="43137"/>
+                    </a:srgbClr>
+                  </a:outerShdw>
+                </a:effectLst>
+                <a:latin typeface="NotoSansJP"/>
+              </a:rPr>
+              <a:t>M</a:t>
+            </a:r>
+            <a:r>
+              <a:rPr lang="en-US" altLang="ja-JP" sz="3200" dirty="0">
+                <a:solidFill>
+                  <a:srgbClr val="1D1C1D"/>
+                </a:solidFill>
+                <a:effectLst/>
+                <a:latin typeface="NotoSansJP"/>
+              </a:rPr>
+              <a:t>" </a:t>
+            </a:r>
+            <a:r>
+              <a:rPr lang="en-US" altLang="ja-JP" sz="3200" b="0" i="0" dirty="0">
+                <a:solidFill>
+                  <a:srgbClr val="1D1C1D"/>
+                </a:solidFill>
+                <a:effectLst/>
+                <a:latin typeface="NotoSansJP"/>
+              </a:rPr>
+              <a:t>- </a:t>
+            </a:r>
+            <a:r>
+              <a:rPr lang="en-US" altLang="ja-JP" sz="2400" b="0" i="0" dirty="0">
+                <a:solidFill>
+                  <a:srgbClr val="1D1C1D"/>
+                </a:solidFill>
+                <a:effectLst/>
+                <a:latin typeface="NotoSansJP"/>
+              </a:rPr>
+              <a:t>Maximizing Wellness, Minimizing Worries</a:t>
+            </a:r>
+            <a:br>
+              <a:rPr lang="en-US" altLang="ja-JP" sz="3200" dirty="0"/>
+            </a:br>
+            <a:r>
+              <a:rPr lang="en-US" altLang="ja-JP" sz="3200" b="0" i="0" dirty="0">
+                <a:solidFill>
+                  <a:srgbClr val="1D1C1D"/>
+                </a:solidFill>
+                <a:effectLst/>
+                <a:latin typeface="NotoSansJP"/>
+              </a:rPr>
+              <a:t>" </a:t>
+            </a:r>
+            <a:r>
+              <a:rPr lang="en-US" altLang="ja-JP" sz="4000" b="0" i="0" dirty="0">
+                <a:solidFill>
+                  <a:srgbClr val="1D1C1D"/>
+                </a:solidFill>
+                <a:effectLst>
+                  <a:outerShdw blurRad="38100" dist="38100" dir="2700000" algn="tl">
+                    <a:srgbClr val="000000">
+                      <a:alpha val="43137"/>
+                    </a:srgbClr>
+                  </a:outerShdw>
+                </a:effectLst>
+                <a:latin typeface="NotoSansJP"/>
+              </a:rPr>
+              <a:t>I </a:t>
+            </a:r>
+            <a:r>
+              <a:rPr lang="en-US" altLang="ja-JP" sz="3200" b="0" i="0" dirty="0">
+                <a:solidFill>
+                  <a:srgbClr val="1D1C1D"/>
+                </a:solidFill>
+                <a:effectLst/>
+                <a:latin typeface="NotoSansJP"/>
+              </a:rPr>
+              <a:t>" - </a:t>
+            </a:r>
+            <a:r>
+              <a:rPr lang="en-US" altLang="ja-JP" sz="2400" b="0" i="0" dirty="0">
+                <a:solidFill>
+                  <a:srgbClr val="1D1C1D"/>
+                </a:solidFill>
+                <a:effectLst/>
+                <a:latin typeface="NotoSansJP"/>
+              </a:rPr>
+              <a:t>Innovating Care for a Better Tomorrow</a:t>
+            </a:r>
+            <a:br>
+              <a:rPr lang="en-US" altLang="ja-JP" sz="3200" dirty="0"/>
+            </a:br>
+            <a:r>
+              <a:rPr lang="en-US" altLang="ja-JP" sz="3200" b="0" i="0" dirty="0">
+                <a:solidFill>
+                  <a:srgbClr val="1D1C1D"/>
+                </a:solidFill>
+                <a:effectLst/>
+                <a:latin typeface="NotoSansJP"/>
+              </a:rPr>
+              <a:t>"</a:t>
+            </a:r>
+            <a:r>
+              <a:rPr lang="en-US" altLang="ja-JP" sz="4000" b="1" i="0" dirty="0">
+                <a:solidFill>
+                  <a:srgbClr val="1D1C1D"/>
+                </a:solidFill>
+                <a:effectLst>
+                  <a:outerShdw blurRad="38100" dist="38100" dir="2700000" algn="tl">
+                    <a:srgbClr val="000000">
+                      <a:alpha val="43137"/>
+                    </a:srgbClr>
+                  </a:outerShdw>
+                </a:effectLst>
+                <a:latin typeface="NotoSansJP"/>
+              </a:rPr>
+              <a:t>P</a:t>
+            </a:r>
+            <a:r>
+              <a:rPr lang="en-US" altLang="ja-JP" sz="3200" b="0" i="0" dirty="0">
+                <a:solidFill>
+                  <a:srgbClr val="1D1C1D"/>
+                </a:solidFill>
+                <a:effectLst/>
+                <a:latin typeface="NotoSansJP"/>
+              </a:rPr>
+              <a:t>" - </a:t>
+            </a:r>
+            <a:r>
+              <a:rPr lang="en-US" altLang="ja-JP" sz="2400" b="0" i="0" dirty="0">
+                <a:solidFill>
+                  <a:srgbClr val="1D1C1D"/>
+                </a:solidFill>
+                <a:effectLst/>
+                <a:latin typeface="NotoSansJP"/>
+              </a:rPr>
+              <a:t>Prioritizing Your Health, Always</a:t>
+            </a:r>
+            <a:br>
+              <a:rPr lang="en-US" altLang="ja-JP" sz="3200" dirty="0"/>
+            </a:br>
+            <a:r>
+              <a:rPr lang="en-US" altLang="ja-JP" sz="3200" b="0" i="0" dirty="0">
+                <a:solidFill>
+                  <a:srgbClr val="1D1C1D"/>
+                </a:solidFill>
+                <a:effectLst/>
+                <a:latin typeface="NotoSansJP"/>
+              </a:rPr>
+              <a:t>"</a:t>
+            </a:r>
+            <a:r>
+              <a:rPr lang="en-US" altLang="ja-JP" sz="4000" b="1" i="0" dirty="0">
+                <a:solidFill>
+                  <a:srgbClr val="1D1C1D"/>
+                </a:solidFill>
+                <a:effectLst/>
+                <a:latin typeface="NotoSansJP"/>
+              </a:rPr>
+              <a:t>P</a:t>
+            </a:r>
+            <a:r>
+              <a:rPr lang="en-US" altLang="ja-JP" sz="3200" b="0" i="0" dirty="0">
+                <a:solidFill>
+                  <a:srgbClr val="1D1C1D"/>
+                </a:solidFill>
+                <a:effectLst/>
+                <a:latin typeface="NotoSansJP"/>
+              </a:rPr>
+              <a:t>" - </a:t>
+            </a:r>
+            <a:r>
+              <a:rPr lang="en-US" altLang="ja-JP" sz="2400" b="0" i="0" dirty="0">
+                <a:solidFill>
+                  <a:srgbClr val="1D1C1D"/>
+                </a:solidFill>
+                <a:effectLst/>
+                <a:latin typeface="NotoSansJP"/>
+              </a:rPr>
+              <a:t>Promoting Prevention, Preserving Lives</a:t>
+            </a:r>
+            <a:br>
+              <a:rPr lang="en-US" altLang="ja-JP" sz="3200" dirty="0"/>
+            </a:br>
+            <a:r>
+              <a:rPr lang="en-US" altLang="ja-JP" sz="3200" b="0" i="0" dirty="0">
+                <a:solidFill>
+                  <a:srgbClr val="1D1C1D"/>
+                </a:solidFill>
+                <a:effectLst/>
+                <a:latin typeface="NotoSansJP"/>
+              </a:rPr>
+              <a:t>"</a:t>
+            </a:r>
+            <a:r>
+              <a:rPr lang="en-US" altLang="ja-JP" sz="4000" b="0" i="0" dirty="0">
+                <a:solidFill>
+                  <a:srgbClr val="1D1C1D"/>
+                </a:solidFill>
+                <a:effectLst>
+                  <a:outerShdw blurRad="38100" dist="38100" dir="2700000" algn="tl">
+                    <a:srgbClr val="000000">
+                      <a:alpha val="43137"/>
+                    </a:srgbClr>
+                  </a:outerShdw>
+                </a:effectLst>
+                <a:latin typeface="NotoSansJP"/>
+              </a:rPr>
+              <a:t>Y</a:t>
+            </a:r>
+            <a:r>
+              <a:rPr lang="en-US" altLang="ja-JP" sz="3200" b="0" i="0" dirty="0">
+                <a:solidFill>
+                  <a:srgbClr val="1D1C1D"/>
+                </a:solidFill>
+                <a:effectLst/>
+                <a:latin typeface="NotoSansJP"/>
+              </a:rPr>
+              <a:t>" - </a:t>
+            </a:r>
+            <a:r>
+              <a:rPr lang="en-US" altLang="ja-JP" sz="2400" b="0" i="0" dirty="0">
+                <a:solidFill>
+                  <a:srgbClr val="1D1C1D"/>
+                </a:solidFill>
+                <a:effectLst/>
+                <a:latin typeface="NotoSansJP"/>
+              </a:rPr>
+              <a:t>Your Health, Our Priority</a:t>
+            </a:r>
+            <a:endParaRPr kumimoji="1" lang="ja-JP" altLang="en-US" sz="3200" dirty="0">
+              <a:solidFill>
+                <a:schemeClr val="bg1"/>
+              </a:solidFill>
+              <a:latin typeface="UD デジタル 教科書体 NP-R" panose="02020400000000000000" pitchFamily="18" charset="-128"/>
+              <a:ea typeface="UD デジタル 教科書体 NP-R" panose="02020400000000000000" pitchFamily="18" charset="-128"/>
+            </a:endParaRPr>
+          </a:p>
+        </p:txBody>
+      </p:sp>
+    </p:spTree>
+    <p:extLst>
+      <p:ext uri="{BB962C8B-B14F-4D97-AF65-F5344CB8AC3E}">
+        <p14:creationId xmlns:p14="http://schemas.microsoft.com/office/powerpoint/2010/main" val="1379478772"/>
+      </p:ext>
+    </p:extLst>
+  </p:cSld>
+  <p:clrMapOvr>
+    <a:masterClrMapping/>
+  </p:clrMapOvr>
+  <p:timing>
+    <p:tnLst>
+      <p:par>
+        <p:cTn id="1" dur="indefinite" restart="never" nodeType="tmRoot">
+          <p:childTnLst>
+            <p:seq concurrent="1" nextAc="seek">
+              <p:cTn id="2" dur="indefinite" nodeType="mainSeq">
+                <p:childTnLst>
+                  <p:par>
+                    <p:cTn id="3" fill="hold">
+                      <p:stCondLst>
+                        <p:cond delay="indefinite"/>
+                        <p:cond evt="onBegin" delay="0">
+                          <p:tn val="2"/>
+                        </p:cond>
+                      </p:stCondLst>
+                      <p:childTnLst>
+                        <p:par>
+                          <p:cTn id="4" fill="hold">
+                            <p:stCondLst>
+                              <p:cond delay="0"/>
+                            </p:stCondLst>
+                            <p:childTnLst>
+                              <p:par>
+                                <p:cTn id="5" presetID="8" presetClass="emph" presetSubtype="0" fill="hold" nodeType="withEffect">
+                                  <p:stCondLst>
+                                    <p:cond delay="0"/>
+                                  </p:stCondLst>
+                                  <p:childTnLst>
+                                    <p:animRot by="21600000">
+                                      <p:cBhvr>
+                                        <p:cTn id="6" dur="2000" fill="hold"/>
+                                        <p:tgtEl>
+                                          <p:spTgt spid="8"/>
+                                        </p:tgtEl>
+                                        <p:attrNameLst>
+                                          <p:attrName>r</p:attrName>
+                                        </p:attrNameLst>
+                                      </p:cBhvr>
+                                    </p:animRot>
+                                  </p:childTnLst>
+                                </p:cTn>
+                              </p:par>
+                            </p:childTnLst>
+                          </p:cTn>
+                        </p:par>
+                      </p:childTnLst>
+                    </p:cTn>
+                  </p:par>
+                </p:childTnLst>
+              </p:cTn>
+              <p:prevCondLst>
+                <p:cond evt="onPrev" delay="0">
+                  <p:tgtEl>
+                    <p:sldTgt/>
+                  </p:tgtEl>
+                </p:cond>
+              </p:prevCondLst>
+              <p:nextCondLst>
+                <p:cond evt="onNext" delay="0">
+                  <p:tgtEl>
+                    <p:sldTgt/>
+                  </p:tgtEl>
+                </p:cond>
+              </p:nextCondLst>
+            </p:seq>
+          </p:childTnLst>
+        </p:cTn>
+      </p:par>
+    </p:tnLst>
+  </p:timing>
+</p:sld>
+</file>
+
+<file path=ppt/slides/slide7.xml><?xml version="1.0" encoding="utf-8"?>
+<p:sld xmlns:a="http://schemas.openxmlformats.org/drawingml/2006/main" xmlns:r="http://schemas.openxmlformats.org/officeDocument/2006/relationships" xmlns:p="http://schemas.openxmlformats.org/presentationml/2006/main">
+  <p:cSld>
+    <p:bg>
+      <p:bgPr>
+        <a:solidFill>
+          <a:srgbClr val="AEE2FF"/>
+        </a:solidFill>
+        <a:effectLst/>
+      </p:bgPr>
+    </p:bg>
+    <p:spTree>
+      <p:nvGrpSpPr>
+        <p:cNvPr id="1" name=""/>
+        <p:cNvGrpSpPr/>
+        <p:nvPr/>
+      </p:nvGrpSpPr>
+      <p:grpSpPr>
+        <a:xfrm>
+          <a:off x="0" y="0"/>
+          <a:ext cx="0" cy="0"/>
+          <a:chOff x="0" y="0"/>
+          <a:chExt cx="0" cy="0"/>
+        </a:xfrm>
+      </p:grpSpPr>
+      <p:sp>
+        <p:nvSpPr>
+          <p:cNvPr id="2" name="正方形/長方形 1">
+            <a:extLst>
+              <a:ext uri="{FF2B5EF4-FFF2-40B4-BE49-F238E27FC236}">
+                <a16:creationId xmlns:a16="http://schemas.microsoft.com/office/drawing/2014/main" id="{5B096CB1-87E5-4B06-B864-486CBCC10EE2}"/>
+              </a:ext>
+            </a:extLst>
+          </p:cNvPr>
+          <p:cNvSpPr/>
+          <p:nvPr/>
+        </p:nvSpPr>
+        <p:spPr>
+          <a:xfrm>
+            <a:off x="436880" y="406400"/>
+            <a:ext cx="11318240" cy="6045200"/>
+          </a:xfrm>
+          <a:prstGeom prst="rect">
+            <a:avLst/>
+          </a:prstGeom>
+          <a:solidFill>
+            <a:schemeClr val="tx1"/>
+          </a:solidFill>
+          <a:ln>
+            <a:noFill/>
+          </a:ln>
+        </p:spPr>
+        <p:style>
+          <a:lnRef idx="2">
+            <a:schemeClr val="accent1">
+              <a:shade val="50000"/>
+            </a:schemeClr>
+          </a:lnRef>
+          <a:fillRef idx="1">
+            <a:schemeClr val="accent1"/>
+          </a:fillRef>
+          <a:effectRef idx="0">
+            <a:schemeClr val="accent1"/>
+          </a:effectRef>
+          <a:fontRef idx="minor">
+            <a:schemeClr val="lt1"/>
+          </a:fontRef>
+        </p:style>
+        <p:txBody>
+          <a:bodyPr rtlCol="0" anchor="ctr"/>
+          <a:lstStyle/>
+          <a:p>
+            <a:pPr algn="ctr"/>
+            <a:endParaRPr kumimoji="1" lang="ja-JP" altLang="en-US" dirty="0"/>
+          </a:p>
+        </p:txBody>
+      </p:sp>
+      <p:sp>
+        <p:nvSpPr>
+          <p:cNvPr id="5" name="二等辺三角形 4">
+            <a:extLst>
+              <a:ext uri="{FF2B5EF4-FFF2-40B4-BE49-F238E27FC236}">
+                <a16:creationId xmlns:a16="http://schemas.microsoft.com/office/drawing/2014/main" id="{2B3CBDE8-0547-4751-9175-62845EF10F06}"/>
+              </a:ext>
+            </a:extLst>
+          </p:cNvPr>
+          <p:cNvSpPr/>
+          <p:nvPr/>
+        </p:nvSpPr>
+        <p:spPr>
+          <a:xfrm rot="5400000">
+            <a:off x="928687" y="1423992"/>
+            <a:ext cx="481012" cy="442911"/>
+          </a:xfrm>
+          <a:prstGeom prst="triangle">
+            <a:avLst/>
+          </a:prstGeom>
+          <a:solidFill>
+            <a:srgbClr val="ACBCFF"/>
+          </a:solidFill>
+          <a:ln>
+            <a:noFill/>
+          </a:ln>
+        </p:spPr>
+        <p:style>
+          <a:lnRef idx="2">
+            <a:schemeClr val="accent1">
+              <a:shade val="50000"/>
+            </a:schemeClr>
+          </a:lnRef>
+          <a:fillRef idx="1">
+            <a:schemeClr val="accent1"/>
+          </a:fillRef>
+          <a:effectRef idx="0">
+            <a:schemeClr val="accent1"/>
+          </a:effectRef>
+          <a:fontRef idx="minor">
+            <a:schemeClr val="lt1"/>
+          </a:fontRef>
+        </p:style>
+        <p:txBody>
+          <a:bodyPr rtlCol="0" anchor="ctr"/>
+          <a:lstStyle/>
+          <a:p>
+            <a:pPr algn="ctr"/>
+            <a:endParaRPr kumimoji="1" lang="ja-JP" altLang="en-US"/>
+          </a:p>
+        </p:txBody>
+      </p:sp>
+      <p:sp>
+        <p:nvSpPr>
+          <p:cNvPr id="6" name="テキスト ボックス 5">
+            <a:extLst>
+              <a:ext uri="{FF2B5EF4-FFF2-40B4-BE49-F238E27FC236}">
+                <a16:creationId xmlns:a16="http://schemas.microsoft.com/office/drawing/2014/main" id="{E8EF2114-4FE4-4DE6-BF31-EA0F5C09998E}"/>
+              </a:ext>
+            </a:extLst>
+          </p:cNvPr>
+          <p:cNvSpPr txBox="1"/>
+          <p:nvPr/>
+        </p:nvSpPr>
+        <p:spPr>
+          <a:xfrm>
+            <a:off x="1524000" y="1353059"/>
+            <a:ext cx="4333875" cy="584775"/>
+          </a:xfrm>
+          <a:prstGeom prst="rect">
+            <a:avLst/>
+          </a:prstGeom>
+          <a:noFill/>
+        </p:spPr>
+        <p:txBody>
+          <a:bodyPr wrap="square" rtlCol="0">
+            <a:spAutoFit/>
+          </a:bodyPr>
+          <a:lstStyle/>
+          <a:p>
+            <a:r>
+              <a:rPr kumimoji="1" lang="ja-JP" altLang="en-US" sz="3200" dirty="0">
+                <a:solidFill>
+                  <a:schemeClr val="bg1"/>
+                </a:solidFill>
+                <a:latin typeface="UD デジタル 教科書体 NP-R" panose="02020400000000000000" pitchFamily="18" charset="-128"/>
+                <a:ea typeface="UD デジタル 教科書体 NP-R" panose="02020400000000000000" pitchFamily="18" charset="-128"/>
+              </a:rPr>
+              <a:t>アプリ名の由来</a:t>
+            </a:r>
+          </a:p>
+        </p:txBody>
+      </p:sp>
       <p:sp>
         <p:nvSpPr>
           <p:cNvPr id="3" name="テキスト ボックス 2">
@@ -8054,7 +9027,7 @@
 </p:sld>
 </file>
 
-<file path=ppt/slides/slide7.xml><?xml version="1.0" encoding="utf-8"?>
+<file path=ppt/slides/slide8.xml><?xml version="1.0" encoding="utf-8"?>
 <p:sld xmlns:a="http://schemas.openxmlformats.org/drawingml/2006/main" xmlns:r="http://schemas.openxmlformats.org/officeDocument/2006/relationships" xmlns:p="http://schemas.openxmlformats.org/presentationml/2006/main">
   <p:cSld>
     <p:bg>
@@ -8539,7 +9512,7 @@
 </p:sld>
 </file>
 
-<file path=ppt/slides/slide8.xml><?xml version="1.0" encoding="utf-8"?>
+<file path=ppt/slides/slide9.xml><?xml version="1.0" encoding="utf-8"?>
 <p:sld xmlns:a="http://schemas.openxmlformats.org/drawingml/2006/main" xmlns:r="http://schemas.openxmlformats.org/officeDocument/2006/relationships" xmlns:p="http://schemas.openxmlformats.org/presentationml/2006/main">
   <p:cSld>
     <p:bg>
@@ -8994,311 +9967,6 @@
       <p:bldP spid="9" grpId="0"/>
     </p:bldLst>
   </p:timing>
-</p:sld>
-</file>
-
-<file path=ppt/slides/slide9.xml><?xml version="1.0" encoding="utf-8"?>
-<p:sld xmlns:a="http://schemas.openxmlformats.org/drawingml/2006/main" xmlns:r="http://schemas.openxmlformats.org/officeDocument/2006/relationships" xmlns:p="http://schemas.openxmlformats.org/presentationml/2006/main">
-  <p:cSld>
-    <p:bg>
-      <p:bgPr>
-        <a:solidFill>
-          <a:srgbClr val="AEE2FF"/>
-        </a:solidFill>
-        <a:effectLst/>
-      </p:bgPr>
-    </p:bg>
-    <p:spTree>
-      <p:nvGrpSpPr>
-        <p:cNvPr id="1" name=""/>
-        <p:cNvGrpSpPr/>
-        <p:nvPr/>
-      </p:nvGrpSpPr>
-      <p:grpSpPr>
-        <a:xfrm>
-          <a:off x="0" y="0"/>
-          <a:ext cx="0" cy="0"/>
-          <a:chOff x="0" y="0"/>
-          <a:chExt cx="0" cy="0"/>
-        </a:xfrm>
-      </p:grpSpPr>
-      <p:sp>
-        <p:nvSpPr>
-          <p:cNvPr id="2" name="正方形/長方形 1">
-            <a:extLst>
-              <a:ext uri="{FF2B5EF4-FFF2-40B4-BE49-F238E27FC236}">
-                <a16:creationId xmlns:a16="http://schemas.microsoft.com/office/drawing/2014/main" id="{5B096CB1-87E5-4B06-B864-486CBCC10EE2}"/>
-              </a:ext>
-            </a:extLst>
-          </p:cNvPr>
-          <p:cNvSpPr/>
-          <p:nvPr/>
-        </p:nvSpPr>
-        <p:spPr>
-          <a:xfrm>
-            <a:off x="436880" y="406400"/>
-            <a:ext cx="11318240" cy="6045200"/>
-          </a:xfrm>
-          <a:prstGeom prst="rect">
-            <a:avLst/>
-          </a:prstGeom>
-          <a:solidFill>
-            <a:schemeClr val="tx1"/>
-          </a:solidFill>
-          <a:ln>
-            <a:noFill/>
-          </a:ln>
-        </p:spPr>
-        <p:style>
-          <a:lnRef idx="2">
-            <a:schemeClr val="accent1">
-              <a:shade val="50000"/>
-            </a:schemeClr>
-          </a:lnRef>
-          <a:fillRef idx="1">
-            <a:schemeClr val="accent1"/>
-          </a:fillRef>
-          <a:effectRef idx="0">
-            <a:schemeClr val="accent1"/>
-          </a:effectRef>
-          <a:fontRef idx="minor">
-            <a:schemeClr val="lt1"/>
-          </a:fontRef>
-        </p:style>
-        <p:txBody>
-          <a:bodyPr rtlCol="0" anchor="ctr"/>
-          <a:lstStyle/>
-          <a:p>
-            <a:pPr algn="ctr"/>
-            <a:endParaRPr kumimoji="1" lang="ja-JP" altLang="en-US"/>
-          </a:p>
-        </p:txBody>
-      </p:sp>
-      <p:sp>
-        <p:nvSpPr>
-          <p:cNvPr id="5" name="二等辺三角形 4">
-            <a:extLst>
-              <a:ext uri="{FF2B5EF4-FFF2-40B4-BE49-F238E27FC236}">
-                <a16:creationId xmlns:a16="http://schemas.microsoft.com/office/drawing/2014/main" id="{2D0FBA5F-8ECE-F504-16C0-8F0B3EF522FD}"/>
-              </a:ext>
-            </a:extLst>
-          </p:cNvPr>
-          <p:cNvSpPr/>
-          <p:nvPr/>
-        </p:nvSpPr>
-        <p:spPr>
-          <a:xfrm rot="5400000">
-            <a:off x="862426" y="893905"/>
-            <a:ext cx="481012" cy="442911"/>
-          </a:xfrm>
-          <a:prstGeom prst="triangle">
-            <a:avLst/>
-          </a:prstGeom>
-          <a:solidFill>
-            <a:srgbClr val="ACBCFF"/>
-          </a:solidFill>
-          <a:ln>
-            <a:noFill/>
-          </a:ln>
-        </p:spPr>
-        <p:style>
-          <a:lnRef idx="2">
-            <a:schemeClr val="accent1">
-              <a:shade val="50000"/>
-            </a:schemeClr>
-          </a:lnRef>
-          <a:fillRef idx="1">
-            <a:schemeClr val="accent1"/>
-          </a:fillRef>
-          <a:effectRef idx="0">
-            <a:schemeClr val="accent1"/>
-          </a:effectRef>
-          <a:fontRef idx="minor">
-            <a:schemeClr val="lt1"/>
-          </a:fontRef>
-        </p:style>
-        <p:txBody>
-          <a:bodyPr rtlCol="0" anchor="ctr"/>
-          <a:lstStyle/>
-          <a:p>
-            <a:pPr algn="ctr"/>
-            <a:endParaRPr kumimoji="1" lang="ja-JP" altLang="en-US"/>
-          </a:p>
-        </p:txBody>
-      </p:sp>
-      <p:sp>
-        <p:nvSpPr>
-          <p:cNvPr id="7" name="テキスト ボックス 5">
-            <a:extLst>
-              <a:ext uri="{FF2B5EF4-FFF2-40B4-BE49-F238E27FC236}">
-                <a16:creationId xmlns:a16="http://schemas.microsoft.com/office/drawing/2014/main" id="{6956503F-3FB0-F439-B3C1-C7FEF111C254}"/>
-              </a:ext>
-            </a:extLst>
-          </p:cNvPr>
-          <p:cNvSpPr txBox="1"/>
-          <p:nvPr/>
-        </p:nvSpPr>
-        <p:spPr>
-          <a:xfrm>
-            <a:off x="1590261" y="867146"/>
-            <a:ext cx="4333875" cy="584775"/>
-          </a:xfrm>
-          <a:prstGeom prst="rect">
-            <a:avLst/>
-          </a:prstGeom>
-          <a:noFill/>
-        </p:spPr>
-        <p:txBody>
-          <a:bodyPr wrap="square" lIns="91440" tIns="45720" rIns="91440" bIns="45720" rtlCol="0" anchor="t">
-            <a:spAutoFit/>
-          </a:bodyPr>
-          <a:lstStyle/>
-          <a:p>
-            <a:r>
-              <a:rPr lang="ja-JP" altLang="en-US" sz="3200">
-                <a:solidFill>
-                  <a:schemeClr val="bg1"/>
-                </a:solidFill>
-                <a:latin typeface="UD デジタル 教科書体 NP-R"/>
-                <a:ea typeface="UD デジタル 教科書体 NP-R"/>
-              </a:rPr>
-              <a:t>注力した点</a:t>
-            </a:r>
-          </a:p>
-        </p:txBody>
-      </p:sp>
-      <p:sp>
-        <p:nvSpPr>
-          <p:cNvPr id="8" name="テキスト ボックス 5">
-            <a:extLst>
-              <a:ext uri="{FF2B5EF4-FFF2-40B4-BE49-F238E27FC236}">
-                <a16:creationId xmlns:a16="http://schemas.microsoft.com/office/drawing/2014/main" id="{0345A461-8A88-061C-5BF6-DEEC574BB497}"/>
-              </a:ext>
-            </a:extLst>
-          </p:cNvPr>
-          <p:cNvSpPr txBox="1"/>
-          <p:nvPr/>
-        </p:nvSpPr>
-        <p:spPr>
-          <a:xfrm>
-            <a:off x="6289629" y="1936523"/>
-            <a:ext cx="5162135" cy="3754874"/>
-          </a:xfrm>
-          <a:prstGeom prst="rect">
-            <a:avLst/>
-          </a:prstGeom>
-          <a:noFill/>
-        </p:spPr>
-        <p:txBody>
-          <a:bodyPr wrap="square" lIns="91440" tIns="45720" rIns="91440" bIns="45720" rtlCol="0" anchor="t">
-            <a:spAutoFit/>
-          </a:bodyPr>
-          <a:lstStyle/>
-          <a:p>
-            <a:r>
-              <a:rPr lang="ja-JP" altLang="en-US" sz="2800">
-                <a:solidFill>
-                  <a:schemeClr val="bg1"/>
-                </a:solidFill>
-                <a:latin typeface="UD デジタル 教科書体 NP-R"/>
-                <a:ea typeface="UD デジタル 教科書体 NP-R"/>
-              </a:rPr>
-              <a:t>・データベースと紐づけて日にちごとの総カロリーが動的に表示</a:t>
-            </a:r>
-          </a:p>
-          <a:p>
-            <a:endParaRPr lang="ja-JP" altLang="en-US" sz="2800">
-              <a:solidFill>
-                <a:schemeClr val="bg1"/>
-              </a:solidFill>
-              <a:latin typeface="UD デジタル 教科書体 NP-R"/>
-              <a:ea typeface="UD デジタル 教科書体 NP-R"/>
-            </a:endParaRPr>
-          </a:p>
-          <a:p>
-            <a:r>
-              <a:rPr lang="ja-JP" altLang="en-US" sz="2800">
-                <a:solidFill>
-                  <a:schemeClr val="bg1"/>
-                </a:solidFill>
-                <a:latin typeface="UD デジタル 教科書体 NP-R"/>
-                <a:ea typeface="UD デジタル 教科書体 NP-R"/>
-              </a:rPr>
-              <a:t>・マスをクリックして食事記録ページに遷移</a:t>
-            </a:r>
-          </a:p>
-          <a:p>
-            <a:endParaRPr lang="ja-JP" altLang="en-US" sz="2800">
-              <a:solidFill>
-                <a:schemeClr val="bg1"/>
-              </a:solidFill>
-              <a:latin typeface="UD デジタル 教科書体 NP-R"/>
-              <a:ea typeface="UD デジタル 教科書体 NP-R"/>
-            </a:endParaRPr>
-          </a:p>
-          <a:p>
-            <a:r>
-              <a:rPr lang="ja-JP" altLang="en-US" sz="2800">
-                <a:solidFill>
-                  <a:schemeClr val="bg1"/>
-                </a:solidFill>
-                <a:latin typeface="UD デジタル 教科書体 NP-R"/>
-                <a:ea typeface="UD デジタル 教科書体 NP-R"/>
-              </a:rPr>
-              <a:t>・「今日」のマスの色が変わる</a:t>
-            </a:r>
-          </a:p>
-          <a:p>
-            <a:endParaRPr lang="ja-JP" altLang="en-US" sz="1400">
-              <a:solidFill>
-                <a:schemeClr val="bg1"/>
-              </a:solidFill>
-              <a:latin typeface="UD デジタル 教科書体 NP-R"/>
-              <a:ea typeface="UD デジタル 教科書体 NP-R"/>
-            </a:endParaRPr>
-          </a:p>
-        </p:txBody>
-      </p:sp>
-      <p:pic>
-        <p:nvPicPr>
-          <p:cNvPr id="3" name="Picture 5">
-            <a:extLst>
-              <a:ext uri="{FF2B5EF4-FFF2-40B4-BE49-F238E27FC236}">
-                <a16:creationId xmlns:a16="http://schemas.microsoft.com/office/drawing/2014/main" id="{51C1AFFE-885C-D38B-7229-9ED9350C74EB}"/>
-              </a:ext>
-            </a:extLst>
-          </p:cNvPr>
-          <p:cNvPicPr>
-            <a:picLocks noChangeAspect="1"/>
-          </p:cNvPicPr>
-          <p:nvPr/>
-        </p:nvPicPr>
-        <p:blipFill>
-          <a:blip r:embed="rId2"/>
-          <a:stretch>
-            <a:fillRect/>
-          </a:stretch>
-        </p:blipFill>
-        <p:spPr>
-          <a:xfrm>
-            <a:off x="881270" y="2032433"/>
-            <a:ext cx="5205895" cy="3566176"/>
-          </a:xfrm>
-          <a:prstGeom prst="rect">
-            <a:avLst/>
-          </a:prstGeom>
-        </p:spPr>
-      </p:pic>
-    </p:spTree>
-    <p:extLst>
-      <p:ext uri="{BB962C8B-B14F-4D97-AF65-F5344CB8AC3E}">
-        <p14:creationId xmlns:p14="http://schemas.microsoft.com/office/powerpoint/2010/main" val="418307048"/>
-      </p:ext>
-    </p:extLst>
-  </p:cSld>
-  <p:clrMapOvr>
-    <a:masterClrMapping/>
-  </p:clrMapOvr>
 </p:sld>
 </file>
 
@@ -9565,20 +10233,20 @@
 </file>
 
 <file path=customXml/item1.xml><?xml version="1.0" encoding="utf-8"?>
+<p:properties xmlns:p="http://schemas.microsoft.com/office/2006/metadata/properties" xmlns:xsi="http://www.w3.org/2001/XMLSchema-instance" xmlns:pc="http://schemas.microsoft.com/office/infopath/2007/PartnerControls">
+  <documentManagement>
+    <_activity xmlns="54c177cd-5b69-4c86-94f8-baea005b32a7" xsi:nil="true"/>
+  </documentManagement>
+</p:properties>
+</file>
+
+<file path=customXml/item2.xml><?xml version="1.0" encoding="utf-8"?>
 <?mso-contentType ?>
 <FormTemplates xmlns="http://schemas.microsoft.com/sharepoint/v3/contenttype/forms">
   <Display>DocumentLibraryForm</Display>
   <Edit>DocumentLibraryForm</Edit>
   <New>DocumentLibraryForm</New>
 </FormTemplates>
-</file>
-
-<file path=customXml/item2.xml><?xml version="1.0" encoding="utf-8"?>
-<p:properties xmlns:p="http://schemas.microsoft.com/office/2006/metadata/properties" xmlns:xsi="http://www.w3.org/2001/XMLSchema-instance" xmlns:pc="http://schemas.microsoft.com/office/infopath/2007/PartnerControls">
-  <documentManagement>
-    <_activity xmlns="54c177cd-5b69-4c86-94f8-baea005b32a7" xsi:nil="true"/>
-  </documentManagement>
-</p:properties>
 </file>
 
 <file path=customXml/item3.xml><?xml version="1.0" encoding="utf-8"?>
@@ -9720,14 +10388,6 @@
 </file>
 
 <file path=customXml/itemProps1.xml><?xml version="1.0" encoding="utf-8"?>
-<ds:datastoreItem xmlns:ds="http://schemas.openxmlformats.org/officeDocument/2006/customXml" ds:itemID="{198FB8AF-12FD-4F20-A5F7-DB57E8A5BA60}">
-  <ds:schemaRefs>
-    <ds:schemaRef ds:uri="http://schemas.microsoft.com/sharepoint/v3/contenttype/forms"/>
-  </ds:schemaRefs>
-</ds:datastoreItem>
-</file>
-
-<file path=customXml/itemProps2.xml><?xml version="1.0" encoding="utf-8"?>
 <ds:datastoreItem xmlns:ds="http://schemas.openxmlformats.org/officeDocument/2006/customXml" ds:itemID="{BE6ABD35-10F0-4E69-A4B4-6A641261C546}">
   <ds:schemaRefs>
     <ds:schemaRef ds:uri="54c177cd-5b69-4c86-94f8-baea005b32a7"/>
@@ -9739,6 +10399,14 @@
     <ds:schemaRef ds:uri="http://schemas.microsoft.com/office/infopath/2007/PartnerControls"/>
     <ds:schemaRef ds:uri="http://schemas.openxmlformats.org/package/2006/metadata/core-properties"/>
     <ds:schemaRef ds:uri="http://www.w3.org/XML/1998/namespace"/>
+  </ds:schemaRefs>
+</ds:datastoreItem>
+</file>
+
+<file path=customXml/itemProps2.xml><?xml version="1.0" encoding="utf-8"?>
+<ds:datastoreItem xmlns:ds="http://schemas.openxmlformats.org/officeDocument/2006/customXml" ds:itemID="{198FB8AF-12FD-4F20-A5F7-DB57E8A5BA60}">
+  <ds:schemaRefs>
+    <ds:schemaRef ds:uri="http://schemas.microsoft.com/sharepoint/v3/contenttype/forms"/>
   </ds:schemaRefs>
 </ds:datastoreItem>
 </file>

--- a/doc/発表資料.pptx
+++ b/doc/発表資料.pptx
@@ -10233,20 +10233,20 @@
 </file>
 
 <file path=customXml/item1.xml><?xml version="1.0" encoding="utf-8"?>
-<p:properties xmlns:p="http://schemas.microsoft.com/office/2006/metadata/properties" xmlns:xsi="http://www.w3.org/2001/XMLSchema-instance" xmlns:pc="http://schemas.microsoft.com/office/infopath/2007/PartnerControls">
-  <documentManagement>
-    <_activity xmlns="54c177cd-5b69-4c86-94f8-baea005b32a7" xsi:nil="true"/>
-  </documentManagement>
-</p:properties>
-</file>
-
-<file path=customXml/item2.xml><?xml version="1.0" encoding="utf-8"?>
 <?mso-contentType ?>
 <FormTemplates xmlns="http://schemas.microsoft.com/sharepoint/v3/contenttype/forms">
   <Display>DocumentLibraryForm</Display>
   <Edit>DocumentLibraryForm</Edit>
   <New>DocumentLibraryForm</New>
 </FormTemplates>
+</file>
+
+<file path=customXml/item2.xml><?xml version="1.0" encoding="utf-8"?>
+<p:properties xmlns:p="http://schemas.microsoft.com/office/2006/metadata/properties" xmlns:xsi="http://www.w3.org/2001/XMLSchema-instance" xmlns:pc="http://schemas.microsoft.com/office/infopath/2007/PartnerControls">
+  <documentManagement>
+    <_activity xmlns="54c177cd-5b69-4c86-94f8-baea005b32a7" xsi:nil="true"/>
+  </documentManagement>
+</p:properties>
 </file>
 
 <file path=customXml/item3.xml><?xml version="1.0" encoding="utf-8"?>
@@ -10388,6 +10388,14 @@
 </file>
 
 <file path=customXml/itemProps1.xml><?xml version="1.0" encoding="utf-8"?>
+<ds:datastoreItem xmlns:ds="http://schemas.openxmlformats.org/officeDocument/2006/customXml" ds:itemID="{198FB8AF-12FD-4F20-A5F7-DB57E8A5BA60}">
+  <ds:schemaRefs>
+    <ds:schemaRef ds:uri="http://schemas.microsoft.com/sharepoint/v3/contenttype/forms"/>
+  </ds:schemaRefs>
+</ds:datastoreItem>
+</file>
+
+<file path=customXml/itemProps2.xml><?xml version="1.0" encoding="utf-8"?>
 <ds:datastoreItem xmlns:ds="http://schemas.openxmlformats.org/officeDocument/2006/customXml" ds:itemID="{BE6ABD35-10F0-4E69-A4B4-6A641261C546}">
   <ds:schemaRefs>
     <ds:schemaRef ds:uri="54c177cd-5b69-4c86-94f8-baea005b32a7"/>
@@ -10399,14 +10407,6 @@
     <ds:schemaRef ds:uri="http://schemas.microsoft.com/office/infopath/2007/PartnerControls"/>
     <ds:schemaRef ds:uri="http://schemas.openxmlformats.org/package/2006/metadata/core-properties"/>
     <ds:schemaRef ds:uri="http://www.w3.org/XML/1998/namespace"/>
-  </ds:schemaRefs>
-</ds:datastoreItem>
-</file>
-
-<file path=customXml/itemProps2.xml><?xml version="1.0" encoding="utf-8"?>
-<ds:datastoreItem xmlns:ds="http://schemas.openxmlformats.org/officeDocument/2006/customXml" ds:itemID="{198FB8AF-12FD-4F20-A5F7-DB57E8A5BA60}">
-  <ds:schemaRefs>
-    <ds:schemaRef ds:uri="http://schemas.microsoft.com/sharepoint/v3/contenttype/forms"/>
   </ds:schemaRefs>
 </ds:datastoreItem>
 </file>

--- a/doc/発表資料.pptx
+++ b/doc/発表資料.pptx
@@ -14,16 +14,14 @@
     <p:sldId id="271" r:id="rId11"/>
     <p:sldId id="260" r:id="rId12"/>
     <p:sldId id="259" r:id="rId13"/>
-    <p:sldId id="261" r:id="rId14"/>
-    <p:sldId id="262" r:id="rId15"/>
-    <p:sldId id="264" r:id="rId16"/>
-    <p:sldId id="258" r:id="rId17"/>
-    <p:sldId id="267" r:id="rId18"/>
-    <p:sldId id="272" r:id="rId19"/>
+    <p:sldId id="272" r:id="rId14"/>
+    <p:sldId id="261" r:id="rId15"/>
+    <p:sldId id="262" r:id="rId16"/>
+    <p:sldId id="264" r:id="rId17"/>
+    <p:sldId id="258" r:id="rId18"/>
+    <p:sldId id="267" r:id="rId19"/>
     <p:sldId id="275" r:id="rId20"/>
     <p:sldId id="274" r:id="rId21"/>
-    <p:sldId id="269" r:id="rId22"/>
-    <p:sldId id="273" r:id="rId23"/>
   </p:sldIdLst>
   <p:sldSz cx="12192000" cy="6858000"/>
   <p:notesSz cx="6858000" cy="9144000"/>
@@ -3893,6 +3891,251 @@
       </p:sp>
       <p:sp>
         <p:nvSpPr>
+          <p:cNvPr id="3" name="二等辺三角形 2">
+            <a:extLst>
+              <a:ext uri="{FF2B5EF4-FFF2-40B4-BE49-F238E27FC236}">
+                <a16:creationId xmlns:a16="http://schemas.microsoft.com/office/drawing/2014/main" id="{C93255BC-2E58-4405-0349-0366AE955D8F}"/>
+              </a:ext>
+            </a:extLst>
+          </p:cNvPr>
+          <p:cNvSpPr/>
+          <p:nvPr/>
+        </p:nvSpPr>
+        <p:spPr>
+          <a:xfrm rot="5400000">
+            <a:off x="862426" y="893905"/>
+            <a:ext cx="481012" cy="442911"/>
+          </a:xfrm>
+          <a:prstGeom prst="triangle">
+            <a:avLst/>
+          </a:prstGeom>
+          <a:solidFill>
+            <a:srgbClr val="ACBCFF"/>
+          </a:solidFill>
+          <a:ln>
+            <a:noFill/>
+          </a:ln>
+        </p:spPr>
+        <p:style>
+          <a:lnRef idx="2">
+            <a:schemeClr val="accent1">
+              <a:shade val="50000"/>
+            </a:schemeClr>
+          </a:lnRef>
+          <a:fillRef idx="1">
+            <a:schemeClr val="accent1"/>
+          </a:fillRef>
+          <a:effectRef idx="0">
+            <a:schemeClr val="accent1"/>
+          </a:effectRef>
+          <a:fontRef idx="minor">
+            <a:schemeClr val="lt1"/>
+          </a:fontRef>
+        </p:style>
+        <p:txBody>
+          <a:bodyPr rtlCol="0" anchor="ctr"/>
+          <a:lstStyle/>
+          <a:p>
+            <a:pPr algn="ctr"/>
+            <a:endParaRPr kumimoji="1" lang="ja-JP" altLang="en-US"/>
+          </a:p>
+        </p:txBody>
+      </p:sp>
+      <p:sp>
+        <p:nvSpPr>
+          <p:cNvPr id="4" name="テキスト ボックス 5">
+            <a:extLst>
+              <a:ext uri="{FF2B5EF4-FFF2-40B4-BE49-F238E27FC236}">
+                <a16:creationId xmlns:a16="http://schemas.microsoft.com/office/drawing/2014/main" id="{21753DF3-E580-0C76-CEED-1CD21616FC30}"/>
+              </a:ext>
+            </a:extLst>
+          </p:cNvPr>
+          <p:cNvSpPr txBox="1"/>
+          <p:nvPr/>
+        </p:nvSpPr>
+        <p:spPr>
+          <a:xfrm>
+            <a:off x="2296385" y="2989806"/>
+            <a:ext cx="8145768" cy="1015663"/>
+          </a:xfrm>
+          <a:prstGeom prst="rect">
+            <a:avLst/>
+          </a:prstGeom>
+          <a:noFill/>
+        </p:spPr>
+        <p:txBody>
+          <a:bodyPr wrap="square" lIns="91440" tIns="45720" rIns="91440" bIns="45720" rtlCol="0" anchor="t">
+            <a:spAutoFit/>
+          </a:bodyPr>
+          <a:lstStyle/>
+          <a:p>
+            <a:r>
+              <a:rPr lang="ja-JP" altLang="en-US" sz="6000" b="1" u="sng" dirty="0">
+                <a:solidFill>
+                  <a:schemeClr val="bg1"/>
+                </a:solidFill>
+                <a:effectLst>
+                  <a:outerShdw blurRad="38100" dist="38100" dir="2700000" algn="tl">
+                    <a:srgbClr val="000000">
+                      <a:alpha val="43137"/>
+                    </a:srgbClr>
+                  </a:outerShdw>
+                </a:effectLst>
+                <a:latin typeface="UD デジタル 教科書体 NK-B" panose="02020700000000000000" pitchFamily="18" charset="-128"/>
+                <a:ea typeface="UD デジタル 教科書体 NK-B" panose="02020700000000000000" pitchFamily="18" charset="-128"/>
+              </a:rPr>
+              <a:t>実際に動かしてみます！</a:t>
+            </a:r>
+            <a:endParaRPr lang="en-US" altLang="ja-JP" sz="6000" b="1" u="sng" dirty="0">
+              <a:solidFill>
+                <a:schemeClr val="bg1"/>
+              </a:solidFill>
+              <a:effectLst>
+                <a:outerShdw blurRad="38100" dist="38100" dir="2700000" algn="tl">
+                  <a:srgbClr val="000000">
+                    <a:alpha val="43137"/>
+                  </a:srgbClr>
+                </a:outerShdw>
+              </a:effectLst>
+              <a:latin typeface="UD デジタル 教科書体 NK-B" panose="02020700000000000000" pitchFamily="18" charset="-128"/>
+              <a:ea typeface="UD デジタル 教科書体 NK-B" panose="02020700000000000000" pitchFamily="18" charset="-128"/>
+            </a:endParaRPr>
+          </a:p>
+        </p:txBody>
+      </p:sp>
+      <p:sp>
+        <p:nvSpPr>
+          <p:cNvPr id="6" name="テキスト ボックス 5">
+            <a:extLst>
+              <a:ext uri="{FF2B5EF4-FFF2-40B4-BE49-F238E27FC236}">
+                <a16:creationId xmlns:a16="http://schemas.microsoft.com/office/drawing/2014/main" id="{16548B8F-C8B2-BF66-F4C2-30DC05A1AB4A}"/>
+              </a:ext>
+            </a:extLst>
+          </p:cNvPr>
+          <p:cNvSpPr txBox="1"/>
+          <p:nvPr/>
+        </p:nvSpPr>
+        <p:spPr>
+          <a:xfrm>
+            <a:off x="1762125" y="874854"/>
+            <a:ext cx="4333875" cy="584775"/>
+          </a:xfrm>
+          <a:prstGeom prst="rect">
+            <a:avLst/>
+          </a:prstGeom>
+          <a:noFill/>
+        </p:spPr>
+        <p:txBody>
+          <a:bodyPr wrap="square" lIns="91440" tIns="45720" rIns="91440" bIns="45720" rtlCol="0" anchor="t">
+            <a:spAutoFit/>
+          </a:bodyPr>
+          <a:lstStyle/>
+          <a:p>
+            <a:r>
+              <a:rPr lang="ja-JP" altLang="en-US" sz="3200" dirty="0">
+                <a:solidFill>
+                  <a:schemeClr val="bg1"/>
+                </a:solidFill>
+                <a:latin typeface="UD デジタル 教科書体 NP-R"/>
+                <a:ea typeface="UD デジタル 教科書体 NP-R"/>
+              </a:rPr>
+              <a:t>デモンストレーション</a:t>
+            </a:r>
+          </a:p>
+        </p:txBody>
+      </p:sp>
+    </p:spTree>
+    <p:extLst>
+      <p:ext uri="{BB962C8B-B14F-4D97-AF65-F5344CB8AC3E}">
+        <p14:creationId xmlns:p14="http://schemas.microsoft.com/office/powerpoint/2010/main" val="2225371510"/>
+      </p:ext>
+    </p:extLst>
+  </p:cSld>
+  <p:clrMapOvr>
+    <a:masterClrMapping/>
+  </p:clrMapOvr>
+</p:sld>
+</file>
+
+<file path=ppt/slides/slide11.xml><?xml version="1.0" encoding="utf-8"?>
+<p:sld xmlns:a="http://schemas.openxmlformats.org/drawingml/2006/main" xmlns:r="http://schemas.openxmlformats.org/officeDocument/2006/relationships" xmlns:p="http://schemas.openxmlformats.org/presentationml/2006/main">
+  <p:cSld>
+    <p:bg>
+      <p:bgPr>
+        <a:solidFill>
+          <a:srgbClr val="AEE2FF"/>
+        </a:solidFill>
+        <a:effectLst/>
+      </p:bgPr>
+    </p:bg>
+    <p:spTree>
+      <p:nvGrpSpPr>
+        <p:cNvPr id="1" name=""/>
+        <p:cNvGrpSpPr/>
+        <p:nvPr/>
+      </p:nvGrpSpPr>
+      <p:grpSpPr>
+        <a:xfrm>
+          <a:off x="0" y="0"/>
+          <a:ext cx="0" cy="0"/>
+          <a:chOff x="0" y="0"/>
+          <a:chExt cx="0" cy="0"/>
+        </a:xfrm>
+      </p:grpSpPr>
+      <p:sp>
+        <p:nvSpPr>
+          <p:cNvPr id="2" name="正方形/長方形 1">
+            <a:extLst>
+              <a:ext uri="{FF2B5EF4-FFF2-40B4-BE49-F238E27FC236}">
+                <a16:creationId xmlns:a16="http://schemas.microsoft.com/office/drawing/2014/main" id="{5B096CB1-87E5-4B06-B864-486CBCC10EE2}"/>
+              </a:ext>
+            </a:extLst>
+          </p:cNvPr>
+          <p:cNvSpPr/>
+          <p:nvPr/>
+        </p:nvSpPr>
+        <p:spPr>
+          <a:xfrm>
+            <a:off x="436880" y="406400"/>
+            <a:ext cx="11318240" cy="6045200"/>
+          </a:xfrm>
+          <a:prstGeom prst="rect">
+            <a:avLst/>
+          </a:prstGeom>
+          <a:solidFill>
+            <a:schemeClr val="tx1"/>
+          </a:solidFill>
+          <a:ln>
+            <a:noFill/>
+          </a:ln>
+        </p:spPr>
+        <p:style>
+          <a:lnRef idx="2">
+            <a:schemeClr val="accent1">
+              <a:shade val="50000"/>
+            </a:schemeClr>
+          </a:lnRef>
+          <a:fillRef idx="1">
+            <a:schemeClr val="accent1"/>
+          </a:fillRef>
+          <a:effectRef idx="0">
+            <a:schemeClr val="accent1"/>
+          </a:effectRef>
+          <a:fontRef idx="minor">
+            <a:schemeClr val="lt1"/>
+          </a:fontRef>
+        </p:style>
+        <p:txBody>
+          <a:bodyPr rtlCol="0" anchor="ctr"/>
+          <a:lstStyle/>
+          <a:p>
+            <a:pPr algn="ctr"/>
+            <a:endParaRPr kumimoji="1" lang="ja-JP" altLang="en-US"/>
+          </a:p>
+        </p:txBody>
+      </p:sp>
+      <p:sp>
+        <p:nvSpPr>
           <p:cNvPr id="5" name="二等辺三角形 4">
             <a:extLst>
               <a:ext uri="{FF2B5EF4-FFF2-40B4-BE49-F238E27FC236}">
@@ -4119,7 +4362,7 @@
 </p:sld>
 </file>
 
-<file path=ppt/slides/slide11.xml><?xml version="1.0" encoding="utf-8"?>
+<file path=ppt/slides/slide12.xml><?xml version="1.0" encoding="utf-8"?>
 <p:sld xmlns:a="http://schemas.openxmlformats.org/drawingml/2006/main" xmlns:r="http://schemas.openxmlformats.org/officeDocument/2006/relationships" xmlns:p="http://schemas.openxmlformats.org/presentationml/2006/main">
   <p:cSld>
     <p:bg>
@@ -4687,257 +4930,6 @@
 </p:sld>
 </file>
 
-<file path=ppt/slides/slide12.xml><?xml version="1.0" encoding="utf-8"?>
-<p:sld xmlns:a="http://schemas.openxmlformats.org/drawingml/2006/main" xmlns:r="http://schemas.openxmlformats.org/officeDocument/2006/relationships" xmlns:p="http://schemas.openxmlformats.org/presentationml/2006/main">
-  <p:cSld>
-    <p:bg>
-      <p:bgPr>
-        <a:solidFill>
-          <a:srgbClr val="AEE2FF"/>
-        </a:solidFill>
-        <a:effectLst/>
-      </p:bgPr>
-    </p:bg>
-    <p:spTree>
-      <p:nvGrpSpPr>
-        <p:cNvPr id="1" name=""/>
-        <p:cNvGrpSpPr/>
-        <p:nvPr/>
-      </p:nvGrpSpPr>
-      <p:grpSpPr>
-        <a:xfrm>
-          <a:off x="0" y="0"/>
-          <a:ext cx="0" cy="0"/>
-          <a:chOff x="0" y="0"/>
-          <a:chExt cx="0" cy="0"/>
-        </a:xfrm>
-      </p:grpSpPr>
-      <p:sp>
-        <p:nvSpPr>
-          <p:cNvPr id="2" name="正方形/長方形 1">
-            <a:extLst>
-              <a:ext uri="{FF2B5EF4-FFF2-40B4-BE49-F238E27FC236}">
-                <a16:creationId xmlns:a16="http://schemas.microsoft.com/office/drawing/2014/main" id="{5B096CB1-87E5-4B06-B864-486CBCC10EE2}"/>
-              </a:ext>
-            </a:extLst>
-          </p:cNvPr>
-          <p:cNvSpPr/>
-          <p:nvPr/>
-        </p:nvSpPr>
-        <p:spPr>
-          <a:xfrm>
-            <a:off x="436880" y="406400"/>
-            <a:ext cx="11318240" cy="6045200"/>
-          </a:xfrm>
-          <a:prstGeom prst="rect">
-            <a:avLst/>
-          </a:prstGeom>
-          <a:solidFill>
-            <a:schemeClr val="tx1"/>
-          </a:solidFill>
-          <a:ln>
-            <a:noFill/>
-          </a:ln>
-        </p:spPr>
-        <p:style>
-          <a:lnRef idx="2">
-            <a:schemeClr val="accent1">
-              <a:shade val="50000"/>
-            </a:schemeClr>
-          </a:lnRef>
-          <a:fillRef idx="1">
-            <a:schemeClr val="accent1"/>
-          </a:fillRef>
-          <a:effectRef idx="0">
-            <a:schemeClr val="accent1"/>
-          </a:effectRef>
-          <a:fontRef idx="minor">
-            <a:schemeClr val="lt1"/>
-          </a:fontRef>
-        </p:style>
-        <p:txBody>
-          <a:bodyPr rtlCol="0" anchor="ctr"/>
-          <a:lstStyle/>
-          <a:p>
-            <a:pPr algn="ctr"/>
-            <a:endParaRPr kumimoji="1" lang="ja-JP" altLang="en-US"/>
-          </a:p>
-        </p:txBody>
-      </p:sp>
-      <p:pic>
-        <p:nvPicPr>
-          <p:cNvPr id="6" name="Picture 6">
-            <a:extLst>
-              <a:ext uri="{FF2B5EF4-FFF2-40B4-BE49-F238E27FC236}">
-                <a16:creationId xmlns:a16="http://schemas.microsoft.com/office/drawing/2014/main" id="{BE48B18D-763B-8F33-DB0F-E252F1803D5C}"/>
-              </a:ext>
-            </a:extLst>
-          </p:cNvPr>
-          <p:cNvPicPr>
-            <a:picLocks noChangeAspect="1"/>
-          </p:cNvPicPr>
-          <p:nvPr/>
-        </p:nvPicPr>
-        <p:blipFill rotWithShape="1">
-          <a:blip r:embed="rId2"/>
-          <a:srcRect l="14674" t="31224" r="15761" b="204"/>
-          <a:stretch/>
-        </p:blipFill>
-        <p:spPr>
-          <a:xfrm>
-            <a:off x="671443" y="624164"/>
-            <a:ext cx="6573950" cy="3434247"/>
-          </a:xfrm>
-          <a:prstGeom prst="rect">
-            <a:avLst/>
-          </a:prstGeom>
-        </p:spPr>
-      </p:pic>
-      <p:sp>
-        <p:nvSpPr>
-          <p:cNvPr id="7" name="TextBox 6">
-            <a:extLst>
-              <a:ext uri="{FF2B5EF4-FFF2-40B4-BE49-F238E27FC236}">
-                <a16:creationId xmlns:a16="http://schemas.microsoft.com/office/drawing/2014/main" id="{261EFB76-6E16-50D4-F4F2-3ADFD21EB9FF}"/>
-              </a:ext>
-            </a:extLst>
-          </p:cNvPr>
-          <p:cNvSpPr txBox="1"/>
-          <p:nvPr/>
-        </p:nvSpPr>
-        <p:spPr>
-          <a:xfrm>
-            <a:off x="8001000" y="1242391"/>
-            <a:ext cx="3246782" cy="2418521"/>
-          </a:xfrm>
-          <a:prstGeom prst="rect">
-            <a:avLst/>
-          </a:prstGeom>
-          <a:noFill/>
-        </p:spPr>
-        <p:txBody>
-          <a:bodyPr rot="0" spcFirstLastPara="0" vertOverflow="overflow" horzOverflow="overflow" vert="horz" wrap="square" lIns="91440" tIns="45720" rIns="91440" bIns="45720" numCol="1" spcCol="0" rtlCol="0" fromWordArt="0" anchor="t" anchorCtr="0" forceAA="0" compatLnSpc="1">
-            <a:prstTxWarp prst="textNoShape">
-              <a:avLst/>
-            </a:prstTxWarp>
-            <a:spAutoFit/>
-          </a:bodyPr>
-          <a:lstStyle/>
-          <a:p>
-            <a:pPr algn="l"/>
-            <a:endParaRPr lang="en-US"/>
-          </a:p>
-        </p:txBody>
-      </p:sp>
-      <p:pic>
-        <p:nvPicPr>
-          <p:cNvPr id="3" name="Picture 4">
-            <a:extLst>
-              <a:ext uri="{FF2B5EF4-FFF2-40B4-BE49-F238E27FC236}">
-                <a16:creationId xmlns:a16="http://schemas.microsoft.com/office/drawing/2014/main" id="{E0A301A9-E926-2E44-5B64-52BDE421A763}"/>
-              </a:ext>
-            </a:extLst>
-          </p:cNvPr>
-          <p:cNvPicPr>
-            <a:picLocks noChangeAspect="1"/>
-          </p:cNvPicPr>
-          <p:nvPr/>
-        </p:nvPicPr>
-        <p:blipFill>
-          <a:blip r:embed="rId3"/>
-          <a:stretch>
-            <a:fillRect/>
-          </a:stretch>
-        </p:blipFill>
-        <p:spPr>
-          <a:xfrm>
-            <a:off x="841216" y="4156645"/>
-            <a:ext cx="6234752" cy="2045657"/>
-          </a:xfrm>
-          <a:prstGeom prst="rect">
-            <a:avLst/>
-          </a:prstGeom>
-        </p:spPr>
-      </p:pic>
-      <p:sp>
-        <p:nvSpPr>
-          <p:cNvPr id="8" name="TextBox 7">
-            <a:extLst>
-              <a:ext uri="{FF2B5EF4-FFF2-40B4-BE49-F238E27FC236}">
-                <a16:creationId xmlns:a16="http://schemas.microsoft.com/office/drawing/2014/main" id="{64F7EA39-FA74-A2AF-688D-6B22B5DCC672}"/>
-              </a:ext>
-            </a:extLst>
-          </p:cNvPr>
-          <p:cNvSpPr txBox="1"/>
-          <p:nvPr/>
-        </p:nvSpPr>
-        <p:spPr>
-          <a:xfrm>
-            <a:off x="7520608" y="2070652"/>
-            <a:ext cx="3776868" cy="2677656"/>
-          </a:xfrm>
-          <a:prstGeom prst="rect">
-            <a:avLst/>
-          </a:prstGeom>
-          <a:noFill/>
-        </p:spPr>
-        <p:txBody>
-          <a:bodyPr rot="0" spcFirstLastPara="0" vertOverflow="overflow" horzOverflow="overflow" vert="horz" wrap="square" lIns="91440" tIns="45720" rIns="91440" bIns="45720" numCol="1" spcCol="0" rtlCol="0" fromWordArt="0" anchor="t" anchorCtr="0" forceAA="0" compatLnSpc="1">
-            <a:prstTxWarp prst="textNoShape">
-              <a:avLst/>
-            </a:prstTxWarp>
-            <a:spAutoFit/>
-          </a:bodyPr>
-          <a:lstStyle/>
-          <a:p>
-            <a:pPr algn="l"/>
-            <a:r>
-              <a:rPr lang="ja-JP" altLang="en-US" sz="2800">
-                <a:solidFill>
-                  <a:schemeClr val="bg1"/>
-                </a:solidFill>
-                <a:latin typeface="UD デジタル 教科書体 NP-R"/>
-                <a:ea typeface="UD デジタル 教科書体 NP-R"/>
-              </a:rPr>
-              <a:t>・摂取カロリーを元に動的なグラフを月ごとに形成</a:t>
-            </a:r>
-          </a:p>
-          <a:p>
-            <a:endParaRPr lang="ja-JP" altLang="en-US" sz="2800">
-              <a:solidFill>
-                <a:schemeClr val="bg1"/>
-              </a:solidFill>
-              <a:latin typeface="UD デジタル 教科書体 NP-R"/>
-              <a:ea typeface="UD デジタル 教科書体 NP-R"/>
-            </a:endParaRPr>
-          </a:p>
-          <a:p>
-            <a:r>
-              <a:rPr lang="ja-JP" altLang="en-US" sz="2800">
-                <a:solidFill>
-                  <a:schemeClr val="bg1"/>
-                </a:solidFill>
-                <a:latin typeface="UD デジタル 教科書体 NP-R"/>
-                <a:ea typeface="UD デジタル 教科書体 NP-R"/>
-              </a:rPr>
-              <a:t>・ユーザーに合わせた基礎代謝を表示</a:t>
-            </a:r>
-          </a:p>
-        </p:txBody>
-      </p:sp>
-    </p:spTree>
-    <p:extLst>
-      <p:ext uri="{BB962C8B-B14F-4D97-AF65-F5344CB8AC3E}">
-        <p14:creationId xmlns:p14="http://schemas.microsoft.com/office/powerpoint/2010/main" val="3058868081"/>
-      </p:ext>
-    </p:extLst>
-  </p:cSld>
-  <p:clrMapOvr>
-    <a:masterClrMapping/>
-  </p:clrMapOvr>
-</p:sld>
-</file>
-
 <file path=ppt/slides/slide13.xml><?xml version="1.0" encoding="utf-8"?>
 <p:sld xmlns:a="http://schemas.openxmlformats.org/drawingml/2006/main" xmlns:r="http://schemas.openxmlformats.org/officeDocument/2006/relationships" xmlns:p="http://schemas.openxmlformats.org/presentationml/2006/main">
   <p:cSld>
@@ -5017,6 +5009,257 @@
       </p:sp>
       <p:pic>
         <p:nvPicPr>
+          <p:cNvPr id="6" name="Picture 6">
+            <a:extLst>
+              <a:ext uri="{FF2B5EF4-FFF2-40B4-BE49-F238E27FC236}">
+                <a16:creationId xmlns:a16="http://schemas.microsoft.com/office/drawing/2014/main" id="{BE48B18D-763B-8F33-DB0F-E252F1803D5C}"/>
+              </a:ext>
+            </a:extLst>
+          </p:cNvPr>
+          <p:cNvPicPr>
+            <a:picLocks noChangeAspect="1"/>
+          </p:cNvPicPr>
+          <p:nvPr/>
+        </p:nvPicPr>
+        <p:blipFill rotWithShape="1">
+          <a:blip r:embed="rId2"/>
+          <a:srcRect l="14674" t="31224" r="15761" b="204"/>
+          <a:stretch/>
+        </p:blipFill>
+        <p:spPr>
+          <a:xfrm>
+            <a:off x="671443" y="624164"/>
+            <a:ext cx="6573950" cy="3434247"/>
+          </a:xfrm>
+          <a:prstGeom prst="rect">
+            <a:avLst/>
+          </a:prstGeom>
+        </p:spPr>
+      </p:pic>
+      <p:sp>
+        <p:nvSpPr>
+          <p:cNvPr id="7" name="TextBox 6">
+            <a:extLst>
+              <a:ext uri="{FF2B5EF4-FFF2-40B4-BE49-F238E27FC236}">
+                <a16:creationId xmlns:a16="http://schemas.microsoft.com/office/drawing/2014/main" id="{261EFB76-6E16-50D4-F4F2-3ADFD21EB9FF}"/>
+              </a:ext>
+            </a:extLst>
+          </p:cNvPr>
+          <p:cNvSpPr txBox="1"/>
+          <p:nvPr/>
+        </p:nvSpPr>
+        <p:spPr>
+          <a:xfrm>
+            <a:off x="8001000" y="1242391"/>
+            <a:ext cx="3246782" cy="2418521"/>
+          </a:xfrm>
+          <a:prstGeom prst="rect">
+            <a:avLst/>
+          </a:prstGeom>
+          <a:noFill/>
+        </p:spPr>
+        <p:txBody>
+          <a:bodyPr rot="0" spcFirstLastPara="0" vertOverflow="overflow" horzOverflow="overflow" vert="horz" wrap="square" lIns="91440" tIns="45720" rIns="91440" bIns="45720" numCol="1" spcCol="0" rtlCol="0" fromWordArt="0" anchor="t" anchorCtr="0" forceAA="0" compatLnSpc="1">
+            <a:prstTxWarp prst="textNoShape">
+              <a:avLst/>
+            </a:prstTxWarp>
+            <a:spAutoFit/>
+          </a:bodyPr>
+          <a:lstStyle/>
+          <a:p>
+            <a:pPr algn="l"/>
+            <a:endParaRPr lang="en-US"/>
+          </a:p>
+        </p:txBody>
+      </p:sp>
+      <p:pic>
+        <p:nvPicPr>
+          <p:cNvPr id="3" name="Picture 4">
+            <a:extLst>
+              <a:ext uri="{FF2B5EF4-FFF2-40B4-BE49-F238E27FC236}">
+                <a16:creationId xmlns:a16="http://schemas.microsoft.com/office/drawing/2014/main" id="{E0A301A9-E926-2E44-5B64-52BDE421A763}"/>
+              </a:ext>
+            </a:extLst>
+          </p:cNvPr>
+          <p:cNvPicPr>
+            <a:picLocks noChangeAspect="1"/>
+          </p:cNvPicPr>
+          <p:nvPr/>
+        </p:nvPicPr>
+        <p:blipFill>
+          <a:blip r:embed="rId3"/>
+          <a:stretch>
+            <a:fillRect/>
+          </a:stretch>
+        </p:blipFill>
+        <p:spPr>
+          <a:xfrm>
+            <a:off x="841216" y="4156645"/>
+            <a:ext cx="6234752" cy="2045657"/>
+          </a:xfrm>
+          <a:prstGeom prst="rect">
+            <a:avLst/>
+          </a:prstGeom>
+        </p:spPr>
+      </p:pic>
+      <p:sp>
+        <p:nvSpPr>
+          <p:cNvPr id="8" name="TextBox 7">
+            <a:extLst>
+              <a:ext uri="{FF2B5EF4-FFF2-40B4-BE49-F238E27FC236}">
+                <a16:creationId xmlns:a16="http://schemas.microsoft.com/office/drawing/2014/main" id="{64F7EA39-FA74-A2AF-688D-6B22B5DCC672}"/>
+              </a:ext>
+            </a:extLst>
+          </p:cNvPr>
+          <p:cNvSpPr txBox="1"/>
+          <p:nvPr/>
+        </p:nvSpPr>
+        <p:spPr>
+          <a:xfrm>
+            <a:off x="7520608" y="2070652"/>
+            <a:ext cx="3776868" cy="2677656"/>
+          </a:xfrm>
+          <a:prstGeom prst="rect">
+            <a:avLst/>
+          </a:prstGeom>
+          <a:noFill/>
+        </p:spPr>
+        <p:txBody>
+          <a:bodyPr rot="0" spcFirstLastPara="0" vertOverflow="overflow" horzOverflow="overflow" vert="horz" wrap="square" lIns="91440" tIns="45720" rIns="91440" bIns="45720" numCol="1" spcCol="0" rtlCol="0" fromWordArt="0" anchor="t" anchorCtr="0" forceAA="0" compatLnSpc="1">
+            <a:prstTxWarp prst="textNoShape">
+              <a:avLst/>
+            </a:prstTxWarp>
+            <a:spAutoFit/>
+          </a:bodyPr>
+          <a:lstStyle/>
+          <a:p>
+            <a:pPr algn="l"/>
+            <a:r>
+              <a:rPr lang="ja-JP" altLang="en-US" sz="2800">
+                <a:solidFill>
+                  <a:schemeClr val="bg1"/>
+                </a:solidFill>
+                <a:latin typeface="UD デジタル 教科書体 NP-R"/>
+                <a:ea typeface="UD デジタル 教科書体 NP-R"/>
+              </a:rPr>
+              <a:t>・摂取カロリーを元に動的なグラフを月ごとに形成</a:t>
+            </a:r>
+          </a:p>
+          <a:p>
+            <a:endParaRPr lang="ja-JP" altLang="en-US" sz="2800">
+              <a:solidFill>
+                <a:schemeClr val="bg1"/>
+              </a:solidFill>
+              <a:latin typeface="UD デジタル 教科書体 NP-R"/>
+              <a:ea typeface="UD デジタル 教科書体 NP-R"/>
+            </a:endParaRPr>
+          </a:p>
+          <a:p>
+            <a:r>
+              <a:rPr lang="ja-JP" altLang="en-US" sz="2800">
+                <a:solidFill>
+                  <a:schemeClr val="bg1"/>
+                </a:solidFill>
+                <a:latin typeface="UD デジタル 教科書体 NP-R"/>
+                <a:ea typeface="UD デジタル 教科書体 NP-R"/>
+              </a:rPr>
+              <a:t>・ユーザーに合わせた基礎代謝を表示</a:t>
+            </a:r>
+          </a:p>
+        </p:txBody>
+      </p:sp>
+    </p:spTree>
+    <p:extLst>
+      <p:ext uri="{BB962C8B-B14F-4D97-AF65-F5344CB8AC3E}">
+        <p14:creationId xmlns:p14="http://schemas.microsoft.com/office/powerpoint/2010/main" val="3058868081"/>
+      </p:ext>
+    </p:extLst>
+  </p:cSld>
+  <p:clrMapOvr>
+    <a:masterClrMapping/>
+  </p:clrMapOvr>
+</p:sld>
+</file>
+
+<file path=ppt/slides/slide14.xml><?xml version="1.0" encoding="utf-8"?>
+<p:sld xmlns:a="http://schemas.openxmlformats.org/drawingml/2006/main" xmlns:r="http://schemas.openxmlformats.org/officeDocument/2006/relationships" xmlns:p="http://schemas.openxmlformats.org/presentationml/2006/main">
+  <p:cSld>
+    <p:bg>
+      <p:bgPr>
+        <a:solidFill>
+          <a:srgbClr val="AEE2FF"/>
+        </a:solidFill>
+        <a:effectLst/>
+      </p:bgPr>
+    </p:bg>
+    <p:spTree>
+      <p:nvGrpSpPr>
+        <p:cNvPr id="1" name=""/>
+        <p:cNvGrpSpPr/>
+        <p:nvPr/>
+      </p:nvGrpSpPr>
+      <p:grpSpPr>
+        <a:xfrm>
+          <a:off x="0" y="0"/>
+          <a:ext cx="0" cy="0"/>
+          <a:chOff x="0" y="0"/>
+          <a:chExt cx="0" cy="0"/>
+        </a:xfrm>
+      </p:grpSpPr>
+      <p:sp>
+        <p:nvSpPr>
+          <p:cNvPr id="2" name="正方形/長方形 1">
+            <a:extLst>
+              <a:ext uri="{FF2B5EF4-FFF2-40B4-BE49-F238E27FC236}">
+                <a16:creationId xmlns:a16="http://schemas.microsoft.com/office/drawing/2014/main" id="{5B096CB1-87E5-4B06-B864-486CBCC10EE2}"/>
+              </a:ext>
+            </a:extLst>
+          </p:cNvPr>
+          <p:cNvSpPr/>
+          <p:nvPr/>
+        </p:nvSpPr>
+        <p:spPr>
+          <a:xfrm>
+            <a:off x="436880" y="406400"/>
+            <a:ext cx="11318240" cy="6045200"/>
+          </a:xfrm>
+          <a:prstGeom prst="rect">
+            <a:avLst/>
+          </a:prstGeom>
+          <a:solidFill>
+            <a:schemeClr val="tx1"/>
+          </a:solidFill>
+          <a:ln>
+            <a:noFill/>
+          </a:ln>
+        </p:spPr>
+        <p:style>
+          <a:lnRef idx="2">
+            <a:schemeClr val="accent1">
+              <a:shade val="50000"/>
+            </a:schemeClr>
+          </a:lnRef>
+          <a:fillRef idx="1">
+            <a:schemeClr val="accent1"/>
+          </a:fillRef>
+          <a:effectRef idx="0">
+            <a:schemeClr val="accent1"/>
+          </a:effectRef>
+          <a:fontRef idx="minor">
+            <a:schemeClr val="lt1"/>
+          </a:fontRef>
+        </p:style>
+        <p:txBody>
+          <a:bodyPr rtlCol="0" anchor="ctr"/>
+          <a:lstStyle/>
+          <a:p>
+            <a:pPr algn="ctr"/>
+            <a:endParaRPr kumimoji="1" lang="ja-JP" altLang="en-US"/>
+          </a:p>
+        </p:txBody>
+      </p:sp>
+      <p:pic>
+        <p:nvPicPr>
           <p:cNvPr id="5" name="図 4">
             <a:extLst>
               <a:ext uri="{FF2B5EF4-FFF2-40B4-BE49-F238E27FC236}">
@@ -5109,7 +5352,7 @@
 </p:sld>
 </file>
 
-<file path=ppt/slides/slide14.xml><?xml version="1.0" encoding="utf-8"?>
+<file path=ppt/slides/slide15.xml><?xml version="1.0" encoding="utf-8"?>
 <p:sld xmlns:a="http://schemas.openxmlformats.org/drawingml/2006/main" xmlns:r="http://schemas.openxmlformats.org/officeDocument/2006/relationships" xmlns:p="http://schemas.openxmlformats.org/presentationml/2006/main">
   <p:cSld>
     <p:bg>
@@ -5425,251 +5668,6 @@
 </p:sld>
 </file>
 
-<file path=ppt/slides/slide15.xml><?xml version="1.0" encoding="utf-8"?>
-<p:sld xmlns:a="http://schemas.openxmlformats.org/drawingml/2006/main" xmlns:r="http://schemas.openxmlformats.org/officeDocument/2006/relationships" xmlns:p="http://schemas.openxmlformats.org/presentationml/2006/main">
-  <p:cSld>
-    <p:bg>
-      <p:bgPr>
-        <a:solidFill>
-          <a:srgbClr val="AEE2FF"/>
-        </a:solidFill>
-        <a:effectLst/>
-      </p:bgPr>
-    </p:bg>
-    <p:spTree>
-      <p:nvGrpSpPr>
-        <p:cNvPr id="1" name=""/>
-        <p:cNvGrpSpPr/>
-        <p:nvPr/>
-      </p:nvGrpSpPr>
-      <p:grpSpPr>
-        <a:xfrm>
-          <a:off x="0" y="0"/>
-          <a:ext cx="0" cy="0"/>
-          <a:chOff x="0" y="0"/>
-          <a:chExt cx="0" cy="0"/>
-        </a:xfrm>
-      </p:grpSpPr>
-      <p:sp>
-        <p:nvSpPr>
-          <p:cNvPr id="2" name="正方形/長方形 1">
-            <a:extLst>
-              <a:ext uri="{FF2B5EF4-FFF2-40B4-BE49-F238E27FC236}">
-                <a16:creationId xmlns:a16="http://schemas.microsoft.com/office/drawing/2014/main" id="{5B096CB1-87E5-4B06-B864-486CBCC10EE2}"/>
-              </a:ext>
-            </a:extLst>
-          </p:cNvPr>
-          <p:cNvSpPr/>
-          <p:nvPr/>
-        </p:nvSpPr>
-        <p:spPr>
-          <a:xfrm>
-            <a:off x="436880" y="406400"/>
-            <a:ext cx="11318240" cy="6045200"/>
-          </a:xfrm>
-          <a:prstGeom prst="rect">
-            <a:avLst/>
-          </a:prstGeom>
-          <a:solidFill>
-            <a:schemeClr val="tx1"/>
-          </a:solidFill>
-          <a:ln>
-            <a:noFill/>
-          </a:ln>
-        </p:spPr>
-        <p:style>
-          <a:lnRef idx="2">
-            <a:schemeClr val="accent1">
-              <a:shade val="50000"/>
-            </a:schemeClr>
-          </a:lnRef>
-          <a:fillRef idx="1">
-            <a:schemeClr val="accent1"/>
-          </a:fillRef>
-          <a:effectRef idx="0">
-            <a:schemeClr val="accent1"/>
-          </a:effectRef>
-          <a:fontRef idx="minor">
-            <a:schemeClr val="lt1"/>
-          </a:fontRef>
-        </p:style>
-        <p:txBody>
-          <a:bodyPr rtlCol="0" anchor="ctr"/>
-          <a:lstStyle/>
-          <a:p>
-            <a:pPr algn="ctr"/>
-            <a:endParaRPr kumimoji="1" lang="ja-JP" altLang="en-US"/>
-          </a:p>
-        </p:txBody>
-      </p:sp>
-      <p:sp>
-        <p:nvSpPr>
-          <p:cNvPr id="3" name="二等辺三角形 2">
-            <a:extLst>
-              <a:ext uri="{FF2B5EF4-FFF2-40B4-BE49-F238E27FC236}">
-                <a16:creationId xmlns:a16="http://schemas.microsoft.com/office/drawing/2014/main" id="{C93255BC-2E58-4405-0349-0366AE955D8F}"/>
-              </a:ext>
-            </a:extLst>
-          </p:cNvPr>
-          <p:cNvSpPr/>
-          <p:nvPr/>
-        </p:nvSpPr>
-        <p:spPr>
-          <a:xfrm rot="5400000">
-            <a:off x="862426" y="893905"/>
-            <a:ext cx="481012" cy="442911"/>
-          </a:xfrm>
-          <a:prstGeom prst="triangle">
-            <a:avLst/>
-          </a:prstGeom>
-          <a:solidFill>
-            <a:srgbClr val="ACBCFF"/>
-          </a:solidFill>
-          <a:ln>
-            <a:noFill/>
-          </a:ln>
-        </p:spPr>
-        <p:style>
-          <a:lnRef idx="2">
-            <a:schemeClr val="accent1">
-              <a:shade val="50000"/>
-            </a:schemeClr>
-          </a:lnRef>
-          <a:fillRef idx="1">
-            <a:schemeClr val="accent1"/>
-          </a:fillRef>
-          <a:effectRef idx="0">
-            <a:schemeClr val="accent1"/>
-          </a:effectRef>
-          <a:fontRef idx="minor">
-            <a:schemeClr val="lt1"/>
-          </a:fontRef>
-        </p:style>
-        <p:txBody>
-          <a:bodyPr rtlCol="0" anchor="ctr"/>
-          <a:lstStyle/>
-          <a:p>
-            <a:pPr algn="ctr"/>
-            <a:endParaRPr kumimoji="1" lang="ja-JP" altLang="en-US"/>
-          </a:p>
-        </p:txBody>
-      </p:sp>
-      <p:sp>
-        <p:nvSpPr>
-          <p:cNvPr id="4" name="テキスト ボックス 5">
-            <a:extLst>
-              <a:ext uri="{FF2B5EF4-FFF2-40B4-BE49-F238E27FC236}">
-                <a16:creationId xmlns:a16="http://schemas.microsoft.com/office/drawing/2014/main" id="{21753DF3-E580-0C76-CEED-1CD21616FC30}"/>
-              </a:ext>
-            </a:extLst>
-          </p:cNvPr>
-          <p:cNvSpPr txBox="1"/>
-          <p:nvPr/>
-        </p:nvSpPr>
-        <p:spPr>
-          <a:xfrm>
-            <a:off x="2296385" y="2989806"/>
-            <a:ext cx="8145768" cy="1015663"/>
-          </a:xfrm>
-          <a:prstGeom prst="rect">
-            <a:avLst/>
-          </a:prstGeom>
-          <a:noFill/>
-        </p:spPr>
-        <p:txBody>
-          <a:bodyPr wrap="square" lIns="91440" tIns="45720" rIns="91440" bIns="45720" rtlCol="0" anchor="t">
-            <a:spAutoFit/>
-          </a:bodyPr>
-          <a:lstStyle/>
-          <a:p>
-            <a:r>
-              <a:rPr lang="ja-JP" altLang="en-US" sz="6000" b="1" u="sng" dirty="0">
-                <a:solidFill>
-                  <a:schemeClr val="bg1"/>
-                </a:solidFill>
-                <a:effectLst>
-                  <a:outerShdw blurRad="38100" dist="38100" dir="2700000" algn="tl">
-                    <a:srgbClr val="000000">
-                      <a:alpha val="43137"/>
-                    </a:srgbClr>
-                  </a:outerShdw>
-                </a:effectLst>
-                <a:latin typeface="UD デジタル 教科書体 NK-B" panose="02020700000000000000" pitchFamily="18" charset="-128"/>
-                <a:ea typeface="UD デジタル 教科書体 NK-B" panose="02020700000000000000" pitchFamily="18" charset="-128"/>
-              </a:rPr>
-              <a:t>実際に動かしてみます！</a:t>
-            </a:r>
-            <a:endParaRPr lang="en-US" altLang="ja-JP" sz="6000" b="1" u="sng" dirty="0">
-              <a:solidFill>
-                <a:schemeClr val="bg1"/>
-              </a:solidFill>
-              <a:effectLst>
-                <a:outerShdw blurRad="38100" dist="38100" dir="2700000" algn="tl">
-                  <a:srgbClr val="000000">
-                    <a:alpha val="43137"/>
-                  </a:srgbClr>
-                </a:outerShdw>
-              </a:effectLst>
-              <a:latin typeface="UD デジタル 教科書体 NK-B" panose="02020700000000000000" pitchFamily="18" charset="-128"/>
-              <a:ea typeface="UD デジタル 教科書体 NK-B" panose="02020700000000000000" pitchFamily="18" charset="-128"/>
-            </a:endParaRPr>
-          </a:p>
-        </p:txBody>
-      </p:sp>
-      <p:sp>
-        <p:nvSpPr>
-          <p:cNvPr id="6" name="テキスト ボックス 5">
-            <a:extLst>
-              <a:ext uri="{FF2B5EF4-FFF2-40B4-BE49-F238E27FC236}">
-                <a16:creationId xmlns:a16="http://schemas.microsoft.com/office/drawing/2014/main" id="{16548B8F-C8B2-BF66-F4C2-30DC05A1AB4A}"/>
-              </a:ext>
-            </a:extLst>
-          </p:cNvPr>
-          <p:cNvSpPr txBox="1"/>
-          <p:nvPr/>
-        </p:nvSpPr>
-        <p:spPr>
-          <a:xfrm>
-            <a:off x="1762125" y="874854"/>
-            <a:ext cx="4333875" cy="584775"/>
-          </a:xfrm>
-          <a:prstGeom prst="rect">
-            <a:avLst/>
-          </a:prstGeom>
-          <a:noFill/>
-        </p:spPr>
-        <p:txBody>
-          <a:bodyPr wrap="square" lIns="91440" tIns="45720" rIns="91440" bIns="45720" rtlCol="0" anchor="t">
-            <a:spAutoFit/>
-          </a:bodyPr>
-          <a:lstStyle/>
-          <a:p>
-            <a:r>
-              <a:rPr lang="ja-JP" altLang="en-US" sz="3200" dirty="0">
-                <a:solidFill>
-                  <a:schemeClr val="bg1"/>
-                </a:solidFill>
-                <a:latin typeface="UD デジタル 教科書体 NP-R"/>
-                <a:ea typeface="UD デジタル 教科書体 NP-R"/>
-              </a:rPr>
-              <a:t>デモンストレーション</a:t>
-            </a:r>
-          </a:p>
-        </p:txBody>
-      </p:sp>
-    </p:spTree>
-    <p:extLst>
-      <p:ext uri="{BB962C8B-B14F-4D97-AF65-F5344CB8AC3E}">
-        <p14:creationId xmlns:p14="http://schemas.microsoft.com/office/powerpoint/2010/main" val="2225371510"/>
-      </p:ext>
-    </p:extLst>
-  </p:cSld>
-  <p:clrMapOvr>
-    <a:masterClrMapping/>
-  </p:clrMapOvr>
-</p:sld>
-</file>
-
 <file path=ppt/slides/slide16.xml><?xml version="1.0" encoding="utf-8"?>
 <p:sld xmlns:a="http://schemas.openxmlformats.org/drawingml/2006/main" xmlns:r="http://schemas.openxmlformats.org/officeDocument/2006/relationships" xmlns:p="http://schemas.openxmlformats.org/presentationml/2006/main">
   <p:cSld>
@@ -6159,186 +6157,6 @@
     <p:extLst>
       <p:ext uri="{BB962C8B-B14F-4D97-AF65-F5344CB8AC3E}">
         <p14:creationId xmlns:p14="http://schemas.microsoft.com/office/powerpoint/2010/main" val="1170034817"/>
-      </p:ext>
-    </p:extLst>
-  </p:cSld>
-  <p:clrMapOvr>
-    <a:masterClrMapping/>
-  </p:clrMapOvr>
-</p:sld>
-</file>
-
-<file path=ppt/slides/slide18.xml><?xml version="1.0" encoding="utf-8"?>
-<p:sld xmlns:a="http://schemas.openxmlformats.org/drawingml/2006/main" xmlns:r="http://schemas.openxmlformats.org/officeDocument/2006/relationships" xmlns:p="http://schemas.openxmlformats.org/presentationml/2006/main">
-  <p:cSld>
-    <p:bg>
-      <p:bgPr>
-        <a:solidFill>
-          <a:srgbClr val="AEE2FF"/>
-        </a:solidFill>
-        <a:effectLst/>
-      </p:bgPr>
-    </p:bg>
-    <p:spTree>
-      <p:nvGrpSpPr>
-        <p:cNvPr id="1" name=""/>
-        <p:cNvGrpSpPr/>
-        <p:nvPr/>
-      </p:nvGrpSpPr>
-      <p:grpSpPr>
-        <a:xfrm>
-          <a:off x="0" y="0"/>
-          <a:ext cx="0" cy="0"/>
-          <a:chOff x="0" y="0"/>
-          <a:chExt cx="0" cy="0"/>
-        </a:xfrm>
-      </p:grpSpPr>
-      <p:sp>
-        <p:nvSpPr>
-          <p:cNvPr id="2" name="正方形/長方形 1">
-            <a:extLst>
-              <a:ext uri="{FF2B5EF4-FFF2-40B4-BE49-F238E27FC236}">
-                <a16:creationId xmlns:a16="http://schemas.microsoft.com/office/drawing/2014/main" id="{5B096CB1-87E5-4B06-B864-486CBCC10EE2}"/>
-              </a:ext>
-            </a:extLst>
-          </p:cNvPr>
-          <p:cNvSpPr/>
-          <p:nvPr/>
-        </p:nvSpPr>
-        <p:spPr>
-          <a:xfrm>
-            <a:off x="436880" y="406400"/>
-            <a:ext cx="11318240" cy="6045200"/>
-          </a:xfrm>
-          <a:prstGeom prst="rect">
-            <a:avLst/>
-          </a:prstGeom>
-          <a:solidFill>
-            <a:schemeClr val="tx1"/>
-          </a:solidFill>
-          <a:ln>
-            <a:noFill/>
-          </a:ln>
-        </p:spPr>
-        <p:style>
-          <a:lnRef idx="2">
-            <a:schemeClr val="accent1">
-              <a:shade val="50000"/>
-            </a:schemeClr>
-          </a:lnRef>
-          <a:fillRef idx="1">
-            <a:schemeClr val="accent1"/>
-          </a:fillRef>
-          <a:effectRef idx="0">
-            <a:schemeClr val="accent1"/>
-          </a:effectRef>
-          <a:fontRef idx="minor">
-            <a:schemeClr val="lt1"/>
-          </a:fontRef>
-        </p:style>
-        <p:txBody>
-          <a:bodyPr rtlCol="0" anchor="ctr"/>
-          <a:lstStyle/>
-          <a:p>
-            <a:pPr algn="ctr"/>
-            <a:endParaRPr kumimoji="1" lang="ja-JP" altLang="en-US"/>
-          </a:p>
-        </p:txBody>
-      </p:sp>
-    </p:spTree>
-    <p:extLst>
-      <p:ext uri="{BB962C8B-B14F-4D97-AF65-F5344CB8AC3E}">
-        <p14:creationId xmlns:p14="http://schemas.microsoft.com/office/powerpoint/2010/main" val="2285732636"/>
-      </p:ext>
-    </p:extLst>
-  </p:cSld>
-  <p:clrMapOvr>
-    <a:masterClrMapping/>
-  </p:clrMapOvr>
-</p:sld>
-</file>
-
-<file path=ppt/slides/slide19.xml><?xml version="1.0" encoding="utf-8"?>
-<p:sld xmlns:a="http://schemas.openxmlformats.org/drawingml/2006/main" xmlns:r="http://schemas.openxmlformats.org/officeDocument/2006/relationships" xmlns:p="http://schemas.openxmlformats.org/presentationml/2006/main">
-  <p:cSld>
-    <p:bg>
-      <p:bgPr>
-        <a:solidFill>
-          <a:srgbClr val="AEE2FF"/>
-        </a:solidFill>
-        <a:effectLst/>
-      </p:bgPr>
-    </p:bg>
-    <p:spTree>
-      <p:nvGrpSpPr>
-        <p:cNvPr id="1" name=""/>
-        <p:cNvGrpSpPr/>
-        <p:nvPr/>
-      </p:nvGrpSpPr>
-      <p:grpSpPr>
-        <a:xfrm>
-          <a:off x="0" y="0"/>
-          <a:ext cx="0" cy="0"/>
-          <a:chOff x="0" y="0"/>
-          <a:chExt cx="0" cy="0"/>
-        </a:xfrm>
-      </p:grpSpPr>
-      <p:sp>
-        <p:nvSpPr>
-          <p:cNvPr id="2" name="正方形/長方形 1">
-            <a:extLst>
-              <a:ext uri="{FF2B5EF4-FFF2-40B4-BE49-F238E27FC236}">
-                <a16:creationId xmlns:a16="http://schemas.microsoft.com/office/drawing/2014/main" id="{5B096CB1-87E5-4B06-B864-486CBCC10EE2}"/>
-              </a:ext>
-            </a:extLst>
-          </p:cNvPr>
-          <p:cNvSpPr/>
-          <p:nvPr/>
-        </p:nvSpPr>
-        <p:spPr>
-          <a:xfrm>
-            <a:off x="436880" y="406400"/>
-            <a:ext cx="11318240" cy="6045200"/>
-          </a:xfrm>
-          <a:prstGeom prst="rect">
-            <a:avLst/>
-          </a:prstGeom>
-          <a:solidFill>
-            <a:schemeClr val="tx1"/>
-          </a:solidFill>
-          <a:ln>
-            <a:noFill/>
-          </a:ln>
-        </p:spPr>
-        <p:style>
-          <a:lnRef idx="2">
-            <a:schemeClr val="accent1">
-              <a:shade val="50000"/>
-            </a:schemeClr>
-          </a:lnRef>
-          <a:fillRef idx="1">
-            <a:schemeClr val="accent1"/>
-          </a:fillRef>
-          <a:effectRef idx="0">
-            <a:schemeClr val="accent1"/>
-          </a:effectRef>
-          <a:fontRef idx="minor">
-            <a:schemeClr val="lt1"/>
-          </a:fontRef>
-        </p:style>
-        <p:txBody>
-          <a:bodyPr rtlCol="0" anchor="ctr"/>
-          <a:lstStyle/>
-          <a:p>
-            <a:pPr algn="ctr"/>
-            <a:endParaRPr kumimoji="1" lang="ja-JP" altLang="en-US"/>
-          </a:p>
-        </p:txBody>
-      </p:sp>
-    </p:spTree>
-    <p:extLst>
-      <p:ext uri="{BB962C8B-B14F-4D97-AF65-F5344CB8AC3E}">
-        <p14:creationId xmlns:p14="http://schemas.microsoft.com/office/powerpoint/2010/main" val="2645572268"/>
       </p:ext>
     </p:extLst>
   </p:cSld>
@@ -10233,20 +10051,20 @@
 </file>
 
 <file path=customXml/item1.xml><?xml version="1.0" encoding="utf-8"?>
+<p:properties xmlns:p="http://schemas.microsoft.com/office/2006/metadata/properties" xmlns:xsi="http://www.w3.org/2001/XMLSchema-instance" xmlns:pc="http://schemas.microsoft.com/office/infopath/2007/PartnerControls">
+  <documentManagement>
+    <_activity xmlns="54c177cd-5b69-4c86-94f8-baea005b32a7" xsi:nil="true"/>
+  </documentManagement>
+</p:properties>
+</file>
+
+<file path=customXml/item2.xml><?xml version="1.0" encoding="utf-8"?>
 <?mso-contentType ?>
 <FormTemplates xmlns="http://schemas.microsoft.com/sharepoint/v3/contenttype/forms">
   <Display>DocumentLibraryForm</Display>
   <Edit>DocumentLibraryForm</Edit>
   <New>DocumentLibraryForm</New>
 </FormTemplates>
-</file>
-
-<file path=customXml/item2.xml><?xml version="1.0" encoding="utf-8"?>
-<p:properties xmlns:p="http://schemas.microsoft.com/office/2006/metadata/properties" xmlns:xsi="http://www.w3.org/2001/XMLSchema-instance" xmlns:pc="http://schemas.microsoft.com/office/infopath/2007/PartnerControls">
-  <documentManagement>
-    <_activity xmlns="54c177cd-5b69-4c86-94f8-baea005b32a7" xsi:nil="true"/>
-  </documentManagement>
-</p:properties>
 </file>
 
 <file path=customXml/item3.xml><?xml version="1.0" encoding="utf-8"?>
@@ -10388,14 +10206,6 @@
 </file>
 
 <file path=customXml/itemProps1.xml><?xml version="1.0" encoding="utf-8"?>
-<ds:datastoreItem xmlns:ds="http://schemas.openxmlformats.org/officeDocument/2006/customXml" ds:itemID="{198FB8AF-12FD-4F20-A5F7-DB57E8A5BA60}">
-  <ds:schemaRefs>
-    <ds:schemaRef ds:uri="http://schemas.microsoft.com/sharepoint/v3/contenttype/forms"/>
-  </ds:schemaRefs>
-</ds:datastoreItem>
-</file>
-
-<file path=customXml/itemProps2.xml><?xml version="1.0" encoding="utf-8"?>
 <ds:datastoreItem xmlns:ds="http://schemas.openxmlformats.org/officeDocument/2006/customXml" ds:itemID="{BE6ABD35-10F0-4E69-A4B4-6A641261C546}">
   <ds:schemaRefs>
     <ds:schemaRef ds:uri="54c177cd-5b69-4c86-94f8-baea005b32a7"/>
@@ -10407,6 +10217,14 @@
     <ds:schemaRef ds:uri="http://schemas.microsoft.com/office/infopath/2007/PartnerControls"/>
     <ds:schemaRef ds:uri="http://schemas.openxmlformats.org/package/2006/metadata/core-properties"/>
     <ds:schemaRef ds:uri="http://www.w3.org/XML/1998/namespace"/>
+  </ds:schemaRefs>
+</ds:datastoreItem>
+</file>
+
+<file path=customXml/itemProps2.xml><?xml version="1.0" encoding="utf-8"?>
+<ds:datastoreItem xmlns:ds="http://schemas.openxmlformats.org/officeDocument/2006/customXml" ds:itemID="{198FB8AF-12FD-4F20-A5F7-DB57E8A5BA60}">
+  <ds:schemaRefs>
+    <ds:schemaRef ds:uri="http://schemas.microsoft.com/sharepoint/v3/contenttype/forms"/>
   </ds:schemaRefs>
 </ds:datastoreItem>
 </file>

--- a/doc/発表資料.pptx
+++ b/doc/発表資料.pptx
@@ -18,10 +18,11 @@
     <p:sldId id="261" r:id="rId15"/>
     <p:sldId id="262" r:id="rId16"/>
     <p:sldId id="264" r:id="rId17"/>
-    <p:sldId id="258" r:id="rId18"/>
+    <p:sldId id="277" r:id="rId18"/>
     <p:sldId id="267" r:id="rId19"/>
-    <p:sldId id="275" r:id="rId20"/>
-    <p:sldId id="274" r:id="rId21"/>
+    <p:sldId id="278" r:id="rId20"/>
+    <p:sldId id="275" r:id="rId21"/>
+    <p:sldId id="274" r:id="rId22"/>
   </p:sldIdLst>
   <p:sldSz cx="12192000" cy="6858000"/>
   <p:notesSz cx="6858000" cy="9144000"/>
@@ -5007,6 +5008,144 @@
           </a:p>
         </p:txBody>
       </p:sp>
+      <p:sp>
+        <p:nvSpPr>
+          <p:cNvPr id="7" name="TextBox 6">
+            <a:extLst>
+              <a:ext uri="{FF2B5EF4-FFF2-40B4-BE49-F238E27FC236}">
+                <a16:creationId xmlns:a16="http://schemas.microsoft.com/office/drawing/2014/main" id="{261EFB76-6E16-50D4-F4F2-3ADFD21EB9FF}"/>
+              </a:ext>
+            </a:extLst>
+          </p:cNvPr>
+          <p:cNvSpPr txBox="1"/>
+          <p:nvPr/>
+        </p:nvSpPr>
+        <p:spPr>
+          <a:xfrm>
+            <a:off x="8001000" y="1242391"/>
+            <a:ext cx="3246782" cy="2418521"/>
+          </a:xfrm>
+          <a:prstGeom prst="rect">
+            <a:avLst/>
+          </a:prstGeom>
+          <a:noFill/>
+        </p:spPr>
+        <p:txBody>
+          <a:bodyPr rot="0" spcFirstLastPara="0" vertOverflow="overflow" horzOverflow="overflow" vert="horz" wrap="square" lIns="91440" tIns="45720" rIns="91440" bIns="45720" numCol="1" spcCol="0" rtlCol="0" fromWordArt="0" anchor="t" anchorCtr="0" forceAA="0" compatLnSpc="1">
+            <a:prstTxWarp prst="textNoShape">
+              <a:avLst/>
+            </a:prstTxWarp>
+            <a:spAutoFit/>
+          </a:bodyPr>
+          <a:lstStyle/>
+          <a:p>
+            <a:pPr algn="l"/>
+            <a:endParaRPr lang="en-US"/>
+          </a:p>
+        </p:txBody>
+      </p:sp>
+      <p:sp>
+        <p:nvSpPr>
+          <p:cNvPr id="8" name="TextBox 7">
+            <a:extLst>
+              <a:ext uri="{FF2B5EF4-FFF2-40B4-BE49-F238E27FC236}">
+                <a16:creationId xmlns:a16="http://schemas.microsoft.com/office/drawing/2014/main" id="{64F7EA39-FA74-A2AF-688D-6B22B5DCC672}"/>
+              </a:ext>
+            </a:extLst>
+          </p:cNvPr>
+          <p:cNvSpPr txBox="1"/>
+          <p:nvPr/>
+        </p:nvSpPr>
+        <p:spPr>
+          <a:xfrm>
+            <a:off x="7520608" y="2070652"/>
+            <a:ext cx="3776868" cy="2677656"/>
+          </a:xfrm>
+          <a:prstGeom prst="rect">
+            <a:avLst/>
+          </a:prstGeom>
+          <a:noFill/>
+        </p:spPr>
+        <p:txBody>
+          <a:bodyPr rot="0" spcFirstLastPara="0" vertOverflow="overflow" horzOverflow="overflow" vert="horz" wrap="square" lIns="91440" tIns="45720" rIns="91440" bIns="45720" numCol="1" spcCol="0" rtlCol="0" fromWordArt="0" anchor="t" anchorCtr="0" forceAA="0" compatLnSpc="1">
+            <a:prstTxWarp prst="textNoShape">
+              <a:avLst/>
+            </a:prstTxWarp>
+            <a:spAutoFit/>
+          </a:bodyPr>
+          <a:lstStyle/>
+          <a:p>
+            <a:pPr algn="l"/>
+            <a:r>
+              <a:rPr lang="ja-JP" altLang="en-US" sz="2800">
+                <a:solidFill>
+                  <a:schemeClr val="bg1"/>
+                </a:solidFill>
+                <a:latin typeface="UD デジタル 教科書体 NP-R"/>
+                <a:ea typeface="UD デジタル 教科書体 NP-R"/>
+              </a:rPr>
+              <a:t>・摂取カロリーを元に動的なグラフを月ごとに形成</a:t>
+            </a:r>
+          </a:p>
+          <a:p>
+            <a:endParaRPr lang="ja-JP" altLang="en-US" sz="2800">
+              <a:solidFill>
+                <a:schemeClr val="bg1"/>
+              </a:solidFill>
+              <a:latin typeface="UD デジタル 教科書体 NP-R"/>
+              <a:ea typeface="UD デジタル 教科書体 NP-R"/>
+            </a:endParaRPr>
+          </a:p>
+          <a:p>
+            <a:r>
+              <a:rPr lang="ja-JP" altLang="en-US" sz="2800">
+                <a:solidFill>
+                  <a:schemeClr val="bg1"/>
+                </a:solidFill>
+                <a:latin typeface="UD デジタル 教科書体 NP-R"/>
+                <a:ea typeface="UD デジタル 教科書体 NP-R"/>
+              </a:rPr>
+              <a:t>・ユーザーに合わせた基礎代謝を表示</a:t>
+            </a:r>
+          </a:p>
+        </p:txBody>
+      </p:sp>
+      <p:pic>
+        <p:nvPicPr>
+          <p:cNvPr id="9" name="図 8" descr="グラフィカル ユーザー インターフェイス, テキスト&#10;&#10;自動的に生成された説明">
+            <a:extLst>
+              <a:ext uri="{FF2B5EF4-FFF2-40B4-BE49-F238E27FC236}">
+                <a16:creationId xmlns:a16="http://schemas.microsoft.com/office/drawing/2014/main" id="{02A46C21-7D2D-C17B-1BC8-33C97D6239DD}"/>
+              </a:ext>
+            </a:extLst>
+          </p:cNvPr>
+          <p:cNvPicPr>
+            <a:picLocks noChangeAspect="1"/>
+          </p:cNvPicPr>
+          <p:nvPr/>
+        </p:nvPicPr>
+        <p:blipFill>
+          <a:blip r:embed="rId2">
+            <a:extLst>
+              <a:ext uri="{28A0092B-C50C-407E-A947-70E740481C1C}">
+                <a14:useLocalDpi xmlns:a14="http://schemas.microsoft.com/office/drawing/2010/main" val="0"/>
+              </a:ext>
+            </a:extLst>
+          </a:blip>
+          <a:stretch>
+            <a:fillRect/>
+          </a:stretch>
+        </p:blipFill>
+        <p:spPr>
+          <a:xfrm>
+            <a:off x="696063" y="3795652"/>
+            <a:ext cx="6366901" cy="2266022"/>
+          </a:xfrm>
+          <a:prstGeom prst="rect">
+            <a:avLst/>
+          </a:prstGeom>
+        </p:spPr>
+      </p:pic>
       <p:pic>
         <p:nvPicPr>
           <p:cNvPr id="6" name="Picture 6">
@@ -5022,7 +5161,7 @@
           <p:nvPr/>
         </p:nvPicPr>
         <p:blipFill rotWithShape="1">
-          <a:blip r:embed="rId2"/>
+          <a:blip r:embed="rId3"/>
           <a:srcRect l="14674" t="31224" r="15761" b="204"/>
           <a:stretch/>
         </p:blipFill>
@@ -5036,138 +5175,6 @@
           </a:prstGeom>
         </p:spPr>
       </p:pic>
-      <p:sp>
-        <p:nvSpPr>
-          <p:cNvPr id="7" name="TextBox 6">
-            <a:extLst>
-              <a:ext uri="{FF2B5EF4-FFF2-40B4-BE49-F238E27FC236}">
-                <a16:creationId xmlns:a16="http://schemas.microsoft.com/office/drawing/2014/main" id="{261EFB76-6E16-50D4-F4F2-3ADFD21EB9FF}"/>
-              </a:ext>
-            </a:extLst>
-          </p:cNvPr>
-          <p:cNvSpPr txBox="1"/>
-          <p:nvPr/>
-        </p:nvSpPr>
-        <p:spPr>
-          <a:xfrm>
-            <a:off x="8001000" y="1242391"/>
-            <a:ext cx="3246782" cy="2418521"/>
-          </a:xfrm>
-          <a:prstGeom prst="rect">
-            <a:avLst/>
-          </a:prstGeom>
-          <a:noFill/>
-        </p:spPr>
-        <p:txBody>
-          <a:bodyPr rot="0" spcFirstLastPara="0" vertOverflow="overflow" horzOverflow="overflow" vert="horz" wrap="square" lIns="91440" tIns="45720" rIns="91440" bIns="45720" numCol="1" spcCol="0" rtlCol="0" fromWordArt="0" anchor="t" anchorCtr="0" forceAA="0" compatLnSpc="1">
-            <a:prstTxWarp prst="textNoShape">
-              <a:avLst/>
-            </a:prstTxWarp>
-            <a:spAutoFit/>
-          </a:bodyPr>
-          <a:lstStyle/>
-          <a:p>
-            <a:pPr algn="l"/>
-            <a:endParaRPr lang="en-US"/>
-          </a:p>
-        </p:txBody>
-      </p:sp>
-      <p:pic>
-        <p:nvPicPr>
-          <p:cNvPr id="3" name="Picture 4">
-            <a:extLst>
-              <a:ext uri="{FF2B5EF4-FFF2-40B4-BE49-F238E27FC236}">
-                <a16:creationId xmlns:a16="http://schemas.microsoft.com/office/drawing/2014/main" id="{E0A301A9-E926-2E44-5B64-52BDE421A763}"/>
-              </a:ext>
-            </a:extLst>
-          </p:cNvPr>
-          <p:cNvPicPr>
-            <a:picLocks noChangeAspect="1"/>
-          </p:cNvPicPr>
-          <p:nvPr/>
-        </p:nvPicPr>
-        <p:blipFill>
-          <a:blip r:embed="rId3"/>
-          <a:stretch>
-            <a:fillRect/>
-          </a:stretch>
-        </p:blipFill>
-        <p:spPr>
-          <a:xfrm>
-            <a:off x="841216" y="4156645"/>
-            <a:ext cx="6234752" cy="2045657"/>
-          </a:xfrm>
-          <a:prstGeom prst="rect">
-            <a:avLst/>
-          </a:prstGeom>
-        </p:spPr>
-      </p:pic>
-      <p:sp>
-        <p:nvSpPr>
-          <p:cNvPr id="8" name="TextBox 7">
-            <a:extLst>
-              <a:ext uri="{FF2B5EF4-FFF2-40B4-BE49-F238E27FC236}">
-                <a16:creationId xmlns:a16="http://schemas.microsoft.com/office/drawing/2014/main" id="{64F7EA39-FA74-A2AF-688D-6B22B5DCC672}"/>
-              </a:ext>
-            </a:extLst>
-          </p:cNvPr>
-          <p:cNvSpPr txBox="1"/>
-          <p:nvPr/>
-        </p:nvSpPr>
-        <p:spPr>
-          <a:xfrm>
-            <a:off x="7520608" y="2070652"/>
-            <a:ext cx="3776868" cy="2677656"/>
-          </a:xfrm>
-          <a:prstGeom prst="rect">
-            <a:avLst/>
-          </a:prstGeom>
-          <a:noFill/>
-        </p:spPr>
-        <p:txBody>
-          <a:bodyPr rot="0" spcFirstLastPara="0" vertOverflow="overflow" horzOverflow="overflow" vert="horz" wrap="square" lIns="91440" tIns="45720" rIns="91440" bIns="45720" numCol="1" spcCol="0" rtlCol="0" fromWordArt="0" anchor="t" anchorCtr="0" forceAA="0" compatLnSpc="1">
-            <a:prstTxWarp prst="textNoShape">
-              <a:avLst/>
-            </a:prstTxWarp>
-            <a:spAutoFit/>
-          </a:bodyPr>
-          <a:lstStyle/>
-          <a:p>
-            <a:pPr algn="l"/>
-            <a:r>
-              <a:rPr lang="ja-JP" altLang="en-US" sz="2800">
-                <a:solidFill>
-                  <a:schemeClr val="bg1"/>
-                </a:solidFill>
-                <a:latin typeface="UD デジタル 教科書体 NP-R"/>
-                <a:ea typeface="UD デジタル 教科書体 NP-R"/>
-              </a:rPr>
-              <a:t>・摂取カロリーを元に動的なグラフを月ごとに形成</a:t>
-            </a:r>
-          </a:p>
-          <a:p>
-            <a:endParaRPr lang="ja-JP" altLang="en-US" sz="2800">
-              <a:solidFill>
-                <a:schemeClr val="bg1"/>
-              </a:solidFill>
-              <a:latin typeface="UD デジタル 教科書体 NP-R"/>
-              <a:ea typeface="UD デジタル 教科書体 NP-R"/>
-            </a:endParaRPr>
-          </a:p>
-          <a:p>
-            <a:r>
-              <a:rPr lang="ja-JP" altLang="en-US" sz="2800">
-                <a:solidFill>
-                  <a:schemeClr val="bg1"/>
-                </a:solidFill>
-                <a:latin typeface="UD デジタル 教科書体 NP-R"/>
-                <a:ea typeface="UD デジタル 教科書体 NP-R"/>
-              </a:rPr>
-              <a:t>・ユーザーに合わせた基礎代謝を表示</a:t>
-            </a:r>
-          </a:p>
-        </p:txBody>
-      </p:sp>
     </p:spTree>
     <p:extLst>
       <p:ext uri="{BB962C8B-B14F-4D97-AF65-F5344CB8AC3E}">
@@ -5258,12 +5265,105 @@
           </a:p>
         </p:txBody>
       </p:sp>
+      <p:sp>
+        <p:nvSpPr>
+          <p:cNvPr id="3" name="二等辺三角形 2">
+            <a:extLst>
+              <a:ext uri="{FF2B5EF4-FFF2-40B4-BE49-F238E27FC236}">
+                <a16:creationId xmlns:a16="http://schemas.microsoft.com/office/drawing/2014/main" id="{C93255BC-2E58-4405-0349-0366AE955D8F}"/>
+              </a:ext>
+            </a:extLst>
+          </p:cNvPr>
+          <p:cNvSpPr/>
+          <p:nvPr/>
+        </p:nvSpPr>
+        <p:spPr>
+          <a:xfrm rot="5400000">
+            <a:off x="862426" y="893905"/>
+            <a:ext cx="481012" cy="442911"/>
+          </a:xfrm>
+          <a:prstGeom prst="triangle">
+            <a:avLst/>
+          </a:prstGeom>
+          <a:solidFill>
+            <a:srgbClr val="ACBCFF"/>
+          </a:solidFill>
+          <a:ln>
+            <a:noFill/>
+          </a:ln>
+        </p:spPr>
+        <p:style>
+          <a:lnRef idx="2">
+            <a:schemeClr val="accent1">
+              <a:shade val="50000"/>
+            </a:schemeClr>
+          </a:lnRef>
+          <a:fillRef idx="1">
+            <a:schemeClr val="accent1"/>
+          </a:fillRef>
+          <a:effectRef idx="0">
+            <a:schemeClr val="accent1"/>
+          </a:effectRef>
+          <a:fontRef idx="minor">
+            <a:schemeClr val="lt1"/>
+          </a:fontRef>
+        </p:style>
+        <p:txBody>
+          <a:bodyPr rtlCol="0" anchor="ctr"/>
+          <a:lstStyle/>
+          <a:p>
+            <a:pPr algn="ctr"/>
+            <a:endParaRPr kumimoji="1" lang="ja-JP" altLang="en-US"/>
+          </a:p>
+        </p:txBody>
+      </p:sp>
+      <p:sp>
+        <p:nvSpPr>
+          <p:cNvPr id="6" name="テキスト ボックス 5">
+            <a:extLst>
+              <a:ext uri="{FF2B5EF4-FFF2-40B4-BE49-F238E27FC236}">
+                <a16:creationId xmlns:a16="http://schemas.microsoft.com/office/drawing/2014/main" id="{16548B8F-C8B2-BF66-F4C2-30DC05A1AB4A}"/>
+              </a:ext>
+            </a:extLst>
+          </p:cNvPr>
+          <p:cNvSpPr txBox="1"/>
+          <p:nvPr/>
+        </p:nvSpPr>
+        <p:spPr>
+          <a:xfrm>
+            <a:off x="1762125" y="874854"/>
+            <a:ext cx="7476468" cy="584775"/>
+          </a:xfrm>
+          <a:prstGeom prst="rect">
+            <a:avLst/>
+          </a:prstGeom>
+          <a:noFill/>
+        </p:spPr>
+        <p:txBody>
+          <a:bodyPr wrap="square" lIns="91440" tIns="45720" rIns="91440" bIns="45720" rtlCol="0" anchor="t">
+            <a:spAutoFit/>
+          </a:bodyPr>
+          <a:lstStyle/>
+          <a:p>
+            <a:r>
+              <a:rPr lang="ja-JP" altLang="en-US" sz="3200" dirty="0">
+                <a:solidFill>
+                  <a:schemeClr val="bg1"/>
+                </a:solidFill>
+                <a:latin typeface="UD デジタル 教科書体 NP-R"/>
+                <a:ea typeface="UD デジタル 教科書体 NP-R"/>
+              </a:rPr>
+              <a:t>実装できなかった（したかった）点</a:t>
+            </a:r>
+          </a:p>
+        </p:txBody>
+      </p:sp>
       <p:pic>
         <p:nvPicPr>
           <p:cNvPr id="5" name="図 4">
             <a:extLst>
               <a:ext uri="{FF2B5EF4-FFF2-40B4-BE49-F238E27FC236}">
-                <a16:creationId xmlns:a16="http://schemas.microsoft.com/office/drawing/2014/main" id="{44DF5A4D-94B9-4ACC-A06B-74494C6401F3}"/>
+                <a16:creationId xmlns:a16="http://schemas.microsoft.com/office/drawing/2014/main" id="{2B2A9C3A-018F-9F46-6061-C89E5D0A7B88}"/>
               </a:ext>
             </a:extLst>
           </p:cNvPr>
@@ -5280,7 +5380,7 @@
         </p:blipFill>
         <p:spPr>
           <a:xfrm>
-            <a:off x="1455417" y="1534495"/>
+            <a:off x="1455417" y="2144806"/>
             <a:ext cx="9281166" cy="3414093"/>
           </a:xfrm>
           <a:prstGeom prst="rect">
@@ -5288,61 +5388,10 @@
           </a:prstGeom>
         </p:spPr>
       </p:pic>
-      <p:sp>
-        <p:nvSpPr>
-          <p:cNvPr id="9" name="テキスト ボックス 8">
-            <a:extLst>
-              <a:ext uri="{FF2B5EF4-FFF2-40B4-BE49-F238E27FC236}">
-                <a16:creationId xmlns:a16="http://schemas.microsoft.com/office/drawing/2014/main" id="{3F9AE884-8F8E-4C50-876C-8B99DDA5D075}"/>
-              </a:ext>
-            </a:extLst>
-          </p:cNvPr>
-          <p:cNvSpPr txBox="1"/>
-          <p:nvPr/>
-        </p:nvSpPr>
-        <p:spPr>
-          <a:xfrm>
-            <a:off x="9042400" y="5138839"/>
-            <a:ext cx="2712720" cy="369332"/>
-          </a:xfrm>
-          <a:prstGeom prst="rect">
-            <a:avLst/>
-          </a:prstGeom>
-          <a:noFill/>
-        </p:spPr>
-        <p:txBody>
-          <a:bodyPr wrap="square" rtlCol="0">
-            <a:spAutoFit/>
-          </a:bodyPr>
-          <a:lstStyle/>
-          <a:p>
-            <a:r>
-              <a:rPr kumimoji="1" lang="en-US" altLang="ja-JP" dirty="0">
-                <a:solidFill>
-                  <a:schemeClr val="bg1"/>
-                </a:solidFill>
-                <a:latin typeface="UD デジタル 教科書体 NP-R" panose="02020400000000000000" pitchFamily="18" charset="-128"/>
-                <a:ea typeface="UD デジタル 教科書体 NP-R" panose="02020400000000000000" pitchFamily="18" charset="-128"/>
-              </a:rPr>
-              <a:t>※</a:t>
-            </a:r>
-            <a:r>
-              <a:rPr kumimoji="1" lang="ja-JP" altLang="en-US" dirty="0">
-                <a:solidFill>
-                  <a:schemeClr val="bg1"/>
-                </a:solidFill>
-                <a:latin typeface="UD デジタル 教科書体 NP-R" panose="02020400000000000000" pitchFamily="18" charset="-128"/>
-                <a:ea typeface="UD デジタル 教科書体 NP-R" panose="02020400000000000000" pitchFamily="18" charset="-128"/>
-              </a:rPr>
-              <a:t>外部設計書</a:t>
-            </a:r>
-          </a:p>
-        </p:txBody>
-      </p:sp>
     </p:spTree>
     <p:extLst>
       <p:ext uri="{BB962C8B-B14F-4D97-AF65-F5344CB8AC3E}">
-        <p14:creationId xmlns:p14="http://schemas.microsoft.com/office/powerpoint/2010/main" val="109115079"/>
+        <p14:creationId xmlns:p14="http://schemas.microsoft.com/office/powerpoint/2010/main" val="3768877249"/>
       </p:ext>
     </p:extLst>
   </p:cSld>
@@ -5745,12 +5794,72 @@
           </a:p>
         </p:txBody>
       </p:sp>
-      <p:sp>
-        <p:nvSpPr>
-          <p:cNvPr id="3" name="二等辺三角形 2">
+      <p:pic>
+        <p:nvPicPr>
+          <p:cNvPr id="7" name="図 6">
             <a:extLst>
               <a:ext uri="{FF2B5EF4-FFF2-40B4-BE49-F238E27FC236}">
-                <a16:creationId xmlns:a16="http://schemas.microsoft.com/office/drawing/2014/main" id="{C93255BC-2E58-4405-0349-0366AE955D8F}"/>
+                <a16:creationId xmlns:a16="http://schemas.microsoft.com/office/drawing/2014/main" id="{92D0B3DA-DB67-4FC8-60FC-FCBF165B26FB}"/>
+              </a:ext>
+            </a:extLst>
+          </p:cNvPr>
+          <p:cNvPicPr>
+            <a:picLocks noChangeAspect="1"/>
+          </p:cNvPicPr>
+          <p:nvPr/>
+        </p:nvPicPr>
+        <p:blipFill>
+          <a:blip r:embed="rId2"/>
+          <a:stretch>
+            <a:fillRect/>
+          </a:stretch>
+        </p:blipFill>
+        <p:spPr>
+          <a:xfrm>
+            <a:off x="607521" y="1707349"/>
+            <a:ext cx="4712856" cy="3972821"/>
+          </a:xfrm>
+          <a:prstGeom prst="rect">
+            <a:avLst/>
+          </a:prstGeom>
+        </p:spPr>
+      </p:pic>
+      <p:pic>
+        <p:nvPicPr>
+          <p:cNvPr id="9" name="図 8">
+            <a:extLst>
+              <a:ext uri="{FF2B5EF4-FFF2-40B4-BE49-F238E27FC236}">
+                <a16:creationId xmlns:a16="http://schemas.microsoft.com/office/drawing/2014/main" id="{222F092E-8340-16EF-E73B-12CD94405876}"/>
+              </a:ext>
+            </a:extLst>
+          </p:cNvPr>
+          <p:cNvPicPr>
+            <a:picLocks noChangeAspect="1"/>
+          </p:cNvPicPr>
+          <p:nvPr/>
+        </p:nvPicPr>
+        <p:blipFill>
+          <a:blip r:embed="rId3"/>
+          <a:stretch>
+            <a:fillRect/>
+          </a:stretch>
+        </p:blipFill>
+        <p:spPr>
+          <a:xfrm>
+            <a:off x="6273934" y="1473066"/>
+            <a:ext cx="5438323" cy="4256078"/>
+          </a:xfrm>
+          <a:prstGeom prst="rect">
+            <a:avLst/>
+          </a:prstGeom>
+        </p:spPr>
+      </p:pic>
+      <p:sp>
+        <p:nvSpPr>
+          <p:cNvPr id="10" name="矢印: 右 9">
+            <a:extLst>
+              <a:ext uri="{FF2B5EF4-FFF2-40B4-BE49-F238E27FC236}">
+                <a16:creationId xmlns:a16="http://schemas.microsoft.com/office/drawing/2014/main" id="{6149C447-80C1-2A93-D171-0D1299084531}"/>
               </a:ext>
             </a:extLst>
           </p:cNvPr>
@@ -5758,19 +5867,13 @@
           <p:nvPr/>
         </p:nvSpPr>
         <p:spPr>
-          <a:xfrm rot="5400000">
-            <a:off x="862426" y="893905"/>
-            <a:ext cx="481012" cy="442911"/>
-          </a:xfrm>
-          <a:prstGeom prst="triangle">
+          <a:xfrm>
+            <a:off x="5539528" y="3229301"/>
+            <a:ext cx="757078" cy="743607"/>
+          </a:xfrm>
+          <a:prstGeom prst="rightArrow">
             <a:avLst/>
           </a:prstGeom>
-          <a:solidFill>
-            <a:srgbClr val="ACBCFF"/>
-          </a:solidFill>
-          <a:ln>
-            <a:noFill/>
-          </a:ln>
         </p:spPr>
         <p:style>
           <a:lnRef idx="2">
@@ -5797,99 +5900,10 @@
           </a:p>
         </p:txBody>
       </p:sp>
-      <p:sp>
-        <p:nvSpPr>
-          <p:cNvPr id="4" name="テキスト ボックス 5">
-            <a:extLst>
-              <a:ext uri="{FF2B5EF4-FFF2-40B4-BE49-F238E27FC236}">
-                <a16:creationId xmlns:a16="http://schemas.microsoft.com/office/drawing/2014/main" id="{21753DF3-E580-0C76-CEED-1CD21616FC30}"/>
-              </a:ext>
-            </a:extLst>
-          </p:cNvPr>
-          <p:cNvSpPr txBox="1"/>
-          <p:nvPr/>
-        </p:nvSpPr>
-        <p:spPr>
-          <a:xfrm>
-            <a:off x="2296385" y="2989806"/>
-            <a:ext cx="8145768" cy="1200329"/>
-          </a:xfrm>
-          <a:prstGeom prst="rect">
-            <a:avLst/>
-          </a:prstGeom>
-          <a:noFill/>
-        </p:spPr>
-        <p:txBody>
-          <a:bodyPr wrap="square" lIns="91440" tIns="45720" rIns="91440" bIns="45720" rtlCol="0" anchor="t">
-            <a:spAutoFit/>
-          </a:bodyPr>
-          <a:lstStyle/>
-          <a:p>
-            <a:r>
-              <a:rPr lang="ja-JP" altLang="en-US" sz="7200" b="1" dirty="0">
-                <a:solidFill>
-                  <a:schemeClr val="bg1"/>
-                </a:solidFill>
-                <a:effectLst>
-                  <a:outerShdw blurRad="38100" dist="38100" dir="2700000" algn="tl">
-                    <a:srgbClr val="000000">
-                      <a:alpha val="43137"/>
-                    </a:srgbClr>
-                  </a:outerShdw>
-                </a:effectLst>
-                <a:latin typeface="UD デジタル 教科書体 NK-B" panose="02020700000000000000" pitchFamily="18" charset="-128"/>
-                <a:ea typeface="UD デジタル 教科書体 NK-B" panose="02020700000000000000" pitchFamily="18" charset="-128"/>
-              </a:rPr>
-              <a:t>メンバーから一言</a:t>
-            </a:r>
-          </a:p>
-        </p:txBody>
-      </p:sp>
-      <p:sp>
-        <p:nvSpPr>
-          <p:cNvPr id="6" name="テキスト ボックス 5">
-            <a:extLst>
-              <a:ext uri="{FF2B5EF4-FFF2-40B4-BE49-F238E27FC236}">
-                <a16:creationId xmlns:a16="http://schemas.microsoft.com/office/drawing/2014/main" id="{16548B8F-C8B2-BF66-F4C2-30DC05A1AB4A}"/>
-              </a:ext>
-            </a:extLst>
-          </p:cNvPr>
-          <p:cNvSpPr txBox="1"/>
-          <p:nvPr/>
-        </p:nvSpPr>
-        <p:spPr>
-          <a:xfrm>
-            <a:off x="1762125" y="874854"/>
-            <a:ext cx="4333875" cy="584775"/>
-          </a:xfrm>
-          <a:prstGeom prst="rect">
-            <a:avLst/>
-          </a:prstGeom>
-          <a:noFill/>
-        </p:spPr>
-        <p:txBody>
-          <a:bodyPr wrap="square" lIns="91440" tIns="45720" rIns="91440" bIns="45720" rtlCol="0" anchor="t">
-            <a:spAutoFit/>
-          </a:bodyPr>
-          <a:lstStyle/>
-          <a:p>
-            <a:r>
-              <a:rPr lang="ja-JP" altLang="en-US" sz="3200" dirty="0">
-                <a:solidFill>
-                  <a:schemeClr val="bg1"/>
-                </a:solidFill>
-                <a:latin typeface="UD デジタル 教科書体 NP-R"/>
-                <a:ea typeface="UD デジタル 教科書体 NP-R"/>
-              </a:rPr>
-              <a:t>まとめ</a:t>
-            </a:r>
-          </a:p>
-        </p:txBody>
-      </p:sp>
     </p:spTree>
     <p:extLst>
       <p:ext uri="{BB962C8B-B14F-4D97-AF65-F5344CB8AC3E}">
-        <p14:creationId xmlns:p14="http://schemas.microsoft.com/office/powerpoint/2010/main" val="434280435"/>
+        <p14:creationId xmlns:p14="http://schemas.microsoft.com/office/powerpoint/2010/main" val="4151076690"/>
       </p:ext>
     </p:extLst>
   </p:cSld>
@@ -5972,6 +5986,237 @@
           <a:lstStyle/>
           <a:p>
             <a:pPr algn="ctr"/>
+            <a:endParaRPr kumimoji="1" lang="ja-JP" altLang="en-US"/>
+          </a:p>
+        </p:txBody>
+      </p:sp>
+      <p:sp>
+        <p:nvSpPr>
+          <p:cNvPr id="3" name="二等辺三角形 2">
+            <a:extLst>
+              <a:ext uri="{FF2B5EF4-FFF2-40B4-BE49-F238E27FC236}">
+                <a16:creationId xmlns:a16="http://schemas.microsoft.com/office/drawing/2014/main" id="{C93255BC-2E58-4405-0349-0366AE955D8F}"/>
+              </a:ext>
+            </a:extLst>
+          </p:cNvPr>
+          <p:cNvSpPr/>
+          <p:nvPr/>
+        </p:nvSpPr>
+        <p:spPr>
+          <a:xfrm rot="5400000">
+            <a:off x="862426" y="893905"/>
+            <a:ext cx="481012" cy="442911"/>
+          </a:xfrm>
+          <a:prstGeom prst="triangle">
+            <a:avLst/>
+          </a:prstGeom>
+          <a:solidFill>
+            <a:srgbClr val="ACBCFF"/>
+          </a:solidFill>
+          <a:ln>
+            <a:noFill/>
+          </a:ln>
+        </p:spPr>
+        <p:style>
+          <a:lnRef idx="2">
+            <a:schemeClr val="accent1">
+              <a:shade val="50000"/>
+            </a:schemeClr>
+          </a:lnRef>
+          <a:fillRef idx="1">
+            <a:schemeClr val="accent1"/>
+          </a:fillRef>
+          <a:effectRef idx="0">
+            <a:schemeClr val="accent1"/>
+          </a:effectRef>
+          <a:fontRef idx="minor">
+            <a:schemeClr val="lt1"/>
+          </a:fontRef>
+        </p:style>
+        <p:txBody>
+          <a:bodyPr rtlCol="0" anchor="ctr"/>
+          <a:lstStyle/>
+          <a:p>
+            <a:pPr algn="ctr"/>
+            <a:endParaRPr kumimoji="1" lang="ja-JP" altLang="en-US"/>
+          </a:p>
+        </p:txBody>
+      </p:sp>
+      <p:sp>
+        <p:nvSpPr>
+          <p:cNvPr id="4" name="テキスト ボックス 5">
+            <a:extLst>
+              <a:ext uri="{FF2B5EF4-FFF2-40B4-BE49-F238E27FC236}">
+                <a16:creationId xmlns:a16="http://schemas.microsoft.com/office/drawing/2014/main" id="{21753DF3-E580-0C76-CEED-1CD21616FC30}"/>
+              </a:ext>
+            </a:extLst>
+          </p:cNvPr>
+          <p:cNvSpPr txBox="1"/>
+          <p:nvPr/>
+        </p:nvSpPr>
+        <p:spPr>
+          <a:xfrm>
+            <a:off x="2296385" y="2989806"/>
+            <a:ext cx="8145768" cy="1200329"/>
+          </a:xfrm>
+          <a:prstGeom prst="rect">
+            <a:avLst/>
+          </a:prstGeom>
+          <a:noFill/>
+        </p:spPr>
+        <p:txBody>
+          <a:bodyPr wrap="square" lIns="91440" tIns="45720" rIns="91440" bIns="45720" rtlCol="0" anchor="t">
+            <a:spAutoFit/>
+          </a:bodyPr>
+          <a:lstStyle/>
+          <a:p>
+            <a:r>
+              <a:rPr lang="ja-JP" altLang="en-US" sz="7200" b="1" dirty="0">
+                <a:solidFill>
+                  <a:schemeClr val="bg1"/>
+                </a:solidFill>
+                <a:effectLst>
+                  <a:outerShdw blurRad="38100" dist="38100" dir="2700000" algn="tl">
+                    <a:srgbClr val="000000">
+                      <a:alpha val="43137"/>
+                    </a:srgbClr>
+                  </a:outerShdw>
+                </a:effectLst>
+                <a:latin typeface="UD デジタル 教科書体 NK-B" panose="02020700000000000000" pitchFamily="18" charset="-128"/>
+                <a:ea typeface="UD デジタル 教科書体 NK-B" panose="02020700000000000000" pitchFamily="18" charset="-128"/>
+              </a:rPr>
+              <a:t>メンバーから一言</a:t>
+            </a:r>
+          </a:p>
+        </p:txBody>
+      </p:sp>
+      <p:sp>
+        <p:nvSpPr>
+          <p:cNvPr id="6" name="テキスト ボックス 5">
+            <a:extLst>
+              <a:ext uri="{FF2B5EF4-FFF2-40B4-BE49-F238E27FC236}">
+                <a16:creationId xmlns:a16="http://schemas.microsoft.com/office/drawing/2014/main" id="{16548B8F-C8B2-BF66-F4C2-30DC05A1AB4A}"/>
+              </a:ext>
+            </a:extLst>
+          </p:cNvPr>
+          <p:cNvSpPr txBox="1"/>
+          <p:nvPr/>
+        </p:nvSpPr>
+        <p:spPr>
+          <a:xfrm>
+            <a:off x="1762125" y="874854"/>
+            <a:ext cx="4333875" cy="584775"/>
+          </a:xfrm>
+          <a:prstGeom prst="rect">
+            <a:avLst/>
+          </a:prstGeom>
+          <a:noFill/>
+        </p:spPr>
+        <p:txBody>
+          <a:bodyPr wrap="square" lIns="91440" tIns="45720" rIns="91440" bIns="45720" rtlCol="0" anchor="t">
+            <a:spAutoFit/>
+          </a:bodyPr>
+          <a:lstStyle/>
+          <a:p>
+            <a:r>
+              <a:rPr lang="ja-JP" altLang="en-US" sz="3200" dirty="0">
+                <a:solidFill>
+                  <a:schemeClr val="bg1"/>
+                </a:solidFill>
+                <a:latin typeface="UD デジタル 教科書体 NP-R"/>
+                <a:ea typeface="UD デジタル 教科書体 NP-R"/>
+              </a:rPr>
+              <a:t>まとめ</a:t>
+            </a:r>
+          </a:p>
+        </p:txBody>
+      </p:sp>
+    </p:spTree>
+    <p:extLst>
+      <p:ext uri="{BB962C8B-B14F-4D97-AF65-F5344CB8AC3E}">
+        <p14:creationId xmlns:p14="http://schemas.microsoft.com/office/powerpoint/2010/main" val="434280435"/>
+      </p:ext>
+    </p:extLst>
+  </p:cSld>
+  <p:clrMapOvr>
+    <a:masterClrMapping/>
+  </p:clrMapOvr>
+</p:sld>
+</file>
+
+<file path=ppt/slides/slide18.xml><?xml version="1.0" encoding="utf-8"?>
+<p:sld xmlns:a="http://schemas.openxmlformats.org/drawingml/2006/main" xmlns:r="http://schemas.openxmlformats.org/officeDocument/2006/relationships" xmlns:p="http://schemas.openxmlformats.org/presentationml/2006/main">
+  <p:cSld>
+    <p:bg>
+      <p:bgPr>
+        <a:solidFill>
+          <a:srgbClr val="AEE2FF"/>
+        </a:solidFill>
+        <a:effectLst/>
+      </p:bgPr>
+    </p:bg>
+    <p:spTree>
+      <p:nvGrpSpPr>
+        <p:cNvPr id="1" name=""/>
+        <p:cNvGrpSpPr/>
+        <p:nvPr/>
+      </p:nvGrpSpPr>
+      <p:grpSpPr>
+        <a:xfrm>
+          <a:off x="0" y="0"/>
+          <a:ext cx="0" cy="0"/>
+          <a:chOff x="0" y="0"/>
+          <a:chExt cx="0" cy="0"/>
+        </a:xfrm>
+      </p:grpSpPr>
+      <p:sp>
+        <p:nvSpPr>
+          <p:cNvPr id="2" name="正方形/長方形 1">
+            <a:extLst>
+              <a:ext uri="{FF2B5EF4-FFF2-40B4-BE49-F238E27FC236}">
+                <a16:creationId xmlns:a16="http://schemas.microsoft.com/office/drawing/2014/main" id="{5B096CB1-87E5-4B06-B864-486CBCC10EE2}"/>
+              </a:ext>
+            </a:extLst>
+          </p:cNvPr>
+          <p:cNvSpPr/>
+          <p:nvPr/>
+        </p:nvSpPr>
+        <p:spPr>
+          <a:xfrm>
+            <a:off x="436880" y="406400"/>
+            <a:ext cx="11318240" cy="6045200"/>
+          </a:xfrm>
+          <a:prstGeom prst="rect">
+            <a:avLst/>
+          </a:prstGeom>
+          <a:solidFill>
+            <a:schemeClr val="tx1"/>
+          </a:solidFill>
+          <a:ln>
+            <a:noFill/>
+          </a:ln>
+        </p:spPr>
+        <p:style>
+          <a:lnRef idx="2">
+            <a:schemeClr val="accent1">
+              <a:shade val="50000"/>
+            </a:schemeClr>
+          </a:lnRef>
+          <a:fillRef idx="1">
+            <a:schemeClr val="accent1"/>
+          </a:fillRef>
+          <a:effectRef idx="0">
+            <a:schemeClr val="accent1"/>
+          </a:effectRef>
+          <a:fontRef idx="minor">
+            <a:schemeClr val="lt1"/>
+          </a:fontRef>
+        </p:style>
+        <p:txBody>
+          <a:bodyPr rtlCol="0" anchor="ctr"/>
+          <a:lstStyle/>
+          <a:p>
+            <a:pPr algn="ctr"/>
             <a:r>
               <a:rPr kumimoji="1" lang="en-US" altLang="ja-JP" dirty="0"/>
               <a:t>Web</a:t>
@@ -6029,7 +6274,7 @@
                 <a:effectLst/>
                 <a:latin typeface="Söhne"/>
               </a:rPr>
-              <a:t>アプリ開発の発表に関わっていただいたすべての方々に深く感謝の意を表します。</a:t>
+              <a:t>アプリ開発に関わっていただいたすべての方々に深く感謝の意を表します。</a:t>
             </a:r>
             <a:endParaRPr lang="en-US" altLang="ja-JP" sz="3600" b="0" i="0" dirty="0">
               <a:solidFill>
@@ -8154,6 +8399,59 @@
                       </p:childTnLst>
                     </p:cTn>
                   </p:par>
+                  <p:par>
+                    <p:cTn id="7" fill="hold">
+                      <p:stCondLst>
+                        <p:cond delay="indefinite"/>
+                      </p:stCondLst>
+                      <p:childTnLst>
+                        <p:par>
+                          <p:cTn id="8" fill="hold">
+                            <p:stCondLst>
+                              <p:cond delay="0"/>
+                            </p:stCondLst>
+                            <p:childTnLst>
+                              <p:par>
+                                <p:cTn id="9" presetID="10" presetClass="entr" presetSubtype="0" fill="hold" grpId="0" nodeType="clickEffect">
+                                  <p:stCondLst>
+                                    <p:cond delay="0"/>
+                                  </p:stCondLst>
+                                  <p:childTnLst>
+                                    <p:set>
+                                      <p:cBhvr>
+                                        <p:cTn id="10" dur="1" fill="hold">
+                                          <p:stCondLst>
+                                            <p:cond delay="0"/>
+                                          </p:stCondLst>
+                                        </p:cTn>
+                                        <p:tgtEl>
+                                          <p:spTgt spid="4"/>
+                                        </p:tgtEl>
+                                        <p:attrNameLst>
+                                          <p:attrName>style.visibility</p:attrName>
+                                        </p:attrNameLst>
+                                      </p:cBhvr>
+                                      <p:to>
+                                        <p:strVal val="visible"/>
+                                      </p:to>
+                                    </p:set>
+                                    <p:animEffect transition="in" filter="fade">
+                                      <p:cBhvr>
+                                        <p:cTn id="11" dur="500"/>
+                                        <p:tgtEl>
+                                          <p:spTgt spid="4"/>
+                                        </p:tgtEl>
+                                      </p:cBhvr>
+                                    </p:animEffect>
+                                  </p:childTnLst>
+                                </p:cTn>
+                              </p:par>
+                            </p:childTnLst>
+                          </p:cTn>
+                        </p:par>
+                      </p:childTnLst>
+                    </p:cTn>
+                  </p:par>
                 </p:childTnLst>
               </p:cTn>
               <p:prevCondLst>
@@ -8175,6 +8473,9 @@
         </p:cTn>
       </p:par>
     </p:tnLst>
+    <p:bldLst>
+      <p:bldP spid="4" grpId="0"/>
+    </p:bldLst>
   </p:timing>
 </p:sld>
 </file>
@@ -9029,7 +9330,7 @@
         </p:nvSpPr>
         <p:spPr>
           <a:xfrm>
-            <a:off x="1178884" y="2481605"/>
+            <a:off x="1324388" y="2874542"/>
             <a:ext cx="9422854" cy="1077218"/>
           </a:xfrm>
           <a:prstGeom prst="rect">
@@ -9136,47 +9437,6 @@
           </a:prstGeom>
         </p:spPr>
       </p:pic>
-      <p:sp>
-        <p:nvSpPr>
-          <p:cNvPr id="6" name="テキスト ボックス 5">
-            <a:extLst>
-              <a:ext uri="{FF2B5EF4-FFF2-40B4-BE49-F238E27FC236}">
-                <a16:creationId xmlns:a16="http://schemas.microsoft.com/office/drawing/2014/main" id="{92B15E89-77E4-4D03-B872-F261F902DE20}"/>
-              </a:ext>
-            </a:extLst>
-          </p:cNvPr>
-          <p:cNvSpPr txBox="1"/>
-          <p:nvPr/>
-        </p:nvSpPr>
-        <p:spPr>
-          <a:xfrm>
-            <a:off x="2743642" y="4421948"/>
-            <a:ext cx="8364648" cy="1077218"/>
-          </a:xfrm>
-          <a:prstGeom prst="rect">
-            <a:avLst/>
-          </a:prstGeom>
-          <a:noFill/>
-        </p:spPr>
-        <p:txBody>
-          <a:bodyPr wrap="square" rtlCol="0">
-            <a:spAutoFit/>
-          </a:bodyPr>
-          <a:lstStyle/>
-          <a:p>
-            <a:r>
-              <a:rPr kumimoji="1" lang="ja-JP" altLang="en-US" sz="3200" dirty="0">
-                <a:solidFill>
-                  <a:schemeClr val="bg1"/>
-                </a:solidFill>
-                <a:latin typeface="UD デジタル 教科書体 NK-R" panose="02020400000000000000" pitchFamily="18" charset="-128"/>
-                <a:ea typeface="UD デジタル 教科書体 NK-R" panose="02020400000000000000" pitchFamily="18" charset="-128"/>
-              </a:rPr>
-              <a:t>カレンダー上での総カロリー表示やグラフ機能など、視覚的にわかりやすく、毎日の使用が容易。</a:t>
-            </a:r>
-          </a:p>
-        </p:txBody>
-      </p:sp>
     </p:spTree>
     <p:extLst>
       <p:ext uri="{BB962C8B-B14F-4D97-AF65-F5344CB8AC3E}">
@@ -9248,59 +9508,6 @@
                       </p:childTnLst>
                     </p:cTn>
                   </p:par>
-                  <p:par>
-                    <p:cTn id="8" fill="hold">
-                      <p:stCondLst>
-                        <p:cond delay="indefinite"/>
-                      </p:stCondLst>
-                      <p:childTnLst>
-                        <p:par>
-                          <p:cTn id="9" fill="hold">
-                            <p:stCondLst>
-                              <p:cond delay="0"/>
-                            </p:stCondLst>
-                            <p:childTnLst>
-                              <p:par>
-                                <p:cTn id="10" presetID="10" presetClass="entr" presetSubtype="0" fill="hold" grpId="0" nodeType="clickEffect">
-                                  <p:stCondLst>
-                                    <p:cond delay="0"/>
-                                  </p:stCondLst>
-                                  <p:childTnLst>
-                                    <p:set>
-                                      <p:cBhvr>
-                                        <p:cTn id="11" dur="1" fill="hold">
-                                          <p:stCondLst>
-                                            <p:cond delay="0"/>
-                                          </p:stCondLst>
-                                        </p:cTn>
-                                        <p:tgtEl>
-                                          <p:spTgt spid="6"/>
-                                        </p:tgtEl>
-                                        <p:attrNameLst>
-                                          <p:attrName>style.visibility</p:attrName>
-                                        </p:attrNameLst>
-                                      </p:cBhvr>
-                                      <p:to>
-                                        <p:strVal val="visible"/>
-                                      </p:to>
-                                    </p:set>
-                                    <p:animEffect transition="in" filter="fade">
-                                      <p:cBhvr>
-                                        <p:cTn id="12" dur="500"/>
-                                        <p:tgtEl>
-                                          <p:spTgt spid="6"/>
-                                        </p:tgtEl>
-                                      </p:cBhvr>
-                                    </p:animEffect>
-                                  </p:childTnLst>
-                                </p:cTn>
-                              </p:par>
-                            </p:childTnLst>
-                          </p:cTn>
-                        </p:par>
-                      </p:childTnLst>
-                    </p:cTn>
-                  </p:par>
                 </p:childTnLst>
               </p:cTn>
               <p:prevCondLst>
@@ -9324,7 +9531,6 @@
     </p:tnLst>
     <p:bldLst>
       <p:bldP spid="3" grpId="0"/>
-      <p:bldP spid="6" grpId="0"/>
     </p:bldLst>
   </p:timing>
 </p:sld>
@@ -10051,20 +10257,20 @@
 </file>
 
 <file path=customXml/item1.xml><?xml version="1.0" encoding="utf-8"?>
-<p:properties xmlns:p="http://schemas.microsoft.com/office/2006/metadata/properties" xmlns:xsi="http://www.w3.org/2001/XMLSchema-instance" xmlns:pc="http://schemas.microsoft.com/office/infopath/2007/PartnerControls">
-  <documentManagement>
-    <_activity xmlns="54c177cd-5b69-4c86-94f8-baea005b32a7" xsi:nil="true"/>
-  </documentManagement>
-</p:properties>
-</file>
-
-<file path=customXml/item2.xml><?xml version="1.0" encoding="utf-8"?>
 <?mso-contentType ?>
 <FormTemplates xmlns="http://schemas.microsoft.com/sharepoint/v3/contenttype/forms">
   <Display>DocumentLibraryForm</Display>
   <Edit>DocumentLibraryForm</Edit>
   <New>DocumentLibraryForm</New>
 </FormTemplates>
+</file>
+
+<file path=customXml/item2.xml><?xml version="1.0" encoding="utf-8"?>
+<p:properties xmlns:p="http://schemas.microsoft.com/office/2006/metadata/properties" xmlns:xsi="http://www.w3.org/2001/XMLSchema-instance" xmlns:pc="http://schemas.microsoft.com/office/infopath/2007/PartnerControls">
+  <documentManagement>
+    <_activity xmlns="54c177cd-5b69-4c86-94f8-baea005b32a7" xsi:nil="true"/>
+  </documentManagement>
+</p:properties>
 </file>
 
 <file path=customXml/item3.xml><?xml version="1.0" encoding="utf-8"?>
@@ -10206,6 +10412,14 @@
 </file>
 
 <file path=customXml/itemProps1.xml><?xml version="1.0" encoding="utf-8"?>
+<ds:datastoreItem xmlns:ds="http://schemas.openxmlformats.org/officeDocument/2006/customXml" ds:itemID="{198FB8AF-12FD-4F20-A5F7-DB57E8A5BA60}">
+  <ds:schemaRefs>
+    <ds:schemaRef ds:uri="http://schemas.microsoft.com/sharepoint/v3/contenttype/forms"/>
+  </ds:schemaRefs>
+</ds:datastoreItem>
+</file>
+
+<file path=customXml/itemProps2.xml><?xml version="1.0" encoding="utf-8"?>
 <ds:datastoreItem xmlns:ds="http://schemas.openxmlformats.org/officeDocument/2006/customXml" ds:itemID="{BE6ABD35-10F0-4E69-A4B4-6A641261C546}">
   <ds:schemaRefs>
     <ds:schemaRef ds:uri="54c177cd-5b69-4c86-94f8-baea005b32a7"/>
@@ -10217,14 +10431,6 @@
     <ds:schemaRef ds:uri="http://schemas.microsoft.com/office/infopath/2007/PartnerControls"/>
     <ds:schemaRef ds:uri="http://schemas.openxmlformats.org/package/2006/metadata/core-properties"/>
     <ds:schemaRef ds:uri="http://www.w3.org/XML/1998/namespace"/>
-  </ds:schemaRefs>
-</ds:datastoreItem>
-</file>
-
-<file path=customXml/itemProps2.xml><?xml version="1.0" encoding="utf-8"?>
-<ds:datastoreItem xmlns:ds="http://schemas.openxmlformats.org/officeDocument/2006/customXml" ds:itemID="{198FB8AF-12FD-4F20-A5F7-DB57E8A5BA60}">
-  <ds:schemaRefs>
-    <ds:schemaRef ds:uri="http://schemas.microsoft.com/sharepoint/v3/contenttype/forms"/>
   </ds:schemaRefs>
 </ds:datastoreItem>
 </file>
